--- a/산출문서/화면설계서(핵심최종)/화면설계서_서식_핵심최종(1조. HappyVirus).pptx
+++ b/산출문서/화면설계서(핵심최종)/화면설계서_서식_핵심최종(1조. HappyVirus).pptx
@@ -5,24 +5,25 @@
     <p:sldMasterId id="2147483660" r:id="rId1"/>
   </p:sldMasterIdLst>
   <p:notesMasterIdLst>
-    <p:notesMasterId r:id="rId17"/>
+    <p:notesMasterId r:id="rId18"/>
   </p:notesMasterIdLst>
   <p:sldIdLst>
     <p:sldId id="257" r:id="rId2"/>
     <p:sldId id="299" r:id="rId3"/>
     <p:sldId id="314" r:id="rId4"/>
     <p:sldId id="313" r:id="rId5"/>
-    <p:sldId id="327" r:id="rId6"/>
-    <p:sldId id="328" r:id="rId7"/>
-    <p:sldId id="329" r:id="rId8"/>
-    <p:sldId id="333" r:id="rId9"/>
-    <p:sldId id="330" r:id="rId10"/>
-    <p:sldId id="331" r:id="rId11"/>
-    <p:sldId id="332" r:id="rId12"/>
-    <p:sldId id="322" r:id="rId13"/>
-    <p:sldId id="323" r:id="rId14"/>
-    <p:sldId id="324" r:id="rId15"/>
-    <p:sldId id="325" r:id="rId16"/>
+    <p:sldId id="334" r:id="rId6"/>
+    <p:sldId id="327" r:id="rId7"/>
+    <p:sldId id="328" r:id="rId8"/>
+    <p:sldId id="329" r:id="rId9"/>
+    <p:sldId id="333" r:id="rId10"/>
+    <p:sldId id="330" r:id="rId11"/>
+    <p:sldId id="331" r:id="rId12"/>
+    <p:sldId id="332" r:id="rId13"/>
+    <p:sldId id="322" r:id="rId14"/>
+    <p:sldId id="323" r:id="rId15"/>
+    <p:sldId id="324" r:id="rId16"/>
+    <p:sldId id="325" r:id="rId17"/>
   </p:sldIdLst>
   <p:sldSz cx="9906000" cy="6858000" type="A4"/>
   <p:notesSz cx="6858000" cy="9144000"/>
@@ -211,7 +212,7 @@
           <a:p>
             <a:fld id="{A7E5D514-4841-4DBD-89D8-5BD5E2EF99F8}" type="datetimeFigureOut">
               <a:rPr lang="ko-KR" altLang="en-US" smtClean="0"/>
-              <a:t>2022-12-13</a:t>
+              <a:t>2022-12-15</a:t>
             </a:fld>
             <a:endParaRPr lang="ko-KR" altLang="en-US"/>
           </a:p>
@@ -687,7 +688,7 @@
     </p:spTree>
     <p:extLst>
       <p:ext uri="{BB962C8B-B14F-4D97-AF65-F5344CB8AC3E}">
-        <p14:creationId xmlns:p14="http://schemas.microsoft.com/office/powerpoint/2010/main" val="858132224"/>
+        <p14:creationId xmlns:p14="http://schemas.microsoft.com/office/powerpoint/2010/main" val="3728377473"/>
       </p:ext>
     </p:extLst>
   </p:cSld>
@@ -767,7 +768,28 @@
                 <a:latin typeface="맑은 고딕" panose="020B0503020000020004" pitchFamily="50" charset="-127"/>
                 <a:ea typeface="맑은 고딕" panose="020B0503020000020004" pitchFamily="50" charset="-127"/>
               </a:rPr>
-              <a:t>①②③④⑤⑥⑦⑧⑨⑩⑫⑬⑭⑮⑯</a:t>
+              <a:t>①②③④⑤⑥⑦⑧⑨⑩</a:t>
+            </a:r>
+            <a:r>
+              <a:rPr lang="ko-KR" altLang="en-US" sz="1200" kern="0" spc="0" dirty="0">
+                <a:solidFill>
+                  <a:schemeClr val="tx1"/>
+                </a:solidFill>
+                <a:effectLst/>
+                <a:latin typeface="+mn-ea"/>
+              </a:rPr>
+              <a:t>⑪</a:t>
+            </a:r>
+            <a:r>
+              <a:rPr lang="ko-KR" altLang="en-US" sz="1200" b="1" kern="0" spc="0" dirty="0">
+                <a:solidFill>
+                  <a:srgbClr val="000000"/>
+                </a:solidFill>
+                <a:effectLst/>
+                <a:latin typeface="맑은 고딕" panose="020B0503020000020004" pitchFamily="50" charset="-127"/>
+                <a:ea typeface="맑은 고딕" panose="020B0503020000020004" pitchFamily="50" charset="-127"/>
+              </a:rPr>
+              <a:t>⑫⑬⑭⑮⑯</a:t>
             </a:r>
             <a:endParaRPr lang="ko-KR" altLang="en-US" sz="1200" kern="0" spc="0" dirty="0">
               <a:solidFill>
@@ -808,7 +830,7 @@
     </p:spTree>
     <p:extLst>
       <p:ext uri="{BB962C8B-B14F-4D97-AF65-F5344CB8AC3E}">
-        <p14:creationId xmlns:p14="http://schemas.microsoft.com/office/powerpoint/2010/main" val="111534195"/>
+        <p14:creationId xmlns:p14="http://schemas.microsoft.com/office/powerpoint/2010/main" val="858132224"/>
       </p:ext>
     </p:extLst>
   </p:cSld>
@@ -888,7 +910,28 @@
                 <a:latin typeface="맑은 고딕" panose="020B0503020000020004" pitchFamily="50" charset="-127"/>
                 <a:ea typeface="맑은 고딕" panose="020B0503020000020004" pitchFamily="50" charset="-127"/>
               </a:rPr>
-              <a:t>①②③④⑤⑥⑦⑧⑨⑩⑫⑬⑭⑮⑯</a:t>
+              <a:t>①②③④⑤⑥⑦⑧⑨⑩</a:t>
+            </a:r>
+            <a:r>
+              <a:rPr lang="ko-KR" altLang="en-US" sz="1200" kern="0" spc="0" dirty="0">
+                <a:solidFill>
+                  <a:schemeClr val="tx1"/>
+                </a:solidFill>
+                <a:effectLst/>
+                <a:latin typeface="+mn-ea"/>
+              </a:rPr>
+              <a:t>⑪</a:t>
+            </a:r>
+            <a:r>
+              <a:rPr lang="ko-KR" altLang="en-US" sz="1200" b="1" kern="0" spc="0" dirty="0">
+                <a:solidFill>
+                  <a:srgbClr val="000000"/>
+                </a:solidFill>
+                <a:effectLst/>
+                <a:latin typeface="맑은 고딕" panose="020B0503020000020004" pitchFamily="50" charset="-127"/>
+                <a:ea typeface="맑은 고딕" panose="020B0503020000020004" pitchFamily="50" charset="-127"/>
+              </a:rPr>
+              <a:t>⑫⑬⑭⑮⑯</a:t>
             </a:r>
             <a:endParaRPr lang="ko-KR" altLang="en-US" sz="1200" kern="0" spc="0" dirty="0">
               <a:solidFill>
@@ -921,6 +964,127 @@
             <a:fld id="{1985F44E-32DA-4EDE-89B1-77AAF1A9E03E}" type="slidenum">
               <a:rPr lang="ko-KR" altLang="en-US" smtClean="0"/>
               <a:t>15</a:t>
+            </a:fld>
+            <a:endParaRPr lang="ko-KR" altLang="en-US"/>
+          </a:p>
+        </p:txBody>
+      </p:sp>
+    </p:spTree>
+    <p:extLst>
+      <p:ext uri="{BB962C8B-B14F-4D97-AF65-F5344CB8AC3E}">
+        <p14:creationId xmlns:p14="http://schemas.microsoft.com/office/powerpoint/2010/main" val="111534195"/>
+      </p:ext>
+    </p:extLst>
+  </p:cSld>
+  <p:clrMapOvr>
+    <a:masterClrMapping/>
+  </p:clrMapOvr>
+</p:notes>
+</file>
+
+<file path=ppt/notesSlides/notesSlide13.xml><?xml version="1.0" encoding="utf-8"?>
+<p:notes xmlns:a="http://schemas.openxmlformats.org/drawingml/2006/main" xmlns:r="http://schemas.openxmlformats.org/officeDocument/2006/relationships" xmlns:p="http://schemas.openxmlformats.org/presentationml/2006/main">
+  <p:cSld>
+    <p:spTree>
+      <p:nvGrpSpPr>
+        <p:cNvPr id="1" name=""/>
+        <p:cNvGrpSpPr/>
+        <p:nvPr/>
+      </p:nvGrpSpPr>
+      <p:grpSpPr>
+        <a:xfrm>
+          <a:off x="0" y="0"/>
+          <a:ext cx="0" cy="0"/>
+          <a:chOff x="0" y="0"/>
+          <a:chExt cx="0" cy="0"/>
+        </a:xfrm>
+      </p:grpSpPr>
+      <p:sp>
+        <p:nvSpPr>
+          <p:cNvPr id="2" name="Slide Image Placeholder 1"/>
+          <p:cNvSpPr>
+            <a:spLocks noGrp="1" noRot="1" noChangeAspect="1"/>
+          </p:cNvSpPr>
+          <p:nvPr>
+            <p:ph type="sldImg"/>
+          </p:nvPr>
+        </p:nvSpPr>
+        <p:spPr/>
+      </p:sp>
+      <p:sp>
+        <p:nvSpPr>
+          <p:cNvPr id="3" name="Notes Placeholder 2"/>
+          <p:cNvSpPr>
+            <a:spLocks noGrp="1"/>
+          </p:cNvSpPr>
+          <p:nvPr>
+            <p:ph type="body" idx="1"/>
+          </p:nvPr>
+        </p:nvSpPr>
+        <p:spPr/>
+        <p:txBody>
+          <a:bodyPr/>
+          <a:lstStyle/>
+          <a:p>
+            <a:pPr marL="0" marR="0" lvl="0" indent="0" algn="l" defTabSz="914400" rtl="0" eaLnBrk="1" fontAlgn="auto" latinLnBrk="1" hangingPunct="1">
+              <a:lnSpc>
+                <a:spcPct val="100000"/>
+              </a:lnSpc>
+              <a:spcBef>
+                <a:spcPts val="0"/>
+              </a:spcBef>
+              <a:spcAft>
+                <a:spcPts val="0"/>
+              </a:spcAft>
+              <a:buClrTx/>
+              <a:buSzTx/>
+              <a:buFontTx/>
+              <a:buNone/>
+              <a:tabLst/>
+              <a:defRPr/>
+            </a:pPr>
+            <a:r>
+              <a:rPr lang="ko-KR" altLang="en-US" sz="1200" b="1" kern="0" spc="0" dirty="0">
+                <a:solidFill>
+                  <a:srgbClr val="000000"/>
+                </a:solidFill>
+                <a:effectLst/>
+                <a:latin typeface="맑은 고딕" panose="020B0503020000020004" pitchFamily="50" charset="-127"/>
+                <a:ea typeface="맑은 고딕" panose="020B0503020000020004" pitchFamily="50" charset="-127"/>
+              </a:rPr>
+              <a:t>①②③④⑤⑥⑦⑧⑨⑩⑫⑬⑭⑮⑯</a:t>
+            </a:r>
+            <a:endParaRPr lang="ko-KR" altLang="en-US" sz="1200" kern="0" spc="0" dirty="0">
+              <a:solidFill>
+                <a:srgbClr val="000000"/>
+              </a:solidFill>
+              <a:effectLst/>
+              <a:latin typeface="함초롬바탕" panose="02030604000101010101" pitchFamily="18" charset="-127"/>
+            </a:endParaRPr>
+          </a:p>
+          <a:p>
+            <a:endParaRPr lang="ko-KR" altLang="en-US" dirty="0"/>
+          </a:p>
+        </p:txBody>
+      </p:sp>
+      <p:sp>
+        <p:nvSpPr>
+          <p:cNvPr id="4" name="Slide Number Placeholder 3"/>
+          <p:cNvSpPr>
+            <a:spLocks noGrp="1"/>
+          </p:cNvSpPr>
+          <p:nvPr>
+            <p:ph type="sldNum" sz="quarter" idx="5"/>
+          </p:nvPr>
+        </p:nvSpPr>
+        <p:spPr/>
+        <p:txBody>
+          <a:bodyPr/>
+          <a:lstStyle/>
+          <a:p>
+            <a:fld id="{1985F44E-32DA-4EDE-89B1-77AAF1A9E03E}" type="slidenum">
+              <a:rPr lang="ko-KR" altLang="en-US" smtClean="0"/>
+              <a:t>16</a:t>
             </a:fld>
             <a:endParaRPr lang="ko-KR" altLang="en-US"/>
           </a:p>
@@ -1220,7 +1384,7 @@
               <a:defRPr/>
             </a:pPr>
             <a:r>
-              <a:rPr lang="ko-KR" altLang="en-US" sz="1200" b="1" kern="0" spc="0" dirty="0">
+              <a:rPr lang="ko-KR" altLang="en-US" sz="1800" b="1" kern="0" spc="0" dirty="0">
                 <a:solidFill>
                   <a:srgbClr val="000000"/>
                 </a:solidFill>
@@ -1230,7 +1394,7 @@
               </a:rPr>
               <a:t>①②③④⑤⑥⑦⑧⑨⑩</a:t>
             </a:r>
-            <a:endParaRPr lang="ko-KR" altLang="en-US" sz="1200" kern="0" spc="0" dirty="0">
+            <a:endParaRPr lang="ko-KR" altLang="en-US" sz="1800" kern="0" spc="0" dirty="0">
               <a:solidFill>
                 <a:srgbClr val="000000"/>
               </a:solidFill>
@@ -1269,7 +1433,7 @@
     </p:spTree>
     <p:extLst>
       <p:ext uri="{BB962C8B-B14F-4D97-AF65-F5344CB8AC3E}">
-        <p14:creationId xmlns:p14="http://schemas.microsoft.com/office/powerpoint/2010/main" val="2778925615"/>
+        <p14:creationId xmlns:p14="http://schemas.microsoft.com/office/powerpoint/2010/main" val="2547768384"/>
       </p:ext>
     </p:extLst>
   </p:cSld>
@@ -1390,7 +1554,7 @@
     </p:spTree>
     <p:extLst>
       <p:ext uri="{BB962C8B-B14F-4D97-AF65-F5344CB8AC3E}">
-        <p14:creationId xmlns:p14="http://schemas.microsoft.com/office/powerpoint/2010/main" val="3458930283"/>
+        <p14:creationId xmlns:p14="http://schemas.microsoft.com/office/powerpoint/2010/main" val="2778925615"/>
       </p:ext>
     </p:extLst>
   </p:cSld>
@@ -1444,6 +1608,43 @@
           <a:bodyPr/>
           <a:lstStyle/>
           <a:p>
+            <a:pPr marL="0" marR="0" lvl="0" indent="0" algn="l" defTabSz="914400" rtl="0" eaLnBrk="1" fontAlgn="auto" latinLnBrk="1" hangingPunct="1">
+              <a:lnSpc>
+                <a:spcPct val="100000"/>
+              </a:lnSpc>
+              <a:spcBef>
+                <a:spcPts val="0"/>
+              </a:spcBef>
+              <a:spcAft>
+                <a:spcPts val="0"/>
+              </a:spcAft>
+              <a:buClrTx/>
+              <a:buSzTx/>
+              <a:buFontTx/>
+              <a:buNone/>
+              <a:tabLst/>
+              <a:defRPr/>
+            </a:pPr>
+            <a:r>
+              <a:rPr lang="ko-KR" altLang="en-US" sz="1200" b="1" kern="0" spc="0" dirty="0">
+                <a:solidFill>
+                  <a:srgbClr val="000000"/>
+                </a:solidFill>
+                <a:effectLst/>
+                <a:latin typeface="맑은 고딕" panose="020B0503020000020004" pitchFamily="50" charset="-127"/>
+                <a:ea typeface="맑은 고딕" panose="020B0503020000020004" pitchFamily="50" charset="-127"/>
+              </a:rPr>
+              <a:t>①②③④⑤⑥⑦⑧⑨⑩</a:t>
+            </a:r>
+            <a:endParaRPr lang="ko-KR" altLang="en-US" sz="1200" kern="0" spc="0" dirty="0">
+              <a:solidFill>
+                <a:srgbClr val="000000"/>
+              </a:solidFill>
+              <a:effectLst/>
+              <a:latin typeface="함초롬바탕" panose="02030604000101010101" pitchFamily="18" charset="-127"/>
+            </a:endParaRPr>
+          </a:p>
+          <a:p>
             <a:endParaRPr lang="ko-KR" altLang="en-US" dirty="0"/>
           </a:p>
         </p:txBody>
@@ -1465,7 +1666,7 @@
           <a:p>
             <a:fld id="{1985F44E-32DA-4EDE-89B1-77AAF1A9E03E}" type="slidenum">
               <a:rPr lang="ko-KR" altLang="en-US" smtClean="0"/>
-              <a:t>9</a:t>
+              <a:t>7</a:t>
             </a:fld>
             <a:endParaRPr lang="ko-KR" altLang="en-US"/>
           </a:p>
@@ -1474,7 +1675,7 @@
     </p:spTree>
     <p:extLst>
       <p:ext uri="{BB962C8B-B14F-4D97-AF65-F5344CB8AC3E}">
-        <p14:creationId xmlns:p14="http://schemas.microsoft.com/office/powerpoint/2010/main" val="3954205883"/>
+        <p14:creationId xmlns:p14="http://schemas.microsoft.com/office/powerpoint/2010/main" val="3458930283"/>
       </p:ext>
     </p:extLst>
   </p:cSld>
@@ -1528,43 +1729,6 @@
           <a:bodyPr/>
           <a:lstStyle/>
           <a:p>
-            <a:pPr marL="0" marR="0" lvl="0" indent="0" algn="l" defTabSz="914400" rtl="0" eaLnBrk="1" fontAlgn="auto" latinLnBrk="1" hangingPunct="1">
-              <a:lnSpc>
-                <a:spcPct val="100000"/>
-              </a:lnSpc>
-              <a:spcBef>
-                <a:spcPts val="0"/>
-              </a:spcBef>
-              <a:spcAft>
-                <a:spcPts val="0"/>
-              </a:spcAft>
-              <a:buClrTx/>
-              <a:buSzTx/>
-              <a:buFontTx/>
-              <a:buNone/>
-              <a:tabLst/>
-              <a:defRPr/>
-            </a:pPr>
-            <a:r>
-              <a:rPr lang="ko-KR" altLang="en-US" sz="1800" b="1" kern="0" spc="0" dirty="0">
-                <a:solidFill>
-                  <a:srgbClr val="000000"/>
-                </a:solidFill>
-                <a:effectLst/>
-                <a:latin typeface="맑은 고딕" panose="020B0503020000020004" pitchFamily="50" charset="-127"/>
-                <a:ea typeface="맑은 고딕" panose="020B0503020000020004" pitchFamily="50" charset="-127"/>
-              </a:rPr>
-              <a:t>①②③④⑤⑥⑦⑧⑨⑩⑫⑬⑭⑮⑯</a:t>
-            </a:r>
-            <a:endParaRPr lang="ko-KR" altLang="en-US" sz="1800" kern="0" spc="0" dirty="0">
-              <a:solidFill>
-                <a:srgbClr val="000000"/>
-              </a:solidFill>
-              <a:effectLst/>
-              <a:latin typeface="함초롬바탕" panose="02030604000101010101" pitchFamily="18" charset="-127"/>
-            </a:endParaRPr>
-          </a:p>
-          <a:p>
             <a:endParaRPr lang="ko-KR" altLang="en-US" dirty="0"/>
           </a:p>
         </p:txBody>
@@ -1595,7 +1759,7 @@
     </p:spTree>
     <p:extLst>
       <p:ext uri="{BB962C8B-B14F-4D97-AF65-F5344CB8AC3E}">
-        <p14:creationId xmlns:p14="http://schemas.microsoft.com/office/powerpoint/2010/main" val="1413353140"/>
+        <p14:creationId xmlns:p14="http://schemas.microsoft.com/office/powerpoint/2010/main" val="3954205883"/>
       </p:ext>
     </p:extLst>
   </p:cSld>
@@ -1667,7 +1831,7 @@
               <a:defRPr/>
             </a:pPr>
             <a:r>
-              <a:rPr lang="ko-KR" altLang="en-US" sz="1200" b="1" kern="0" spc="0" dirty="0">
+              <a:rPr lang="ko-KR" altLang="en-US" sz="1800" b="1" kern="0" spc="0" dirty="0">
                 <a:solidFill>
                   <a:srgbClr val="000000"/>
                 </a:solidFill>
@@ -1677,7 +1841,7 @@
               </a:rPr>
               <a:t>①②③④⑤⑥⑦⑧⑨⑩⑫⑬⑭⑮⑯</a:t>
             </a:r>
-            <a:endParaRPr lang="ko-KR" altLang="en-US" sz="1200" kern="0" spc="0" dirty="0">
+            <a:endParaRPr lang="ko-KR" altLang="en-US" sz="1800" kern="0" spc="0" dirty="0">
               <a:solidFill>
                 <a:srgbClr val="000000"/>
               </a:solidFill>
@@ -1716,7 +1880,7 @@
     </p:spTree>
     <p:extLst>
       <p:ext uri="{BB962C8B-B14F-4D97-AF65-F5344CB8AC3E}">
-        <p14:creationId xmlns:p14="http://schemas.microsoft.com/office/powerpoint/2010/main" val="431010304"/>
+        <p14:creationId xmlns:p14="http://schemas.microsoft.com/office/powerpoint/2010/main" val="1413353140"/>
       </p:ext>
     </p:extLst>
   </p:cSld>
@@ -1837,7 +2001,7 @@
     </p:spTree>
     <p:extLst>
       <p:ext uri="{BB962C8B-B14F-4D97-AF65-F5344CB8AC3E}">
-        <p14:creationId xmlns:p14="http://schemas.microsoft.com/office/powerpoint/2010/main" val="3728377473"/>
+        <p14:creationId xmlns:p14="http://schemas.microsoft.com/office/powerpoint/2010/main" val="431010304"/>
       </p:ext>
     </p:extLst>
   </p:cSld>
@@ -1978,7 +2142,7 @@
           <a:p>
             <a:fld id="{C0F51B65-CB5E-424A-A210-7B3C910D82A4}" type="datetimeFigureOut">
               <a:rPr lang="ko-KR" altLang="en-US" smtClean="0"/>
-              <a:t>2022-12-13</a:t>
+              <a:t>2022-12-15</a:t>
             </a:fld>
             <a:endParaRPr lang="ko-KR" altLang="en-US"/>
           </a:p>
@@ -2148,7 +2312,7 @@
           <a:p>
             <a:fld id="{C0F51B65-CB5E-424A-A210-7B3C910D82A4}" type="datetimeFigureOut">
               <a:rPr lang="ko-KR" altLang="en-US" smtClean="0"/>
-              <a:t>2022-12-13</a:t>
+              <a:t>2022-12-15</a:t>
             </a:fld>
             <a:endParaRPr lang="ko-KR" altLang="en-US"/>
           </a:p>
@@ -2328,7 +2492,7 @@
           <a:p>
             <a:fld id="{C0F51B65-CB5E-424A-A210-7B3C910D82A4}" type="datetimeFigureOut">
               <a:rPr lang="ko-KR" altLang="en-US" smtClean="0"/>
-              <a:t>2022-12-13</a:t>
+              <a:t>2022-12-15</a:t>
             </a:fld>
             <a:endParaRPr lang="ko-KR" altLang="en-US"/>
           </a:p>
@@ -2498,7 +2662,7 @@
           <a:p>
             <a:fld id="{C0F51B65-CB5E-424A-A210-7B3C910D82A4}" type="datetimeFigureOut">
               <a:rPr lang="ko-KR" altLang="en-US" smtClean="0"/>
-              <a:t>2022-12-13</a:t>
+              <a:t>2022-12-15</a:t>
             </a:fld>
             <a:endParaRPr lang="ko-KR" altLang="en-US"/>
           </a:p>
@@ -2742,7 +2906,7 @@
           <a:p>
             <a:fld id="{C0F51B65-CB5E-424A-A210-7B3C910D82A4}" type="datetimeFigureOut">
               <a:rPr lang="ko-KR" altLang="en-US" smtClean="0"/>
-              <a:t>2022-12-13</a:t>
+              <a:t>2022-12-15</a:t>
             </a:fld>
             <a:endParaRPr lang="ko-KR" altLang="en-US"/>
           </a:p>
@@ -2974,7 +3138,7 @@
           <a:p>
             <a:fld id="{C0F51B65-CB5E-424A-A210-7B3C910D82A4}" type="datetimeFigureOut">
               <a:rPr lang="ko-KR" altLang="en-US" smtClean="0"/>
-              <a:t>2022-12-13</a:t>
+              <a:t>2022-12-15</a:t>
             </a:fld>
             <a:endParaRPr lang="ko-KR" altLang="en-US"/>
           </a:p>
@@ -3341,7 +3505,7 @@
           <a:p>
             <a:fld id="{C0F51B65-CB5E-424A-A210-7B3C910D82A4}" type="datetimeFigureOut">
               <a:rPr lang="ko-KR" altLang="en-US" smtClean="0"/>
-              <a:t>2022-12-13</a:t>
+              <a:t>2022-12-15</a:t>
             </a:fld>
             <a:endParaRPr lang="ko-KR" altLang="en-US"/>
           </a:p>
@@ -3459,7 +3623,7 @@
           <a:p>
             <a:fld id="{C0F51B65-CB5E-424A-A210-7B3C910D82A4}" type="datetimeFigureOut">
               <a:rPr lang="ko-KR" altLang="en-US" smtClean="0"/>
-              <a:t>2022-12-13</a:t>
+              <a:t>2022-12-15</a:t>
             </a:fld>
             <a:endParaRPr lang="ko-KR" altLang="en-US"/>
           </a:p>
@@ -3554,7 +3718,7 @@
           <a:p>
             <a:fld id="{C0F51B65-CB5E-424A-A210-7B3C910D82A4}" type="datetimeFigureOut">
               <a:rPr lang="ko-KR" altLang="en-US" smtClean="0"/>
-              <a:t>2022-12-13</a:t>
+              <a:t>2022-12-15</a:t>
             </a:fld>
             <a:endParaRPr lang="ko-KR" altLang="en-US"/>
           </a:p>
@@ -3831,7 +3995,7 @@
           <a:p>
             <a:fld id="{C0F51B65-CB5E-424A-A210-7B3C910D82A4}" type="datetimeFigureOut">
               <a:rPr lang="ko-KR" altLang="en-US" smtClean="0"/>
-              <a:t>2022-12-13</a:t>
+              <a:t>2022-12-15</a:t>
             </a:fld>
             <a:endParaRPr lang="ko-KR" altLang="en-US"/>
           </a:p>
@@ -4088,7 +4252,7 @@
           <a:p>
             <a:fld id="{C0F51B65-CB5E-424A-A210-7B3C910D82A4}" type="datetimeFigureOut">
               <a:rPr lang="ko-KR" altLang="en-US" smtClean="0"/>
-              <a:t>2022-12-13</a:t>
+              <a:t>2022-12-15</a:t>
             </a:fld>
             <a:endParaRPr lang="ko-KR" altLang="en-US"/>
           </a:p>
@@ -4301,7 +4465,7 @@
           <a:p>
             <a:fld id="{C0F51B65-CB5E-424A-A210-7B3C910D82A4}" type="datetimeFigureOut">
               <a:rPr lang="ko-KR" altLang="en-US" smtClean="0"/>
-              <a:t>2022-12-13</a:t>
+              <a:t>2022-12-15</a:t>
             </a:fld>
             <a:endParaRPr lang="ko-KR" altLang="en-US"/>
           </a:p>
@@ -5175,18 +5339,9 @@
                 <a:solidFill>
                   <a:schemeClr val="tx1"/>
                 </a:solidFill>
-              </a:rPr>
-              <a:t>    </a:t>
-            </a:r>
-          </a:p>
-          <a:p>
-            <a:r>
-              <a:rPr lang="en-US" altLang="ko-KR" sz="1200" dirty="0">
-                <a:solidFill>
-                  <a:schemeClr val="tx1"/>
-                </a:solidFill>
-              </a:rPr>
-              <a:t>         </a:t>
+                <a:latin typeface="+mn-ea"/>
+              </a:rPr>
+              <a:t>      </a:t>
             </a:r>
             <a:r>
               <a:rPr lang="ko-KR" altLang="en-US" sz="1200" kern="0" spc="0" dirty="0">
@@ -5216,7 +5371,7 @@
                 <a:effectLst/>
                 <a:latin typeface="+mn-ea"/>
               </a:rPr>
-              <a:t>⑧ 공통</a:t>
+              <a:t> ⑧ 공통</a:t>
             </a:r>
             <a:endParaRPr lang="en-US" altLang="ko-KR" sz="1200" kern="0" spc="0" dirty="0">
               <a:solidFill>
@@ -5228,11 +5383,10 @@
           </a:p>
           <a:p>
             <a:r>
-              <a:rPr lang="en-US" altLang="ko-KR" sz="1200" kern="0" spc="0" dirty="0">
+              <a:rPr lang="en-US" altLang="ko-KR" sz="1200" dirty="0">
                 <a:solidFill>
                   <a:schemeClr val="tx1"/>
                 </a:solidFill>
-                <a:effectLst/>
                 <a:latin typeface="+mn-ea"/>
               </a:rPr>
               <a:t>      </a:t>
@@ -5245,81 +5399,25 @@
                 <a:effectLst/>
                 <a:latin typeface="+mn-ea"/>
               </a:rPr>
-              <a:t>⑩</a:t>
-            </a:r>
-            <a:r>
-              <a:rPr lang="ko-KR" altLang="en-US" sz="1200" kern="0" dirty="0">
-                <a:solidFill>
-                  <a:srgbClr val="000000"/>
+              <a:t>⑩ </a:t>
+            </a:r>
+            <a:r>
+              <a:rPr lang="ko-KR" altLang="en-US" sz="1200" dirty="0">
+                <a:solidFill>
+                  <a:schemeClr val="tx1"/>
                 </a:solidFill>
                 <a:latin typeface="+mn-ea"/>
               </a:rPr>
-              <a:t> </a:t>
-            </a:r>
-            <a:r>
-              <a:rPr lang="ko-KR" altLang="en-US" sz="1200" dirty="0">
-                <a:solidFill>
-                  <a:schemeClr val="tx1"/>
-                </a:solidFill>
-                <a:latin typeface="+mn-ea"/>
-              </a:rPr>
-              <a:t>파일선택 버튼을 누르면 원하는 사진을 업로드 할 수 있음</a:t>
-            </a:r>
-            <a:endParaRPr lang="en-US" altLang="ko-KR" sz="1200" kern="0" spc="0" dirty="0">
-              <a:solidFill>
-                <a:srgbClr val="000000"/>
-              </a:solidFill>
-              <a:effectLst/>
+              <a:t>연예인 사진 클릭 시 해당 연예인이 착용한 제품 정보 페이지로 이동</a:t>
+            </a:r>
+            <a:endParaRPr lang="en-US" altLang="ko-KR" sz="1200" dirty="0">
+              <a:solidFill>
+                <a:schemeClr val="tx1"/>
+              </a:solidFill>
               <a:latin typeface="+mn-ea"/>
             </a:endParaRPr>
           </a:p>
           <a:p>
-            <a:r>
-              <a:rPr lang="en-US" altLang="ko-KR" sz="1200" kern="0" dirty="0">
-                <a:solidFill>
-                  <a:srgbClr val="000000"/>
-                </a:solidFill>
-                <a:latin typeface="+mn-ea"/>
-              </a:rPr>
-              <a:t>      </a:t>
-            </a:r>
-            <a:r>
-              <a:rPr lang="ko-KR" altLang="en-US" sz="1200" kern="0" spc="0" dirty="0">
-                <a:solidFill>
-                  <a:srgbClr val="000000"/>
-                </a:solidFill>
-                <a:effectLst/>
-                <a:latin typeface="+mn-ea"/>
-              </a:rPr>
-              <a:t>⑪ </a:t>
-            </a:r>
-            <a:r>
-              <a:rPr lang="ko-KR" altLang="en-US" sz="1200" dirty="0">
-                <a:solidFill>
-                  <a:schemeClr val="tx1"/>
-                </a:solidFill>
-                <a:latin typeface="+mn-ea"/>
-              </a:rPr>
-              <a:t>파일 업로드 후 검색을 누르면 사진 속 제품들에 대한 정보 페이지 </a:t>
-            </a:r>
-            <a:r>
-              <a:rPr lang="en-US" altLang="ko-KR" sz="1200" dirty="0">
-                <a:solidFill>
-                  <a:schemeClr val="tx1"/>
-                </a:solidFill>
-                <a:latin typeface="+mn-ea"/>
-              </a:rPr>
-              <a:t>product01</a:t>
-            </a:r>
-            <a:r>
-              <a:rPr lang="ko-KR" altLang="en-US" sz="1200" dirty="0">
-                <a:solidFill>
-                  <a:schemeClr val="tx1"/>
-                </a:solidFill>
-                <a:latin typeface="+mn-ea"/>
-              </a:rPr>
-              <a:t>로 이동</a:t>
-            </a:r>
             <a:endParaRPr lang="en-US" altLang="ko-KR" sz="1200" dirty="0">
               <a:solidFill>
                 <a:schemeClr val="tx1"/>
@@ -5328,7 +5426,7 @@
             </a:endParaRPr>
           </a:p>
           <a:p>
-            <a:endParaRPr lang="en-US" altLang="ko-KR" sz="1200" kern="0" dirty="0">
+            <a:endParaRPr lang="en-US" altLang="ko-KR" sz="1200" dirty="0">
               <a:solidFill>
                 <a:schemeClr val="tx1"/>
               </a:solidFill>
@@ -5336,7 +5434,7 @@
             </a:endParaRPr>
           </a:p>
           <a:p>
-            <a:endParaRPr lang="en-US" altLang="ko-KR" sz="1200" kern="0" dirty="0">
+            <a:endParaRPr lang="en-US" altLang="ko-KR" sz="1200" dirty="0">
               <a:solidFill>
                 <a:schemeClr val="tx1"/>
               </a:solidFill>
@@ -5344,7 +5442,7 @@
             </a:endParaRPr>
           </a:p>
           <a:p>
-            <a:endParaRPr lang="en-US" altLang="ko-KR" sz="1200" kern="0" dirty="0">
+            <a:endParaRPr lang="en-US" altLang="ko-KR" sz="1200" dirty="0">
               <a:solidFill>
                 <a:schemeClr val="tx1"/>
               </a:solidFill>
@@ -5352,7 +5450,7 @@
             </a:endParaRPr>
           </a:p>
           <a:p>
-            <a:endParaRPr lang="en-US" altLang="ko-KR" sz="1200" kern="0" dirty="0">
+            <a:endParaRPr lang="en-US" altLang="ko-KR" sz="1200" dirty="0">
               <a:solidFill>
                 <a:schemeClr val="tx1"/>
               </a:solidFill>
@@ -5360,7 +5458,7 @@
             </a:endParaRPr>
           </a:p>
           <a:p>
-            <a:endParaRPr lang="en-US" altLang="ko-KR" sz="1200" kern="0" dirty="0">
+            <a:endParaRPr lang="en-US" altLang="ko-KR" sz="1200" dirty="0">
               <a:solidFill>
                 <a:schemeClr val="tx1"/>
               </a:solidFill>
@@ -5368,17 +5466,9 @@
             </a:endParaRPr>
           </a:p>
           <a:p>
-            <a:endParaRPr lang="en-US" altLang="ko-KR" sz="1200" kern="0" dirty="0">
+            <a:endParaRPr lang="en-US" altLang="ko-KR" sz="1200" dirty="0">
               <a:solidFill>
                 <a:schemeClr val="tx1"/>
-              </a:solidFill>
-              <a:latin typeface="+mn-ea"/>
-            </a:endParaRPr>
-          </a:p>
-          <a:p>
-            <a:endParaRPr lang="en-US" altLang="ko-KR" sz="1200" kern="0" dirty="0">
-              <a:solidFill>
-                <a:srgbClr val="000000"/>
               </a:solidFill>
               <a:latin typeface="+mn-ea"/>
             </a:endParaRPr>
@@ -5657,7 +5747,7 @@
                     <a:srgbClr val="DCAE4B"/>
                   </a:solidFill>
                 </a:rPr>
-                <a:t>서치 페이지</a:t>
+                <a:t>지수 페이지</a:t>
               </a:r>
               <a:endParaRPr lang="en-US" altLang="ko-KR" sz="1200" dirty="0">
                 <a:solidFill>
@@ -5761,7 +5851,7 @@
                     <a:srgbClr val="DCAE4B"/>
                   </a:solidFill>
                 </a:rPr>
-                <a:t>search01</a:t>
+                <a:t>jisu01</a:t>
               </a:r>
             </a:p>
           </p:txBody>
@@ -6053,8 +6143,8 @@
         </p:blipFill>
         <p:spPr>
           <a:xfrm>
-            <a:off x="3020035" y="758905"/>
-            <a:ext cx="6609127" cy="3268614"/>
+            <a:off x="3020054" y="743707"/>
+            <a:ext cx="6609088" cy="3299009"/>
           </a:xfrm>
           <a:prstGeom prst="rect">
             <a:avLst/>
@@ -6063,10 +6153,10 @@
       </p:pic>
       <p:sp>
         <p:nvSpPr>
-          <p:cNvPr id="25" name="TextBox 24">
+          <p:cNvPr id="23" name="TextBox 22">
             <a:extLst>
               <a:ext uri="{FF2B5EF4-FFF2-40B4-BE49-F238E27FC236}">
-                <a16:creationId xmlns:a16="http://schemas.microsoft.com/office/drawing/2014/main" id="{BA76176F-1232-28D4-806D-3F1F931C13A5}"/>
+                <a16:creationId xmlns:a16="http://schemas.microsoft.com/office/drawing/2014/main" id="{92EF7BD4-28C8-47DB-2363-2E0A2CD8B327}"/>
               </a:ext>
             </a:extLst>
           </p:cNvPr>
@@ -6075,7 +6165,7 @@
         </p:nvSpPr>
         <p:spPr>
           <a:xfrm>
-            <a:off x="2892314" y="1985129"/>
+            <a:off x="2871532" y="2005911"/>
             <a:ext cx="297006" cy="338554"/>
           </a:xfrm>
           <a:prstGeom prst="rect">
@@ -6110,10 +6200,10 @@
       </p:sp>
       <p:sp>
         <p:nvSpPr>
-          <p:cNvPr id="26" name="TextBox 25">
+          <p:cNvPr id="24" name="TextBox 23">
             <a:extLst>
               <a:ext uri="{FF2B5EF4-FFF2-40B4-BE49-F238E27FC236}">
-                <a16:creationId xmlns:a16="http://schemas.microsoft.com/office/drawing/2014/main" id="{35F8DFC4-15EF-A6C1-6B75-B807171AE8B7}"/>
+                <a16:creationId xmlns:a16="http://schemas.microsoft.com/office/drawing/2014/main" id="{1C69D141-1D34-035B-F9CE-AF09F00AF430}"/>
               </a:ext>
             </a:extLst>
           </p:cNvPr>
@@ -6122,7 +6212,7 @@
         </p:nvSpPr>
         <p:spPr>
           <a:xfrm>
-            <a:off x="5480339" y="850306"/>
+            <a:off x="5459557" y="871088"/>
             <a:ext cx="297006" cy="338554"/>
           </a:xfrm>
           <a:prstGeom prst="rect">
@@ -6157,10 +6247,10 @@
       </p:sp>
       <p:sp>
         <p:nvSpPr>
-          <p:cNvPr id="27" name="TextBox 26">
+          <p:cNvPr id="25" name="TextBox 24">
             <a:extLst>
               <a:ext uri="{FF2B5EF4-FFF2-40B4-BE49-F238E27FC236}">
-                <a16:creationId xmlns:a16="http://schemas.microsoft.com/office/drawing/2014/main" id="{1F5C95AC-125C-CEF2-1F0E-A77A5E80DE08}"/>
+                <a16:creationId xmlns:a16="http://schemas.microsoft.com/office/drawing/2014/main" id="{FE5FFCC1-8322-A025-545F-5C89740CCC77}"/>
               </a:ext>
             </a:extLst>
           </p:cNvPr>
@@ -6169,7 +6259,7 @@
         </p:nvSpPr>
         <p:spPr>
           <a:xfrm>
-            <a:off x="4339416" y="1268036"/>
+            <a:off x="4318634" y="1288818"/>
             <a:ext cx="297006" cy="338554"/>
           </a:xfrm>
           <a:prstGeom prst="rect">
@@ -6204,10 +6294,10 @@
       </p:sp>
       <p:sp>
         <p:nvSpPr>
-          <p:cNvPr id="35" name="TextBox 34">
+          <p:cNvPr id="26" name="TextBox 25">
             <a:extLst>
               <a:ext uri="{FF2B5EF4-FFF2-40B4-BE49-F238E27FC236}">
-                <a16:creationId xmlns:a16="http://schemas.microsoft.com/office/drawing/2014/main" id="{797F888D-7701-21E0-79D8-ECA646D9FF84}"/>
+                <a16:creationId xmlns:a16="http://schemas.microsoft.com/office/drawing/2014/main" id="{B5410681-2234-9189-83EE-B1C171F05061}"/>
               </a:ext>
             </a:extLst>
           </p:cNvPr>
@@ -6216,7 +6306,7 @@
         </p:nvSpPr>
         <p:spPr>
           <a:xfrm>
-            <a:off x="5701579" y="1259175"/>
+            <a:off x="5680797" y="1279957"/>
             <a:ext cx="297006" cy="338554"/>
           </a:xfrm>
           <a:prstGeom prst="rect">
@@ -6251,10 +6341,10 @@
       </p:sp>
       <p:sp>
         <p:nvSpPr>
-          <p:cNvPr id="36" name="TextBox 35">
+          <p:cNvPr id="27" name="TextBox 26">
             <a:extLst>
               <a:ext uri="{FF2B5EF4-FFF2-40B4-BE49-F238E27FC236}">
-                <a16:creationId xmlns:a16="http://schemas.microsoft.com/office/drawing/2014/main" id="{11AEE41B-D69C-EADD-1396-290164C39CB1}"/>
+                <a16:creationId xmlns:a16="http://schemas.microsoft.com/office/drawing/2014/main" id="{0601C7E5-FC8E-3909-6BC7-12AB9305AF41}"/>
               </a:ext>
             </a:extLst>
           </p:cNvPr>
@@ -6263,7 +6353,7 @@
         </p:nvSpPr>
         <p:spPr>
           <a:xfrm>
-            <a:off x="6951253" y="1264626"/>
+            <a:off x="6930471" y="1285408"/>
             <a:ext cx="297006" cy="338554"/>
           </a:xfrm>
           <a:prstGeom prst="rect">
@@ -6298,10 +6388,10 @@
       </p:sp>
       <p:sp>
         <p:nvSpPr>
-          <p:cNvPr id="37" name="TextBox 36">
+          <p:cNvPr id="35" name="TextBox 34">
             <a:extLst>
               <a:ext uri="{FF2B5EF4-FFF2-40B4-BE49-F238E27FC236}">
-                <a16:creationId xmlns:a16="http://schemas.microsoft.com/office/drawing/2014/main" id="{519917DB-0BB0-46CE-E9DF-2F72BEB81EF3}"/>
+                <a16:creationId xmlns:a16="http://schemas.microsoft.com/office/drawing/2014/main" id="{D92DECE5-BFC5-BACF-525F-67500D795479}"/>
               </a:ext>
             </a:extLst>
           </p:cNvPr>
@@ -6310,7 +6400,7 @@
         </p:nvSpPr>
         <p:spPr>
           <a:xfrm>
-            <a:off x="7935369" y="2820015"/>
+            <a:off x="7914587" y="2840797"/>
             <a:ext cx="297006" cy="338554"/>
           </a:xfrm>
           <a:prstGeom prst="rect">
@@ -6345,10 +6435,10 @@
       </p:sp>
       <p:sp>
         <p:nvSpPr>
-          <p:cNvPr id="38" name="TextBox 37">
+          <p:cNvPr id="36" name="TextBox 35">
             <a:extLst>
               <a:ext uri="{FF2B5EF4-FFF2-40B4-BE49-F238E27FC236}">
-                <a16:creationId xmlns:a16="http://schemas.microsoft.com/office/drawing/2014/main" id="{121EF122-4EEF-E8FA-1CCC-10DE1A75976A}"/>
+                <a16:creationId xmlns:a16="http://schemas.microsoft.com/office/drawing/2014/main" id="{0460CF85-8720-1077-B026-E16CD3BBEB3A}"/>
               </a:ext>
             </a:extLst>
           </p:cNvPr>
@@ -6357,7 +6447,7 @@
         </p:nvSpPr>
         <p:spPr>
           <a:xfrm>
-            <a:off x="8221984" y="2234563"/>
+            <a:off x="8201202" y="2255345"/>
             <a:ext cx="297006" cy="338554"/>
           </a:xfrm>
           <a:prstGeom prst="rect">
@@ -6392,10 +6482,10 @@
       </p:sp>
       <p:sp>
         <p:nvSpPr>
-          <p:cNvPr id="39" name="TextBox 38">
+          <p:cNvPr id="37" name="TextBox 36">
             <a:extLst>
               <a:ext uri="{FF2B5EF4-FFF2-40B4-BE49-F238E27FC236}">
-                <a16:creationId xmlns:a16="http://schemas.microsoft.com/office/drawing/2014/main" id="{0F57C12D-F9D3-E043-EF69-06116CBC285C}"/>
+                <a16:creationId xmlns:a16="http://schemas.microsoft.com/office/drawing/2014/main" id="{297E1711-4C18-AC47-4C98-CA625275EFD3}"/>
               </a:ext>
             </a:extLst>
           </p:cNvPr>
@@ -6404,7 +6494,7 @@
         </p:nvSpPr>
         <p:spPr>
           <a:xfrm>
-            <a:off x="9254261" y="2224172"/>
+            <a:off x="9233479" y="2244954"/>
             <a:ext cx="297006" cy="338554"/>
           </a:xfrm>
           <a:prstGeom prst="rect">
@@ -6439,10 +6529,10 @@
       </p:sp>
       <p:sp>
         <p:nvSpPr>
-          <p:cNvPr id="40" name="TextBox 39">
+          <p:cNvPr id="38" name="TextBox 37">
             <a:extLst>
               <a:ext uri="{FF2B5EF4-FFF2-40B4-BE49-F238E27FC236}">
-                <a16:creationId xmlns:a16="http://schemas.microsoft.com/office/drawing/2014/main" id="{AFCC0FC5-7461-4C86-BAF3-1F614E788964}"/>
+                <a16:creationId xmlns:a16="http://schemas.microsoft.com/office/drawing/2014/main" id="{41F6A151-6536-D96C-9382-C3502EFA02D1}"/>
               </a:ext>
             </a:extLst>
           </p:cNvPr>
@@ -6451,7 +6541,7 @@
         </p:nvSpPr>
         <p:spPr>
           <a:xfrm>
-            <a:off x="5235288" y="3365424"/>
+            <a:off x="4266679" y="1922783"/>
             <a:ext cx="297006" cy="338554"/>
           </a:xfrm>
           <a:prstGeom prst="rect">
@@ -6495,104 +6585,10 @@
           </a:p>
         </p:txBody>
       </p:sp>
-      <p:sp>
-        <p:nvSpPr>
-          <p:cNvPr id="41" name="TextBox 40">
-            <a:extLst>
-              <a:ext uri="{FF2B5EF4-FFF2-40B4-BE49-F238E27FC236}">
-                <a16:creationId xmlns:a16="http://schemas.microsoft.com/office/drawing/2014/main" id="{D5CA980B-0212-6145-49A0-BFD2E909ADD6}"/>
-              </a:ext>
-            </a:extLst>
-          </p:cNvPr>
-          <p:cNvSpPr txBox="1"/>
-          <p:nvPr/>
-        </p:nvSpPr>
-        <p:spPr>
-          <a:xfrm>
-            <a:off x="6176097" y="3365424"/>
-            <a:ext cx="297006" cy="338554"/>
-          </a:xfrm>
-          <a:prstGeom prst="rect">
-            <a:avLst/>
-          </a:prstGeom>
-          <a:noFill/>
-        </p:spPr>
-        <p:txBody>
-          <a:bodyPr wrap="square">
-            <a:spAutoFit/>
-          </a:bodyPr>
-          <a:lstStyle/>
-          <a:p>
-            <a:r>
-              <a:rPr lang="ko-KR" altLang="en-US" sz="1600" b="1" kern="0" spc="0" dirty="0">
-                <a:solidFill>
-                  <a:schemeClr val="accent1"/>
-                </a:solidFill>
-                <a:effectLst/>
-                <a:latin typeface="맑은 고딕" panose="020B0503020000020004" pitchFamily="50" charset="-127"/>
-                <a:ea typeface="맑은 고딕" panose="020B0503020000020004" pitchFamily="50" charset="-127"/>
-              </a:rPr>
-              <a:t>⑪ </a:t>
-            </a:r>
-            <a:endParaRPr lang="ko-KR" altLang="en-US" sz="1600" b="1" dirty="0">
-              <a:solidFill>
-                <a:schemeClr val="accent1"/>
-              </a:solidFill>
-            </a:endParaRPr>
-          </a:p>
-        </p:txBody>
-      </p:sp>
-      <p:sp>
-        <p:nvSpPr>
-          <p:cNvPr id="42" name="TextBox 41">
-            <a:extLst>
-              <a:ext uri="{FF2B5EF4-FFF2-40B4-BE49-F238E27FC236}">
-                <a16:creationId xmlns:a16="http://schemas.microsoft.com/office/drawing/2014/main" id="{DE305B70-1AAF-AE2D-49A3-F9923FE5A3E4}"/>
-              </a:ext>
-            </a:extLst>
-          </p:cNvPr>
-          <p:cNvSpPr txBox="1"/>
-          <p:nvPr/>
-        </p:nvSpPr>
-        <p:spPr>
-          <a:xfrm>
-            <a:off x="12028251" y="4549324"/>
-            <a:ext cx="297006" cy="338554"/>
-          </a:xfrm>
-          <a:prstGeom prst="rect">
-            <a:avLst/>
-          </a:prstGeom>
-          <a:noFill/>
-        </p:spPr>
-        <p:txBody>
-          <a:bodyPr wrap="square">
-            <a:spAutoFit/>
-          </a:bodyPr>
-          <a:lstStyle/>
-          <a:p>
-            <a:r>
-              <a:rPr lang="ko-KR" altLang="en-US" sz="1600" b="1" kern="0" spc="0" dirty="0">
-                <a:solidFill>
-                  <a:schemeClr val="accent1"/>
-                </a:solidFill>
-                <a:effectLst/>
-                <a:latin typeface="맑은 고딕" panose="020B0503020000020004" pitchFamily="50" charset="-127"/>
-                <a:ea typeface="맑은 고딕" panose="020B0503020000020004" pitchFamily="50" charset="-127"/>
-              </a:rPr>
-              <a:t> </a:t>
-            </a:r>
-            <a:endParaRPr lang="ko-KR" altLang="en-US" sz="1600" b="1" dirty="0">
-              <a:solidFill>
-                <a:schemeClr val="accent1"/>
-              </a:solidFill>
-            </a:endParaRPr>
-          </a:p>
-        </p:txBody>
-      </p:sp>
     </p:spTree>
     <p:extLst>
       <p:ext uri="{BB962C8B-B14F-4D97-AF65-F5344CB8AC3E}">
-        <p14:creationId xmlns:p14="http://schemas.microsoft.com/office/powerpoint/2010/main" val="2595988247"/>
+        <p14:creationId xmlns:p14="http://schemas.microsoft.com/office/powerpoint/2010/main" val="3016756285"/>
       </p:ext>
     </p:extLst>
   </p:cSld>
@@ -6674,7 +6670,17 @@
                   <a:schemeClr val="tx1"/>
                 </a:solidFill>
               </a:rPr>
-              <a:t>        </a:t>
+              <a:t>    </a:t>
+            </a:r>
+          </a:p>
+          <a:p>
+            <a:r>
+              <a:rPr lang="en-US" altLang="ko-KR" sz="1200" dirty="0">
+                <a:solidFill>
+                  <a:schemeClr val="tx1"/>
+                </a:solidFill>
+              </a:rPr>
+              <a:t>         </a:t>
             </a:r>
             <a:r>
               <a:rPr lang="ko-KR" altLang="en-US" sz="1200" kern="0" spc="0" dirty="0">
@@ -6716,42 +6722,97 @@
           </a:p>
           <a:p>
             <a:r>
+              <a:rPr lang="en-US" altLang="ko-KR" sz="1200" kern="0" spc="0" dirty="0">
+                <a:solidFill>
+                  <a:schemeClr val="tx1"/>
+                </a:solidFill>
+                <a:effectLst/>
+                <a:latin typeface="+mn-ea"/>
+              </a:rPr>
+              <a:t>      </a:t>
+            </a:r>
+            <a:r>
+              <a:rPr lang="ko-KR" altLang="en-US" sz="1200" kern="0" spc="0" dirty="0">
+                <a:solidFill>
+                  <a:srgbClr val="000000"/>
+                </a:solidFill>
+                <a:effectLst/>
+                <a:latin typeface="+mn-ea"/>
+              </a:rPr>
+              <a:t>⑩</a:t>
+            </a:r>
+            <a:r>
+              <a:rPr lang="ko-KR" altLang="en-US" sz="1200" kern="0" dirty="0">
+                <a:solidFill>
+                  <a:srgbClr val="000000"/>
+                </a:solidFill>
+                <a:latin typeface="+mn-ea"/>
+              </a:rPr>
+              <a:t> </a:t>
+            </a:r>
+            <a:r>
+              <a:rPr lang="ko-KR" altLang="en-US" sz="1200" dirty="0">
+                <a:solidFill>
+                  <a:schemeClr val="tx1"/>
+                </a:solidFill>
+                <a:latin typeface="+mn-ea"/>
+              </a:rPr>
+              <a:t>파일선택 버튼을 누르면 원하는 사진을 업로드 할 수 있음</a:t>
+            </a:r>
+            <a:endParaRPr lang="en-US" altLang="ko-KR" sz="1200" kern="0" spc="0" dirty="0">
+              <a:solidFill>
+                <a:srgbClr val="000000"/>
+              </a:solidFill>
+              <a:effectLst/>
+              <a:latin typeface="+mn-ea"/>
+            </a:endParaRPr>
+          </a:p>
+          <a:p>
+            <a:r>
+              <a:rPr lang="en-US" altLang="ko-KR" sz="1200" kern="0" dirty="0">
+                <a:solidFill>
+                  <a:srgbClr val="000000"/>
+                </a:solidFill>
+                <a:latin typeface="+mn-ea"/>
+              </a:rPr>
+              <a:t>      </a:t>
+            </a:r>
+            <a:r>
+              <a:rPr lang="ko-KR" altLang="en-US" sz="1200" kern="0" spc="0" dirty="0">
+                <a:solidFill>
+                  <a:srgbClr val="000000"/>
+                </a:solidFill>
+                <a:effectLst/>
+                <a:latin typeface="+mn-ea"/>
+              </a:rPr>
+              <a:t>⑪ </a:t>
+            </a:r>
+            <a:r>
+              <a:rPr lang="ko-KR" altLang="en-US" sz="1200" dirty="0">
+                <a:solidFill>
+                  <a:schemeClr val="tx1"/>
+                </a:solidFill>
+                <a:latin typeface="+mn-ea"/>
+              </a:rPr>
+              <a:t>파일 업로드 후 검색을 누르면 사진 속 제품들에 대한 정보 페이지 </a:t>
+            </a:r>
+            <a:r>
               <a:rPr lang="en-US" altLang="ko-KR" sz="1200" dirty="0">
                 <a:solidFill>
                   <a:schemeClr val="tx1"/>
                 </a:solidFill>
                 <a:latin typeface="+mn-ea"/>
               </a:rPr>
-              <a:t>     </a:t>
-            </a:r>
-            <a:r>
-              <a:rPr lang="ko-KR" altLang="en-US" sz="1200" kern="0" spc="0" dirty="0">
-                <a:solidFill>
-                  <a:srgbClr val="000000"/>
-                </a:solidFill>
-                <a:effectLst/>
+              <a:t>product01</a:t>
+            </a:r>
+            <a:r>
+              <a:rPr lang="ko-KR" altLang="en-US" sz="1200" dirty="0">
+                <a:solidFill>
+                  <a:schemeClr val="tx1"/>
+                </a:solidFill>
                 <a:latin typeface="+mn-ea"/>
               </a:rPr>
-              <a:t>⑩</a:t>
-            </a:r>
-            <a:r>
-              <a:rPr lang="en-US" altLang="ko-KR" sz="1200" kern="0" spc="0" dirty="0">
-                <a:solidFill>
-                  <a:schemeClr val="tx1"/>
-                </a:solidFill>
-                <a:effectLst/>
-                <a:latin typeface="+mn-ea"/>
-              </a:rPr>
-              <a:t> </a:t>
-            </a:r>
-            <a:r>
-              <a:rPr lang="ko-KR" altLang="en-US" sz="1200" dirty="0">
-                <a:solidFill>
-                  <a:schemeClr val="tx1"/>
-                </a:solidFill>
-                <a:latin typeface="+mn-ea"/>
-              </a:rPr>
-              <a:t>구매하러 가기버튼을 클릭하면 해당 제품 판매 페이지로 이동</a:t>
+              <a:t>로 이동</a:t>
             </a:r>
             <a:endParaRPr lang="en-US" altLang="ko-KR" sz="1200" dirty="0">
               <a:solidFill>
@@ -7090,7 +7151,7 @@
                     <a:srgbClr val="DCAE4B"/>
                   </a:solidFill>
                 </a:rPr>
-                <a:t>제품정보 페이지</a:t>
+                <a:t>서치 페이지</a:t>
               </a:r>
               <a:endParaRPr lang="en-US" altLang="ko-KR" sz="1200" dirty="0">
                 <a:solidFill>
@@ -7194,7 +7255,7 @@
                     <a:srgbClr val="DCAE4B"/>
                   </a:solidFill>
                 </a:rPr>
-                <a:t>product01</a:t>
+                <a:t>search01</a:t>
               </a:r>
             </a:p>
           </p:txBody>
@@ -7486,8 +7547,8 @@
         </p:blipFill>
         <p:spPr>
           <a:xfrm>
-            <a:off x="3020035" y="754768"/>
-            <a:ext cx="6609127" cy="3276887"/>
+            <a:off x="3020035" y="758905"/>
+            <a:ext cx="6609127" cy="3268614"/>
           </a:xfrm>
           <a:prstGeom prst="rect">
             <a:avLst/>
@@ -7499,7 +7560,7 @@
           <p:cNvPr id="25" name="TextBox 24">
             <a:extLst>
               <a:ext uri="{FF2B5EF4-FFF2-40B4-BE49-F238E27FC236}">
-                <a16:creationId xmlns:a16="http://schemas.microsoft.com/office/drawing/2014/main" id="{B32F2D48-6A61-B4B2-EFB5-2A3C4A067BE6}"/>
+                <a16:creationId xmlns:a16="http://schemas.microsoft.com/office/drawing/2014/main" id="{BA76176F-1232-28D4-806D-3F1F931C13A5}"/>
               </a:ext>
             </a:extLst>
           </p:cNvPr>
@@ -7508,7 +7569,7 @@
         </p:nvSpPr>
         <p:spPr>
           <a:xfrm>
-            <a:off x="2871532" y="1995520"/>
+            <a:off x="2892314" y="1985129"/>
             <a:ext cx="297006" cy="338554"/>
           </a:xfrm>
           <a:prstGeom prst="rect">
@@ -7546,7 +7607,7 @@
           <p:cNvPr id="26" name="TextBox 25">
             <a:extLst>
               <a:ext uri="{FF2B5EF4-FFF2-40B4-BE49-F238E27FC236}">
-                <a16:creationId xmlns:a16="http://schemas.microsoft.com/office/drawing/2014/main" id="{E59CEB19-C146-8308-6BE9-7D4446227433}"/>
+                <a16:creationId xmlns:a16="http://schemas.microsoft.com/office/drawing/2014/main" id="{35F8DFC4-15EF-A6C1-6B75-B807171AE8B7}"/>
               </a:ext>
             </a:extLst>
           </p:cNvPr>
@@ -7555,7 +7616,7 @@
         </p:nvSpPr>
         <p:spPr>
           <a:xfrm>
-            <a:off x="5459557" y="860697"/>
+            <a:off x="5480339" y="850306"/>
             <a:ext cx="297006" cy="338554"/>
           </a:xfrm>
           <a:prstGeom prst="rect">
@@ -7593,7 +7654,7 @@
           <p:cNvPr id="27" name="TextBox 26">
             <a:extLst>
               <a:ext uri="{FF2B5EF4-FFF2-40B4-BE49-F238E27FC236}">
-                <a16:creationId xmlns:a16="http://schemas.microsoft.com/office/drawing/2014/main" id="{5FDC7BAE-4C56-2B3C-2035-6425A30F15AE}"/>
+                <a16:creationId xmlns:a16="http://schemas.microsoft.com/office/drawing/2014/main" id="{1F5C95AC-125C-CEF2-1F0E-A77A5E80DE08}"/>
               </a:ext>
             </a:extLst>
           </p:cNvPr>
@@ -7602,7 +7663,7 @@
         </p:nvSpPr>
         <p:spPr>
           <a:xfrm>
-            <a:off x="4318634" y="1278427"/>
+            <a:off x="4339416" y="1268036"/>
             <a:ext cx="297006" cy="338554"/>
           </a:xfrm>
           <a:prstGeom prst="rect">
@@ -7640,7 +7701,7 @@
           <p:cNvPr id="35" name="TextBox 34">
             <a:extLst>
               <a:ext uri="{FF2B5EF4-FFF2-40B4-BE49-F238E27FC236}">
-                <a16:creationId xmlns:a16="http://schemas.microsoft.com/office/drawing/2014/main" id="{95C7FF4E-E0E4-0ADA-ED3D-35232C1CA13F}"/>
+                <a16:creationId xmlns:a16="http://schemas.microsoft.com/office/drawing/2014/main" id="{797F888D-7701-21E0-79D8-ECA646D9FF84}"/>
               </a:ext>
             </a:extLst>
           </p:cNvPr>
@@ -7649,7 +7710,7 @@
         </p:nvSpPr>
         <p:spPr>
           <a:xfrm>
-            <a:off x="5680797" y="1269566"/>
+            <a:off x="5701579" y="1259175"/>
             <a:ext cx="297006" cy="338554"/>
           </a:xfrm>
           <a:prstGeom prst="rect">
@@ -7687,7 +7748,7 @@
           <p:cNvPr id="36" name="TextBox 35">
             <a:extLst>
               <a:ext uri="{FF2B5EF4-FFF2-40B4-BE49-F238E27FC236}">
-                <a16:creationId xmlns:a16="http://schemas.microsoft.com/office/drawing/2014/main" id="{47148773-9BB9-8874-E553-0F0DF8AC000A}"/>
+                <a16:creationId xmlns:a16="http://schemas.microsoft.com/office/drawing/2014/main" id="{11AEE41B-D69C-EADD-1396-290164C39CB1}"/>
               </a:ext>
             </a:extLst>
           </p:cNvPr>
@@ -7696,7 +7757,7 @@
         </p:nvSpPr>
         <p:spPr>
           <a:xfrm>
-            <a:off x="6930471" y="1275017"/>
+            <a:off x="6951253" y="1264626"/>
             <a:ext cx="297006" cy="338554"/>
           </a:xfrm>
           <a:prstGeom prst="rect">
@@ -7734,7 +7795,7 @@
           <p:cNvPr id="37" name="TextBox 36">
             <a:extLst>
               <a:ext uri="{FF2B5EF4-FFF2-40B4-BE49-F238E27FC236}">
-                <a16:creationId xmlns:a16="http://schemas.microsoft.com/office/drawing/2014/main" id="{3CBD86B1-3B2D-89C2-384E-C4941CC1AAB2}"/>
+                <a16:creationId xmlns:a16="http://schemas.microsoft.com/office/drawing/2014/main" id="{519917DB-0BB0-46CE-E9DF-2F72BEB81EF3}"/>
               </a:ext>
             </a:extLst>
           </p:cNvPr>
@@ -7743,7 +7804,7 @@
         </p:nvSpPr>
         <p:spPr>
           <a:xfrm>
-            <a:off x="7914587" y="2830406"/>
+            <a:off x="7935369" y="2820015"/>
             <a:ext cx="297006" cy="338554"/>
           </a:xfrm>
           <a:prstGeom prst="rect">
@@ -7781,7 +7842,7 @@
           <p:cNvPr id="38" name="TextBox 37">
             <a:extLst>
               <a:ext uri="{FF2B5EF4-FFF2-40B4-BE49-F238E27FC236}">
-                <a16:creationId xmlns:a16="http://schemas.microsoft.com/office/drawing/2014/main" id="{E537A307-DE5A-23AA-317A-BB7E6A600BB9}"/>
+                <a16:creationId xmlns:a16="http://schemas.microsoft.com/office/drawing/2014/main" id="{121EF122-4EEF-E8FA-1CCC-10DE1A75976A}"/>
               </a:ext>
             </a:extLst>
           </p:cNvPr>
@@ -7790,7 +7851,7 @@
         </p:nvSpPr>
         <p:spPr>
           <a:xfrm>
-            <a:off x="8201202" y="2244954"/>
+            <a:off x="8221984" y="2234563"/>
             <a:ext cx="297006" cy="338554"/>
           </a:xfrm>
           <a:prstGeom prst="rect">
@@ -7828,7 +7889,7 @@
           <p:cNvPr id="39" name="TextBox 38">
             <a:extLst>
               <a:ext uri="{FF2B5EF4-FFF2-40B4-BE49-F238E27FC236}">
-                <a16:creationId xmlns:a16="http://schemas.microsoft.com/office/drawing/2014/main" id="{D8B8E3D0-B537-A1EB-45F1-9EDD077D6C81}"/>
+                <a16:creationId xmlns:a16="http://schemas.microsoft.com/office/drawing/2014/main" id="{0F57C12D-F9D3-E043-EF69-06116CBC285C}"/>
               </a:ext>
             </a:extLst>
           </p:cNvPr>
@@ -7837,7 +7898,7 @@
         </p:nvSpPr>
         <p:spPr>
           <a:xfrm>
-            <a:off x="9233479" y="2234563"/>
+            <a:off x="9254261" y="2224172"/>
             <a:ext cx="297006" cy="338554"/>
           </a:xfrm>
           <a:prstGeom prst="rect">
@@ -7875,7 +7936,7 @@
           <p:cNvPr id="40" name="TextBox 39">
             <a:extLst>
               <a:ext uri="{FF2B5EF4-FFF2-40B4-BE49-F238E27FC236}">
-                <a16:creationId xmlns:a16="http://schemas.microsoft.com/office/drawing/2014/main" id="{BFFAFAF1-82BD-97B4-9F13-ECA0C8987C70}"/>
+                <a16:creationId xmlns:a16="http://schemas.microsoft.com/office/drawing/2014/main" id="{AFCC0FC5-7461-4C86-BAF3-1F614E788964}"/>
               </a:ext>
             </a:extLst>
           </p:cNvPr>
@@ -7884,7 +7945,7 @@
         </p:nvSpPr>
         <p:spPr>
           <a:xfrm>
-            <a:off x="5158069" y="3532109"/>
+            <a:off x="5235288" y="3365424"/>
             <a:ext cx="297006" cy="338554"/>
           </a:xfrm>
           <a:prstGeom prst="rect">
@@ -7928,10 +7989,104 @@
           </a:p>
         </p:txBody>
       </p:sp>
+      <p:sp>
+        <p:nvSpPr>
+          <p:cNvPr id="41" name="TextBox 40">
+            <a:extLst>
+              <a:ext uri="{FF2B5EF4-FFF2-40B4-BE49-F238E27FC236}">
+                <a16:creationId xmlns:a16="http://schemas.microsoft.com/office/drawing/2014/main" id="{D5CA980B-0212-6145-49A0-BFD2E909ADD6}"/>
+              </a:ext>
+            </a:extLst>
+          </p:cNvPr>
+          <p:cNvSpPr txBox="1"/>
+          <p:nvPr/>
+        </p:nvSpPr>
+        <p:spPr>
+          <a:xfrm>
+            <a:off x="6176097" y="3365424"/>
+            <a:ext cx="297006" cy="338554"/>
+          </a:xfrm>
+          <a:prstGeom prst="rect">
+            <a:avLst/>
+          </a:prstGeom>
+          <a:noFill/>
+        </p:spPr>
+        <p:txBody>
+          <a:bodyPr wrap="square">
+            <a:spAutoFit/>
+          </a:bodyPr>
+          <a:lstStyle/>
+          <a:p>
+            <a:r>
+              <a:rPr lang="ko-KR" altLang="en-US" sz="1600" b="1" kern="0" spc="0" dirty="0">
+                <a:solidFill>
+                  <a:schemeClr val="accent1"/>
+                </a:solidFill>
+                <a:effectLst/>
+                <a:latin typeface="맑은 고딕" panose="020B0503020000020004" pitchFamily="50" charset="-127"/>
+                <a:ea typeface="맑은 고딕" panose="020B0503020000020004" pitchFamily="50" charset="-127"/>
+              </a:rPr>
+              <a:t>⑪ </a:t>
+            </a:r>
+            <a:endParaRPr lang="ko-KR" altLang="en-US" sz="1600" b="1" dirty="0">
+              <a:solidFill>
+                <a:schemeClr val="accent1"/>
+              </a:solidFill>
+            </a:endParaRPr>
+          </a:p>
+        </p:txBody>
+      </p:sp>
+      <p:sp>
+        <p:nvSpPr>
+          <p:cNvPr id="42" name="TextBox 41">
+            <a:extLst>
+              <a:ext uri="{FF2B5EF4-FFF2-40B4-BE49-F238E27FC236}">
+                <a16:creationId xmlns:a16="http://schemas.microsoft.com/office/drawing/2014/main" id="{DE305B70-1AAF-AE2D-49A3-F9923FE5A3E4}"/>
+              </a:ext>
+            </a:extLst>
+          </p:cNvPr>
+          <p:cNvSpPr txBox="1"/>
+          <p:nvPr/>
+        </p:nvSpPr>
+        <p:spPr>
+          <a:xfrm>
+            <a:off x="12028251" y="4549324"/>
+            <a:ext cx="297006" cy="338554"/>
+          </a:xfrm>
+          <a:prstGeom prst="rect">
+            <a:avLst/>
+          </a:prstGeom>
+          <a:noFill/>
+        </p:spPr>
+        <p:txBody>
+          <a:bodyPr wrap="square">
+            <a:spAutoFit/>
+          </a:bodyPr>
+          <a:lstStyle/>
+          <a:p>
+            <a:r>
+              <a:rPr lang="ko-KR" altLang="en-US" sz="1600" b="1" kern="0" spc="0" dirty="0">
+                <a:solidFill>
+                  <a:schemeClr val="accent1"/>
+                </a:solidFill>
+                <a:effectLst/>
+                <a:latin typeface="맑은 고딕" panose="020B0503020000020004" pitchFamily="50" charset="-127"/>
+                <a:ea typeface="맑은 고딕" panose="020B0503020000020004" pitchFamily="50" charset="-127"/>
+              </a:rPr>
+              <a:t> </a:t>
+            </a:r>
+            <a:endParaRPr lang="ko-KR" altLang="en-US" sz="1600" b="1" dirty="0">
+              <a:solidFill>
+                <a:schemeClr val="accent1"/>
+              </a:solidFill>
+            </a:endParaRPr>
+          </a:p>
+        </p:txBody>
+      </p:sp>
     </p:spTree>
     <p:extLst>
       <p:ext uri="{BB962C8B-B14F-4D97-AF65-F5344CB8AC3E}">
-        <p14:creationId xmlns:p14="http://schemas.microsoft.com/office/powerpoint/2010/main" val="2262885026"/>
+        <p14:creationId xmlns:p14="http://schemas.microsoft.com/office/powerpoint/2010/main" val="2595988247"/>
       </p:ext>
     </p:extLst>
   </p:cSld>
@@ -8013,7 +8168,7 @@
                   <a:schemeClr val="tx1"/>
                 </a:solidFill>
               </a:rPr>
-              <a:t>         </a:t>
+              <a:t>        </a:t>
             </a:r>
             <a:r>
               <a:rPr lang="ko-KR" altLang="en-US" sz="1200" kern="0" spc="0" dirty="0">
@@ -8021,8 +8176,7 @@
                   <a:srgbClr val="000000"/>
                 </a:solidFill>
                 <a:effectLst/>
-                <a:latin typeface="맑은 고딕" panose="020B0503020000020004" pitchFamily="50" charset="-127"/>
-                <a:ea typeface="맑은 고딕" panose="020B0503020000020004" pitchFamily="50" charset="-127"/>
+                <a:latin typeface="+mn-ea"/>
               </a:rPr>
               <a:t>①</a:t>
             </a:r>
@@ -8032,8 +8186,7 @@
                   <a:srgbClr val="000000"/>
                 </a:solidFill>
                 <a:effectLst/>
-                <a:latin typeface="맑은 고딕" panose="020B0503020000020004" pitchFamily="50" charset="-127"/>
-                <a:ea typeface="맑은 고딕" panose="020B0503020000020004" pitchFamily="50" charset="-127"/>
+                <a:latin typeface="+mn-ea"/>
               </a:rPr>
               <a:t>~</a:t>
             </a:r>
@@ -8043,292 +8196,118 @@
                   <a:srgbClr val="000000"/>
                 </a:solidFill>
                 <a:effectLst/>
-                <a:latin typeface="맑은 고딕" panose="020B0503020000020004" pitchFamily="50" charset="-127"/>
-                <a:ea typeface="맑은 고딕" panose="020B0503020000020004" pitchFamily="50" charset="-127"/>
-              </a:rPr>
-              <a:t>⑥ 공통</a:t>
+                <a:latin typeface="+mn-ea"/>
+              </a:rPr>
+              <a:t>⑧ 공통</a:t>
             </a:r>
             <a:endParaRPr lang="en-US" altLang="ko-KR" sz="1200" kern="0" spc="0" dirty="0">
               <a:solidFill>
                 <a:srgbClr val="000000"/>
               </a:solidFill>
               <a:effectLst/>
-              <a:latin typeface="맑은 고딕" panose="020B0503020000020004" pitchFamily="50" charset="-127"/>
-              <a:ea typeface="맑은 고딕" panose="020B0503020000020004" pitchFamily="50" charset="-127"/>
-            </a:endParaRPr>
-          </a:p>
-          <a:p>
+              <a:latin typeface="+mn-ea"/>
+            </a:endParaRPr>
+          </a:p>
+          <a:p>
+            <a:r>
+              <a:rPr lang="en-US" altLang="ko-KR" sz="1200" dirty="0">
+                <a:solidFill>
+                  <a:schemeClr val="tx1"/>
+                </a:solidFill>
+                <a:latin typeface="+mn-ea"/>
+              </a:rPr>
+              <a:t>     </a:t>
+            </a:r>
             <a:r>
               <a:rPr lang="ko-KR" altLang="en-US" sz="1200" kern="0" spc="0" dirty="0">
                 <a:solidFill>
                   <a:srgbClr val="000000"/>
                 </a:solidFill>
                 <a:effectLst/>
-                <a:latin typeface="맑은 고딕" panose="020B0503020000020004" pitchFamily="50" charset="-127"/>
-                <a:ea typeface="맑은 고딕" panose="020B0503020000020004" pitchFamily="50" charset="-127"/>
-              </a:rPr>
-              <a:t>      ⑩ </a:t>
-            </a:r>
-            <a:r>
-              <a:rPr lang="ko-KR" altLang="en-US" sz="1200" kern="0" dirty="0">
-                <a:solidFill>
-                  <a:srgbClr val="000000"/>
-                </a:solidFill>
-                <a:latin typeface="맑은 고딕" panose="020B0503020000020004" pitchFamily="50" charset="-127"/>
-                <a:ea typeface="맑은 고딕" panose="020B0503020000020004" pitchFamily="50" charset="-127"/>
-              </a:rPr>
-              <a:t>로그아웃시 </a:t>
-            </a:r>
-            <a:r>
-              <a:rPr lang="en-US" altLang="ko-KR" sz="1200" kern="0" dirty="0">
-                <a:solidFill>
-                  <a:srgbClr val="000000"/>
-                </a:solidFill>
-                <a:latin typeface="맑은 고딕" panose="020B0503020000020004" pitchFamily="50" charset="-127"/>
-                <a:ea typeface="맑은 고딕" panose="020B0503020000020004" pitchFamily="50" charset="-127"/>
-              </a:rPr>
-              <a:t>main01</a:t>
-            </a:r>
-            <a:r>
-              <a:rPr lang="ko-KR" altLang="en-US" sz="1200" kern="0" dirty="0">
-                <a:solidFill>
-                  <a:srgbClr val="000000"/>
-                </a:solidFill>
-                <a:latin typeface="맑은 고딕" panose="020B0503020000020004" pitchFamily="50" charset="-127"/>
-                <a:ea typeface="맑은 고딕" panose="020B0503020000020004" pitchFamily="50" charset="-127"/>
-              </a:rPr>
-              <a:t>로 이동</a:t>
-            </a:r>
+                <a:latin typeface="+mn-ea"/>
+              </a:rPr>
+              <a:t>⑩</a:t>
+            </a:r>
+            <a:r>
+              <a:rPr lang="en-US" altLang="ko-KR" sz="1200" kern="0" spc="0" dirty="0">
+                <a:solidFill>
+                  <a:schemeClr val="tx1"/>
+                </a:solidFill>
+                <a:effectLst/>
+                <a:latin typeface="+mn-ea"/>
+              </a:rPr>
+              <a:t> </a:t>
+            </a:r>
+            <a:r>
+              <a:rPr lang="ko-KR" altLang="en-US" sz="1200" dirty="0">
+                <a:solidFill>
+                  <a:schemeClr val="tx1"/>
+                </a:solidFill>
+                <a:latin typeface="+mn-ea"/>
+              </a:rPr>
+              <a:t>구매하러 가기버튼을 클릭하면 해당 제품 판매 페이지로 이동</a:t>
+            </a:r>
+            <a:endParaRPr lang="en-US" altLang="ko-KR" sz="1200" dirty="0">
+              <a:solidFill>
+                <a:schemeClr val="tx1"/>
+              </a:solidFill>
+              <a:latin typeface="+mn-ea"/>
+            </a:endParaRPr>
+          </a:p>
+          <a:p>
             <a:endParaRPr lang="en-US" altLang="ko-KR" sz="1200" kern="0" dirty="0">
               <a:solidFill>
+                <a:schemeClr val="tx1"/>
+              </a:solidFill>
+              <a:latin typeface="+mn-ea"/>
+            </a:endParaRPr>
+          </a:p>
+          <a:p>
+            <a:endParaRPr lang="en-US" altLang="ko-KR" sz="1200" kern="0" dirty="0">
+              <a:solidFill>
+                <a:schemeClr val="tx1"/>
+              </a:solidFill>
+              <a:latin typeface="+mn-ea"/>
+            </a:endParaRPr>
+          </a:p>
+          <a:p>
+            <a:endParaRPr lang="en-US" altLang="ko-KR" sz="1200" kern="0" dirty="0">
+              <a:solidFill>
+                <a:schemeClr val="tx1"/>
+              </a:solidFill>
+              <a:latin typeface="+mn-ea"/>
+            </a:endParaRPr>
+          </a:p>
+          <a:p>
+            <a:endParaRPr lang="en-US" altLang="ko-KR" sz="1200" kern="0" dirty="0">
+              <a:solidFill>
+                <a:schemeClr val="tx1"/>
+              </a:solidFill>
+              <a:latin typeface="+mn-ea"/>
+            </a:endParaRPr>
+          </a:p>
+          <a:p>
+            <a:endParaRPr lang="en-US" altLang="ko-KR" sz="1200" kern="0" dirty="0">
+              <a:solidFill>
+                <a:schemeClr val="tx1"/>
+              </a:solidFill>
+              <a:latin typeface="+mn-ea"/>
+            </a:endParaRPr>
+          </a:p>
+          <a:p>
+            <a:endParaRPr lang="en-US" altLang="ko-KR" sz="1200" kern="0" dirty="0">
+              <a:solidFill>
+                <a:schemeClr val="tx1"/>
+              </a:solidFill>
+              <a:latin typeface="+mn-ea"/>
+            </a:endParaRPr>
+          </a:p>
+          <a:p>
+            <a:endParaRPr lang="en-US" altLang="ko-KR" sz="1200" kern="0" dirty="0">
+              <a:solidFill>
                 <a:srgbClr val="000000"/>
               </a:solidFill>
-              <a:latin typeface="맑은 고딕" panose="020B0503020000020004" pitchFamily="50" charset="-127"/>
-              <a:ea typeface="맑은 고딕" panose="020B0503020000020004" pitchFamily="50" charset="-127"/>
-            </a:endParaRPr>
-          </a:p>
-          <a:p>
-            <a:r>
-              <a:rPr lang="en-US" altLang="ko-KR" sz="1200" kern="0" spc="0" dirty="0">
-                <a:solidFill>
-                  <a:srgbClr val="000000"/>
-                </a:solidFill>
-                <a:effectLst/>
-                <a:latin typeface="맑은 고딕" panose="020B0503020000020004" pitchFamily="50" charset="-127"/>
-                <a:ea typeface="맑은 고딕" panose="020B0503020000020004" pitchFamily="50" charset="-127"/>
-              </a:rPr>
-              <a:t>      </a:t>
-            </a:r>
-            <a:r>
-              <a:rPr lang="ko-KR" altLang="en-US" sz="1200" kern="0" spc="0" dirty="0">
-                <a:solidFill>
-                  <a:schemeClr val="tx1"/>
-                </a:solidFill>
-                <a:effectLst/>
-                <a:latin typeface="맑은 고딕" panose="020B0503020000020004" pitchFamily="50" charset="-127"/>
-                <a:ea typeface="맑은 고딕" panose="020B0503020000020004" pitchFamily="50" charset="-127"/>
-              </a:rPr>
-              <a:t>⑪ 마이페이지 클릭시 </a:t>
-            </a:r>
-            <a:r>
-              <a:rPr lang="en-US" altLang="ko-KR" sz="1200" kern="0" spc="0" dirty="0">
-                <a:solidFill>
-                  <a:schemeClr val="tx1"/>
-                </a:solidFill>
-                <a:effectLst/>
-                <a:latin typeface="맑은 고딕" panose="020B0503020000020004" pitchFamily="50" charset="-127"/>
-                <a:ea typeface="맑은 고딕" panose="020B0503020000020004" pitchFamily="50" charset="-127"/>
-              </a:rPr>
-              <a:t>mypage01</a:t>
-            </a:r>
-            <a:r>
-              <a:rPr lang="ko-KR" altLang="en-US" sz="1200" kern="0" spc="0" dirty="0">
-                <a:solidFill>
-                  <a:schemeClr val="tx1"/>
-                </a:solidFill>
-                <a:effectLst/>
-                <a:latin typeface="맑은 고딕" panose="020B0503020000020004" pitchFamily="50" charset="-127"/>
-                <a:ea typeface="맑은 고딕" panose="020B0503020000020004" pitchFamily="50" charset="-127"/>
-              </a:rPr>
-              <a:t>로 이동</a:t>
-            </a:r>
-            <a:endParaRPr lang="en-US" altLang="ko-KR" sz="1200" kern="0" spc="0" dirty="0">
-              <a:solidFill>
-                <a:schemeClr val="tx1"/>
-              </a:solidFill>
-              <a:effectLst/>
-              <a:latin typeface="맑은 고딕" panose="020B0503020000020004" pitchFamily="50" charset="-127"/>
-              <a:ea typeface="맑은 고딕" panose="020B0503020000020004" pitchFamily="50" charset="-127"/>
-            </a:endParaRPr>
-          </a:p>
-          <a:p>
-            <a:r>
-              <a:rPr lang="en-US" altLang="ko-KR" sz="1200" dirty="0">
-                <a:solidFill>
-                  <a:schemeClr val="tx1"/>
-                </a:solidFill>
-              </a:rPr>
-              <a:t>         </a:t>
-            </a:r>
-            <a:r>
-              <a:rPr lang="ko-KR" altLang="en-US" sz="1200" kern="0" spc="0" dirty="0">
-                <a:solidFill>
-                  <a:srgbClr val="000000"/>
-                </a:solidFill>
-                <a:effectLst/>
-                <a:latin typeface="맑은 고딕" panose="020B0503020000020004" pitchFamily="50" charset="-127"/>
-                <a:ea typeface="맑은 고딕" panose="020B0503020000020004" pitchFamily="50" charset="-127"/>
-              </a:rPr>
-              <a:t>⑫ </a:t>
-            </a:r>
-            <a:r>
-              <a:rPr lang="ko-KR" altLang="en-US" sz="1200" dirty="0">
-                <a:solidFill>
-                  <a:schemeClr val="tx1"/>
-                </a:solidFill>
-                <a:latin typeface="+mn-ea"/>
-              </a:rPr>
-              <a:t>게시글 클릭시 해당 게시물 </a:t>
-            </a:r>
-            <a:r>
-              <a:rPr lang="en-US" altLang="ko-KR" sz="1200" dirty="0">
-                <a:solidFill>
-                  <a:schemeClr val="tx1"/>
-                </a:solidFill>
-                <a:latin typeface="+mn-ea"/>
-              </a:rPr>
-              <a:t>readpage01</a:t>
-            </a:r>
-            <a:r>
-              <a:rPr lang="ko-KR" altLang="en-US" sz="1200" dirty="0">
-                <a:solidFill>
-                  <a:schemeClr val="tx1"/>
-                </a:solidFill>
-                <a:latin typeface="+mn-ea"/>
-              </a:rPr>
-              <a:t>로 이동</a:t>
-            </a:r>
-            <a:endParaRPr lang="en-US" altLang="ko-KR" sz="1200" dirty="0">
-              <a:solidFill>
-                <a:schemeClr val="tx1"/>
-              </a:solidFill>
               <a:latin typeface="+mn-ea"/>
-            </a:endParaRPr>
-          </a:p>
-          <a:p>
-            <a:r>
-              <a:rPr lang="en-US" altLang="ko-KR" sz="1200" dirty="0">
-                <a:solidFill>
-                  <a:schemeClr val="tx1"/>
-                </a:solidFill>
-              </a:rPr>
-              <a:t>         </a:t>
-            </a:r>
-            <a:r>
-              <a:rPr lang="ko-KR" altLang="en-US" sz="1200" kern="0" spc="0" dirty="0">
-                <a:solidFill>
-                  <a:srgbClr val="000000"/>
-                </a:solidFill>
-                <a:effectLst/>
-                <a:latin typeface="맑은 고딕" panose="020B0503020000020004" pitchFamily="50" charset="-127"/>
-                <a:ea typeface="맑은 고딕" panose="020B0503020000020004" pitchFamily="50" charset="-127"/>
-              </a:rPr>
-              <a:t>⑬ </a:t>
-            </a:r>
-            <a:r>
-              <a:rPr lang="ko-KR" altLang="en-US" sz="1200" dirty="0">
-                <a:solidFill>
-                  <a:schemeClr val="tx1"/>
-                </a:solidFill>
-              </a:rPr>
-              <a:t>글쓰기 클릭시 </a:t>
-            </a:r>
-            <a:r>
-              <a:rPr lang="en-US" altLang="ko-KR" sz="1200" dirty="0">
-                <a:solidFill>
-                  <a:schemeClr val="tx1"/>
-                </a:solidFill>
-              </a:rPr>
-              <a:t>write01</a:t>
-            </a:r>
-            <a:r>
-              <a:rPr lang="ko-KR" altLang="en-US" sz="1200" dirty="0">
-                <a:solidFill>
-                  <a:schemeClr val="tx1"/>
-                </a:solidFill>
-              </a:rPr>
-              <a:t>로 이동</a:t>
-            </a:r>
-            <a:r>
-              <a:rPr lang="en-US" altLang="ko-KR" sz="1200" dirty="0">
-                <a:solidFill>
-                  <a:schemeClr val="tx1"/>
-                </a:solidFill>
-              </a:rPr>
-              <a:t> </a:t>
-            </a:r>
-          </a:p>
-          <a:p>
-            <a:r>
-              <a:rPr lang="en-US" altLang="ko-KR" sz="1200" dirty="0">
-                <a:solidFill>
-                  <a:schemeClr val="tx1"/>
-                </a:solidFill>
-              </a:rPr>
-              <a:t>         </a:t>
-            </a:r>
-            <a:r>
-              <a:rPr lang="ko-KR" altLang="en-US" sz="1200" kern="0" spc="0" dirty="0">
-                <a:solidFill>
-                  <a:srgbClr val="000000"/>
-                </a:solidFill>
-                <a:effectLst/>
-                <a:latin typeface="맑은 고딕" panose="020B0503020000020004" pitchFamily="50" charset="-127"/>
-                <a:ea typeface="맑은 고딕" panose="020B0503020000020004" pitchFamily="50" charset="-127"/>
-              </a:rPr>
-              <a:t>⑭ </a:t>
-            </a:r>
-            <a:r>
-              <a:rPr lang="ko-KR" altLang="en-US" sz="1200" dirty="0">
-                <a:solidFill>
-                  <a:schemeClr val="tx1"/>
-                </a:solidFill>
-              </a:rPr>
-              <a:t>페이지 클릭시 해당 번호 페이지로 이동</a:t>
-            </a:r>
-            <a:endParaRPr lang="en-US" altLang="ko-KR" sz="1200" dirty="0">
-              <a:solidFill>
-                <a:schemeClr val="tx1"/>
-              </a:solidFill>
-            </a:endParaRPr>
-          </a:p>
-          <a:p>
-            <a:endParaRPr lang="en-US" altLang="ko-KR" sz="1200" dirty="0">
-              <a:solidFill>
-                <a:schemeClr val="tx1"/>
-              </a:solidFill>
-            </a:endParaRPr>
-          </a:p>
-          <a:p>
-            <a:endParaRPr lang="en-US" altLang="ko-KR" sz="1200" dirty="0">
-              <a:solidFill>
-                <a:schemeClr val="tx1"/>
-              </a:solidFill>
-            </a:endParaRPr>
-          </a:p>
-          <a:p>
-            <a:r>
-              <a:rPr lang="ko-KR" altLang="en-US" sz="1200" dirty="0">
-                <a:solidFill>
-                  <a:schemeClr val="tx1"/>
-                </a:solidFill>
-              </a:rPr>
-              <a:t> </a:t>
-            </a:r>
-            <a:endParaRPr lang="en-US" altLang="ko-KR" sz="1200" dirty="0">
-              <a:solidFill>
-                <a:schemeClr val="tx1"/>
-              </a:solidFill>
             </a:endParaRPr>
           </a:p>
         </p:txBody>
@@ -8605,7 +8584,7 @@
                     <a:srgbClr val="DCAE4B"/>
                   </a:solidFill>
                 </a:rPr>
-                <a:t>게시글목록 페이지</a:t>
+                <a:t>제품정보 페이지</a:t>
               </a:r>
               <a:endParaRPr lang="en-US" altLang="ko-KR" sz="1200" dirty="0">
                 <a:solidFill>
@@ -8709,7 +8688,7 @@
                     <a:srgbClr val="DCAE4B"/>
                   </a:solidFill>
                 </a:rPr>
-                <a:t>community01</a:t>
+                <a:t>product01</a:t>
               </a:r>
             </a:p>
           </p:txBody>
@@ -8957,9 +8936,17 @@
             </a:bodyPr>
             <a:lstStyle/>
             <a:p>
+              <a:r>
+                <a:rPr lang="ko-KR" altLang="en-US" sz="1200" dirty="0">
+                  <a:solidFill>
+                    <a:srgbClr val="DCAE4B"/>
+                  </a:solidFill>
+                </a:rPr>
+                <a:t>로그인시에도 동일 적용</a:t>
+              </a:r>
               <a:endParaRPr lang="en-US" altLang="ko-KR" sz="1200" dirty="0">
                 <a:solidFill>
-                  <a:schemeClr val="bg1"/>
+                  <a:srgbClr val="DCAE4B"/>
                 </a:solidFill>
               </a:endParaRPr>
             </a:p>
@@ -8993,8 +8980,8 @@
         </p:blipFill>
         <p:spPr>
           <a:xfrm>
-            <a:off x="3039530" y="752057"/>
-            <a:ext cx="6570136" cy="3282310"/>
+            <a:off x="3020035" y="754768"/>
+            <a:ext cx="6609127" cy="3276887"/>
           </a:xfrm>
           <a:prstGeom prst="rect">
             <a:avLst/>
@@ -9003,10 +8990,10 @@
       </p:pic>
       <p:sp>
         <p:nvSpPr>
-          <p:cNvPr id="2" name="TextBox 1">
+          <p:cNvPr id="25" name="TextBox 24">
             <a:extLst>
               <a:ext uri="{FF2B5EF4-FFF2-40B4-BE49-F238E27FC236}">
-                <a16:creationId xmlns:a16="http://schemas.microsoft.com/office/drawing/2014/main" id="{BA65BA23-A5F5-7475-AFDE-DC8889543C32}"/>
+                <a16:creationId xmlns:a16="http://schemas.microsoft.com/office/drawing/2014/main" id="{B32F2D48-6A61-B4B2-EFB5-2A3C4A067BE6}"/>
               </a:ext>
             </a:extLst>
           </p:cNvPr>
@@ -9015,7 +9002,7 @@
         </p:nvSpPr>
         <p:spPr>
           <a:xfrm>
-            <a:off x="2871532" y="1964347"/>
+            <a:off x="2871532" y="1995520"/>
             <a:ext cx="297006" cy="338554"/>
           </a:xfrm>
           <a:prstGeom prst="rect">
@@ -9050,10 +9037,10 @@
       </p:sp>
       <p:sp>
         <p:nvSpPr>
-          <p:cNvPr id="5" name="TextBox 4">
+          <p:cNvPr id="26" name="TextBox 25">
             <a:extLst>
               <a:ext uri="{FF2B5EF4-FFF2-40B4-BE49-F238E27FC236}">
-                <a16:creationId xmlns:a16="http://schemas.microsoft.com/office/drawing/2014/main" id="{0E27A3DC-E864-BBC8-9751-660D272C00A4}"/>
+                <a16:creationId xmlns:a16="http://schemas.microsoft.com/office/drawing/2014/main" id="{E59CEB19-C146-8308-6BE9-7D4446227433}"/>
               </a:ext>
             </a:extLst>
           </p:cNvPr>
@@ -9062,7 +9049,7 @@
         </p:nvSpPr>
         <p:spPr>
           <a:xfrm>
-            <a:off x="5459557" y="829524"/>
+            <a:off x="5459557" y="860697"/>
             <a:ext cx="297006" cy="338554"/>
           </a:xfrm>
           <a:prstGeom prst="rect">
@@ -9097,10 +9084,10 @@
       </p:sp>
       <p:sp>
         <p:nvSpPr>
-          <p:cNvPr id="7" name="TextBox 6">
+          <p:cNvPr id="27" name="TextBox 26">
             <a:extLst>
               <a:ext uri="{FF2B5EF4-FFF2-40B4-BE49-F238E27FC236}">
-                <a16:creationId xmlns:a16="http://schemas.microsoft.com/office/drawing/2014/main" id="{93661B94-D1E3-7FBE-11F1-EB182D73B98D}"/>
+                <a16:creationId xmlns:a16="http://schemas.microsoft.com/office/drawing/2014/main" id="{5FDC7BAE-4C56-2B3C-2035-6425A30F15AE}"/>
               </a:ext>
             </a:extLst>
           </p:cNvPr>
@@ -9109,7 +9096,7 @@
         </p:nvSpPr>
         <p:spPr>
           <a:xfrm>
-            <a:off x="4318634" y="1247254"/>
+            <a:off x="4318634" y="1278427"/>
             <a:ext cx="297006" cy="338554"/>
           </a:xfrm>
           <a:prstGeom prst="rect">
@@ -9144,10 +9131,10 @@
       </p:sp>
       <p:sp>
         <p:nvSpPr>
-          <p:cNvPr id="8" name="TextBox 7">
+          <p:cNvPr id="35" name="TextBox 34">
             <a:extLst>
               <a:ext uri="{FF2B5EF4-FFF2-40B4-BE49-F238E27FC236}">
-                <a16:creationId xmlns:a16="http://schemas.microsoft.com/office/drawing/2014/main" id="{004448EC-2377-D9E0-0F28-33EDEAF84B97}"/>
+                <a16:creationId xmlns:a16="http://schemas.microsoft.com/office/drawing/2014/main" id="{95C7FF4E-E0E4-0ADA-ED3D-35232C1CA13F}"/>
               </a:ext>
             </a:extLst>
           </p:cNvPr>
@@ -9156,7 +9143,7 @@
         </p:nvSpPr>
         <p:spPr>
           <a:xfrm>
-            <a:off x="5680797" y="1238393"/>
+            <a:off x="5680797" y="1269566"/>
             <a:ext cx="297006" cy="338554"/>
           </a:xfrm>
           <a:prstGeom prst="rect">
@@ -9191,10 +9178,10 @@
       </p:sp>
       <p:sp>
         <p:nvSpPr>
-          <p:cNvPr id="9" name="TextBox 8">
+          <p:cNvPr id="36" name="TextBox 35">
             <a:extLst>
               <a:ext uri="{FF2B5EF4-FFF2-40B4-BE49-F238E27FC236}">
-                <a16:creationId xmlns:a16="http://schemas.microsoft.com/office/drawing/2014/main" id="{C42ABD9A-6480-4F94-1B74-FD8E9C691CCA}"/>
+                <a16:creationId xmlns:a16="http://schemas.microsoft.com/office/drawing/2014/main" id="{47148773-9BB9-8874-E553-0F0DF8AC000A}"/>
               </a:ext>
             </a:extLst>
           </p:cNvPr>
@@ -9203,7 +9190,7 @@
         </p:nvSpPr>
         <p:spPr>
           <a:xfrm>
-            <a:off x="6930471" y="1243844"/>
+            <a:off x="6930471" y="1275017"/>
             <a:ext cx="297006" cy="338554"/>
           </a:xfrm>
           <a:prstGeom prst="rect">
@@ -9238,10 +9225,10 @@
       </p:sp>
       <p:sp>
         <p:nvSpPr>
-          <p:cNvPr id="19" name="TextBox 18">
+          <p:cNvPr id="37" name="TextBox 36">
             <a:extLst>
               <a:ext uri="{FF2B5EF4-FFF2-40B4-BE49-F238E27FC236}">
-                <a16:creationId xmlns:a16="http://schemas.microsoft.com/office/drawing/2014/main" id="{86FC7777-1B74-9606-D77E-391AFA7ECEAC}"/>
+                <a16:creationId xmlns:a16="http://schemas.microsoft.com/office/drawing/2014/main" id="{3CBD86B1-3B2D-89C2-384E-C4941CC1AAB2}"/>
               </a:ext>
             </a:extLst>
           </p:cNvPr>
@@ -9250,7 +9237,7 @@
         </p:nvSpPr>
         <p:spPr>
           <a:xfrm>
-            <a:off x="7914587" y="2799233"/>
+            <a:off x="7914587" y="2830406"/>
             <a:ext cx="297006" cy="338554"/>
           </a:xfrm>
           <a:prstGeom prst="rect">
@@ -9285,10 +9272,10 @@
       </p:sp>
       <p:sp>
         <p:nvSpPr>
-          <p:cNvPr id="22" name="TextBox 21">
+          <p:cNvPr id="38" name="TextBox 37">
             <a:extLst>
               <a:ext uri="{FF2B5EF4-FFF2-40B4-BE49-F238E27FC236}">
-                <a16:creationId xmlns:a16="http://schemas.microsoft.com/office/drawing/2014/main" id="{44203253-0F22-4E50-4C48-7D23DDBECC3E}"/>
+                <a16:creationId xmlns:a16="http://schemas.microsoft.com/office/drawing/2014/main" id="{E537A307-DE5A-23AA-317A-BB7E6A600BB9}"/>
               </a:ext>
             </a:extLst>
           </p:cNvPr>
@@ -9297,7 +9284,7 @@
         </p:nvSpPr>
         <p:spPr>
           <a:xfrm>
-            <a:off x="8094263" y="2160702"/>
+            <a:off x="8201202" y="2244954"/>
             <a:ext cx="297006" cy="338554"/>
           </a:xfrm>
           <a:prstGeom prst="rect">
@@ -9320,18 +9307,7 @@
                 <a:latin typeface="맑은 고딕" panose="020B0503020000020004" pitchFamily="50" charset="-127"/>
                 <a:ea typeface="맑은 고딕" panose="020B0503020000020004" pitchFamily="50" charset="-127"/>
               </a:rPr>
-              <a:t>⑩</a:t>
-            </a:r>
-            <a:r>
-              <a:rPr lang="ko-KR" altLang="en-US" sz="1600" b="1" kern="0" spc="0" dirty="0">
-                <a:solidFill>
-                  <a:srgbClr val="000000"/>
-                </a:solidFill>
-                <a:effectLst/>
-                <a:latin typeface="맑은 고딕" panose="020B0503020000020004" pitchFamily="50" charset="-127"/>
-                <a:ea typeface="맑은 고딕" panose="020B0503020000020004" pitchFamily="50" charset="-127"/>
-              </a:rPr>
-              <a:t> </a:t>
+              <a:t>⑦</a:t>
             </a:r>
             <a:endParaRPr lang="ko-KR" altLang="en-US" sz="1600" b="1" dirty="0">
               <a:solidFill>
@@ -9343,10 +9319,10 @@
       </p:sp>
       <p:sp>
         <p:nvSpPr>
-          <p:cNvPr id="23" name="TextBox 22">
+          <p:cNvPr id="39" name="TextBox 38">
             <a:extLst>
               <a:ext uri="{FF2B5EF4-FFF2-40B4-BE49-F238E27FC236}">
-                <a16:creationId xmlns:a16="http://schemas.microsoft.com/office/drawing/2014/main" id="{84872140-9494-3C3F-68F0-E5B06367A998}"/>
+                <a16:creationId xmlns:a16="http://schemas.microsoft.com/office/drawing/2014/main" id="{D8B8E3D0-B537-A1EB-45F1-9EDD077D6C81}"/>
               </a:ext>
             </a:extLst>
           </p:cNvPr>
@@ -9355,7 +9331,7 @@
         </p:nvSpPr>
         <p:spPr>
           <a:xfrm>
-            <a:off x="9290592" y="2147870"/>
+            <a:off x="9233479" y="2234563"/>
             <a:ext cx="297006" cy="338554"/>
           </a:xfrm>
           <a:prstGeom prst="rect">
@@ -9378,7 +9354,7 @@
                 <a:latin typeface="맑은 고딕" panose="020B0503020000020004" pitchFamily="50" charset="-127"/>
                 <a:ea typeface="맑은 고딕" panose="020B0503020000020004" pitchFamily="50" charset="-127"/>
               </a:rPr>
-              <a:t>⑪ </a:t>
+              <a:t>⑧</a:t>
             </a:r>
             <a:endParaRPr lang="ko-KR" altLang="en-US" sz="1600" b="1" dirty="0">
               <a:solidFill>
@@ -9390,10 +9366,10 @@
       </p:sp>
       <p:sp>
         <p:nvSpPr>
-          <p:cNvPr id="24" name="TextBox 23">
+          <p:cNvPr id="40" name="TextBox 39">
             <a:extLst>
               <a:ext uri="{FF2B5EF4-FFF2-40B4-BE49-F238E27FC236}">
-                <a16:creationId xmlns:a16="http://schemas.microsoft.com/office/drawing/2014/main" id="{805B9008-D141-1784-26BD-139D78B85ACD}"/>
+                <a16:creationId xmlns:a16="http://schemas.microsoft.com/office/drawing/2014/main" id="{BFFAFAF1-82BD-97B4-9F13-ECA0C8987C70}"/>
               </a:ext>
             </a:extLst>
           </p:cNvPr>
@@ -9402,7 +9378,7 @@
         </p:nvSpPr>
         <p:spPr>
           <a:xfrm>
-            <a:off x="4349806" y="2661592"/>
+            <a:off x="5158069" y="3532109"/>
             <a:ext cx="297006" cy="338554"/>
           </a:xfrm>
           <a:prstGeom prst="rect">
@@ -9425,123 +9401,7 @@
                 <a:latin typeface="맑은 고딕" panose="020B0503020000020004" pitchFamily="50" charset="-127"/>
                 <a:ea typeface="맑은 고딕" panose="020B0503020000020004" pitchFamily="50" charset="-127"/>
               </a:rPr>
-              <a:t>⑫</a:t>
-            </a:r>
-            <a:r>
-              <a:rPr lang="ko-KR" altLang="en-US" sz="1600" b="1" kern="0" spc="0" dirty="0">
-                <a:solidFill>
-                  <a:srgbClr val="000000"/>
-                </a:solidFill>
-                <a:effectLst/>
-                <a:latin typeface="맑은 고딕" panose="020B0503020000020004" pitchFamily="50" charset="-127"/>
-                <a:ea typeface="맑은 고딕" panose="020B0503020000020004" pitchFamily="50" charset="-127"/>
-              </a:rPr>
-              <a:t> </a:t>
-            </a:r>
-            <a:endParaRPr lang="ko-KR" altLang="en-US" sz="1600" b="1" dirty="0">
-              <a:solidFill>
-                <a:schemeClr val="accent1"/>
-              </a:solidFill>
-            </a:endParaRPr>
-          </a:p>
-        </p:txBody>
-      </p:sp>
-      <p:sp>
-        <p:nvSpPr>
-          <p:cNvPr id="25" name="TextBox 24">
-            <a:extLst>
-              <a:ext uri="{FF2B5EF4-FFF2-40B4-BE49-F238E27FC236}">
-                <a16:creationId xmlns:a16="http://schemas.microsoft.com/office/drawing/2014/main" id="{FEDCC0EB-180A-76ED-5CAF-C987EF8BBCC3}"/>
-              </a:ext>
-            </a:extLst>
-          </p:cNvPr>
-          <p:cNvSpPr txBox="1"/>
-          <p:nvPr/>
-        </p:nvSpPr>
-        <p:spPr>
-          <a:xfrm>
-            <a:off x="7248259" y="1938484"/>
-            <a:ext cx="297006" cy="338554"/>
-          </a:xfrm>
-          <a:prstGeom prst="rect">
-            <a:avLst/>
-          </a:prstGeom>
-          <a:noFill/>
-        </p:spPr>
-        <p:txBody>
-          <a:bodyPr wrap="square">
-            <a:spAutoFit/>
-          </a:bodyPr>
-          <a:lstStyle/>
-          <a:p>
-            <a:r>
-              <a:rPr lang="ko-KR" altLang="en-US" sz="1600" b="1" kern="0" spc="0" dirty="0">
-                <a:solidFill>
-                  <a:schemeClr val="accent1"/>
-                </a:solidFill>
-                <a:effectLst/>
-                <a:latin typeface="맑은 고딕" panose="020B0503020000020004" pitchFamily="50" charset="-127"/>
-                <a:ea typeface="맑은 고딕" panose="020B0503020000020004" pitchFamily="50" charset="-127"/>
-              </a:rPr>
-              <a:t>⑬</a:t>
-            </a:r>
-            <a:r>
-              <a:rPr lang="ko-KR" altLang="en-US" sz="1600" b="1" kern="0" spc="0" dirty="0">
-                <a:solidFill>
-                  <a:srgbClr val="000000"/>
-                </a:solidFill>
-                <a:effectLst/>
-                <a:latin typeface="맑은 고딕" panose="020B0503020000020004" pitchFamily="50" charset="-127"/>
-                <a:ea typeface="맑은 고딕" panose="020B0503020000020004" pitchFamily="50" charset="-127"/>
-              </a:rPr>
-              <a:t> </a:t>
-            </a:r>
-            <a:endParaRPr lang="ko-KR" altLang="en-US" sz="1600" b="1" dirty="0">
-              <a:solidFill>
-                <a:schemeClr val="accent1"/>
-              </a:solidFill>
-            </a:endParaRPr>
-          </a:p>
-        </p:txBody>
-      </p:sp>
-      <p:sp>
-        <p:nvSpPr>
-          <p:cNvPr id="26" name="TextBox 25">
-            <a:extLst>
-              <a:ext uri="{FF2B5EF4-FFF2-40B4-BE49-F238E27FC236}">
-                <a16:creationId xmlns:a16="http://schemas.microsoft.com/office/drawing/2014/main" id="{7CB5EF74-188E-0803-D314-301EB147650E}"/>
-              </a:ext>
-            </a:extLst>
-          </p:cNvPr>
-          <p:cNvSpPr txBox="1"/>
-          <p:nvPr/>
-        </p:nvSpPr>
-        <p:spPr>
-          <a:xfrm>
-            <a:off x="5459557" y="3422763"/>
-            <a:ext cx="297006" cy="338554"/>
-          </a:xfrm>
-          <a:prstGeom prst="rect">
-            <a:avLst/>
-          </a:prstGeom>
-          <a:noFill/>
-        </p:spPr>
-        <p:txBody>
-          <a:bodyPr wrap="square">
-            <a:spAutoFit/>
-          </a:bodyPr>
-          <a:lstStyle/>
-          <a:p>
-            <a:r>
-              <a:rPr lang="ko-KR" altLang="en-US" sz="1600" b="1" kern="0" spc="0" dirty="0">
-                <a:solidFill>
-                  <a:schemeClr val="accent1"/>
-                </a:solidFill>
-                <a:effectLst/>
-                <a:latin typeface="맑은 고딕" panose="020B0503020000020004" pitchFamily="50" charset="-127"/>
-                <a:ea typeface="맑은 고딕" panose="020B0503020000020004" pitchFamily="50" charset="-127"/>
-              </a:rPr>
-              <a:t>⑭</a:t>
+              <a:t>⑩</a:t>
             </a:r>
             <a:r>
               <a:rPr lang="ko-KR" altLang="en-US" sz="1600" b="1" kern="0" spc="0" dirty="0">
@@ -9565,7 +9425,7 @@
     </p:spTree>
     <p:extLst>
       <p:ext uri="{BB962C8B-B14F-4D97-AF65-F5344CB8AC3E}">
-        <p14:creationId xmlns:p14="http://schemas.microsoft.com/office/powerpoint/2010/main" val="2547272316"/>
+        <p14:creationId xmlns:p14="http://schemas.microsoft.com/office/powerpoint/2010/main" val="2262885026"/>
       </p:ext>
     </p:extLst>
   </p:cSld>
@@ -9647,231 +9507,7 @@
                   <a:schemeClr val="tx1"/>
                 </a:solidFill>
               </a:rPr>
-              <a:t>     </a:t>
-            </a:r>
-          </a:p>
-          <a:p>
-            <a:r>
-              <a:rPr lang="en-US" altLang="ko-KR" sz="1200" dirty="0">
-                <a:solidFill>
-                  <a:schemeClr val="tx1"/>
-                </a:solidFill>
-              </a:rPr>
-              <a:t>        </a:t>
-            </a:r>
-            <a:r>
-              <a:rPr lang="ko-KR" altLang="en-US" sz="1200" kern="0" spc="0" dirty="0">
-                <a:solidFill>
-                  <a:srgbClr val="000000"/>
-                </a:solidFill>
-                <a:effectLst/>
-                <a:latin typeface="+mn-ea"/>
-              </a:rPr>
-              <a:t>①</a:t>
-            </a:r>
-            <a:r>
-              <a:rPr lang="en-US" altLang="ko-KR" sz="1200" kern="0" spc="0" dirty="0">
-                <a:solidFill>
-                  <a:srgbClr val="000000"/>
-                </a:solidFill>
-                <a:effectLst/>
-                <a:latin typeface="+mn-ea"/>
-              </a:rPr>
-              <a:t>~</a:t>
-            </a:r>
-            <a:r>
-              <a:rPr lang="ko-KR" altLang="en-US" sz="1200" kern="0" spc="0" dirty="0">
-                <a:solidFill>
-                  <a:srgbClr val="000000"/>
-                </a:solidFill>
-                <a:effectLst/>
-                <a:latin typeface="+mn-ea"/>
-              </a:rPr>
-              <a:t>⑥ 공통</a:t>
-            </a:r>
-            <a:endParaRPr lang="en-US" altLang="ko-KR" sz="1200" kern="0" spc="0" dirty="0">
-              <a:solidFill>
-                <a:srgbClr val="000000"/>
-              </a:solidFill>
-              <a:effectLst/>
-              <a:latin typeface="+mn-ea"/>
-            </a:endParaRPr>
-          </a:p>
-          <a:p>
-            <a:r>
-              <a:rPr lang="ko-KR" altLang="en-US" sz="1200" kern="0" spc="0" dirty="0">
-                <a:solidFill>
-                  <a:srgbClr val="000000"/>
-                </a:solidFill>
-                <a:effectLst/>
-                <a:latin typeface="+mn-ea"/>
-              </a:rPr>
-              <a:t>     ⑩ </a:t>
-            </a:r>
-            <a:r>
-              <a:rPr lang="ko-KR" altLang="en-US" sz="1200" kern="0" dirty="0">
-                <a:solidFill>
-                  <a:srgbClr val="000000"/>
-                </a:solidFill>
-                <a:latin typeface="+mn-ea"/>
-              </a:rPr>
-              <a:t>로그아웃 클릭시 </a:t>
-            </a:r>
-            <a:r>
-              <a:rPr lang="en-US" altLang="ko-KR" sz="1200" kern="0" dirty="0">
-                <a:solidFill>
-                  <a:srgbClr val="000000"/>
-                </a:solidFill>
-                <a:latin typeface="+mn-ea"/>
-              </a:rPr>
-              <a:t>main01</a:t>
-            </a:r>
-            <a:r>
-              <a:rPr lang="ko-KR" altLang="en-US" sz="1200" kern="0" dirty="0">
-                <a:solidFill>
-                  <a:srgbClr val="000000"/>
-                </a:solidFill>
-                <a:latin typeface="+mn-ea"/>
-              </a:rPr>
-              <a:t>로 이동</a:t>
-            </a:r>
-            <a:endParaRPr lang="en-US" altLang="ko-KR" sz="1200" kern="0" dirty="0">
-              <a:solidFill>
-                <a:srgbClr val="000000"/>
-              </a:solidFill>
-              <a:latin typeface="+mn-ea"/>
-            </a:endParaRPr>
-          </a:p>
-          <a:p>
-            <a:r>
-              <a:rPr lang="en-US" altLang="ko-KR" sz="1200" kern="0" spc="0" dirty="0">
-                <a:solidFill>
-                  <a:srgbClr val="000000"/>
-                </a:solidFill>
-                <a:effectLst/>
-                <a:latin typeface="+mn-ea"/>
-              </a:rPr>
-              <a:t>     </a:t>
-            </a:r>
-            <a:r>
-              <a:rPr lang="ko-KR" altLang="en-US" sz="1200" kern="0" spc="0" dirty="0">
-                <a:solidFill>
-                  <a:schemeClr val="tx1"/>
-                </a:solidFill>
-                <a:effectLst/>
-                <a:latin typeface="+mn-ea"/>
-              </a:rPr>
-              <a:t>⑪ 마이페이지 클릭시 </a:t>
-            </a:r>
-            <a:r>
-              <a:rPr lang="en-US" altLang="ko-KR" sz="1200" kern="0" spc="0" dirty="0">
-                <a:solidFill>
-                  <a:schemeClr val="tx1"/>
-                </a:solidFill>
-                <a:effectLst/>
-                <a:latin typeface="+mn-ea"/>
-              </a:rPr>
-              <a:t>mypage01</a:t>
-            </a:r>
-            <a:r>
-              <a:rPr lang="ko-KR" altLang="en-US" sz="1200" kern="0" spc="0" dirty="0">
-                <a:solidFill>
-                  <a:schemeClr val="tx1"/>
-                </a:solidFill>
-                <a:effectLst/>
-                <a:latin typeface="+mn-ea"/>
-              </a:rPr>
-              <a:t>로 이동</a:t>
-            </a:r>
-            <a:endParaRPr lang="en-US" altLang="ko-KR" sz="1200" kern="0" spc="0" dirty="0">
-              <a:solidFill>
-                <a:srgbClr val="000000"/>
-              </a:solidFill>
-              <a:effectLst/>
-              <a:latin typeface="+mn-ea"/>
-            </a:endParaRPr>
-          </a:p>
-          <a:p>
-            <a:r>
-              <a:rPr lang="en-US" altLang="ko-KR" sz="1200" dirty="0">
-                <a:solidFill>
-                  <a:schemeClr val="tx1"/>
-                </a:solidFill>
-                <a:latin typeface="+mn-ea"/>
-              </a:rPr>
-              <a:t>     </a:t>
-            </a:r>
-            <a:r>
-              <a:rPr lang="ko-KR" altLang="en-US" sz="1200" kern="0" spc="0" dirty="0">
-                <a:solidFill>
-                  <a:srgbClr val="000000"/>
-                </a:solidFill>
-                <a:effectLst/>
-                <a:latin typeface="+mn-ea"/>
-              </a:rPr>
-              <a:t>⑫ </a:t>
-            </a:r>
-            <a:r>
-              <a:rPr lang="ko-KR" altLang="en-US" sz="1200" dirty="0">
-                <a:solidFill>
-                  <a:schemeClr val="tx1"/>
-                </a:solidFill>
-                <a:latin typeface="+mn-ea"/>
-              </a:rPr>
-              <a:t>해당 양식 작성</a:t>
-            </a:r>
-            <a:r>
-              <a:rPr lang="en-US" altLang="ko-KR" sz="1200" dirty="0">
-                <a:solidFill>
-                  <a:schemeClr val="tx1"/>
-                </a:solidFill>
-                <a:latin typeface="+mn-ea"/>
-              </a:rPr>
-              <a:t> </a:t>
-            </a:r>
-            <a:r>
-              <a:rPr lang="ko-KR" altLang="en-US" sz="1200" dirty="0">
-                <a:solidFill>
-                  <a:schemeClr val="tx1"/>
-                </a:solidFill>
-                <a:latin typeface="+mn-ea"/>
-              </a:rPr>
-              <a:t>후 완료 버튼 클릭시 해당 내용을 저장한 후 </a:t>
-            </a:r>
-            <a:r>
-              <a:rPr lang="en-US" altLang="ko-KR" sz="1200" dirty="0">
-                <a:solidFill>
-                  <a:schemeClr val="tx1"/>
-                </a:solidFill>
-                <a:latin typeface="+mn-ea"/>
-              </a:rPr>
-              <a:t>community01</a:t>
-            </a:r>
-            <a:r>
-              <a:rPr lang="ko-KR" altLang="en-US" sz="1200" dirty="0">
-                <a:solidFill>
-                  <a:schemeClr val="tx1"/>
-                </a:solidFill>
-                <a:latin typeface="+mn-ea"/>
-              </a:rPr>
-              <a:t>로 이동</a:t>
-            </a:r>
-            <a:endParaRPr lang="en-US" altLang="ko-KR" sz="1200" dirty="0">
-              <a:solidFill>
-                <a:schemeClr val="tx1"/>
-              </a:solidFill>
-              <a:latin typeface="+mn-ea"/>
-            </a:endParaRPr>
-          </a:p>
-          <a:p>
-            <a:r>
-              <a:rPr lang="en-US" altLang="ko-KR" sz="1200" dirty="0">
-                <a:solidFill>
-                  <a:schemeClr val="tx1"/>
-                </a:solidFill>
-                <a:latin typeface="+mn-ea"/>
-              </a:rPr>
-              <a:t>     </a:t>
+              <a:t>         </a:t>
             </a:r>
             <a:r>
               <a:rPr lang="ko-KR" altLang="en-US" sz="1200" kern="0" spc="0" dirty="0">
@@ -9882,7 +9518,18 @@
                 <a:latin typeface="맑은 고딕" panose="020B0503020000020004" pitchFamily="50" charset="-127"/>
                 <a:ea typeface="맑은 고딕" panose="020B0503020000020004" pitchFamily="50" charset="-127"/>
               </a:rPr>
-              <a:t>⑬</a:t>
+              <a:t>①</a:t>
+            </a:r>
+            <a:r>
+              <a:rPr lang="en-US" altLang="ko-KR" sz="1200" kern="0" spc="0" dirty="0">
+                <a:solidFill>
+                  <a:srgbClr val="000000"/>
+                </a:solidFill>
+                <a:effectLst/>
+                <a:latin typeface="맑은 고딕" panose="020B0503020000020004" pitchFamily="50" charset="-127"/>
+                <a:ea typeface="맑은 고딕" panose="020B0503020000020004" pitchFamily="50" charset="-127"/>
+              </a:rPr>
+              <a:t>~</a:t>
             </a:r>
             <a:r>
               <a:rPr lang="ko-KR" altLang="en-US" sz="1200" kern="0" spc="0" dirty="0">
@@ -9890,82 +9537,292 @@
                   <a:srgbClr val="000000"/>
                 </a:solidFill>
                 <a:effectLst/>
+                <a:latin typeface="맑은 고딕" panose="020B0503020000020004" pitchFamily="50" charset="-127"/>
+                <a:ea typeface="맑은 고딕" panose="020B0503020000020004" pitchFamily="50" charset="-127"/>
+              </a:rPr>
+              <a:t>⑥ 공통</a:t>
+            </a:r>
+            <a:endParaRPr lang="en-US" altLang="ko-KR" sz="1200" kern="0" spc="0" dirty="0">
+              <a:solidFill>
+                <a:srgbClr val="000000"/>
+              </a:solidFill>
+              <a:effectLst/>
+              <a:latin typeface="맑은 고딕" panose="020B0503020000020004" pitchFamily="50" charset="-127"/>
+              <a:ea typeface="맑은 고딕" panose="020B0503020000020004" pitchFamily="50" charset="-127"/>
+            </a:endParaRPr>
+          </a:p>
+          <a:p>
+            <a:r>
+              <a:rPr lang="ko-KR" altLang="en-US" sz="1200" kern="0" spc="0" dirty="0">
+                <a:solidFill>
+                  <a:srgbClr val="000000"/>
+                </a:solidFill>
+                <a:effectLst/>
+                <a:latin typeface="맑은 고딕" panose="020B0503020000020004" pitchFamily="50" charset="-127"/>
+                <a:ea typeface="맑은 고딕" panose="020B0503020000020004" pitchFamily="50" charset="-127"/>
+              </a:rPr>
+              <a:t>      ⑩ </a:t>
+            </a:r>
+            <a:r>
+              <a:rPr lang="ko-KR" altLang="en-US" sz="1200" kern="0" dirty="0">
+                <a:solidFill>
+                  <a:srgbClr val="000000"/>
+                </a:solidFill>
+                <a:latin typeface="맑은 고딕" panose="020B0503020000020004" pitchFamily="50" charset="-127"/>
+                <a:ea typeface="맑은 고딕" panose="020B0503020000020004" pitchFamily="50" charset="-127"/>
+              </a:rPr>
+              <a:t>로그아웃시 </a:t>
+            </a:r>
+            <a:r>
+              <a:rPr lang="en-US" altLang="ko-KR" sz="1200" kern="0" dirty="0">
+                <a:solidFill>
+                  <a:srgbClr val="000000"/>
+                </a:solidFill>
+                <a:latin typeface="맑은 고딕" panose="020B0503020000020004" pitchFamily="50" charset="-127"/>
+                <a:ea typeface="맑은 고딕" panose="020B0503020000020004" pitchFamily="50" charset="-127"/>
+              </a:rPr>
+              <a:t>main01</a:t>
+            </a:r>
+            <a:r>
+              <a:rPr lang="ko-KR" altLang="en-US" sz="1200" kern="0" dirty="0">
+                <a:solidFill>
+                  <a:srgbClr val="000000"/>
+                </a:solidFill>
+                <a:latin typeface="맑은 고딕" panose="020B0503020000020004" pitchFamily="50" charset="-127"/>
+                <a:ea typeface="맑은 고딕" panose="020B0503020000020004" pitchFamily="50" charset="-127"/>
+              </a:rPr>
+              <a:t>로 이동</a:t>
+            </a:r>
+            <a:endParaRPr lang="en-US" altLang="ko-KR" sz="1200" kern="0" dirty="0">
+              <a:solidFill>
+                <a:srgbClr val="000000"/>
+              </a:solidFill>
+              <a:latin typeface="맑은 고딕" panose="020B0503020000020004" pitchFamily="50" charset="-127"/>
+              <a:ea typeface="맑은 고딕" panose="020B0503020000020004" pitchFamily="50" charset="-127"/>
+            </a:endParaRPr>
+          </a:p>
+          <a:p>
+            <a:r>
+              <a:rPr lang="en-US" altLang="ko-KR" sz="1200" kern="0" spc="0" dirty="0">
+                <a:solidFill>
+                  <a:srgbClr val="000000"/>
+                </a:solidFill>
+                <a:effectLst/>
+                <a:latin typeface="맑은 고딕" panose="020B0503020000020004" pitchFamily="50" charset="-127"/>
+                <a:ea typeface="맑은 고딕" panose="020B0503020000020004" pitchFamily="50" charset="-127"/>
+              </a:rPr>
+              <a:t>      </a:t>
+            </a:r>
+            <a:r>
+              <a:rPr lang="ko-KR" altLang="en-US" sz="1200" kern="0" spc="0" dirty="0">
+                <a:solidFill>
+                  <a:schemeClr val="tx1"/>
+                </a:solidFill>
+                <a:effectLst/>
+                <a:latin typeface="맑은 고딕" panose="020B0503020000020004" pitchFamily="50" charset="-127"/>
+                <a:ea typeface="맑은 고딕" panose="020B0503020000020004" pitchFamily="50" charset="-127"/>
+              </a:rPr>
+              <a:t>⑪ 마이페이지 클릭시 </a:t>
+            </a:r>
+            <a:r>
+              <a:rPr lang="en-US" altLang="ko-KR" sz="1200" kern="0" spc="0" dirty="0">
+                <a:solidFill>
+                  <a:schemeClr val="tx1"/>
+                </a:solidFill>
+                <a:effectLst/>
+                <a:latin typeface="맑은 고딕" panose="020B0503020000020004" pitchFamily="50" charset="-127"/>
+                <a:ea typeface="맑은 고딕" panose="020B0503020000020004" pitchFamily="50" charset="-127"/>
+              </a:rPr>
+              <a:t>mypage01</a:t>
+            </a:r>
+            <a:r>
+              <a:rPr lang="ko-KR" altLang="en-US" sz="1200" kern="0" spc="0" dirty="0">
+                <a:solidFill>
+                  <a:schemeClr val="tx1"/>
+                </a:solidFill>
+                <a:effectLst/>
+                <a:latin typeface="맑은 고딕" panose="020B0503020000020004" pitchFamily="50" charset="-127"/>
+                <a:ea typeface="맑은 고딕" panose="020B0503020000020004" pitchFamily="50" charset="-127"/>
+              </a:rPr>
+              <a:t>로 이동</a:t>
+            </a:r>
+            <a:endParaRPr lang="en-US" altLang="ko-KR" sz="1200" kern="0" spc="0" dirty="0">
+              <a:solidFill>
+                <a:schemeClr val="tx1"/>
+              </a:solidFill>
+              <a:effectLst/>
+              <a:latin typeface="맑은 고딕" panose="020B0503020000020004" pitchFamily="50" charset="-127"/>
+              <a:ea typeface="맑은 고딕" panose="020B0503020000020004" pitchFamily="50" charset="-127"/>
+            </a:endParaRPr>
+          </a:p>
+          <a:p>
+            <a:r>
+              <a:rPr lang="en-US" altLang="ko-KR" sz="1200" dirty="0">
+                <a:solidFill>
+                  <a:schemeClr val="tx1"/>
+                </a:solidFill>
+              </a:rPr>
+              <a:t>         </a:t>
+            </a:r>
+            <a:r>
+              <a:rPr lang="ko-KR" altLang="en-US" sz="1200" kern="0" spc="0" dirty="0">
+                <a:solidFill>
+                  <a:srgbClr val="000000"/>
+                </a:solidFill>
+                <a:effectLst/>
+                <a:latin typeface="맑은 고딕" panose="020B0503020000020004" pitchFamily="50" charset="-127"/>
+                <a:ea typeface="맑은 고딕" panose="020B0503020000020004" pitchFamily="50" charset="-127"/>
+              </a:rPr>
+              <a:t>⑫ </a:t>
+            </a:r>
+            <a:r>
+              <a:rPr lang="ko-KR" altLang="en-US" sz="1200" dirty="0">
+                <a:solidFill>
+                  <a:schemeClr val="tx1"/>
+                </a:solidFill>
                 <a:latin typeface="+mn-ea"/>
               </a:rPr>
+              <a:t>게시글 클릭시 해당 게시물 </a:t>
+            </a:r>
+            <a:r>
+              <a:rPr lang="en-US" altLang="ko-KR" sz="1200" dirty="0">
+                <a:solidFill>
+                  <a:schemeClr val="tx1"/>
+                </a:solidFill>
+                <a:latin typeface="+mn-ea"/>
+              </a:rPr>
+              <a:t>readpage01</a:t>
+            </a:r>
+            <a:r>
+              <a:rPr lang="ko-KR" altLang="en-US" sz="1200" dirty="0">
+                <a:solidFill>
+                  <a:schemeClr val="tx1"/>
+                </a:solidFill>
+                <a:latin typeface="+mn-ea"/>
+              </a:rPr>
+              <a:t>로 이동</a:t>
+            </a:r>
+            <a:endParaRPr lang="en-US" altLang="ko-KR" sz="1200" dirty="0">
+              <a:solidFill>
+                <a:schemeClr val="tx1"/>
+              </a:solidFill>
+              <a:latin typeface="+mn-ea"/>
+            </a:endParaRPr>
+          </a:p>
+          <a:p>
+            <a:r>
+              <a:rPr lang="en-US" altLang="ko-KR" sz="1200" dirty="0">
+                <a:solidFill>
+                  <a:schemeClr val="tx1"/>
+                </a:solidFill>
+              </a:rPr>
+              <a:t>         </a:t>
+            </a:r>
+            <a:r>
+              <a:rPr lang="ko-KR" altLang="en-US" sz="1200" kern="0" spc="0" dirty="0">
+                <a:solidFill>
+                  <a:srgbClr val="000000"/>
+                </a:solidFill>
+                <a:effectLst/>
+                <a:latin typeface="맑은 고딕" panose="020B0503020000020004" pitchFamily="50" charset="-127"/>
+                <a:ea typeface="맑은 고딕" panose="020B0503020000020004" pitchFamily="50" charset="-127"/>
+              </a:rPr>
+              <a:t>⑬ </a:t>
+            </a:r>
+            <a:r>
+              <a:rPr lang="ko-KR" altLang="en-US" sz="1200" dirty="0">
+                <a:solidFill>
+                  <a:schemeClr val="tx1"/>
+                </a:solidFill>
+              </a:rPr>
+              <a:t>글쓰기 클릭시 </a:t>
+            </a:r>
+            <a:r>
+              <a:rPr lang="en-US" altLang="ko-KR" sz="1200" dirty="0">
+                <a:solidFill>
+                  <a:schemeClr val="tx1"/>
+                </a:solidFill>
+              </a:rPr>
+              <a:t>write01</a:t>
+            </a:r>
+            <a:r>
+              <a:rPr lang="ko-KR" altLang="en-US" sz="1200" dirty="0">
+                <a:solidFill>
+                  <a:schemeClr val="tx1"/>
+                </a:solidFill>
+              </a:rPr>
+              <a:t>로 이동</a:t>
+            </a:r>
+            <a:r>
+              <a:rPr lang="en-US" altLang="ko-KR" sz="1200" dirty="0">
+                <a:solidFill>
+                  <a:schemeClr val="tx1"/>
+                </a:solidFill>
+              </a:rPr>
               <a:t> </a:t>
             </a:r>
+          </a:p>
+          <a:p>
+            <a:r>
+              <a:rPr lang="en-US" altLang="ko-KR" sz="1200" dirty="0">
+                <a:solidFill>
+                  <a:schemeClr val="tx1"/>
+                </a:solidFill>
+              </a:rPr>
+              <a:t>         </a:t>
+            </a:r>
+            <a:r>
+              <a:rPr lang="ko-KR" altLang="en-US" sz="1200" kern="0" spc="0" dirty="0">
+                <a:solidFill>
+                  <a:srgbClr val="000000"/>
+                </a:solidFill>
+                <a:effectLst/>
+                <a:latin typeface="맑은 고딕" panose="020B0503020000020004" pitchFamily="50" charset="-127"/>
+                <a:ea typeface="맑은 고딕" panose="020B0503020000020004" pitchFamily="50" charset="-127"/>
+              </a:rPr>
+              <a:t>⑭ </a:t>
+            </a:r>
             <a:r>
               <a:rPr lang="ko-KR" altLang="en-US" sz="1200" dirty="0">
                 <a:solidFill>
                   <a:schemeClr val="tx1"/>
                 </a:solidFill>
-                <a:latin typeface="+mn-ea"/>
-              </a:rPr>
-              <a:t>목록 버튼 클릭시 </a:t>
-            </a:r>
-            <a:r>
-              <a:rPr lang="en-US" altLang="ko-KR" sz="1200" dirty="0">
+              </a:rPr>
+              <a:t>페이지 클릭시 해당 번호 페이지로 이동</a:t>
+            </a:r>
+            <a:endParaRPr lang="en-US" altLang="ko-KR" sz="1200" dirty="0">
+              <a:solidFill>
+                <a:schemeClr val="tx1"/>
+              </a:solidFill>
+            </a:endParaRPr>
+          </a:p>
+          <a:p>
+            <a:endParaRPr lang="en-US" altLang="ko-KR" sz="1200" dirty="0">
+              <a:solidFill>
+                <a:schemeClr val="tx1"/>
+              </a:solidFill>
+            </a:endParaRPr>
+          </a:p>
+          <a:p>
+            <a:endParaRPr lang="en-US" altLang="ko-KR" sz="1200" dirty="0">
+              <a:solidFill>
+                <a:schemeClr val="tx1"/>
+              </a:solidFill>
+            </a:endParaRPr>
+          </a:p>
+          <a:p>
+            <a:r>
+              <a:rPr lang="ko-KR" altLang="en-US" sz="1200" dirty="0">
                 <a:solidFill>
                   <a:schemeClr val="tx1"/>
                 </a:solidFill>
-                <a:latin typeface="+mn-ea"/>
-              </a:rPr>
-              <a:t>community01</a:t>
-            </a:r>
-            <a:r>
-              <a:rPr lang="ko-KR" altLang="en-US" sz="1200" dirty="0">
-                <a:solidFill>
-                  <a:schemeClr val="tx1"/>
-                </a:solidFill>
-                <a:latin typeface="+mn-ea"/>
-              </a:rPr>
-              <a:t>로 이동</a:t>
+              </a:rPr>
+              <a:t> </a:t>
             </a:r>
             <a:endParaRPr lang="en-US" altLang="ko-KR" sz="1200" dirty="0">
               <a:solidFill>
                 <a:schemeClr val="tx1"/>
               </a:solidFill>
-              <a:latin typeface="+mn-ea"/>
-            </a:endParaRPr>
-          </a:p>
-          <a:p>
-            <a:endParaRPr lang="en-US" altLang="ko-KR" sz="1200" dirty="0">
-              <a:solidFill>
-                <a:schemeClr val="tx1"/>
-              </a:solidFill>
-              <a:latin typeface="+mn-ea"/>
-            </a:endParaRPr>
-          </a:p>
-          <a:p>
-            <a:endParaRPr lang="en-US" altLang="ko-KR" sz="1200" dirty="0">
-              <a:solidFill>
-                <a:schemeClr val="tx1"/>
-              </a:solidFill>
-              <a:latin typeface="+mn-ea"/>
-            </a:endParaRPr>
-          </a:p>
-          <a:p>
-            <a:endParaRPr lang="en-US" altLang="ko-KR" sz="1200" dirty="0">
-              <a:solidFill>
-                <a:schemeClr val="tx1"/>
-              </a:solidFill>
-              <a:latin typeface="+mn-ea"/>
-            </a:endParaRPr>
-          </a:p>
-          <a:p>
-            <a:endParaRPr lang="en-US" altLang="ko-KR" sz="1200" dirty="0">
-              <a:solidFill>
-                <a:schemeClr val="tx1"/>
-              </a:solidFill>
-              <a:latin typeface="+mn-ea"/>
-            </a:endParaRPr>
-          </a:p>
-          <a:p>
-            <a:endParaRPr lang="en-US" altLang="ko-KR" sz="1200" dirty="0">
-              <a:solidFill>
-                <a:schemeClr val="tx1"/>
-              </a:solidFill>
-              <a:latin typeface="+mn-ea"/>
             </a:endParaRPr>
           </a:p>
         </p:txBody>
@@ -10242,7 +10099,7 @@
                     <a:srgbClr val="DCAE4B"/>
                   </a:solidFill>
                 </a:rPr>
-                <a:t>글쓰기 페이지</a:t>
+                <a:t>게시글목록 페이지</a:t>
               </a:r>
               <a:endParaRPr lang="en-US" altLang="ko-KR" sz="1200" dirty="0">
                 <a:solidFill>
@@ -10346,7 +10203,7 @@
                     <a:srgbClr val="DCAE4B"/>
                   </a:solidFill>
                 </a:rPr>
-                <a:t>write01</a:t>
+                <a:t>community01</a:t>
               </a:r>
             </a:p>
           </p:txBody>
@@ -10522,6 +10379,1643 @@
         <p:grpSpPr>
           <a:xfrm>
             <a:off x="276836" y="3936433"/>
+            <a:ext cx="2171089" cy="608077"/>
+            <a:chOff x="276836" y="269845"/>
+            <a:chExt cx="2171089" cy="608077"/>
+          </a:xfrm>
+        </p:grpSpPr>
+        <p:sp>
+          <p:nvSpPr>
+            <p:cNvPr id="33" name="TextBox 32">
+              <a:extLst>
+                <a:ext uri="{FF2B5EF4-FFF2-40B4-BE49-F238E27FC236}">
+                  <a16:creationId xmlns:a16="http://schemas.microsoft.com/office/drawing/2014/main" id="{E2C757D1-6594-4C66-81E7-820AE4027158}"/>
+                </a:ext>
+              </a:extLst>
+            </p:cNvPr>
+            <p:cNvSpPr txBox="1"/>
+            <p:nvPr/>
+          </p:nvSpPr>
+          <p:spPr>
+            <a:xfrm>
+              <a:off x="276836" y="269845"/>
+              <a:ext cx="1005403" cy="338554"/>
+            </a:xfrm>
+            <a:prstGeom prst="rect">
+              <a:avLst/>
+            </a:prstGeom>
+            <a:noFill/>
+          </p:spPr>
+          <p:txBody>
+            <a:bodyPr wrap="none" rtlCol="0">
+              <a:spAutoFit/>
+            </a:bodyPr>
+            <a:lstStyle/>
+            <a:p>
+              <a:r>
+                <a:rPr lang="ko-KR" altLang="en-US" sz="1600" b="1" dirty="0">
+                  <a:solidFill>
+                    <a:srgbClr val="DCAE4B"/>
+                  </a:solidFill>
+                </a:rPr>
+                <a:t>유의사항</a:t>
+              </a:r>
+            </a:p>
+          </p:txBody>
+        </p:sp>
+        <p:sp>
+          <p:nvSpPr>
+            <p:cNvPr id="34" name="TextBox 33">
+              <a:extLst>
+                <a:ext uri="{FF2B5EF4-FFF2-40B4-BE49-F238E27FC236}">
+                  <a16:creationId xmlns:a16="http://schemas.microsoft.com/office/drawing/2014/main" id="{D86AE12A-76EC-49AD-A2BE-EBED9566CBB2}"/>
+                </a:ext>
+              </a:extLst>
+            </p:cNvPr>
+            <p:cNvSpPr txBox="1"/>
+            <p:nvPr/>
+          </p:nvSpPr>
+          <p:spPr>
+            <a:xfrm>
+              <a:off x="276836" y="600923"/>
+              <a:ext cx="2171089" cy="276999"/>
+            </a:xfrm>
+            <a:prstGeom prst="rect">
+              <a:avLst/>
+            </a:prstGeom>
+            <a:noFill/>
+          </p:spPr>
+          <p:txBody>
+            <a:bodyPr wrap="square" rtlCol="0">
+              <a:spAutoFit/>
+            </a:bodyPr>
+            <a:lstStyle/>
+            <a:p>
+              <a:endParaRPr lang="en-US" altLang="ko-KR" sz="1200" dirty="0">
+                <a:solidFill>
+                  <a:schemeClr val="bg1"/>
+                </a:solidFill>
+              </a:endParaRPr>
+            </a:p>
+          </p:txBody>
+        </p:sp>
+      </p:grpSp>
+      <p:pic>
+        <p:nvPicPr>
+          <p:cNvPr id="3" name="Picture 2">
+            <a:extLst>
+              <a:ext uri="{FF2B5EF4-FFF2-40B4-BE49-F238E27FC236}">
+                <a16:creationId xmlns:a16="http://schemas.microsoft.com/office/drawing/2014/main" id="{0DAFE566-625F-AB51-417C-09E9A40995A6}"/>
+              </a:ext>
+            </a:extLst>
+          </p:cNvPr>
+          <p:cNvPicPr>
+            <a:picLocks noChangeAspect="1"/>
+          </p:cNvPicPr>
+          <p:nvPr/>
+        </p:nvPicPr>
+        <p:blipFill>
+          <a:blip r:embed="rId3">
+            <a:extLst>
+              <a:ext uri="{28A0092B-C50C-407E-A947-70E740481C1C}">
+                <a14:useLocalDpi xmlns:a14="http://schemas.microsoft.com/office/drawing/2010/main" val="0"/>
+              </a:ext>
+            </a:extLst>
+          </a:blip>
+          <a:srcRect/>
+          <a:stretch/>
+        </p:blipFill>
+        <p:spPr>
+          <a:xfrm>
+            <a:off x="3039530" y="752057"/>
+            <a:ext cx="6570136" cy="3282310"/>
+          </a:xfrm>
+          <a:prstGeom prst="rect">
+            <a:avLst/>
+          </a:prstGeom>
+        </p:spPr>
+      </p:pic>
+      <p:sp>
+        <p:nvSpPr>
+          <p:cNvPr id="2" name="TextBox 1">
+            <a:extLst>
+              <a:ext uri="{FF2B5EF4-FFF2-40B4-BE49-F238E27FC236}">
+                <a16:creationId xmlns:a16="http://schemas.microsoft.com/office/drawing/2014/main" id="{BA65BA23-A5F5-7475-AFDE-DC8889543C32}"/>
+              </a:ext>
+            </a:extLst>
+          </p:cNvPr>
+          <p:cNvSpPr txBox="1"/>
+          <p:nvPr/>
+        </p:nvSpPr>
+        <p:spPr>
+          <a:xfrm>
+            <a:off x="2871532" y="1964347"/>
+            <a:ext cx="297006" cy="338554"/>
+          </a:xfrm>
+          <a:prstGeom prst="rect">
+            <a:avLst/>
+          </a:prstGeom>
+          <a:noFill/>
+        </p:spPr>
+        <p:txBody>
+          <a:bodyPr wrap="square">
+            <a:spAutoFit/>
+          </a:bodyPr>
+          <a:lstStyle/>
+          <a:p>
+            <a:r>
+              <a:rPr lang="ko-KR" altLang="en-US" sz="1600" b="1" kern="0" spc="0" dirty="0">
+                <a:solidFill>
+                  <a:schemeClr val="accent1"/>
+                </a:solidFill>
+                <a:effectLst/>
+                <a:latin typeface="맑은 고딕" panose="020B0503020000020004" pitchFamily="50" charset="-127"/>
+                <a:ea typeface="맑은 고딕" panose="020B0503020000020004" pitchFamily="50" charset="-127"/>
+              </a:rPr>
+              <a:t>⑤</a:t>
+            </a:r>
+            <a:endParaRPr lang="ko-KR" altLang="en-US" sz="1600" b="1" dirty="0">
+              <a:solidFill>
+                <a:schemeClr val="accent1"/>
+              </a:solidFill>
+            </a:endParaRPr>
+          </a:p>
+        </p:txBody>
+      </p:sp>
+      <p:sp>
+        <p:nvSpPr>
+          <p:cNvPr id="5" name="TextBox 4">
+            <a:extLst>
+              <a:ext uri="{FF2B5EF4-FFF2-40B4-BE49-F238E27FC236}">
+                <a16:creationId xmlns:a16="http://schemas.microsoft.com/office/drawing/2014/main" id="{0E27A3DC-E864-BBC8-9751-660D272C00A4}"/>
+              </a:ext>
+            </a:extLst>
+          </p:cNvPr>
+          <p:cNvSpPr txBox="1"/>
+          <p:nvPr/>
+        </p:nvSpPr>
+        <p:spPr>
+          <a:xfrm>
+            <a:off x="5459557" y="829524"/>
+            <a:ext cx="297006" cy="338554"/>
+          </a:xfrm>
+          <a:prstGeom prst="rect">
+            <a:avLst/>
+          </a:prstGeom>
+          <a:noFill/>
+        </p:spPr>
+        <p:txBody>
+          <a:bodyPr wrap="square">
+            <a:spAutoFit/>
+          </a:bodyPr>
+          <a:lstStyle/>
+          <a:p>
+            <a:r>
+              <a:rPr lang="ko-KR" altLang="en-US" sz="1600" b="1" kern="0" spc="0" dirty="0">
+                <a:solidFill>
+                  <a:schemeClr val="accent1"/>
+                </a:solidFill>
+                <a:effectLst/>
+                <a:latin typeface="맑은 고딕" panose="020B0503020000020004" pitchFamily="50" charset="-127"/>
+                <a:ea typeface="맑은 고딕" panose="020B0503020000020004" pitchFamily="50" charset="-127"/>
+              </a:rPr>
+              <a:t>①</a:t>
+            </a:r>
+            <a:endParaRPr lang="ko-KR" altLang="en-US" sz="1600" b="1" dirty="0">
+              <a:solidFill>
+                <a:schemeClr val="accent1"/>
+              </a:solidFill>
+            </a:endParaRPr>
+          </a:p>
+        </p:txBody>
+      </p:sp>
+      <p:sp>
+        <p:nvSpPr>
+          <p:cNvPr id="7" name="TextBox 6">
+            <a:extLst>
+              <a:ext uri="{FF2B5EF4-FFF2-40B4-BE49-F238E27FC236}">
+                <a16:creationId xmlns:a16="http://schemas.microsoft.com/office/drawing/2014/main" id="{93661B94-D1E3-7FBE-11F1-EB182D73B98D}"/>
+              </a:ext>
+            </a:extLst>
+          </p:cNvPr>
+          <p:cNvSpPr txBox="1"/>
+          <p:nvPr/>
+        </p:nvSpPr>
+        <p:spPr>
+          <a:xfrm>
+            <a:off x="4318634" y="1247254"/>
+            <a:ext cx="297006" cy="338554"/>
+          </a:xfrm>
+          <a:prstGeom prst="rect">
+            <a:avLst/>
+          </a:prstGeom>
+          <a:noFill/>
+        </p:spPr>
+        <p:txBody>
+          <a:bodyPr wrap="square">
+            <a:spAutoFit/>
+          </a:bodyPr>
+          <a:lstStyle/>
+          <a:p>
+            <a:r>
+              <a:rPr lang="ko-KR" altLang="en-US" sz="1600" b="1" kern="0" spc="0" dirty="0">
+                <a:solidFill>
+                  <a:schemeClr val="accent1"/>
+                </a:solidFill>
+                <a:effectLst/>
+                <a:latin typeface="맑은 고딕" panose="020B0503020000020004" pitchFamily="50" charset="-127"/>
+                <a:ea typeface="맑은 고딕" panose="020B0503020000020004" pitchFamily="50" charset="-127"/>
+              </a:rPr>
+              <a:t>②</a:t>
+            </a:r>
+            <a:endParaRPr lang="ko-KR" altLang="en-US" sz="1600" b="1" dirty="0">
+              <a:solidFill>
+                <a:schemeClr val="accent1"/>
+              </a:solidFill>
+            </a:endParaRPr>
+          </a:p>
+        </p:txBody>
+      </p:sp>
+      <p:sp>
+        <p:nvSpPr>
+          <p:cNvPr id="8" name="TextBox 7">
+            <a:extLst>
+              <a:ext uri="{FF2B5EF4-FFF2-40B4-BE49-F238E27FC236}">
+                <a16:creationId xmlns:a16="http://schemas.microsoft.com/office/drawing/2014/main" id="{004448EC-2377-D9E0-0F28-33EDEAF84B97}"/>
+              </a:ext>
+            </a:extLst>
+          </p:cNvPr>
+          <p:cNvSpPr txBox="1"/>
+          <p:nvPr/>
+        </p:nvSpPr>
+        <p:spPr>
+          <a:xfrm>
+            <a:off x="5680797" y="1238393"/>
+            <a:ext cx="297006" cy="338554"/>
+          </a:xfrm>
+          <a:prstGeom prst="rect">
+            <a:avLst/>
+          </a:prstGeom>
+          <a:noFill/>
+        </p:spPr>
+        <p:txBody>
+          <a:bodyPr wrap="square">
+            <a:spAutoFit/>
+          </a:bodyPr>
+          <a:lstStyle/>
+          <a:p>
+            <a:r>
+              <a:rPr lang="ko-KR" altLang="en-US" sz="1600" b="1" kern="0" spc="0" dirty="0">
+                <a:solidFill>
+                  <a:schemeClr val="accent1"/>
+                </a:solidFill>
+                <a:effectLst/>
+                <a:latin typeface="맑은 고딕" panose="020B0503020000020004" pitchFamily="50" charset="-127"/>
+                <a:ea typeface="맑은 고딕" panose="020B0503020000020004" pitchFamily="50" charset="-127"/>
+              </a:rPr>
+              <a:t>③</a:t>
+            </a:r>
+            <a:endParaRPr lang="ko-KR" altLang="en-US" sz="1600" b="1" dirty="0">
+              <a:solidFill>
+                <a:schemeClr val="accent1"/>
+              </a:solidFill>
+            </a:endParaRPr>
+          </a:p>
+        </p:txBody>
+      </p:sp>
+      <p:sp>
+        <p:nvSpPr>
+          <p:cNvPr id="9" name="TextBox 8">
+            <a:extLst>
+              <a:ext uri="{FF2B5EF4-FFF2-40B4-BE49-F238E27FC236}">
+                <a16:creationId xmlns:a16="http://schemas.microsoft.com/office/drawing/2014/main" id="{C42ABD9A-6480-4F94-1B74-FD8E9C691CCA}"/>
+              </a:ext>
+            </a:extLst>
+          </p:cNvPr>
+          <p:cNvSpPr txBox="1"/>
+          <p:nvPr/>
+        </p:nvSpPr>
+        <p:spPr>
+          <a:xfrm>
+            <a:off x="6930471" y="1243844"/>
+            <a:ext cx="297006" cy="338554"/>
+          </a:xfrm>
+          <a:prstGeom prst="rect">
+            <a:avLst/>
+          </a:prstGeom>
+          <a:noFill/>
+        </p:spPr>
+        <p:txBody>
+          <a:bodyPr wrap="square">
+            <a:spAutoFit/>
+          </a:bodyPr>
+          <a:lstStyle/>
+          <a:p>
+            <a:r>
+              <a:rPr lang="ko-KR" altLang="en-US" sz="1600" b="1" kern="0" spc="0" dirty="0">
+                <a:solidFill>
+                  <a:schemeClr val="accent1"/>
+                </a:solidFill>
+                <a:effectLst/>
+                <a:latin typeface="맑은 고딕" panose="020B0503020000020004" pitchFamily="50" charset="-127"/>
+                <a:ea typeface="맑은 고딕" panose="020B0503020000020004" pitchFamily="50" charset="-127"/>
+              </a:rPr>
+              <a:t>④</a:t>
+            </a:r>
+            <a:endParaRPr lang="ko-KR" altLang="en-US" sz="1600" b="1" dirty="0">
+              <a:solidFill>
+                <a:schemeClr val="accent1"/>
+              </a:solidFill>
+            </a:endParaRPr>
+          </a:p>
+        </p:txBody>
+      </p:sp>
+      <p:sp>
+        <p:nvSpPr>
+          <p:cNvPr id="19" name="TextBox 18">
+            <a:extLst>
+              <a:ext uri="{FF2B5EF4-FFF2-40B4-BE49-F238E27FC236}">
+                <a16:creationId xmlns:a16="http://schemas.microsoft.com/office/drawing/2014/main" id="{86FC7777-1B74-9606-D77E-391AFA7ECEAC}"/>
+              </a:ext>
+            </a:extLst>
+          </p:cNvPr>
+          <p:cNvSpPr txBox="1"/>
+          <p:nvPr/>
+        </p:nvSpPr>
+        <p:spPr>
+          <a:xfrm>
+            <a:off x="7914587" y="2799233"/>
+            <a:ext cx="297006" cy="338554"/>
+          </a:xfrm>
+          <a:prstGeom prst="rect">
+            <a:avLst/>
+          </a:prstGeom>
+          <a:noFill/>
+        </p:spPr>
+        <p:txBody>
+          <a:bodyPr wrap="square">
+            <a:spAutoFit/>
+          </a:bodyPr>
+          <a:lstStyle/>
+          <a:p>
+            <a:r>
+              <a:rPr lang="ko-KR" altLang="en-US" sz="1600" b="1" kern="0" spc="0" dirty="0">
+                <a:solidFill>
+                  <a:schemeClr val="accent1"/>
+                </a:solidFill>
+                <a:effectLst/>
+                <a:latin typeface="맑은 고딕" panose="020B0503020000020004" pitchFamily="50" charset="-127"/>
+                <a:ea typeface="맑은 고딕" panose="020B0503020000020004" pitchFamily="50" charset="-127"/>
+              </a:rPr>
+              <a:t>⑥</a:t>
+            </a:r>
+            <a:endParaRPr lang="ko-KR" altLang="en-US" sz="1600" b="1" dirty="0">
+              <a:solidFill>
+                <a:schemeClr val="accent1"/>
+              </a:solidFill>
+            </a:endParaRPr>
+          </a:p>
+        </p:txBody>
+      </p:sp>
+      <p:sp>
+        <p:nvSpPr>
+          <p:cNvPr id="22" name="TextBox 21">
+            <a:extLst>
+              <a:ext uri="{FF2B5EF4-FFF2-40B4-BE49-F238E27FC236}">
+                <a16:creationId xmlns:a16="http://schemas.microsoft.com/office/drawing/2014/main" id="{44203253-0F22-4E50-4C48-7D23DDBECC3E}"/>
+              </a:ext>
+            </a:extLst>
+          </p:cNvPr>
+          <p:cNvSpPr txBox="1"/>
+          <p:nvPr/>
+        </p:nvSpPr>
+        <p:spPr>
+          <a:xfrm>
+            <a:off x="8094263" y="2160702"/>
+            <a:ext cx="297006" cy="338554"/>
+          </a:xfrm>
+          <a:prstGeom prst="rect">
+            <a:avLst/>
+          </a:prstGeom>
+          <a:noFill/>
+        </p:spPr>
+        <p:txBody>
+          <a:bodyPr wrap="square">
+            <a:spAutoFit/>
+          </a:bodyPr>
+          <a:lstStyle/>
+          <a:p>
+            <a:r>
+              <a:rPr lang="ko-KR" altLang="en-US" sz="1600" b="1" kern="0" spc="0" dirty="0">
+                <a:solidFill>
+                  <a:schemeClr val="accent1"/>
+                </a:solidFill>
+                <a:effectLst/>
+                <a:latin typeface="맑은 고딕" panose="020B0503020000020004" pitchFamily="50" charset="-127"/>
+                <a:ea typeface="맑은 고딕" panose="020B0503020000020004" pitchFamily="50" charset="-127"/>
+              </a:rPr>
+              <a:t>⑩</a:t>
+            </a:r>
+            <a:r>
+              <a:rPr lang="ko-KR" altLang="en-US" sz="1600" b="1" kern="0" spc="0" dirty="0">
+                <a:solidFill>
+                  <a:srgbClr val="000000"/>
+                </a:solidFill>
+                <a:effectLst/>
+                <a:latin typeface="맑은 고딕" panose="020B0503020000020004" pitchFamily="50" charset="-127"/>
+                <a:ea typeface="맑은 고딕" panose="020B0503020000020004" pitchFamily="50" charset="-127"/>
+              </a:rPr>
+              <a:t> </a:t>
+            </a:r>
+            <a:endParaRPr lang="ko-KR" altLang="en-US" sz="1600" b="1" dirty="0">
+              <a:solidFill>
+                <a:schemeClr val="accent1"/>
+              </a:solidFill>
+            </a:endParaRPr>
+          </a:p>
+        </p:txBody>
+      </p:sp>
+      <p:sp>
+        <p:nvSpPr>
+          <p:cNvPr id="23" name="TextBox 22">
+            <a:extLst>
+              <a:ext uri="{FF2B5EF4-FFF2-40B4-BE49-F238E27FC236}">
+                <a16:creationId xmlns:a16="http://schemas.microsoft.com/office/drawing/2014/main" id="{84872140-9494-3C3F-68F0-E5B06367A998}"/>
+              </a:ext>
+            </a:extLst>
+          </p:cNvPr>
+          <p:cNvSpPr txBox="1"/>
+          <p:nvPr/>
+        </p:nvSpPr>
+        <p:spPr>
+          <a:xfrm>
+            <a:off x="9290592" y="2147870"/>
+            <a:ext cx="297006" cy="338554"/>
+          </a:xfrm>
+          <a:prstGeom prst="rect">
+            <a:avLst/>
+          </a:prstGeom>
+          <a:noFill/>
+        </p:spPr>
+        <p:txBody>
+          <a:bodyPr wrap="square">
+            <a:spAutoFit/>
+          </a:bodyPr>
+          <a:lstStyle/>
+          <a:p>
+            <a:r>
+              <a:rPr lang="ko-KR" altLang="en-US" sz="1600" b="1" kern="0" spc="0" dirty="0">
+                <a:solidFill>
+                  <a:schemeClr val="accent1"/>
+                </a:solidFill>
+                <a:effectLst/>
+                <a:latin typeface="맑은 고딕" panose="020B0503020000020004" pitchFamily="50" charset="-127"/>
+                <a:ea typeface="맑은 고딕" panose="020B0503020000020004" pitchFamily="50" charset="-127"/>
+              </a:rPr>
+              <a:t>⑪ </a:t>
+            </a:r>
+            <a:endParaRPr lang="ko-KR" altLang="en-US" sz="1600" b="1" dirty="0">
+              <a:solidFill>
+                <a:schemeClr val="accent1"/>
+              </a:solidFill>
+            </a:endParaRPr>
+          </a:p>
+        </p:txBody>
+      </p:sp>
+      <p:sp>
+        <p:nvSpPr>
+          <p:cNvPr id="24" name="TextBox 23">
+            <a:extLst>
+              <a:ext uri="{FF2B5EF4-FFF2-40B4-BE49-F238E27FC236}">
+                <a16:creationId xmlns:a16="http://schemas.microsoft.com/office/drawing/2014/main" id="{805B9008-D141-1784-26BD-139D78B85ACD}"/>
+              </a:ext>
+            </a:extLst>
+          </p:cNvPr>
+          <p:cNvSpPr txBox="1"/>
+          <p:nvPr/>
+        </p:nvSpPr>
+        <p:spPr>
+          <a:xfrm>
+            <a:off x="4349806" y="2661592"/>
+            <a:ext cx="297006" cy="338554"/>
+          </a:xfrm>
+          <a:prstGeom prst="rect">
+            <a:avLst/>
+          </a:prstGeom>
+          <a:noFill/>
+        </p:spPr>
+        <p:txBody>
+          <a:bodyPr wrap="square">
+            <a:spAutoFit/>
+          </a:bodyPr>
+          <a:lstStyle/>
+          <a:p>
+            <a:r>
+              <a:rPr lang="ko-KR" altLang="en-US" sz="1600" b="1" kern="0" spc="0" dirty="0">
+                <a:solidFill>
+                  <a:schemeClr val="accent1"/>
+                </a:solidFill>
+                <a:effectLst/>
+                <a:latin typeface="맑은 고딕" panose="020B0503020000020004" pitchFamily="50" charset="-127"/>
+                <a:ea typeface="맑은 고딕" panose="020B0503020000020004" pitchFamily="50" charset="-127"/>
+              </a:rPr>
+              <a:t>⑫</a:t>
+            </a:r>
+            <a:r>
+              <a:rPr lang="ko-KR" altLang="en-US" sz="1600" b="1" kern="0" spc="0" dirty="0">
+                <a:solidFill>
+                  <a:srgbClr val="000000"/>
+                </a:solidFill>
+                <a:effectLst/>
+                <a:latin typeface="맑은 고딕" panose="020B0503020000020004" pitchFamily="50" charset="-127"/>
+                <a:ea typeface="맑은 고딕" panose="020B0503020000020004" pitchFamily="50" charset="-127"/>
+              </a:rPr>
+              <a:t> </a:t>
+            </a:r>
+            <a:endParaRPr lang="ko-KR" altLang="en-US" sz="1600" b="1" dirty="0">
+              <a:solidFill>
+                <a:schemeClr val="accent1"/>
+              </a:solidFill>
+            </a:endParaRPr>
+          </a:p>
+        </p:txBody>
+      </p:sp>
+      <p:sp>
+        <p:nvSpPr>
+          <p:cNvPr id="25" name="TextBox 24">
+            <a:extLst>
+              <a:ext uri="{FF2B5EF4-FFF2-40B4-BE49-F238E27FC236}">
+                <a16:creationId xmlns:a16="http://schemas.microsoft.com/office/drawing/2014/main" id="{FEDCC0EB-180A-76ED-5CAF-C987EF8BBCC3}"/>
+              </a:ext>
+            </a:extLst>
+          </p:cNvPr>
+          <p:cNvSpPr txBox="1"/>
+          <p:nvPr/>
+        </p:nvSpPr>
+        <p:spPr>
+          <a:xfrm>
+            <a:off x="7248259" y="1938484"/>
+            <a:ext cx="297006" cy="338554"/>
+          </a:xfrm>
+          <a:prstGeom prst="rect">
+            <a:avLst/>
+          </a:prstGeom>
+          <a:noFill/>
+        </p:spPr>
+        <p:txBody>
+          <a:bodyPr wrap="square">
+            <a:spAutoFit/>
+          </a:bodyPr>
+          <a:lstStyle/>
+          <a:p>
+            <a:r>
+              <a:rPr lang="ko-KR" altLang="en-US" sz="1600" b="1" kern="0" spc="0" dirty="0">
+                <a:solidFill>
+                  <a:schemeClr val="accent1"/>
+                </a:solidFill>
+                <a:effectLst/>
+                <a:latin typeface="맑은 고딕" panose="020B0503020000020004" pitchFamily="50" charset="-127"/>
+                <a:ea typeface="맑은 고딕" panose="020B0503020000020004" pitchFamily="50" charset="-127"/>
+              </a:rPr>
+              <a:t>⑬</a:t>
+            </a:r>
+            <a:r>
+              <a:rPr lang="ko-KR" altLang="en-US" sz="1600" b="1" kern="0" spc="0" dirty="0">
+                <a:solidFill>
+                  <a:srgbClr val="000000"/>
+                </a:solidFill>
+                <a:effectLst/>
+                <a:latin typeface="맑은 고딕" panose="020B0503020000020004" pitchFamily="50" charset="-127"/>
+                <a:ea typeface="맑은 고딕" panose="020B0503020000020004" pitchFamily="50" charset="-127"/>
+              </a:rPr>
+              <a:t> </a:t>
+            </a:r>
+            <a:endParaRPr lang="ko-KR" altLang="en-US" sz="1600" b="1" dirty="0">
+              <a:solidFill>
+                <a:schemeClr val="accent1"/>
+              </a:solidFill>
+            </a:endParaRPr>
+          </a:p>
+        </p:txBody>
+      </p:sp>
+      <p:sp>
+        <p:nvSpPr>
+          <p:cNvPr id="26" name="TextBox 25">
+            <a:extLst>
+              <a:ext uri="{FF2B5EF4-FFF2-40B4-BE49-F238E27FC236}">
+                <a16:creationId xmlns:a16="http://schemas.microsoft.com/office/drawing/2014/main" id="{7CB5EF74-188E-0803-D314-301EB147650E}"/>
+              </a:ext>
+            </a:extLst>
+          </p:cNvPr>
+          <p:cNvSpPr txBox="1"/>
+          <p:nvPr/>
+        </p:nvSpPr>
+        <p:spPr>
+          <a:xfrm>
+            <a:off x="5459557" y="3422763"/>
+            <a:ext cx="297006" cy="338554"/>
+          </a:xfrm>
+          <a:prstGeom prst="rect">
+            <a:avLst/>
+          </a:prstGeom>
+          <a:noFill/>
+        </p:spPr>
+        <p:txBody>
+          <a:bodyPr wrap="square">
+            <a:spAutoFit/>
+          </a:bodyPr>
+          <a:lstStyle/>
+          <a:p>
+            <a:r>
+              <a:rPr lang="ko-KR" altLang="en-US" sz="1600" b="1" kern="0" spc="0" dirty="0">
+                <a:solidFill>
+                  <a:schemeClr val="accent1"/>
+                </a:solidFill>
+                <a:effectLst/>
+                <a:latin typeface="맑은 고딕" panose="020B0503020000020004" pitchFamily="50" charset="-127"/>
+                <a:ea typeface="맑은 고딕" panose="020B0503020000020004" pitchFamily="50" charset="-127"/>
+              </a:rPr>
+              <a:t>⑭</a:t>
+            </a:r>
+            <a:r>
+              <a:rPr lang="ko-KR" altLang="en-US" sz="1600" b="1" kern="0" spc="0" dirty="0">
+                <a:solidFill>
+                  <a:srgbClr val="000000"/>
+                </a:solidFill>
+                <a:effectLst/>
+                <a:latin typeface="맑은 고딕" panose="020B0503020000020004" pitchFamily="50" charset="-127"/>
+                <a:ea typeface="맑은 고딕" panose="020B0503020000020004" pitchFamily="50" charset="-127"/>
+              </a:rPr>
+              <a:t> </a:t>
+            </a:r>
+            <a:endParaRPr lang="ko-KR" altLang="en-US" sz="1600" b="1" dirty="0">
+              <a:solidFill>
+                <a:schemeClr val="accent1"/>
+              </a:solidFill>
+            </a:endParaRPr>
+          </a:p>
+        </p:txBody>
+      </p:sp>
+    </p:spTree>
+    <p:extLst>
+      <p:ext uri="{BB962C8B-B14F-4D97-AF65-F5344CB8AC3E}">
+        <p14:creationId xmlns:p14="http://schemas.microsoft.com/office/powerpoint/2010/main" val="2547272316"/>
+      </p:ext>
+    </p:extLst>
+  </p:cSld>
+  <p:clrMapOvr>
+    <a:masterClrMapping/>
+  </p:clrMapOvr>
+</p:sld>
+</file>
+
+<file path=ppt/slides/slide14.xml><?xml version="1.0" encoding="utf-8"?>
+<p:sld xmlns:a="http://schemas.openxmlformats.org/drawingml/2006/main" xmlns:r="http://schemas.openxmlformats.org/officeDocument/2006/relationships" xmlns:p="http://schemas.openxmlformats.org/presentationml/2006/main">
+  <p:cSld>
+    <p:spTree>
+      <p:nvGrpSpPr>
+        <p:cNvPr id="1" name=""/>
+        <p:cNvGrpSpPr/>
+        <p:nvPr/>
+      </p:nvGrpSpPr>
+      <p:grpSpPr>
+        <a:xfrm>
+          <a:off x="0" y="0"/>
+          <a:ext cx="0" cy="0"/>
+          <a:chOff x="0" y="0"/>
+          <a:chExt cx="0" cy="0"/>
+        </a:xfrm>
+      </p:grpSpPr>
+      <p:sp>
+        <p:nvSpPr>
+          <p:cNvPr id="17" name="직사각형 16">
+            <a:extLst>
+              <a:ext uri="{FF2B5EF4-FFF2-40B4-BE49-F238E27FC236}">
+                <a16:creationId xmlns:a16="http://schemas.microsoft.com/office/drawing/2014/main" id="{F2EE50EF-1C64-4D24-A8FC-FEB31ECABF02}"/>
+              </a:ext>
+            </a:extLst>
+          </p:cNvPr>
+          <p:cNvSpPr/>
+          <p:nvPr/>
+        </p:nvSpPr>
+        <p:spPr>
+          <a:xfrm>
+            <a:off x="2743200" y="4274986"/>
+            <a:ext cx="7162799" cy="2583011"/>
+          </a:xfrm>
+          <a:prstGeom prst="rect">
+            <a:avLst/>
+          </a:prstGeom>
+          <a:solidFill>
+            <a:schemeClr val="bg1">
+              <a:lumMod val="95000"/>
+            </a:schemeClr>
+          </a:solidFill>
+          <a:ln>
+            <a:noFill/>
+          </a:ln>
+        </p:spPr>
+        <p:style>
+          <a:lnRef idx="2">
+            <a:schemeClr val="accent1">
+              <a:shade val="50000"/>
+            </a:schemeClr>
+          </a:lnRef>
+          <a:fillRef idx="1">
+            <a:schemeClr val="accent1"/>
+          </a:fillRef>
+          <a:effectRef idx="0">
+            <a:schemeClr val="accent1"/>
+          </a:effectRef>
+          <a:fontRef idx="minor">
+            <a:schemeClr val="lt1"/>
+          </a:fontRef>
+        </p:style>
+        <p:txBody>
+          <a:bodyPr rtlCol="0" anchor="ctr"/>
+          <a:lstStyle/>
+          <a:p>
+            <a:r>
+              <a:rPr lang="en-US" altLang="ko-KR" sz="1200" dirty="0">
+                <a:solidFill>
+                  <a:schemeClr val="tx1"/>
+                </a:solidFill>
+              </a:rPr>
+              <a:t>     </a:t>
+            </a:r>
+          </a:p>
+          <a:p>
+            <a:r>
+              <a:rPr lang="en-US" altLang="ko-KR" sz="1200" dirty="0">
+                <a:solidFill>
+                  <a:schemeClr val="tx1"/>
+                </a:solidFill>
+              </a:rPr>
+              <a:t>        </a:t>
+            </a:r>
+            <a:r>
+              <a:rPr lang="ko-KR" altLang="en-US" sz="1200" kern="0" spc="0" dirty="0">
+                <a:solidFill>
+                  <a:srgbClr val="000000"/>
+                </a:solidFill>
+                <a:effectLst/>
+                <a:latin typeface="+mn-ea"/>
+              </a:rPr>
+              <a:t>①</a:t>
+            </a:r>
+            <a:r>
+              <a:rPr lang="en-US" altLang="ko-KR" sz="1200" kern="0" spc="0" dirty="0">
+                <a:solidFill>
+                  <a:srgbClr val="000000"/>
+                </a:solidFill>
+                <a:effectLst/>
+                <a:latin typeface="+mn-ea"/>
+              </a:rPr>
+              <a:t>~</a:t>
+            </a:r>
+            <a:r>
+              <a:rPr lang="ko-KR" altLang="en-US" sz="1200" kern="0" spc="0" dirty="0">
+                <a:solidFill>
+                  <a:srgbClr val="000000"/>
+                </a:solidFill>
+                <a:effectLst/>
+                <a:latin typeface="+mn-ea"/>
+              </a:rPr>
+              <a:t>⑥ 공통</a:t>
+            </a:r>
+            <a:endParaRPr lang="en-US" altLang="ko-KR" sz="1200" kern="0" spc="0" dirty="0">
+              <a:solidFill>
+                <a:srgbClr val="000000"/>
+              </a:solidFill>
+              <a:effectLst/>
+              <a:latin typeface="+mn-ea"/>
+            </a:endParaRPr>
+          </a:p>
+          <a:p>
+            <a:r>
+              <a:rPr lang="ko-KR" altLang="en-US" sz="1200" kern="0" spc="0" dirty="0">
+                <a:solidFill>
+                  <a:srgbClr val="000000"/>
+                </a:solidFill>
+                <a:effectLst/>
+                <a:latin typeface="+mn-ea"/>
+              </a:rPr>
+              <a:t>     ⑩ </a:t>
+            </a:r>
+            <a:r>
+              <a:rPr lang="ko-KR" altLang="en-US" sz="1200" kern="0" dirty="0">
+                <a:solidFill>
+                  <a:srgbClr val="000000"/>
+                </a:solidFill>
+                <a:latin typeface="+mn-ea"/>
+              </a:rPr>
+              <a:t>로그아웃 클릭시 </a:t>
+            </a:r>
+            <a:r>
+              <a:rPr lang="en-US" altLang="ko-KR" sz="1200" kern="0" dirty="0">
+                <a:solidFill>
+                  <a:srgbClr val="000000"/>
+                </a:solidFill>
+                <a:latin typeface="+mn-ea"/>
+              </a:rPr>
+              <a:t>main01</a:t>
+            </a:r>
+            <a:r>
+              <a:rPr lang="ko-KR" altLang="en-US" sz="1200" kern="0" dirty="0">
+                <a:solidFill>
+                  <a:srgbClr val="000000"/>
+                </a:solidFill>
+                <a:latin typeface="+mn-ea"/>
+              </a:rPr>
+              <a:t>로 이동</a:t>
+            </a:r>
+            <a:endParaRPr lang="en-US" altLang="ko-KR" sz="1200" kern="0" dirty="0">
+              <a:solidFill>
+                <a:srgbClr val="000000"/>
+              </a:solidFill>
+              <a:latin typeface="+mn-ea"/>
+            </a:endParaRPr>
+          </a:p>
+          <a:p>
+            <a:r>
+              <a:rPr lang="en-US" altLang="ko-KR" sz="1200" kern="0" spc="0" dirty="0">
+                <a:solidFill>
+                  <a:srgbClr val="000000"/>
+                </a:solidFill>
+                <a:effectLst/>
+                <a:latin typeface="+mn-ea"/>
+              </a:rPr>
+              <a:t>     </a:t>
+            </a:r>
+            <a:r>
+              <a:rPr lang="ko-KR" altLang="en-US" sz="1200" kern="0" spc="0" dirty="0">
+                <a:solidFill>
+                  <a:schemeClr val="tx1"/>
+                </a:solidFill>
+                <a:effectLst/>
+                <a:latin typeface="+mn-ea"/>
+              </a:rPr>
+              <a:t>⑪ 마이페이지 클릭시 </a:t>
+            </a:r>
+            <a:r>
+              <a:rPr lang="en-US" altLang="ko-KR" sz="1200" kern="0" spc="0" dirty="0">
+                <a:solidFill>
+                  <a:schemeClr val="tx1"/>
+                </a:solidFill>
+                <a:effectLst/>
+                <a:latin typeface="+mn-ea"/>
+              </a:rPr>
+              <a:t>mypage01</a:t>
+            </a:r>
+            <a:r>
+              <a:rPr lang="ko-KR" altLang="en-US" sz="1200" kern="0" spc="0" dirty="0">
+                <a:solidFill>
+                  <a:schemeClr val="tx1"/>
+                </a:solidFill>
+                <a:effectLst/>
+                <a:latin typeface="+mn-ea"/>
+              </a:rPr>
+              <a:t>로 이동</a:t>
+            </a:r>
+            <a:endParaRPr lang="en-US" altLang="ko-KR" sz="1200" kern="0" spc="0" dirty="0">
+              <a:solidFill>
+                <a:srgbClr val="000000"/>
+              </a:solidFill>
+              <a:effectLst/>
+              <a:latin typeface="+mn-ea"/>
+            </a:endParaRPr>
+          </a:p>
+          <a:p>
+            <a:r>
+              <a:rPr lang="en-US" altLang="ko-KR" sz="1200" dirty="0">
+                <a:solidFill>
+                  <a:schemeClr val="tx1"/>
+                </a:solidFill>
+                <a:latin typeface="+mn-ea"/>
+              </a:rPr>
+              <a:t>     </a:t>
+            </a:r>
+            <a:r>
+              <a:rPr lang="ko-KR" altLang="en-US" sz="1200" kern="0" spc="0" dirty="0">
+                <a:solidFill>
+                  <a:srgbClr val="000000"/>
+                </a:solidFill>
+                <a:effectLst/>
+                <a:latin typeface="+mn-ea"/>
+              </a:rPr>
+              <a:t>⑫ </a:t>
+            </a:r>
+            <a:r>
+              <a:rPr lang="ko-KR" altLang="en-US" sz="1200" dirty="0">
+                <a:solidFill>
+                  <a:schemeClr val="tx1"/>
+                </a:solidFill>
+                <a:latin typeface="+mn-ea"/>
+              </a:rPr>
+              <a:t>해당 양식 작성</a:t>
+            </a:r>
+            <a:r>
+              <a:rPr lang="en-US" altLang="ko-KR" sz="1200" dirty="0">
+                <a:solidFill>
+                  <a:schemeClr val="tx1"/>
+                </a:solidFill>
+                <a:latin typeface="+mn-ea"/>
+              </a:rPr>
+              <a:t> </a:t>
+            </a:r>
+            <a:r>
+              <a:rPr lang="ko-KR" altLang="en-US" sz="1200" dirty="0">
+                <a:solidFill>
+                  <a:schemeClr val="tx1"/>
+                </a:solidFill>
+                <a:latin typeface="+mn-ea"/>
+              </a:rPr>
+              <a:t>후 완료 버튼 클릭시 해당 내용을 저장한 후 </a:t>
+            </a:r>
+            <a:r>
+              <a:rPr lang="en-US" altLang="ko-KR" sz="1200" dirty="0">
+                <a:solidFill>
+                  <a:schemeClr val="tx1"/>
+                </a:solidFill>
+                <a:latin typeface="+mn-ea"/>
+              </a:rPr>
+              <a:t>community01</a:t>
+            </a:r>
+            <a:r>
+              <a:rPr lang="ko-KR" altLang="en-US" sz="1200" dirty="0">
+                <a:solidFill>
+                  <a:schemeClr val="tx1"/>
+                </a:solidFill>
+                <a:latin typeface="+mn-ea"/>
+              </a:rPr>
+              <a:t>로 이동</a:t>
+            </a:r>
+            <a:endParaRPr lang="en-US" altLang="ko-KR" sz="1200" dirty="0">
+              <a:solidFill>
+                <a:schemeClr val="tx1"/>
+              </a:solidFill>
+              <a:latin typeface="+mn-ea"/>
+            </a:endParaRPr>
+          </a:p>
+          <a:p>
+            <a:r>
+              <a:rPr lang="en-US" altLang="ko-KR" sz="1200" dirty="0">
+                <a:solidFill>
+                  <a:schemeClr val="tx1"/>
+                </a:solidFill>
+                <a:latin typeface="+mn-ea"/>
+              </a:rPr>
+              <a:t>     </a:t>
+            </a:r>
+            <a:r>
+              <a:rPr lang="ko-KR" altLang="en-US" sz="1200" kern="0" spc="0" dirty="0">
+                <a:solidFill>
+                  <a:srgbClr val="000000"/>
+                </a:solidFill>
+                <a:effectLst/>
+                <a:latin typeface="맑은 고딕" panose="020B0503020000020004" pitchFamily="50" charset="-127"/>
+                <a:ea typeface="맑은 고딕" panose="020B0503020000020004" pitchFamily="50" charset="-127"/>
+              </a:rPr>
+              <a:t>⑬</a:t>
+            </a:r>
+            <a:r>
+              <a:rPr lang="ko-KR" altLang="en-US" sz="1200" kern="0" spc="0" dirty="0">
+                <a:solidFill>
+                  <a:srgbClr val="000000"/>
+                </a:solidFill>
+                <a:effectLst/>
+                <a:latin typeface="+mn-ea"/>
+              </a:rPr>
+              <a:t> </a:t>
+            </a:r>
+            <a:r>
+              <a:rPr lang="ko-KR" altLang="en-US" sz="1200" dirty="0">
+                <a:solidFill>
+                  <a:schemeClr val="tx1"/>
+                </a:solidFill>
+                <a:latin typeface="+mn-ea"/>
+              </a:rPr>
+              <a:t>목록 버튼 클릭시 </a:t>
+            </a:r>
+            <a:r>
+              <a:rPr lang="en-US" altLang="ko-KR" sz="1200" dirty="0">
+                <a:solidFill>
+                  <a:schemeClr val="tx1"/>
+                </a:solidFill>
+                <a:latin typeface="+mn-ea"/>
+              </a:rPr>
+              <a:t>community01</a:t>
+            </a:r>
+            <a:r>
+              <a:rPr lang="ko-KR" altLang="en-US" sz="1200" dirty="0">
+                <a:solidFill>
+                  <a:schemeClr val="tx1"/>
+                </a:solidFill>
+                <a:latin typeface="+mn-ea"/>
+              </a:rPr>
+              <a:t>로 이동</a:t>
+            </a:r>
+            <a:endParaRPr lang="en-US" altLang="ko-KR" sz="1200" dirty="0">
+              <a:solidFill>
+                <a:schemeClr val="tx1"/>
+              </a:solidFill>
+              <a:latin typeface="+mn-ea"/>
+            </a:endParaRPr>
+          </a:p>
+          <a:p>
+            <a:endParaRPr lang="en-US" altLang="ko-KR" sz="1200" dirty="0">
+              <a:solidFill>
+                <a:schemeClr val="tx1"/>
+              </a:solidFill>
+              <a:latin typeface="+mn-ea"/>
+            </a:endParaRPr>
+          </a:p>
+          <a:p>
+            <a:endParaRPr lang="en-US" altLang="ko-KR" sz="1200" dirty="0">
+              <a:solidFill>
+                <a:schemeClr val="tx1"/>
+              </a:solidFill>
+              <a:latin typeface="+mn-ea"/>
+            </a:endParaRPr>
+          </a:p>
+          <a:p>
+            <a:endParaRPr lang="en-US" altLang="ko-KR" sz="1200" dirty="0">
+              <a:solidFill>
+                <a:schemeClr val="tx1"/>
+              </a:solidFill>
+              <a:latin typeface="+mn-ea"/>
+            </a:endParaRPr>
+          </a:p>
+          <a:p>
+            <a:endParaRPr lang="en-US" altLang="ko-KR" sz="1200" dirty="0">
+              <a:solidFill>
+                <a:schemeClr val="tx1"/>
+              </a:solidFill>
+              <a:latin typeface="+mn-ea"/>
+            </a:endParaRPr>
+          </a:p>
+          <a:p>
+            <a:endParaRPr lang="en-US" altLang="ko-KR" sz="1200" dirty="0">
+              <a:solidFill>
+                <a:schemeClr val="tx1"/>
+              </a:solidFill>
+              <a:latin typeface="+mn-ea"/>
+            </a:endParaRPr>
+          </a:p>
+        </p:txBody>
+      </p:sp>
+      <p:sp>
+        <p:nvSpPr>
+          <p:cNvPr id="4" name="직사각형 3">
+            <a:extLst>
+              <a:ext uri="{FF2B5EF4-FFF2-40B4-BE49-F238E27FC236}">
+                <a16:creationId xmlns:a16="http://schemas.microsoft.com/office/drawing/2014/main" id="{17CCAA0A-5307-48D3-9858-F46440A1DFFF}"/>
+              </a:ext>
+            </a:extLst>
+          </p:cNvPr>
+          <p:cNvSpPr/>
+          <p:nvPr/>
+        </p:nvSpPr>
+        <p:spPr>
+          <a:xfrm>
+            <a:off x="0" y="2"/>
+            <a:ext cx="2743201" cy="6857996"/>
+          </a:xfrm>
+          <a:prstGeom prst="rect">
+            <a:avLst/>
+          </a:prstGeom>
+          <a:solidFill>
+            <a:schemeClr val="tx1"/>
+          </a:solidFill>
+          <a:ln>
+            <a:noFill/>
+          </a:ln>
+        </p:spPr>
+        <p:style>
+          <a:lnRef idx="2">
+            <a:schemeClr val="accent1">
+              <a:shade val="50000"/>
+            </a:schemeClr>
+          </a:lnRef>
+          <a:fillRef idx="1">
+            <a:schemeClr val="accent1"/>
+          </a:fillRef>
+          <a:effectRef idx="0">
+            <a:schemeClr val="accent1"/>
+          </a:effectRef>
+          <a:fontRef idx="minor">
+            <a:schemeClr val="lt1"/>
+          </a:fontRef>
+        </p:style>
+        <p:txBody>
+          <a:bodyPr rtlCol="0" anchor="ctr"/>
+          <a:lstStyle/>
+          <a:p>
+            <a:pPr algn="ctr"/>
+            <a:endParaRPr lang="ko-KR" altLang="en-US" sz="1600"/>
+          </a:p>
+        </p:txBody>
+      </p:sp>
+      <p:grpSp>
+        <p:nvGrpSpPr>
+          <p:cNvPr id="31" name="그룹 30">
+            <a:extLst>
+              <a:ext uri="{FF2B5EF4-FFF2-40B4-BE49-F238E27FC236}">
+                <a16:creationId xmlns:a16="http://schemas.microsoft.com/office/drawing/2014/main" id="{466D0EF9-BADE-427D-91D6-1EF0D4516307}"/>
+              </a:ext>
+            </a:extLst>
+          </p:cNvPr>
+          <p:cNvGrpSpPr/>
+          <p:nvPr/>
+        </p:nvGrpSpPr>
+        <p:grpSpPr>
+          <a:xfrm>
+            <a:off x="276836" y="269845"/>
+            <a:ext cx="2171089" cy="977409"/>
+            <a:chOff x="276836" y="269845"/>
+            <a:chExt cx="2171089" cy="977409"/>
+          </a:xfrm>
+        </p:grpSpPr>
+        <p:sp>
+          <p:nvSpPr>
+            <p:cNvPr id="6" name="TextBox 5">
+              <a:extLst>
+                <a:ext uri="{FF2B5EF4-FFF2-40B4-BE49-F238E27FC236}">
+                  <a16:creationId xmlns:a16="http://schemas.microsoft.com/office/drawing/2014/main" id="{EA58E314-C773-4F36-8C88-B79D5D98B4F8}"/>
+                </a:ext>
+              </a:extLst>
+            </p:cNvPr>
+            <p:cNvSpPr txBox="1"/>
+            <p:nvPr/>
+          </p:nvSpPr>
+          <p:spPr>
+            <a:xfrm>
+              <a:off x="276836" y="269845"/>
+              <a:ext cx="800219" cy="338554"/>
+            </a:xfrm>
+            <a:prstGeom prst="rect">
+              <a:avLst/>
+            </a:prstGeom>
+            <a:noFill/>
+          </p:spPr>
+          <p:txBody>
+            <a:bodyPr wrap="none" rtlCol="0">
+              <a:spAutoFit/>
+            </a:bodyPr>
+            <a:lstStyle/>
+            <a:p>
+              <a:r>
+                <a:rPr lang="ko-KR" altLang="en-US" sz="1600" b="1" dirty="0">
+                  <a:solidFill>
+                    <a:srgbClr val="DCAE4B"/>
+                  </a:solidFill>
+                </a:rPr>
+                <a:t>과제명</a:t>
+              </a:r>
+            </a:p>
+          </p:txBody>
+        </p:sp>
+        <p:sp>
+          <p:nvSpPr>
+            <p:cNvPr id="10" name="TextBox 9">
+              <a:extLst>
+                <a:ext uri="{FF2B5EF4-FFF2-40B4-BE49-F238E27FC236}">
+                  <a16:creationId xmlns:a16="http://schemas.microsoft.com/office/drawing/2014/main" id="{E2FC9F57-DA73-432C-ADB1-4C65C38E146D}"/>
+                </a:ext>
+              </a:extLst>
+            </p:cNvPr>
+            <p:cNvSpPr txBox="1"/>
+            <p:nvPr/>
+          </p:nvSpPr>
+          <p:spPr>
+            <a:xfrm>
+              <a:off x="276836" y="600923"/>
+              <a:ext cx="2171089" cy="646331"/>
+            </a:xfrm>
+            <a:prstGeom prst="rect">
+              <a:avLst/>
+            </a:prstGeom>
+            <a:noFill/>
+          </p:spPr>
+          <p:txBody>
+            <a:bodyPr wrap="square" rtlCol="0">
+              <a:spAutoFit/>
+            </a:bodyPr>
+            <a:lstStyle/>
+            <a:p>
+              <a:r>
+                <a:rPr lang="ko-KR" altLang="en-US" sz="1200" dirty="0">
+                  <a:solidFill>
+                    <a:srgbClr val="DCAE4B"/>
+                  </a:solidFill>
+                </a:rPr>
+                <a:t>ㅁㅈㅁㅈ</a:t>
+              </a:r>
+              <a:endParaRPr lang="en-US" altLang="ko-KR" sz="1200" dirty="0">
+                <a:solidFill>
+                  <a:srgbClr val="DCAE4B"/>
+                </a:solidFill>
+              </a:endParaRPr>
+            </a:p>
+            <a:p>
+              <a:r>
+                <a:rPr lang="en-US" altLang="ko-KR" sz="1200" dirty="0">
+                  <a:solidFill>
+                    <a:srgbClr val="DCAE4B"/>
+                  </a:solidFill>
+                </a:rPr>
+                <a:t>- </a:t>
+              </a:r>
+              <a:r>
+                <a:rPr lang="ko-KR" altLang="en-US" sz="1200" dirty="0">
+                  <a:solidFill>
+                    <a:srgbClr val="DCAE4B"/>
+                  </a:solidFill>
+                </a:rPr>
+                <a:t>좋아하는 연예인의 착용 제품을 찾아주는 쇼핑 플랫폼 </a:t>
+              </a:r>
+              <a:endParaRPr lang="en-US" altLang="ko-KR" sz="1200" dirty="0">
+                <a:solidFill>
+                  <a:srgbClr val="DCAE4B"/>
+                </a:solidFill>
+              </a:endParaRPr>
+            </a:p>
+          </p:txBody>
+        </p:sp>
+      </p:grpSp>
+      <p:grpSp>
+        <p:nvGrpSpPr>
+          <p:cNvPr id="30" name="그룹 29">
+            <a:extLst>
+              <a:ext uri="{FF2B5EF4-FFF2-40B4-BE49-F238E27FC236}">
+                <a16:creationId xmlns:a16="http://schemas.microsoft.com/office/drawing/2014/main" id="{956FCDD1-8102-469E-963F-8CF798D512DC}"/>
+              </a:ext>
+            </a:extLst>
+          </p:cNvPr>
+          <p:cNvGrpSpPr/>
+          <p:nvPr/>
+        </p:nvGrpSpPr>
+        <p:grpSpPr>
+          <a:xfrm>
+            <a:off x="276836" y="1283533"/>
+            <a:ext cx="2171089" cy="608077"/>
+            <a:chOff x="276836" y="1474033"/>
+            <a:chExt cx="2171089" cy="608077"/>
+          </a:xfrm>
+        </p:grpSpPr>
+        <p:sp>
+          <p:nvSpPr>
+            <p:cNvPr id="11" name="TextBox 10">
+              <a:extLst>
+                <a:ext uri="{FF2B5EF4-FFF2-40B4-BE49-F238E27FC236}">
+                  <a16:creationId xmlns:a16="http://schemas.microsoft.com/office/drawing/2014/main" id="{A11D4FEC-A08E-42DB-9970-9FD7B36730CB}"/>
+                </a:ext>
+              </a:extLst>
+            </p:cNvPr>
+            <p:cNvSpPr txBox="1"/>
+            <p:nvPr/>
+          </p:nvSpPr>
+          <p:spPr>
+            <a:xfrm>
+              <a:off x="276836" y="1474033"/>
+              <a:ext cx="1005403" cy="338554"/>
+            </a:xfrm>
+            <a:prstGeom prst="rect">
+              <a:avLst/>
+            </a:prstGeom>
+            <a:noFill/>
+          </p:spPr>
+          <p:txBody>
+            <a:bodyPr wrap="none" rtlCol="0">
+              <a:spAutoFit/>
+            </a:bodyPr>
+            <a:lstStyle/>
+            <a:p>
+              <a:r>
+                <a:rPr lang="ko-KR" altLang="en-US" sz="1600" b="1" dirty="0">
+                  <a:solidFill>
+                    <a:srgbClr val="DCAE4B"/>
+                  </a:solidFill>
+                </a:rPr>
+                <a:t>화면이름</a:t>
+              </a:r>
+            </a:p>
+          </p:txBody>
+        </p:sp>
+        <p:sp>
+          <p:nvSpPr>
+            <p:cNvPr id="12" name="TextBox 11">
+              <a:extLst>
+                <a:ext uri="{FF2B5EF4-FFF2-40B4-BE49-F238E27FC236}">
+                  <a16:creationId xmlns:a16="http://schemas.microsoft.com/office/drawing/2014/main" id="{95279311-CDE0-44BF-8410-51979300FD53}"/>
+                </a:ext>
+              </a:extLst>
+            </p:cNvPr>
+            <p:cNvSpPr txBox="1"/>
+            <p:nvPr/>
+          </p:nvSpPr>
+          <p:spPr>
+            <a:xfrm>
+              <a:off x="276836" y="1805111"/>
+              <a:ext cx="2171089" cy="276999"/>
+            </a:xfrm>
+            <a:prstGeom prst="rect">
+              <a:avLst/>
+            </a:prstGeom>
+            <a:noFill/>
+          </p:spPr>
+          <p:txBody>
+            <a:bodyPr wrap="square" rtlCol="0">
+              <a:spAutoFit/>
+            </a:bodyPr>
+            <a:lstStyle/>
+            <a:p>
+              <a:r>
+                <a:rPr lang="ko-KR" altLang="en-US" sz="1200" dirty="0">
+                  <a:solidFill>
+                    <a:srgbClr val="DCAE4B"/>
+                  </a:solidFill>
+                </a:rPr>
+                <a:t>글쓰기 페이지</a:t>
+              </a:r>
+              <a:endParaRPr lang="en-US" altLang="ko-KR" sz="1200" dirty="0">
+                <a:solidFill>
+                  <a:srgbClr val="DCAE4B"/>
+                </a:solidFill>
+              </a:endParaRPr>
+            </a:p>
+          </p:txBody>
+        </p:sp>
+      </p:grpSp>
+      <p:grpSp>
+        <p:nvGrpSpPr>
+          <p:cNvPr id="29" name="그룹 28">
+            <a:extLst>
+              <a:ext uri="{FF2B5EF4-FFF2-40B4-BE49-F238E27FC236}">
+                <a16:creationId xmlns:a16="http://schemas.microsoft.com/office/drawing/2014/main" id="{CE8B1C68-700F-45A9-8016-5ED0A02FFBE2}"/>
+              </a:ext>
+            </a:extLst>
+          </p:cNvPr>
+          <p:cNvGrpSpPr/>
+          <p:nvPr/>
+        </p:nvGrpSpPr>
+        <p:grpSpPr>
+          <a:xfrm>
+            <a:off x="276836" y="2287696"/>
+            <a:ext cx="2171089" cy="608077"/>
+            <a:chOff x="276836" y="2678221"/>
+            <a:chExt cx="2171089" cy="608077"/>
+          </a:xfrm>
+        </p:grpSpPr>
+        <p:sp>
+          <p:nvSpPr>
+            <p:cNvPr id="13" name="TextBox 12">
+              <a:extLst>
+                <a:ext uri="{FF2B5EF4-FFF2-40B4-BE49-F238E27FC236}">
+                  <a16:creationId xmlns:a16="http://schemas.microsoft.com/office/drawing/2014/main" id="{8A754930-80DC-40A4-874B-EBE42B054C69}"/>
+                </a:ext>
+              </a:extLst>
+            </p:cNvPr>
+            <p:cNvSpPr txBox="1"/>
+            <p:nvPr/>
+          </p:nvSpPr>
+          <p:spPr>
+            <a:xfrm>
+              <a:off x="276836" y="2678221"/>
+              <a:ext cx="1005403" cy="338554"/>
+            </a:xfrm>
+            <a:prstGeom prst="rect">
+              <a:avLst/>
+            </a:prstGeom>
+            <a:noFill/>
+          </p:spPr>
+          <p:txBody>
+            <a:bodyPr wrap="none" rtlCol="0">
+              <a:spAutoFit/>
+            </a:bodyPr>
+            <a:lstStyle/>
+            <a:p>
+              <a:r>
+                <a:rPr lang="ko-KR" altLang="en-US" sz="1600" b="1" dirty="0">
+                  <a:solidFill>
+                    <a:srgbClr val="DCAE4B"/>
+                  </a:solidFill>
+                </a:rPr>
+                <a:t>화면코드</a:t>
+              </a:r>
+            </a:p>
+          </p:txBody>
+        </p:sp>
+        <p:sp>
+          <p:nvSpPr>
+            <p:cNvPr id="14" name="TextBox 13">
+              <a:extLst>
+                <a:ext uri="{FF2B5EF4-FFF2-40B4-BE49-F238E27FC236}">
+                  <a16:creationId xmlns:a16="http://schemas.microsoft.com/office/drawing/2014/main" id="{A23439F9-C374-4017-AD5C-0C17D06FDD60}"/>
+                </a:ext>
+              </a:extLst>
+            </p:cNvPr>
+            <p:cNvSpPr txBox="1"/>
+            <p:nvPr/>
+          </p:nvSpPr>
+          <p:spPr>
+            <a:xfrm>
+              <a:off x="276836" y="3009299"/>
+              <a:ext cx="2171089" cy="276999"/>
+            </a:xfrm>
+            <a:prstGeom prst="rect">
+              <a:avLst/>
+            </a:prstGeom>
+            <a:noFill/>
+          </p:spPr>
+          <p:txBody>
+            <a:bodyPr wrap="square" rtlCol="0">
+              <a:spAutoFit/>
+            </a:bodyPr>
+            <a:lstStyle/>
+            <a:p>
+              <a:r>
+                <a:rPr lang="en-US" altLang="ko-KR" sz="1200" dirty="0">
+                  <a:solidFill>
+                    <a:srgbClr val="DCAE4B"/>
+                  </a:solidFill>
+                </a:rPr>
+                <a:t>write01</a:t>
+              </a:r>
+            </a:p>
+          </p:txBody>
+        </p:sp>
+      </p:grpSp>
+      <p:grpSp>
+        <p:nvGrpSpPr>
+          <p:cNvPr id="28" name="그룹 27">
+            <a:extLst>
+              <a:ext uri="{FF2B5EF4-FFF2-40B4-BE49-F238E27FC236}">
+                <a16:creationId xmlns:a16="http://schemas.microsoft.com/office/drawing/2014/main" id="{3B60CFA0-0763-417B-8AE3-E4433CBD2755}"/>
+              </a:ext>
+            </a:extLst>
+          </p:cNvPr>
+          <p:cNvGrpSpPr/>
+          <p:nvPr/>
+        </p:nvGrpSpPr>
+        <p:grpSpPr>
+          <a:xfrm>
+            <a:off x="276836" y="3104991"/>
+            <a:ext cx="2171089" cy="608077"/>
+            <a:chOff x="276836" y="3666966"/>
+            <a:chExt cx="2171089" cy="608077"/>
+          </a:xfrm>
+        </p:grpSpPr>
+        <p:sp>
+          <p:nvSpPr>
+            <p:cNvPr id="15" name="TextBox 14">
+              <a:extLst>
+                <a:ext uri="{FF2B5EF4-FFF2-40B4-BE49-F238E27FC236}">
+                  <a16:creationId xmlns:a16="http://schemas.microsoft.com/office/drawing/2014/main" id="{9DBDFEAB-84D3-47DC-AEB0-DD14BE3C3381}"/>
+                </a:ext>
+              </a:extLst>
+            </p:cNvPr>
+            <p:cNvSpPr txBox="1"/>
+            <p:nvPr/>
+          </p:nvSpPr>
+          <p:spPr>
+            <a:xfrm>
+              <a:off x="276836" y="3666966"/>
+              <a:ext cx="800219" cy="338554"/>
+            </a:xfrm>
+            <a:prstGeom prst="rect">
+              <a:avLst/>
+            </a:prstGeom>
+            <a:noFill/>
+          </p:spPr>
+          <p:txBody>
+            <a:bodyPr wrap="none" rtlCol="0">
+              <a:spAutoFit/>
+            </a:bodyPr>
+            <a:lstStyle/>
+            <a:p>
+              <a:r>
+                <a:rPr lang="ko-KR" altLang="en-US" sz="1600" b="1" dirty="0">
+                  <a:solidFill>
+                    <a:srgbClr val="DCAE4B"/>
+                  </a:solidFill>
+                </a:rPr>
+                <a:t>작성자</a:t>
+              </a:r>
+            </a:p>
+          </p:txBody>
+        </p:sp>
+        <p:sp>
+          <p:nvSpPr>
+            <p:cNvPr id="16" name="TextBox 15">
+              <a:extLst>
+                <a:ext uri="{FF2B5EF4-FFF2-40B4-BE49-F238E27FC236}">
+                  <a16:creationId xmlns:a16="http://schemas.microsoft.com/office/drawing/2014/main" id="{AE876C31-DEE5-4929-A872-47CFFD6D977C}"/>
+                </a:ext>
+              </a:extLst>
+            </p:cNvPr>
+            <p:cNvSpPr txBox="1"/>
+            <p:nvPr/>
+          </p:nvSpPr>
+          <p:spPr>
+            <a:xfrm>
+              <a:off x="276836" y="3998044"/>
+              <a:ext cx="2171089" cy="276999"/>
+            </a:xfrm>
+            <a:prstGeom prst="rect">
+              <a:avLst/>
+            </a:prstGeom>
+            <a:noFill/>
+          </p:spPr>
+          <p:txBody>
+            <a:bodyPr wrap="square" rtlCol="0">
+              <a:spAutoFit/>
+            </a:bodyPr>
+            <a:lstStyle/>
+            <a:p>
+              <a:r>
+                <a:rPr lang="ko-KR" altLang="en-US" sz="1200" dirty="0">
+                  <a:solidFill>
+                    <a:srgbClr val="DCAE4B"/>
+                  </a:solidFill>
+                </a:rPr>
+                <a:t>팀원</a:t>
+              </a:r>
+              <a:r>
+                <a:rPr lang="en-US" altLang="ko-KR" sz="1200" dirty="0">
+                  <a:solidFill>
+                    <a:srgbClr val="DCAE4B"/>
+                  </a:solidFill>
+                </a:rPr>
+                <a:t>: </a:t>
+              </a:r>
+              <a:r>
+                <a:rPr lang="ko-KR" altLang="en-US" sz="1200" dirty="0">
+                  <a:solidFill>
+                    <a:srgbClr val="DCAE4B"/>
+                  </a:solidFill>
+                </a:rPr>
+                <a:t>이예지</a:t>
+              </a:r>
+              <a:endParaRPr lang="en-US" altLang="ko-KR" sz="1200" dirty="0">
+                <a:solidFill>
+                  <a:srgbClr val="DCAE4B"/>
+                </a:solidFill>
+              </a:endParaRPr>
+            </a:p>
+          </p:txBody>
+        </p:sp>
+      </p:grpSp>
+      <p:sp>
+        <p:nvSpPr>
+          <p:cNvPr id="18" name="TextBox 17">
+            <a:extLst>
+              <a:ext uri="{FF2B5EF4-FFF2-40B4-BE49-F238E27FC236}">
+                <a16:creationId xmlns:a16="http://schemas.microsoft.com/office/drawing/2014/main" id="{17EFCDDE-1130-408D-9BF1-4DAA52C217DC}"/>
+              </a:ext>
+            </a:extLst>
+          </p:cNvPr>
+          <p:cNvSpPr txBox="1"/>
+          <p:nvPr/>
+        </p:nvSpPr>
+        <p:spPr>
+          <a:xfrm>
+            <a:off x="3020035" y="4375233"/>
+            <a:ext cx="1005403" cy="338554"/>
+          </a:xfrm>
+          <a:prstGeom prst="rect">
+            <a:avLst/>
+          </a:prstGeom>
+          <a:noFill/>
+        </p:spPr>
+        <p:txBody>
+          <a:bodyPr wrap="none" rtlCol="0">
+            <a:spAutoFit/>
+          </a:bodyPr>
+          <a:lstStyle/>
+          <a:p>
+            <a:r>
+              <a:rPr lang="ko-KR" altLang="en-US" sz="1600" b="1" dirty="0"/>
+              <a:t>화면설명</a:t>
+            </a:r>
+          </a:p>
+        </p:txBody>
+      </p:sp>
+      <p:grpSp>
+        <p:nvGrpSpPr>
+          <p:cNvPr id="32" name="그룹 31">
+            <a:extLst>
+              <a:ext uri="{FF2B5EF4-FFF2-40B4-BE49-F238E27FC236}">
+                <a16:creationId xmlns:a16="http://schemas.microsoft.com/office/drawing/2014/main" id="{CA1DD512-4BF6-481A-95B3-0402591A68BA}"/>
+              </a:ext>
+            </a:extLst>
+          </p:cNvPr>
+          <p:cNvGrpSpPr/>
+          <p:nvPr/>
+        </p:nvGrpSpPr>
+        <p:grpSpPr>
+          <a:xfrm>
+            <a:off x="276836" y="3936433"/>
             <a:ext cx="2171089" cy="792743"/>
             <a:chOff x="276836" y="269845"/>
             <a:chExt cx="2171089" cy="792743"/>
@@ -11170,7 +12664,7 @@
 </p:sld>
 </file>
 
-<file path=ppt/slides/slide14.xml><?xml version="1.0" encoding="utf-8"?>
+<file path=ppt/slides/slide15.xml><?xml version="1.0" encoding="utf-8"?>
 <p:sld xmlns:a="http://schemas.openxmlformats.org/drawingml/2006/main" xmlns:r="http://schemas.openxmlformats.org/officeDocument/2006/relationships" xmlns:p="http://schemas.openxmlformats.org/presentationml/2006/main">
   <p:cSld>
     <p:spTree>
@@ -12899,7 +14393,7 @@
 </p:sld>
 </file>
 
-<file path=ppt/slides/slide15.xml><?xml version="1.0" encoding="utf-8"?>
+<file path=ppt/slides/slide16.xml><?xml version="1.0" encoding="utf-8"?>
 <p:sld xmlns:a="http://schemas.openxmlformats.org/drawingml/2006/main" xmlns:r="http://schemas.openxmlformats.org/officeDocument/2006/relationships" xmlns:p="http://schemas.openxmlformats.org/presentationml/2006/main">
   <p:cSld>
     <p:spTree>
@@ -14594,14 +16088,13 @@
               </a:ext>
             </a:extLst>
           </a:blip>
-          <a:stretch>
-            <a:fillRect/>
-          </a:stretch>
+          <a:srcRect/>
+          <a:stretch/>
         </p:blipFill>
         <p:spPr>
           <a:xfrm>
-            <a:off x="688157" y="1470580"/>
-            <a:ext cx="8598456" cy="4666267"/>
+            <a:off x="772997" y="1272619"/>
+            <a:ext cx="8333295" cy="4486423"/>
           </a:xfrm>
           <a:prstGeom prst="rect">
             <a:avLst/>
@@ -14748,14 +16241,13 @@
               </a:ext>
             </a:extLst>
           </a:blip>
-          <a:stretch>
-            <a:fillRect/>
-          </a:stretch>
+          <a:srcRect/>
+          <a:stretch/>
         </p:blipFill>
         <p:spPr>
           <a:xfrm>
-            <a:off x="622169" y="1347944"/>
-            <a:ext cx="8664444" cy="4411097"/>
+            <a:off x="923828" y="1347944"/>
+            <a:ext cx="8182466" cy="4515528"/>
           </a:xfrm>
           <a:prstGeom prst="rect">
             <a:avLst/>
@@ -14806,8 +16298,8 @@
         </p:nvSpPr>
         <p:spPr>
           <a:xfrm>
-            <a:off x="2743200" y="4274986"/>
-            <a:ext cx="7162799" cy="2583011"/>
+            <a:off x="2743200" y="3990638"/>
+            <a:ext cx="7162799" cy="2895640"/>
           </a:xfrm>
           <a:prstGeom prst="rect">
             <a:avLst/>
@@ -14858,6 +16350,25 @@
             </a:endParaRPr>
           </a:p>
           <a:p>
+            <a:endParaRPr lang="en-US" altLang="ko-KR" sz="1200" kern="0" spc="0" dirty="0">
+              <a:solidFill>
+                <a:schemeClr val="tx1"/>
+              </a:solidFill>
+              <a:effectLst/>
+              <a:latin typeface="맑은 고딕" panose="020B0503020000020004" pitchFamily="50" charset="-127"/>
+              <a:ea typeface="맑은 고딕" panose="020B0503020000020004" pitchFamily="50" charset="-127"/>
+            </a:endParaRPr>
+          </a:p>
+          <a:p>
+            <a:endParaRPr lang="en-US" altLang="ko-KR" sz="1200" kern="0" dirty="0">
+              <a:solidFill>
+                <a:schemeClr val="tx1"/>
+              </a:solidFill>
+              <a:latin typeface="맑은 고딕" panose="020B0503020000020004" pitchFamily="50" charset="-127"/>
+              <a:ea typeface="맑은 고딕" panose="020B0503020000020004" pitchFamily="50" charset="-127"/>
+            </a:endParaRPr>
+          </a:p>
+          <a:p>
             <a:r>
               <a:rPr lang="en-US" altLang="ko-KR" sz="1200" kern="0" spc="0" dirty="0">
                 <a:solidFill>
@@ -14988,13 +16499,98 @@
               <a:t>② </a:t>
             </a:r>
             <a:r>
+              <a:rPr lang="en-US" altLang="ko-KR" sz="1200" kern="0" spc="0" dirty="0">
+                <a:solidFill>
+                  <a:schemeClr val="tx1"/>
+                </a:solidFill>
+                <a:effectLst/>
+                <a:latin typeface="+mn-ea"/>
+              </a:rPr>
+              <a:t>AMBASSADOR </a:t>
+            </a:r>
+            <a:r>
+              <a:rPr lang="ko-KR" altLang="en-US" sz="1200" kern="0" spc="0" dirty="0">
+                <a:solidFill>
+                  <a:schemeClr val="tx1"/>
+                </a:solidFill>
+                <a:effectLst/>
+                <a:latin typeface="+mn-ea"/>
+              </a:rPr>
+              <a:t>클릭시 해당 메뉴바 출현</a:t>
+            </a:r>
+            <a:endParaRPr lang="en-US" altLang="ko-KR" sz="1200" kern="0" spc="0" dirty="0">
+              <a:solidFill>
+                <a:schemeClr val="tx1"/>
+              </a:solidFill>
+              <a:effectLst/>
+              <a:latin typeface="+mn-ea"/>
+            </a:endParaRPr>
+          </a:p>
+          <a:p>
+            <a:r>
+              <a:rPr lang="en-US" altLang="ko-KR" sz="1200" kern="0" spc="0" dirty="0">
+                <a:solidFill>
+                  <a:schemeClr val="tx1"/>
+                </a:solidFill>
+                <a:effectLst/>
+                <a:latin typeface="+mn-ea"/>
+              </a:rPr>
+              <a:t>      </a:t>
+            </a:r>
+            <a:r>
+              <a:rPr lang="ko-KR" altLang="en-US" sz="1200" kern="0" spc="0" dirty="0">
+                <a:solidFill>
+                  <a:srgbClr val="000000"/>
+                </a:solidFill>
+                <a:effectLst/>
+                <a:latin typeface="+mn-ea"/>
+              </a:rPr>
+              <a:t>③ </a:t>
+            </a:r>
+            <a:r>
+              <a:rPr lang="en-US" altLang="ko-KR" sz="1200" kern="0" dirty="0">
+                <a:solidFill>
+                  <a:schemeClr val="tx1"/>
+                </a:solidFill>
+                <a:latin typeface="+mn-ea"/>
+              </a:rPr>
+              <a:t>COMMUNITY </a:t>
+            </a:r>
+            <a:r>
+              <a:rPr lang="ko-KR" altLang="en-US" sz="1200" kern="0" dirty="0">
+                <a:solidFill>
+                  <a:schemeClr val="tx1"/>
+                </a:solidFill>
+                <a:latin typeface="+mn-ea"/>
+              </a:rPr>
+              <a:t>클릭시 해당 메뉴바 출현</a:t>
+            </a:r>
+            <a:endParaRPr lang="en-US" altLang="ko-KR" sz="1200" dirty="0">
+              <a:solidFill>
+                <a:schemeClr val="tx1"/>
+              </a:solidFill>
+              <a:latin typeface="+mn-ea"/>
+            </a:endParaRPr>
+          </a:p>
+          <a:p>
+            <a:r>
+              <a:rPr lang="ko-KR" altLang="en-US" sz="1200" kern="0" spc="0" dirty="0">
+                <a:solidFill>
+                  <a:srgbClr val="000000"/>
+                </a:solidFill>
+                <a:effectLst/>
+                <a:latin typeface="+mn-ea"/>
+              </a:rPr>
+              <a:t>      ④ </a:t>
+            </a:r>
+            <a:r>
               <a:rPr lang="en-US" altLang="ko-KR" sz="1200" dirty="0">
                 <a:solidFill>
                   <a:schemeClr val="tx1"/>
                 </a:solidFill>
                 <a:latin typeface="+mn-ea"/>
               </a:rPr>
-              <a:t>ARTIST </a:t>
+              <a:t>COMMUNITY </a:t>
             </a:r>
             <a:r>
               <a:rPr lang="ko-KR" altLang="en-US" sz="1200" dirty="0">
@@ -15003,6 +16599,36 @@
                 </a:solidFill>
                 <a:latin typeface="+mn-ea"/>
               </a:rPr>
+              <a:t>클릭시 해당 메뉴바 출현</a:t>
+            </a:r>
+          </a:p>
+          <a:p>
+            <a:r>
+              <a:rPr lang="ko-KR" altLang="en-US" sz="1200" kern="0" spc="0" dirty="0">
+                <a:solidFill>
+                  <a:srgbClr val="000000"/>
+                </a:solidFill>
+                <a:effectLst/>
+                <a:latin typeface="+mn-ea"/>
+              </a:rPr>
+              <a:t>      ⑤</a:t>
+            </a:r>
+            <a:r>
+              <a:rPr lang="en-US" altLang="ko-KR" sz="1200" dirty="0">
+                <a:solidFill>
+                  <a:schemeClr val="tx1"/>
+                </a:solidFill>
+                <a:latin typeface="+mn-ea"/>
+              </a:rPr>
+              <a:t> Bag </a:t>
+            </a:r>
+            <a:r>
+              <a:rPr lang="ko-KR" altLang="en-US" sz="1200" dirty="0">
+                <a:solidFill>
+                  <a:schemeClr val="tx1"/>
+                </a:solidFill>
+                <a:latin typeface="+mn-ea"/>
+              </a:rPr>
               <a:t>클릭시 </a:t>
             </a:r>
             <a:r>
@@ -15012,7 +16638,7 @@
                 </a:solidFill>
                 <a:latin typeface="+mn-ea"/>
               </a:rPr>
-              <a:t>artist01</a:t>
+              <a:t>category01</a:t>
             </a:r>
             <a:r>
               <a:rPr lang="ko-KR" altLang="en-US" sz="1200" dirty="0">
@@ -15048,7 +16674,7 @@
                 <a:effectLst/>
                 <a:latin typeface="+mn-ea"/>
               </a:rPr>
-              <a:t>③ </a:t>
+              <a:t>⑥ </a:t>
             </a:r>
             <a:r>
               <a:rPr lang="en-US" altLang="ko-KR" sz="1200" dirty="0">
@@ -15057,7 +16683,7 @@
                 </a:solidFill>
                 <a:latin typeface="+mn-ea"/>
               </a:rPr>
-              <a:t>SEARCH </a:t>
+              <a:t>Shoes </a:t>
             </a:r>
             <a:r>
               <a:rPr lang="ko-KR" altLang="en-US" sz="1200" dirty="0">
@@ -15075,17 +16701,321 @@
                 </a:solidFill>
                 <a:latin typeface="+mn-ea"/>
               </a:rPr>
+              <a:t>category02</a:t>
+            </a:r>
+            <a:r>
+              <a:rPr lang="ko-KR" altLang="en-US" sz="1200" dirty="0">
+                <a:solidFill>
+                  <a:schemeClr val="tx1"/>
+                </a:solidFill>
+                <a:latin typeface="+mn-ea"/>
+              </a:rPr>
+              <a:t>로 이동</a:t>
+            </a:r>
+            <a:endParaRPr lang="en-US" altLang="ko-KR" sz="1200" kern="0" spc="0" dirty="0">
+              <a:solidFill>
+                <a:srgbClr val="000000"/>
+              </a:solidFill>
+              <a:effectLst/>
+              <a:latin typeface="+mn-ea"/>
+            </a:endParaRPr>
+          </a:p>
+          <a:p>
+            <a:r>
+              <a:rPr lang="en-US" altLang="ko-KR" sz="1200" dirty="0">
+                <a:solidFill>
+                  <a:schemeClr val="tx1"/>
+                </a:solidFill>
+                <a:latin typeface="+mn-ea"/>
+              </a:rPr>
+              <a:t>      </a:t>
+            </a:r>
+            <a:r>
+              <a:rPr lang="ko-KR" altLang="en-US" sz="1200" kern="0" spc="0" dirty="0">
+                <a:solidFill>
+                  <a:srgbClr val="000000"/>
+                </a:solidFill>
+                <a:effectLst/>
+                <a:latin typeface="+mn-ea"/>
+              </a:rPr>
+              <a:t>⑦ 회원가입 클릭시 </a:t>
+            </a:r>
+            <a:r>
+              <a:rPr lang="en-US" altLang="ko-KR" sz="1200" kern="0" spc="0" dirty="0">
+                <a:solidFill>
+                  <a:srgbClr val="000000"/>
+                </a:solidFill>
+                <a:effectLst/>
+                <a:latin typeface="+mn-ea"/>
+              </a:rPr>
+              <a:t>register01</a:t>
+            </a:r>
+            <a:r>
+              <a:rPr lang="ko-KR" altLang="en-US" sz="1200" kern="0" dirty="0">
+                <a:solidFill>
+                  <a:srgbClr val="000000"/>
+                </a:solidFill>
+                <a:latin typeface="+mn-ea"/>
+              </a:rPr>
+              <a:t>로 이동</a:t>
+            </a:r>
+            <a:endParaRPr lang="en-US" altLang="ko-KR" sz="1200" kern="0" dirty="0">
+              <a:solidFill>
+                <a:srgbClr val="000000"/>
+              </a:solidFill>
+              <a:latin typeface="+mn-ea"/>
+            </a:endParaRPr>
+          </a:p>
+          <a:p>
+            <a:r>
+              <a:rPr lang="ko-KR" altLang="en-US" sz="1200" kern="0" spc="0" dirty="0">
+                <a:solidFill>
+                  <a:srgbClr val="000000"/>
+                </a:solidFill>
+                <a:effectLst/>
+                <a:latin typeface="+mn-ea"/>
+              </a:rPr>
+              <a:t>      ⑧ </a:t>
+            </a:r>
+            <a:r>
+              <a:rPr lang="ko-KR" altLang="en-US" sz="1200" dirty="0">
+                <a:solidFill>
+                  <a:schemeClr val="tx1"/>
+                </a:solidFill>
+                <a:latin typeface="+mn-ea"/>
+              </a:rPr>
+              <a:t>로그인시 </a:t>
+            </a:r>
+            <a:r>
+              <a:rPr lang="en-US" altLang="ko-KR" sz="1200" dirty="0">
+                <a:solidFill>
+                  <a:schemeClr val="tx1"/>
+                </a:solidFill>
+                <a:latin typeface="+mn-ea"/>
+              </a:rPr>
+              <a:t>main02</a:t>
+            </a:r>
+            <a:r>
+              <a:rPr lang="ko-KR" altLang="en-US" sz="1200" dirty="0">
+                <a:solidFill>
+                  <a:schemeClr val="tx1"/>
+                </a:solidFill>
+                <a:latin typeface="+mn-ea"/>
+              </a:rPr>
+              <a:t>로 이동</a:t>
+            </a:r>
+            <a:endParaRPr lang="en-US" altLang="ko-KR" sz="1200" dirty="0">
+              <a:solidFill>
+                <a:schemeClr val="tx1"/>
+              </a:solidFill>
+              <a:latin typeface="+mn-ea"/>
+            </a:endParaRPr>
+          </a:p>
+          <a:p>
+            <a:r>
+              <a:rPr lang="en-US" altLang="ko-KR" sz="1200" dirty="0">
+                <a:solidFill>
+                  <a:schemeClr val="tx1"/>
+                </a:solidFill>
+                <a:latin typeface="+mn-ea"/>
+              </a:rPr>
+              <a:t>      </a:t>
+            </a:r>
+            <a:r>
+              <a:rPr lang="ko-KR" altLang="en-US" sz="1200" kern="0" spc="0" dirty="0">
+                <a:solidFill>
+                  <a:srgbClr val="000000"/>
+                </a:solidFill>
+                <a:effectLst/>
+                <a:latin typeface="+mn-ea"/>
+              </a:rPr>
+              <a:t>⑨</a:t>
+            </a:r>
+            <a:r>
+              <a:rPr lang="en-US" altLang="ko-KR" sz="1200" dirty="0">
+                <a:solidFill>
+                  <a:schemeClr val="tx1"/>
+                </a:solidFill>
+                <a:latin typeface="+mn-ea"/>
+              </a:rPr>
+              <a:t> </a:t>
+            </a:r>
+            <a:r>
+              <a:rPr lang="ko-KR" altLang="en-US" sz="1200" dirty="0">
+                <a:solidFill>
+                  <a:schemeClr val="tx1"/>
+                </a:solidFill>
+                <a:latin typeface="+mn-ea"/>
+              </a:rPr>
+              <a:t>브랜드 사진 클릭시 해당 브랜드 공식홈페이지로 이동</a:t>
+            </a:r>
+            <a:endParaRPr lang="en-US" altLang="ko-KR" sz="1200" dirty="0">
+              <a:solidFill>
+                <a:schemeClr val="tx1"/>
+              </a:solidFill>
+              <a:latin typeface="+mn-ea"/>
+            </a:endParaRPr>
+          </a:p>
+          <a:p>
+            <a:r>
+              <a:rPr lang="en-US" altLang="ko-KR" sz="1200" dirty="0">
+                <a:solidFill>
+                  <a:schemeClr val="tx1"/>
+                </a:solidFill>
+                <a:latin typeface="+mn-ea"/>
+              </a:rPr>
+              <a:t>      </a:t>
+            </a:r>
+            <a:r>
+              <a:rPr lang="ko-KR" altLang="en-US" sz="1200" kern="0" spc="0" dirty="0">
+                <a:solidFill>
+                  <a:srgbClr val="000000"/>
+                </a:solidFill>
+                <a:effectLst/>
+                <a:latin typeface="맑은 고딕" panose="020B0503020000020004" pitchFamily="50" charset="-127"/>
+                <a:ea typeface="맑은 고딕" panose="020B0503020000020004" pitchFamily="50" charset="-127"/>
+              </a:rPr>
+              <a:t>⑩</a:t>
+            </a:r>
+            <a:r>
+              <a:rPr lang="ko-KR" altLang="en-US" sz="1200" kern="0" spc="0" dirty="0">
+                <a:solidFill>
+                  <a:srgbClr val="000000"/>
+                </a:solidFill>
+                <a:effectLst/>
+                <a:latin typeface="+mn-ea"/>
+              </a:rPr>
+              <a:t> 파일 없는 상태에서 </a:t>
+            </a:r>
+            <a:r>
+              <a:rPr lang="ko-KR" altLang="en-US" sz="1200" kern="0" spc="0" dirty="0">
+                <a:solidFill>
+                  <a:schemeClr val="tx1"/>
+                </a:solidFill>
+                <a:effectLst/>
+                <a:latin typeface="+mn-ea"/>
+              </a:rPr>
+              <a:t>검색 클릭시 </a:t>
+            </a:r>
+            <a:r>
+              <a:rPr lang="en-US" altLang="ko-KR" sz="1200" kern="0" spc="0" dirty="0">
+                <a:solidFill>
+                  <a:schemeClr val="tx1"/>
+                </a:solidFill>
+                <a:effectLst/>
+                <a:latin typeface="+mn-ea"/>
+              </a:rPr>
               <a:t>search01</a:t>
             </a:r>
             <a:r>
-              <a:rPr lang="ko-KR" altLang="en-US" sz="1200" dirty="0">
+              <a:rPr lang="ko-KR" altLang="en-US" sz="1200" kern="0" spc="0" dirty="0">
                 <a:solidFill>
                   <a:schemeClr val="tx1"/>
                 </a:solidFill>
+                <a:effectLst/>
                 <a:latin typeface="+mn-ea"/>
               </a:rPr>
               <a:t>로 이동</a:t>
             </a:r>
+            <a:r>
+              <a:rPr lang="en-US" altLang="ko-KR" sz="1200" kern="0" spc="0" dirty="0">
+                <a:solidFill>
+                  <a:schemeClr val="tx1"/>
+                </a:solidFill>
+                <a:effectLst/>
+                <a:latin typeface="+mn-ea"/>
+              </a:rPr>
+              <a:t>, </a:t>
+            </a:r>
+          </a:p>
+          <a:p>
+            <a:r>
+              <a:rPr lang="en-US" altLang="ko-KR" sz="1200" kern="0" dirty="0">
+                <a:solidFill>
+                  <a:schemeClr val="tx1"/>
+                </a:solidFill>
+                <a:latin typeface="+mn-ea"/>
+              </a:rPr>
+              <a:t>          </a:t>
+            </a:r>
+            <a:r>
+              <a:rPr lang="ko-KR" altLang="en-US" sz="1200" kern="0" spc="0" dirty="0">
+                <a:solidFill>
+                  <a:schemeClr val="tx1"/>
+                </a:solidFill>
+                <a:effectLst/>
+                <a:latin typeface="+mn-ea"/>
+              </a:rPr>
+              <a:t>파일 선택 후 검색 클릭시 </a:t>
+            </a:r>
+            <a:r>
+              <a:rPr lang="ko-KR" altLang="en-US" sz="1200" kern="0" dirty="0">
+                <a:solidFill>
+                  <a:schemeClr val="tx1"/>
+                </a:solidFill>
+                <a:latin typeface="+mn-ea"/>
+              </a:rPr>
+              <a:t>해당 제품 정보페이지로 이동</a:t>
+            </a:r>
+            <a:endParaRPr lang="en-US" altLang="ko-KR" sz="1200" kern="0" spc="0" dirty="0">
+              <a:solidFill>
+                <a:schemeClr val="tx1"/>
+              </a:solidFill>
+              <a:effectLst/>
+              <a:latin typeface="+mn-ea"/>
+            </a:endParaRPr>
+          </a:p>
+          <a:p>
+            <a:r>
+              <a:rPr lang="en-US" altLang="ko-KR" sz="1200" kern="0" spc="0" dirty="0">
+                <a:solidFill>
+                  <a:schemeClr val="tx1"/>
+                </a:solidFill>
+                <a:effectLst/>
+                <a:latin typeface="+mn-ea"/>
+              </a:rPr>
+              <a:t>      </a:t>
+            </a:r>
+            <a:r>
+              <a:rPr lang="ko-KR" altLang="en-US" sz="1200" kern="0" spc="0" dirty="0">
+                <a:solidFill>
+                  <a:schemeClr val="tx1"/>
+                </a:solidFill>
+                <a:effectLst/>
+                <a:latin typeface="+mn-ea"/>
+              </a:rPr>
+              <a:t>⑪</a:t>
+            </a:r>
+            <a:r>
+              <a:rPr lang="ko-KR" altLang="en-US" sz="1200" kern="0" spc="0" dirty="0">
+                <a:solidFill>
+                  <a:srgbClr val="000000"/>
+                </a:solidFill>
+                <a:effectLst/>
+                <a:latin typeface="+mn-ea"/>
+              </a:rPr>
+              <a:t> 파일선택 클릭시 </a:t>
+            </a:r>
+            <a:r>
+              <a:rPr lang="en-US" altLang="ko-KR" sz="1200" kern="0" spc="0" dirty="0">
+                <a:solidFill>
+                  <a:srgbClr val="000000"/>
+                </a:solidFill>
+                <a:effectLst/>
+                <a:latin typeface="+mn-ea"/>
+              </a:rPr>
+              <a:t>search01</a:t>
+            </a:r>
+            <a:r>
+              <a:rPr lang="ko-KR" altLang="en-US" sz="1200" kern="0" spc="0" dirty="0">
+                <a:solidFill>
+                  <a:srgbClr val="000000"/>
+                </a:solidFill>
+                <a:effectLst/>
+                <a:latin typeface="+mn-ea"/>
+              </a:rPr>
+              <a:t>로 이동</a:t>
+            </a:r>
             <a:endParaRPr lang="en-US" altLang="ko-KR" sz="1200" dirty="0">
               <a:solidFill>
                 <a:schemeClr val="tx1"/>
@@ -15094,338 +17024,12 @@
             </a:endParaRPr>
           </a:p>
           <a:p>
-            <a:r>
-              <a:rPr lang="ko-KR" altLang="en-US" sz="1200" kern="0" spc="0" dirty="0">
-                <a:solidFill>
-                  <a:srgbClr val="000000"/>
-                </a:solidFill>
-                <a:effectLst/>
-                <a:latin typeface="+mn-ea"/>
-              </a:rPr>
-              <a:t>      ④ </a:t>
-            </a:r>
-            <a:r>
-              <a:rPr lang="en-US" altLang="ko-KR" sz="1200" dirty="0">
-                <a:solidFill>
-                  <a:schemeClr val="tx1"/>
-                </a:solidFill>
-                <a:latin typeface="+mn-ea"/>
-              </a:rPr>
-              <a:t>COMMUNITY </a:t>
-            </a:r>
-            <a:r>
-              <a:rPr lang="ko-KR" altLang="en-US" sz="1200" dirty="0">
-                <a:solidFill>
-                  <a:schemeClr val="tx1"/>
-                </a:solidFill>
-                <a:latin typeface="+mn-ea"/>
-              </a:rPr>
-              <a:t>클릭시 </a:t>
-            </a:r>
-            <a:r>
-              <a:rPr lang="en-US" altLang="ko-KR" sz="1200" dirty="0">
-                <a:solidFill>
-                  <a:schemeClr val="tx1"/>
-                </a:solidFill>
-                <a:latin typeface="+mn-ea"/>
-              </a:rPr>
-              <a:t>community01</a:t>
-            </a:r>
-            <a:r>
-              <a:rPr lang="ko-KR" altLang="en-US" sz="1200" dirty="0">
-                <a:solidFill>
-                  <a:schemeClr val="tx1"/>
-                </a:solidFill>
-                <a:latin typeface="+mn-ea"/>
-              </a:rPr>
-              <a:t>로 이동</a:t>
-            </a:r>
-          </a:p>
-          <a:p>
-            <a:r>
-              <a:rPr lang="ko-KR" altLang="en-US" sz="1200" kern="0" spc="0" dirty="0">
-                <a:solidFill>
-                  <a:srgbClr val="000000"/>
-                </a:solidFill>
-                <a:effectLst/>
-                <a:latin typeface="+mn-ea"/>
-              </a:rPr>
-              <a:t>      ⑤</a:t>
-            </a:r>
-            <a:r>
-              <a:rPr lang="en-US" altLang="ko-KR" sz="1200" dirty="0">
-                <a:solidFill>
-                  <a:schemeClr val="tx1"/>
-                </a:solidFill>
-                <a:latin typeface="+mn-ea"/>
-              </a:rPr>
-              <a:t> Bag </a:t>
-            </a:r>
-            <a:r>
-              <a:rPr lang="ko-KR" altLang="en-US" sz="1200" dirty="0">
-                <a:solidFill>
-                  <a:schemeClr val="tx1"/>
-                </a:solidFill>
-                <a:latin typeface="+mn-ea"/>
-              </a:rPr>
-              <a:t>클릭시 </a:t>
-            </a:r>
-            <a:r>
-              <a:rPr lang="en-US" altLang="ko-KR" sz="1200" dirty="0">
-                <a:solidFill>
-                  <a:schemeClr val="tx1"/>
-                </a:solidFill>
-                <a:latin typeface="+mn-ea"/>
-              </a:rPr>
-              <a:t>category01</a:t>
-            </a:r>
-            <a:r>
-              <a:rPr lang="ko-KR" altLang="en-US" sz="1200" dirty="0">
-                <a:solidFill>
-                  <a:schemeClr val="tx1"/>
-                </a:solidFill>
-                <a:latin typeface="+mn-ea"/>
-              </a:rPr>
-              <a:t>로 이동</a:t>
-            </a:r>
-            <a:r>
-              <a:rPr lang="en-US" altLang="ko-KR" sz="1200" dirty="0">
-                <a:solidFill>
-                  <a:schemeClr val="tx1"/>
-                </a:solidFill>
-                <a:latin typeface="+mn-ea"/>
-              </a:rPr>
-              <a:t>(</a:t>
-            </a:r>
-            <a:r>
-              <a:rPr lang="en-US" altLang="ko-KR" sz="1200" dirty="0" err="1">
-                <a:solidFill>
-                  <a:schemeClr val="tx1"/>
-                </a:solidFill>
-                <a:latin typeface="+mn-ea"/>
-              </a:rPr>
-              <a:t>Shoses</a:t>
-            </a:r>
-            <a:r>
-              <a:rPr lang="en-US" altLang="ko-KR" sz="1200" dirty="0">
-                <a:solidFill>
-                  <a:schemeClr val="tx1"/>
-                </a:solidFill>
-                <a:latin typeface="+mn-ea"/>
-              </a:rPr>
-              <a:t> </a:t>
-            </a:r>
-            <a:r>
-              <a:rPr lang="ko-KR" altLang="en-US" sz="1200" dirty="0">
-                <a:solidFill>
-                  <a:schemeClr val="tx1"/>
-                </a:solidFill>
-                <a:latin typeface="+mn-ea"/>
-              </a:rPr>
-              <a:t>클릭시 </a:t>
-            </a:r>
-            <a:r>
-              <a:rPr lang="en-US" altLang="ko-KR" sz="1200" dirty="0">
-                <a:solidFill>
-                  <a:schemeClr val="tx1"/>
-                </a:solidFill>
-                <a:latin typeface="+mn-ea"/>
-              </a:rPr>
-              <a:t>category02</a:t>
-            </a:r>
-            <a:r>
-              <a:rPr lang="ko-KR" altLang="en-US" sz="1200" dirty="0">
-                <a:solidFill>
-                  <a:schemeClr val="tx1"/>
-                </a:solidFill>
-                <a:latin typeface="+mn-ea"/>
-              </a:rPr>
-              <a:t>로 이동</a:t>
-            </a:r>
-            <a:r>
-              <a:rPr lang="en-US" altLang="ko-KR" sz="1200" dirty="0">
-                <a:solidFill>
-                  <a:schemeClr val="tx1"/>
-                </a:solidFill>
-                <a:latin typeface="+mn-ea"/>
-              </a:rPr>
-              <a:t>)</a:t>
-            </a:r>
-          </a:p>
-          <a:p>
-            <a:r>
-              <a:rPr lang="en-US" altLang="ko-KR" sz="1200" dirty="0">
-                <a:solidFill>
-                  <a:schemeClr val="tx1"/>
-                </a:solidFill>
-                <a:latin typeface="+mn-ea"/>
-              </a:rPr>
-              <a:t>      </a:t>
-            </a:r>
-            <a:r>
-              <a:rPr lang="ko-KR" altLang="en-US" sz="1200" kern="0" spc="0" dirty="0">
-                <a:solidFill>
-                  <a:srgbClr val="000000"/>
-                </a:solidFill>
-                <a:effectLst/>
-                <a:latin typeface="+mn-ea"/>
-              </a:rPr>
-              <a:t>⑥ </a:t>
-            </a:r>
-            <a:r>
-              <a:rPr lang="ko-KR" altLang="en-US" sz="1200" dirty="0">
-                <a:solidFill>
-                  <a:schemeClr val="tx1"/>
-                </a:solidFill>
-                <a:latin typeface="+mn-ea"/>
-              </a:rPr>
-              <a:t>브랜드 사진 클릭시 해당 브랜드 공식홈페이지로 이동</a:t>
-            </a:r>
-            <a:endParaRPr lang="en-US" altLang="ko-KR" sz="1200" dirty="0">
+            <a:endParaRPr lang="ko-KR" altLang="en-US" sz="1200" dirty="0">
               <a:solidFill>
                 <a:schemeClr val="tx1"/>
               </a:solidFill>
               <a:latin typeface="+mn-ea"/>
             </a:endParaRPr>
-          </a:p>
-          <a:p>
-            <a:r>
-              <a:rPr lang="en-US" altLang="ko-KR" sz="1200" dirty="0">
-                <a:solidFill>
-                  <a:schemeClr val="tx1"/>
-                </a:solidFill>
-                <a:latin typeface="+mn-ea"/>
-              </a:rPr>
-              <a:t>      </a:t>
-            </a:r>
-            <a:r>
-              <a:rPr lang="ko-KR" altLang="en-US" sz="1200" kern="0" spc="0" dirty="0">
-                <a:solidFill>
-                  <a:srgbClr val="000000"/>
-                </a:solidFill>
-                <a:effectLst/>
-                <a:latin typeface="+mn-ea"/>
-              </a:rPr>
-              <a:t>⑦ </a:t>
-            </a:r>
-            <a:r>
-              <a:rPr lang="ko-KR" altLang="en-US" sz="1200" dirty="0">
-                <a:solidFill>
-                  <a:schemeClr val="tx1"/>
-                </a:solidFill>
-                <a:latin typeface="+mn-ea"/>
-              </a:rPr>
-              <a:t>회원가입시 </a:t>
-            </a:r>
-            <a:r>
-              <a:rPr lang="en-US" altLang="ko-KR" sz="1200" dirty="0">
-                <a:solidFill>
-                  <a:schemeClr val="tx1"/>
-                </a:solidFill>
-                <a:latin typeface="+mn-ea"/>
-              </a:rPr>
-              <a:t>register01</a:t>
-            </a:r>
-            <a:r>
-              <a:rPr lang="ko-KR" altLang="en-US" sz="1200" dirty="0">
-                <a:solidFill>
-                  <a:schemeClr val="tx1"/>
-                </a:solidFill>
-                <a:latin typeface="+mn-ea"/>
-              </a:rPr>
-              <a:t>로 이동</a:t>
-            </a:r>
-            <a:endParaRPr lang="en-US" altLang="ko-KR" sz="1200" dirty="0">
-              <a:solidFill>
-                <a:schemeClr val="tx1"/>
-              </a:solidFill>
-              <a:latin typeface="+mn-ea"/>
-            </a:endParaRPr>
-          </a:p>
-          <a:p>
-            <a:r>
-              <a:rPr lang="en-US" altLang="ko-KR" sz="1200" kern="0" spc="0" dirty="0">
-                <a:solidFill>
-                  <a:schemeClr val="tx1"/>
-                </a:solidFill>
-                <a:effectLst/>
-                <a:latin typeface="+mn-ea"/>
-              </a:rPr>
-              <a:t>      </a:t>
-            </a:r>
-            <a:r>
-              <a:rPr lang="ko-KR" altLang="en-US" sz="1200" kern="0" spc="0" dirty="0">
-                <a:solidFill>
-                  <a:srgbClr val="000000"/>
-                </a:solidFill>
-                <a:effectLst/>
-                <a:latin typeface="+mn-ea"/>
-              </a:rPr>
-              <a:t>⑧ </a:t>
-            </a:r>
-            <a:r>
-              <a:rPr lang="ko-KR" altLang="en-US" sz="1200" dirty="0">
-                <a:solidFill>
-                  <a:schemeClr val="tx1"/>
-                </a:solidFill>
-                <a:latin typeface="+mn-ea"/>
-              </a:rPr>
-              <a:t>로그인시 </a:t>
-            </a:r>
-            <a:r>
-              <a:rPr lang="en-US" altLang="ko-KR" sz="1200" dirty="0">
-                <a:solidFill>
-                  <a:schemeClr val="tx1"/>
-                </a:solidFill>
-                <a:latin typeface="+mn-ea"/>
-              </a:rPr>
-              <a:t>main02</a:t>
-            </a:r>
-            <a:r>
-              <a:rPr lang="ko-KR" altLang="en-US" sz="1200" dirty="0">
-                <a:solidFill>
-                  <a:schemeClr val="tx1"/>
-                </a:solidFill>
-                <a:latin typeface="+mn-ea"/>
-              </a:rPr>
-              <a:t>로 이동</a:t>
-            </a:r>
-            <a:endParaRPr lang="en-US" altLang="ko-KR" sz="1200" dirty="0">
-              <a:solidFill>
-                <a:schemeClr val="tx1"/>
-              </a:solidFill>
-              <a:latin typeface="+mn-ea"/>
-            </a:endParaRPr>
-          </a:p>
-          <a:p>
-            <a:r>
-              <a:rPr lang="en-US" altLang="ko-KR" sz="1200" dirty="0">
-                <a:solidFill>
-                  <a:schemeClr val="tx1"/>
-                </a:solidFill>
-                <a:latin typeface="+mn-ea"/>
-              </a:rPr>
-              <a:t>      </a:t>
-            </a:r>
-            <a:r>
-              <a:rPr lang="ko-KR" altLang="en-US" sz="1200" kern="0" spc="0" dirty="0">
-                <a:solidFill>
-                  <a:srgbClr val="000000"/>
-                </a:solidFill>
-                <a:effectLst/>
-                <a:latin typeface="+mn-ea"/>
-              </a:rPr>
-              <a:t>⑨ </a:t>
-            </a:r>
-            <a:r>
-              <a:rPr lang="ko-KR" altLang="en-US" sz="1200" dirty="0">
-                <a:solidFill>
-                  <a:schemeClr val="tx1"/>
-                </a:solidFill>
-                <a:latin typeface="+mn-ea"/>
-              </a:rPr>
-              <a:t>연예인 사진을 클릭 시 해당 연예인페이지로 이동</a:t>
-            </a:r>
           </a:p>
           <a:p>
             <a:endParaRPr lang="en-US" altLang="ko-KR" sz="1200" dirty="0">
@@ -15959,7 +17563,7 @@
         </p:nvSpPr>
         <p:spPr>
           <a:xfrm>
-            <a:off x="3020035" y="4375233"/>
+            <a:off x="3020035" y="4072535"/>
             <a:ext cx="1005403" cy="338554"/>
           </a:xfrm>
           <a:prstGeom prst="rect">
@@ -16103,8 +17707,8 @@
         </p:blipFill>
         <p:spPr>
           <a:xfrm>
-            <a:off x="3020035" y="738163"/>
-            <a:ext cx="6609127" cy="3310098"/>
+            <a:off x="3020035" y="269846"/>
+            <a:ext cx="6609127" cy="3551040"/>
           </a:xfrm>
           <a:prstGeom prst="rect">
             <a:avLst/>
@@ -16125,7 +17729,7 @@
         </p:nvSpPr>
         <p:spPr>
           <a:xfrm>
-            <a:off x="5459557" y="756787"/>
+            <a:off x="5459557" y="415782"/>
             <a:ext cx="297006" cy="338554"/>
           </a:xfrm>
           <a:prstGeom prst="rect">
@@ -16172,7 +17776,7 @@
         </p:nvSpPr>
         <p:spPr>
           <a:xfrm>
-            <a:off x="4318634" y="1174517"/>
+            <a:off x="4149829" y="770200"/>
             <a:ext cx="297006" cy="338554"/>
           </a:xfrm>
           <a:prstGeom prst="rect">
@@ -16219,7 +17823,7 @@
         </p:nvSpPr>
         <p:spPr>
           <a:xfrm>
-            <a:off x="5680797" y="1165656"/>
+            <a:off x="5601424" y="754811"/>
             <a:ext cx="297006" cy="338554"/>
           </a:xfrm>
           <a:prstGeom prst="rect">
@@ -16266,7 +17870,7 @@
         </p:nvSpPr>
         <p:spPr>
           <a:xfrm>
-            <a:off x="6930471" y="1171107"/>
+            <a:off x="7053019" y="770200"/>
             <a:ext cx="297006" cy="338554"/>
           </a:xfrm>
           <a:prstGeom prst="rect">
@@ -16313,7 +17917,7 @@
         </p:nvSpPr>
         <p:spPr>
           <a:xfrm>
-            <a:off x="2871532" y="1891610"/>
+            <a:off x="3011672" y="1565839"/>
             <a:ext cx="297006" cy="338554"/>
           </a:xfrm>
           <a:prstGeom prst="rect">
@@ -16360,7 +17964,7 @@
         </p:nvSpPr>
         <p:spPr>
           <a:xfrm>
-            <a:off x="7914587" y="2726496"/>
+            <a:off x="3011672" y="1795453"/>
             <a:ext cx="297006" cy="338554"/>
           </a:xfrm>
           <a:prstGeom prst="rect">
@@ -16407,7 +18011,7 @@
         </p:nvSpPr>
         <p:spPr>
           <a:xfrm>
-            <a:off x="8201202" y="2203390"/>
+            <a:off x="8224222" y="1837241"/>
             <a:ext cx="297006" cy="338554"/>
           </a:xfrm>
           <a:prstGeom prst="rect">
@@ -16454,7 +18058,7 @@
         </p:nvSpPr>
         <p:spPr>
           <a:xfrm>
-            <a:off x="9233479" y="2192999"/>
+            <a:off x="9167492" y="1837848"/>
             <a:ext cx="297006" cy="338554"/>
           </a:xfrm>
           <a:prstGeom prst="rect">
@@ -16501,8 +18105,8 @@
         </p:nvSpPr>
         <p:spPr>
           <a:xfrm>
-            <a:off x="5020229" y="1949142"/>
-            <a:ext cx="297006" cy="338554"/>
+            <a:off x="7927216" y="2484947"/>
+            <a:ext cx="297006" cy="369332"/>
           </a:xfrm>
           <a:prstGeom prst="rect">
             <a:avLst/>
@@ -16516,7 +18120,7 @@
           <a:lstStyle/>
           <a:p>
             <a:r>
-              <a:rPr lang="ko-KR" altLang="en-US" sz="1600" b="1" kern="0" spc="0" dirty="0">
+              <a:rPr lang="ko-KR" altLang="en-US" b="1" kern="0" spc="0" dirty="0">
                 <a:solidFill>
                   <a:schemeClr val="accent1"/>
                 </a:solidFill>
@@ -16526,7 +18130,119 @@
               </a:rPr>
               <a:t>⑨</a:t>
             </a:r>
-            <a:endParaRPr lang="ko-KR" altLang="en-US" sz="1600" b="1" dirty="0">
+            <a:endParaRPr lang="ko-KR" altLang="en-US" b="1" dirty="0">
+              <a:solidFill>
+                <a:schemeClr val="accent1"/>
+              </a:solidFill>
+            </a:endParaRPr>
+          </a:p>
+        </p:txBody>
+      </p:sp>
+      <p:sp>
+        <p:nvSpPr>
+          <p:cNvPr id="8" name="TextBox 7">
+            <a:extLst>
+              <a:ext uri="{FF2B5EF4-FFF2-40B4-BE49-F238E27FC236}">
+                <a16:creationId xmlns:a16="http://schemas.microsoft.com/office/drawing/2014/main" id="{5DCF1F17-947C-5A01-BC15-F36D451039F5}"/>
+              </a:ext>
+            </a:extLst>
+          </p:cNvPr>
+          <p:cNvSpPr txBox="1"/>
+          <p:nvPr/>
+        </p:nvSpPr>
+        <p:spPr>
+          <a:xfrm>
+            <a:off x="6107319" y="3059668"/>
+            <a:ext cx="434562" cy="369332"/>
+          </a:xfrm>
+          <a:prstGeom prst="rect">
+            <a:avLst/>
+          </a:prstGeom>
+          <a:noFill/>
+        </p:spPr>
+        <p:txBody>
+          <a:bodyPr wrap="square">
+            <a:spAutoFit/>
+          </a:bodyPr>
+          <a:lstStyle/>
+          <a:p>
+            <a:pPr marL="0" marR="0" lvl="0" indent="0" algn="l" defTabSz="914400" rtl="0" eaLnBrk="1" fontAlgn="auto" latinLnBrk="1" hangingPunct="1">
+              <a:lnSpc>
+                <a:spcPct val="100000"/>
+              </a:lnSpc>
+              <a:spcBef>
+                <a:spcPts val="0"/>
+              </a:spcBef>
+              <a:spcAft>
+                <a:spcPts val="0"/>
+              </a:spcAft>
+              <a:buClrTx/>
+              <a:buSzTx/>
+              <a:buFontTx/>
+              <a:buNone/>
+              <a:tabLst/>
+              <a:defRPr/>
+            </a:pPr>
+            <a:r>
+              <a:rPr lang="ko-KR" altLang="en-US" sz="1800" b="1" kern="0" spc="0" dirty="0">
+                <a:solidFill>
+                  <a:schemeClr val="accent1"/>
+                </a:solidFill>
+                <a:effectLst/>
+                <a:latin typeface="맑은 고딕" panose="020B0503020000020004" pitchFamily="50" charset="-127"/>
+                <a:ea typeface="맑은 고딕" panose="020B0503020000020004" pitchFamily="50" charset="-127"/>
+              </a:rPr>
+              <a:t>⑩</a:t>
+            </a:r>
+            <a:endParaRPr lang="ko-KR" altLang="en-US" sz="1800" kern="0" spc="0" dirty="0">
+              <a:solidFill>
+                <a:schemeClr val="accent1"/>
+              </a:solidFill>
+              <a:effectLst/>
+              <a:latin typeface="함초롬바탕" panose="02030604000101010101" pitchFamily="18" charset="-127"/>
+            </a:endParaRPr>
+          </a:p>
+        </p:txBody>
+      </p:sp>
+      <p:sp>
+        <p:nvSpPr>
+          <p:cNvPr id="25" name="TextBox 24">
+            <a:extLst>
+              <a:ext uri="{FF2B5EF4-FFF2-40B4-BE49-F238E27FC236}">
+                <a16:creationId xmlns:a16="http://schemas.microsoft.com/office/drawing/2014/main" id="{A8A54030-A1D3-5C0E-3462-8FCDC46764AF}"/>
+              </a:ext>
+            </a:extLst>
+          </p:cNvPr>
+          <p:cNvSpPr txBox="1"/>
+          <p:nvPr/>
+        </p:nvSpPr>
+        <p:spPr>
+          <a:xfrm>
+            <a:off x="5188960" y="3074213"/>
+            <a:ext cx="419100" cy="369332"/>
+          </a:xfrm>
+          <a:prstGeom prst="rect">
+            <a:avLst/>
+          </a:prstGeom>
+          <a:noFill/>
+        </p:spPr>
+        <p:txBody>
+          <a:bodyPr wrap="square">
+            <a:spAutoFit/>
+          </a:bodyPr>
+          <a:lstStyle/>
+          <a:p>
+            <a:r>
+              <a:rPr lang="ko-KR" altLang="en-US" sz="1800" b="1" kern="0" spc="0" dirty="0">
+                <a:solidFill>
+                  <a:schemeClr val="accent1"/>
+                </a:solidFill>
+                <a:effectLst/>
+                <a:latin typeface="+mn-ea"/>
+              </a:rPr>
+              <a:t>⑪</a:t>
+            </a:r>
+            <a:endParaRPr lang="ko-KR" altLang="en-US" b="1" dirty="0">
               <a:solidFill>
                 <a:schemeClr val="accent1"/>
               </a:solidFill>
@@ -16578,8 +18294,8 @@
         </p:nvSpPr>
         <p:spPr>
           <a:xfrm>
-            <a:off x="2743200" y="4274986"/>
-            <a:ext cx="7162799" cy="2583011"/>
+            <a:off x="2743200" y="3990638"/>
+            <a:ext cx="7162799" cy="2895640"/>
           </a:xfrm>
           <a:prstGeom prst="rect">
             <a:avLst/>
@@ -16619,60 +18335,38 @@
                   <a:schemeClr val="tx1"/>
                 </a:solidFill>
               </a:rPr>
-              <a:t>        </a:t>
-            </a:r>
-            <a:r>
-              <a:rPr lang="ko-KR" altLang="en-US" sz="1200" kern="0" spc="0" dirty="0">
-                <a:solidFill>
-                  <a:srgbClr val="000000"/>
-                </a:solidFill>
-                <a:effectLst/>
-                <a:latin typeface="+mn-ea"/>
-              </a:rPr>
-              <a:t>① </a:t>
-            </a:r>
+              <a:t>     </a:t>
+            </a:r>
+          </a:p>
+          <a:p>
+            <a:endParaRPr lang="en-US" altLang="ko-KR" sz="1200" dirty="0">
+              <a:solidFill>
+                <a:schemeClr val="tx1"/>
+              </a:solidFill>
+            </a:endParaRPr>
+          </a:p>
+          <a:p>
+            <a:endParaRPr lang="en-US" altLang="ko-KR" sz="1200" kern="0" spc="0" dirty="0">
+              <a:solidFill>
+                <a:schemeClr val="tx1"/>
+              </a:solidFill>
+              <a:effectLst/>
+              <a:latin typeface="맑은 고딕" panose="020B0503020000020004" pitchFamily="50" charset="-127"/>
+              <a:ea typeface="맑은 고딕" panose="020B0503020000020004" pitchFamily="50" charset="-127"/>
+            </a:endParaRPr>
+          </a:p>
+          <a:p>
+            <a:endParaRPr lang="en-US" altLang="ko-KR" sz="1200" kern="0" dirty="0">
+              <a:solidFill>
+                <a:schemeClr val="tx1"/>
+              </a:solidFill>
+              <a:latin typeface="맑은 고딕" panose="020B0503020000020004" pitchFamily="50" charset="-127"/>
+              <a:ea typeface="맑은 고딕" panose="020B0503020000020004" pitchFamily="50" charset="-127"/>
+            </a:endParaRPr>
+          </a:p>
+          <a:p>
             <a:r>
               <a:rPr lang="en-US" altLang="ko-KR" sz="1200" kern="0" spc="0" dirty="0">
-                <a:solidFill>
-                  <a:srgbClr val="000000"/>
-                </a:solidFill>
-                <a:effectLst/>
-                <a:latin typeface="+mn-ea"/>
-              </a:rPr>
-              <a:t>~</a:t>
-            </a:r>
-            <a:r>
-              <a:rPr lang="ko-KR" altLang="en-US" sz="1200" kern="0" spc="0" dirty="0">
-                <a:solidFill>
-                  <a:srgbClr val="000000"/>
-                </a:solidFill>
-                <a:effectLst/>
-                <a:latin typeface="+mn-ea"/>
-              </a:rPr>
-              <a:t> ⑧ 공통</a:t>
-            </a:r>
-            <a:r>
-              <a:rPr lang="en-US" altLang="ko-KR" sz="1200" dirty="0">
-                <a:solidFill>
-                  <a:schemeClr val="tx1"/>
-                </a:solidFill>
-                <a:latin typeface="+mn-ea"/>
-              </a:rPr>
-              <a:t>    </a:t>
-            </a:r>
-          </a:p>
-          <a:p>
-            <a:r>
-              <a:rPr lang="en-US" altLang="ko-KR" sz="1200" dirty="0">
-                <a:solidFill>
-                  <a:schemeClr val="tx1"/>
-                </a:solidFill>
-                <a:latin typeface="+mn-ea"/>
-              </a:rPr>
-              <a:t>     </a:t>
-            </a:r>
-            <a:r>
-              <a:rPr lang="ko-KR" altLang="en-US" sz="1200" kern="0" spc="0" dirty="0">
                 <a:solidFill>
                   <a:schemeClr val="tx1"/>
                 </a:solidFill>
@@ -16680,7 +18374,7 @@
                 <a:latin typeface="맑은 고딕" panose="020B0503020000020004" pitchFamily="50" charset="-127"/>
                 <a:ea typeface="맑은 고딕" panose="020B0503020000020004" pitchFamily="50" charset="-127"/>
               </a:rPr>
-              <a:t>⑩</a:t>
+              <a:t>      </a:t>
             </a:r>
             <a:r>
               <a:rPr lang="ko-KR" altLang="en-US" sz="1200" kern="0" spc="0" dirty="0">
@@ -16690,6 +18384,24 @@
                 <a:effectLst/>
                 <a:latin typeface="+mn-ea"/>
               </a:rPr>
+              <a:t>① </a:t>
+            </a:r>
+            <a:r>
+              <a:rPr lang="ko-KR" altLang="en-US" sz="1200" dirty="0">
+                <a:solidFill>
+                  <a:schemeClr val="tx1"/>
+                </a:solidFill>
+                <a:latin typeface="+mn-ea"/>
+              </a:rPr>
+              <a:t>상단의 ㅁㅈㅁㅈ</a:t>
+            </a:r>
+            <a:r>
+              <a:rPr lang="en-US" altLang="ko-KR" sz="1200" dirty="0">
+                <a:solidFill>
+                  <a:schemeClr val="tx1"/>
+                </a:solidFill>
+                <a:latin typeface="+mn-ea"/>
+              </a:rPr>
               <a:t> </a:t>
             </a:r>
             <a:r>
@@ -16699,7 +18411,7 @@
                 </a:solidFill>
                 <a:latin typeface="+mn-ea"/>
               </a:rPr>
-              <a:t>홈으로 버튼을 누르면 </a:t>
+              <a:t>클릭시 비로그인상태일 때는 </a:t>
             </a:r>
             <a:r>
               <a:rPr lang="en-US" altLang="ko-KR" sz="1200" dirty="0">
@@ -16717,6 +18429,42 @@
                 </a:solidFill>
                 <a:latin typeface="+mn-ea"/>
               </a:rPr>
+              <a:t>로</a:t>
+            </a:r>
+            <a:r>
+              <a:rPr lang="en-US" altLang="ko-KR" sz="1200" dirty="0">
+                <a:solidFill>
+                  <a:schemeClr val="tx1"/>
+                </a:solidFill>
+                <a:latin typeface="+mn-ea"/>
+              </a:rPr>
+              <a:t>, </a:t>
+            </a:r>
+            <a:r>
+              <a:rPr lang="ko-KR" altLang="en-US" sz="1200" dirty="0">
+                <a:solidFill>
+                  <a:schemeClr val="tx1"/>
+                </a:solidFill>
+                <a:latin typeface="+mn-ea"/>
+              </a:rPr>
+              <a:t>로그인상태일 때는 </a:t>
+            </a:r>
+            <a:r>
+              <a:rPr lang="en-US" altLang="ko-KR" sz="1200" dirty="0">
+                <a:solidFill>
+                  <a:schemeClr val="tx1"/>
+                </a:solidFill>
+                <a:latin typeface="+mn-ea"/>
+              </a:rPr>
+              <a:t>main02</a:t>
+            </a:r>
+            <a:r>
+              <a:rPr lang="ko-KR" altLang="en-US" sz="1200" dirty="0">
+                <a:solidFill>
+                  <a:schemeClr val="tx1"/>
+                </a:solidFill>
+                <a:latin typeface="+mn-ea"/>
+              </a:rPr>
               <a:t>로 이동</a:t>
             </a:r>
             <a:endParaRPr lang="en-US" altLang="ko-KR" sz="1200" dirty="0">
@@ -16728,6 +18476,15 @@
           </a:p>
           <a:p>
             <a:r>
+              <a:rPr lang="en-US" altLang="ko-KR" sz="1200" dirty="0">
+                <a:solidFill>
+                  <a:schemeClr val="tx1"/>
+                </a:solidFill>
+                <a:latin typeface="+mn-ea"/>
+              </a:rPr>
+              <a:t>      </a:t>
+            </a:r>
+            <a:r>
               <a:rPr lang="ko-KR" altLang="en-US" sz="1200" kern="0" spc="0" dirty="0">
                 <a:solidFill>
                   <a:srgbClr val="000000"/>
@@ -16735,46 +18492,526 @@
                 <a:effectLst/>
                 <a:latin typeface="+mn-ea"/>
               </a:rPr>
-              <a:t>     </a:t>
+              <a:t>② </a:t>
+            </a:r>
+            <a:r>
+              <a:rPr lang="en-US" altLang="ko-KR" sz="1200" kern="0" spc="0" dirty="0">
+                <a:solidFill>
+                  <a:schemeClr val="tx1"/>
+                </a:solidFill>
+                <a:effectLst/>
+                <a:latin typeface="+mn-ea"/>
+              </a:rPr>
+              <a:t>AMBASSADOR </a:t>
             </a:r>
             <a:r>
               <a:rPr lang="ko-KR" altLang="en-US" sz="1200" kern="0" spc="0" dirty="0">
                 <a:solidFill>
                   <a:schemeClr val="tx1"/>
+                </a:solidFill>
+                <a:effectLst/>
+                <a:latin typeface="+mn-ea"/>
+              </a:rPr>
+              <a:t>클릭시 해당 메뉴바 출현</a:t>
+            </a:r>
+            <a:endParaRPr lang="en-US" altLang="ko-KR" sz="1200" kern="0" spc="0" dirty="0">
+              <a:solidFill>
+                <a:schemeClr val="tx1"/>
+              </a:solidFill>
+              <a:effectLst/>
+              <a:latin typeface="+mn-ea"/>
+            </a:endParaRPr>
+          </a:p>
+          <a:p>
+            <a:r>
+              <a:rPr lang="en-US" altLang="ko-KR" sz="1200" kern="0" spc="0" dirty="0">
+                <a:solidFill>
+                  <a:schemeClr val="tx1"/>
+                </a:solidFill>
+                <a:effectLst/>
+                <a:latin typeface="+mn-ea"/>
+              </a:rPr>
+              <a:t>      </a:t>
+            </a:r>
+            <a:r>
+              <a:rPr lang="ko-KR" altLang="en-US" sz="1200" kern="0" spc="0" dirty="0">
+                <a:solidFill>
+                  <a:srgbClr val="000000"/>
+                </a:solidFill>
+                <a:effectLst/>
+                <a:latin typeface="+mn-ea"/>
+              </a:rPr>
+              <a:t>③ </a:t>
+            </a:r>
+            <a:r>
+              <a:rPr lang="en-US" altLang="ko-KR" sz="1200" kern="0" dirty="0">
+                <a:solidFill>
+                  <a:schemeClr val="tx1"/>
+                </a:solidFill>
+                <a:latin typeface="+mn-ea"/>
+              </a:rPr>
+              <a:t>COMMUNITY </a:t>
+            </a:r>
+            <a:r>
+              <a:rPr lang="ko-KR" altLang="en-US" sz="1200" kern="0" dirty="0">
+                <a:solidFill>
+                  <a:schemeClr val="tx1"/>
+                </a:solidFill>
+                <a:latin typeface="+mn-ea"/>
+              </a:rPr>
+              <a:t>클릭시 해당 메뉴바 출현</a:t>
+            </a:r>
+            <a:endParaRPr lang="en-US" altLang="ko-KR" sz="1200" dirty="0">
+              <a:solidFill>
+                <a:schemeClr val="tx1"/>
+              </a:solidFill>
+              <a:latin typeface="+mn-ea"/>
+            </a:endParaRPr>
+          </a:p>
+          <a:p>
+            <a:r>
+              <a:rPr lang="ko-KR" altLang="en-US" sz="1200" kern="0" spc="0" dirty="0">
+                <a:solidFill>
+                  <a:srgbClr val="000000"/>
+                </a:solidFill>
+                <a:effectLst/>
+                <a:latin typeface="+mn-ea"/>
+              </a:rPr>
+              <a:t>      ④ </a:t>
+            </a:r>
+            <a:r>
+              <a:rPr lang="en-US" altLang="ko-KR" sz="1200" dirty="0">
+                <a:solidFill>
+                  <a:schemeClr val="tx1"/>
+                </a:solidFill>
+                <a:latin typeface="+mn-ea"/>
+              </a:rPr>
+              <a:t>COMMUNITY </a:t>
+            </a:r>
+            <a:r>
+              <a:rPr lang="ko-KR" altLang="en-US" sz="1200" dirty="0">
+                <a:solidFill>
+                  <a:schemeClr val="tx1"/>
+                </a:solidFill>
+                <a:latin typeface="+mn-ea"/>
+              </a:rPr>
+              <a:t>클릭시 해당 메뉴바 출현</a:t>
+            </a:r>
+          </a:p>
+          <a:p>
+            <a:r>
+              <a:rPr lang="ko-KR" altLang="en-US" sz="1200" kern="0" spc="0" dirty="0">
+                <a:solidFill>
+                  <a:srgbClr val="000000"/>
+                </a:solidFill>
+                <a:effectLst/>
+                <a:latin typeface="+mn-ea"/>
+              </a:rPr>
+              <a:t>      ⑤</a:t>
+            </a:r>
+            <a:r>
+              <a:rPr lang="en-US" altLang="ko-KR" sz="1200" dirty="0">
+                <a:solidFill>
+                  <a:schemeClr val="tx1"/>
+                </a:solidFill>
+                <a:latin typeface="+mn-ea"/>
+              </a:rPr>
+              <a:t> Bag </a:t>
+            </a:r>
+            <a:r>
+              <a:rPr lang="ko-KR" altLang="en-US" sz="1200" dirty="0">
+                <a:solidFill>
+                  <a:schemeClr val="tx1"/>
+                </a:solidFill>
+                <a:latin typeface="+mn-ea"/>
+              </a:rPr>
+              <a:t>클릭시 </a:t>
+            </a:r>
+            <a:r>
+              <a:rPr lang="en-US" altLang="ko-KR" sz="1200" dirty="0">
+                <a:solidFill>
+                  <a:schemeClr val="tx1"/>
+                </a:solidFill>
+                <a:latin typeface="+mn-ea"/>
+              </a:rPr>
+              <a:t>category01</a:t>
+            </a:r>
+            <a:r>
+              <a:rPr lang="ko-KR" altLang="en-US" sz="1200" dirty="0">
+                <a:solidFill>
+                  <a:schemeClr val="tx1"/>
+                </a:solidFill>
+                <a:latin typeface="+mn-ea"/>
+              </a:rPr>
+              <a:t>로 이동</a:t>
+            </a:r>
+            <a:endParaRPr lang="en-US" altLang="ko-KR" sz="1200" dirty="0">
+              <a:solidFill>
+                <a:schemeClr val="tx1"/>
+              </a:solidFill>
+              <a:latin typeface="+mn-ea"/>
+            </a:endParaRPr>
+          </a:p>
+          <a:p>
+            <a:r>
+              <a:rPr lang="en-US" altLang="ko-KR" sz="1200" dirty="0">
+                <a:solidFill>
+                  <a:schemeClr val="tx1"/>
+                </a:solidFill>
+                <a:latin typeface="+mn-ea"/>
+              </a:rPr>
+              <a:t>      </a:t>
+            </a:r>
+            <a:r>
+              <a:rPr lang="ko-KR" altLang="en-US" sz="1200" kern="0" spc="0" dirty="0">
+                <a:solidFill>
+                  <a:srgbClr val="000000"/>
+                </a:solidFill>
+                <a:effectLst/>
+                <a:latin typeface="+mn-ea"/>
+              </a:rPr>
+              <a:t>⑥ </a:t>
+            </a:r>
+            <a:r>
+              <a:rPr lang="en-US" altLang="ko-KR" sz="1200" dirty="0">
+                <a:solidFill>
+                  <a:schemeClr val="tx1"/>
+                </a:solidFill>
+                <a:latin typeface="+mn-ea"/>
+              </a:rPr>
+              <a:t>Shoes </a:t>
+            </a:r>
+            <a:r>
+              <a:rPr lang="ko-KR" altLang="en-US" sz="1200" dirty="0">
+                <a:solidFill>
+                  <a:schemeClr val="tx1"/>
+                </a:solidFill>
+                <a:latin typeface="+mn-ea"/>
+              </a:rPr>
+              <a:t>클릭시 </a:t>
+            </a:r>
+            <a:r>
+              <a:rPr lang="en-US" altLang="ko-KR" sz="1200" dirty="0">
+                <a:solidFill>
+                  <a:schemeClr val="tx1"/>
+                </a:solidFill>
+                <a:latin typeface="+mn-ea"/>
+              </a:rPr>
+              <a:t>category02</a:t>
+            </a:r>
+            <a:r>
+              <a:rPr lang="ko-KR" altLang="en-US" sz="1200" dirty="0">
+                <a:solidFill>
+                  <a:schemeClr val="tx1"/>
+                </a:solidFill>
+                <a:latin typeface="+mn-ea"/>
+              </a:rPr>
+              <a:t>로 이동</a:t>
+            </a:r>
+            <a:endParaRPr lang="en-US" altLang="ko-KR" sz="1200" kern="0" spc="0" dirty="0">
+              <a:solidFill>
+                <a:srgbClr val="000000"/>
+              </a:solidFill>
+              <a:effectLst/>
+              <a:latin typeface="+mn-ea"/>
+            </a:endParaRPr>
+          </a:p>
+          <a:p>
+            <a:r>
+              <a:rPr lang="en-US" altLang="ko-KR" sz="1200" dirty="0">
+                <a:solidFill>
+                  <a:schemeClr val="tx1"/>
+                </a:solidFill>
+                <a:latin typeface="+mn-ea"/>
+              </a:rPr>
+              <a:t>      </a:t>
+            </a:r>
+            <a:r>
+              <a:rPr lang="ko-KR" altLang="en-US" sz="1200" kern="0" spc="0" dirty="0">
+                <a:solidFill>
+                  <a:srgbClr val="000000"/>
+                </a:solidFill>
+                <a:effectLst/>
+                <a:latin typeface="+mn-ea"/>
+              </a:rPr>
+              <a:t>⑦ 회원가입 클릭시 </a:t>
+            </a:r>
+            <a:r>
+              <a:rPr lang="en-US" altLang="ko-KR" sz="1200" kern="0" spc="0" dirty="0">
+                <a:solidFill>
+                  <a:srgbClr val="000000"/>
+                </a:solidFill>
+                <a:effectLst/>
+                <a:latin typeface="+mn-ea"/>
+              </a:rPr>
+              <a:t>register01</a:t>
+            </a:r>
+            <a:r>
+              <a:rPr lang="ko-KR" altLang="en-US" sz="1200" kern="0" dirty="0">
+                <a:solidFill>
+                  <a:srgbClr val="000000"/>
+                </a:solidFill>
+                <a:latin typeface="+mn-ea"/>
+              </a:rPr>
+              <a:t>로 이동</a:t>
+            </a:r>
+            <a:endParaRPr lang="en-US" altLang="ko-KR" sz="1200" kern="0" dirty="0">
+              <a:solidFill>
+                <a:srgbClr val="000000"/>
+              </a:solidFill>
+              <a:latin typeface="+mn-ea"/>
+            </a:endParaRPr>
+          </a:p>
+          <a:p>
+            <a:r>
+              <a:rPr lang="ko-KR" altLang="en-US" sz="1200" kern="0" spc="0" dirty="0">
+                <a:solidFill>
+                  <a:srgbClr val="000000"/>
+                </a:solidFill>
+                <a:effectLst/>
+                <a:latin typeface="+mn-ea"/>
+              </a:rPr>
+              <a:t>      ⑧ </a:t>
+            </a:r>
+            <a:r>
+              <a:rPr lang="ko-KR" altLang="en-US" sz="1200" dirty="0">
+                <a:solidFill>
+                  <a:schemeClr val="tx1"/>
+                </a:solidFill>
+                <a:latin typeface="+mn-ea"/>
+              </a:rPr>
+              <a:t>로그인시 </a:t>
+            </a:r>
+            <a:r>
+              <a:rPr lang="en-US" altLang="ko-KR" sz="1200" dirty="0">
+                <a:solidFill>
+                  <a:schemeClr val="tx1"/>
+                </a:solidFill>
+                <a:latin typeface="+mn-ea"/>
+              </a:rPr>
+              <a:t>main02</a:t>
+            </a:r>
+            <a:r>
+              <a:rPr lang="ko-KR" altLang="en-US" sz="1200" dirty="0">
+                <a:solidFill>
+                  <a:schemeClr val="tx1"/>
+                </a:solidFill>
+                <a:latin typeface="+mn-ea"/>
+              </a:rPr>
+              <a:t>로 이동</a:t>
+            </a:r>
+            <a:endParaRPr lang="en-US" altLang="ko-KR" sz="1200" dirty="0">
+              <a:solidFill>
+                <a:schemeClr val="tx1"/>
+              </a:solidFill>
+              <a:latin typeface="+mn-ea"/>
+            </a:endParaRPr>
+          </a:p>
+          <a:p>
+            <a:r>
+              <a:rPr lang="en-US" altLang="ko-KR" sz="1200" dirty="0">
+                <a:solidFill>
+                  <a:schemeClr val="tx1"/>
+                </a:solidFill>
+                <a:latin typeface="+mn-ea"/>
+              </a:rPr>
+              <a:t>      </a:t>
+            </a:r>
+            <a:r>
+              <a:rPr lang="ko-KR" altLang="en-US" sz="1200" kern="0" spc="0" dirty="0">
+                <a:solidFill>
+                  <a:srgbClr val="000000"/>
+                </a:solidFill>
+                <a:effectLst/>
+                <a:latin typeface="+mn-ea"/>
+              </a:rPr>
+              <a:t>⑨</a:t>
+            </a:r>
+            <a:r>
+              <a:rPr lang="en-US" altLang="ko-KR" sz="1200" dirty="0">
+                <a:solidFill>
+                  <a:schemeClr val="tx1"/>
+                </a:solidFill>
+                <a:latin typeface="+mn-ea"/>
+              </a:rPr>
+              <a:t> </a:t>
+            </a:r>
+            <a:r>
+              <a:rPr lang="ko-KR" altLang="en-US" sz="1200" dirty="0">
+                <a:solidFill>
+                  <a:schemeClr val="tx1"/>
+                </a:solidFill>
+                <a:latin typeface="+mn-ea"/>
+              </a:rPr>
+              <a:t>브랜드 사진 클릭시 해당 브랜드 공식홈페이지로 이동</a:t>
+            </a:r>
+            <a:endParaRPr lang="en-US" altLang="ko-KR" sz="1200" dirty="0">
+              <a:solidFill>
+                <a:schemeClr val="tx1"/>
+              </a:solidFill>
+              <a:latin typeface="+mn-ea"/>
+            </a:endParaRPr>
+          </a:p>
+          <a:p>
+            <a:r>
+              <a:rPr lang="en-US" altLang="ko-KR" sz="1200" dirty="0">
+                <a:solidFill>
+                  <a:schemeClr val="tx1"/>
+                </a:solidFill>
+                <a:latin typeface="+mn-ea"/>
+              </a:rPr>
+              <a:t>      </a:t>
+            </a:r>
+            <a:r>
+              <a:rPr lang="ko-KR" altLang="en-US" sz="1200" kern="0" spc="0" dirty="0">
+                <a:solidFill>
+                  <a:srgbClr val="000000"/>
                 </a:solidFill>
                 <a:effectLst/>
                 <a:latin typeface="맑은 고딕" panose="020B0503020000020004" pitchFamily="50" charset="-127"/>
                 <a:ea typeface="맑은 고딕" panose="020B0503020000020004" pitchFamily="50" charset="-127"/>
               </a:rPr>
-              <a:t>⑪ </a:t>
-            </a:r>
-            <a:r>
-              <a:rPr lang="ko-KR" altLang="en-US" sz="1200" dirty="0">
+              <a:t>⑩</a:t>
+            </a:r>
+            <a:r>
+              <a:rPr lang="ko-KR" altLang="en-US" sz="1200" kern="0" spc="0" dirty="0">
+                <a:solidFill>
+                  <a:srgbClr val="000000"/>
+                </a:solidFill>
+                <a:effectLst/>
+                <a:latin typeface="+mn-ea"/>
+              </a:rPr>
+              <a:t> 파일 없는 상태에서 </a:t>
+            </a:r>
+            <a:r>
+              <a:rPr lang="ko-KR" altLang="en-US" sz="1200" kern="0" spc="0" dirty="0">
                 <a:solidFill>
                   <a:schemeClr val="tx1"/>
                 </a:solidFill>
+                <a:effectLst/>
                 <a:latin typeface="+mn-ea"/>
               </a:rPr>
-              <a:t>정해진 양식 작성 후 가입 버튼을 누르면 작성 정보를 저장한 후 </a:t>
-            </a:r>
-            <a:r>
-              <a:rPr lang="en-US" altLang="ko-KR" sz="1200" dirty="0">
+              <a:t>검색 클릭시 </a:t>
+            </a:r>
+            <a:r>
+              <a:rPr lang="en-US" altLang="ko-KR" sz="1200" kern="0" spc="0" dirty="0">
                 <a:solidFill>
                   <a:schemeClr val="tx1"/>
                 </a:solidFill>
+                <a:effectLst/>
                 <a:latin typeface="+mn-ea"/>
               </a:rPr>
-              <a:t>main01</a:t>
-            </a:r>
-            <a:r>
-              <a:rPr lang="ko-KR" altLang="en-US" sz="1200" dirty="0">
+              <a:t>search01</a:t>
+            </a:r>
+            <a:r>
+              <a:rPr lang="ko-KR" altLang="en-US" sz="1200" kern="0" spc="0" dirty="0">
                 <a:solidFill>
                   <a:schemeClr val="tx1"/>
                 </a:solidFill>
+                <a:effectLst/>
                 <a:latin typeface="+mn-ea"/>
               </a:rPr>
               <a:t>로 이동</a:t>
             </a:r>
+            <a:r>
+              <a:rPr lang="en-US" altLang="ko-KR" sz="1200" kern="0" spc="0" dirty="0">
+                <a:solidFill>
+                  <a:schemeClr val="tx1"/>
+                </a:solidFill>
+                <a:effectLst/>
+                <a:latin typeface="+mn-ea"/>
+              </a:rPr>
+              <a:t>, </a:t>
+            </a:r>
+          </a:p>
+          <a:p>
+            <a:r>
+              <a:rPr lang="en-US" altLang="ko-KR" sz="1200" kern="0" dirty="0">
+                <a:solidFill>
+                  <a:schemeClr val="tx1"/>
+                </a:solidFill>
+                <a:latin typeface="+mn-ea"/>
+              </a:rPr>
+              <a:t>          </a:t>
+            </a:r>
+            <a:r>
+              <a:rPr lang="ko-KR" altLang="en-US" sz="1200" kern="0" spc="0" dirty="0">
+                <a:solidFill>
+                  <a:schemeClr val="tx1"/>
+                </a:solidFill>
+                <a:effectLst/>
+                <a:latin typeface="+mn-ea"/>
+              </a:rPr>
+              <a:t>파일 선택 후 검색 클릭시 </a:t>
+            </a:r>
+            <a:r>
+              <a:rPr lang="ko-KR" altLang="en-US" sz="1200" kern="0" dirty="0">
+                <a:solidFill>
+                  <a:schemeClr val="tx1"/>
+                </a:solidFill>
+                <a:latin typeface="+mn-ea"/>
+              </a:rPr>
+              <a:t>해당 제품 정보페이지로 이동</a:t>
+            </a:r>
+            <a:endParaRPr lang="en-US" altLang="ko-KR" sz="1200" kern="0" spc="0" dirty="0">
+              <a:solidFill>
+                <a:schemeClr val="tx1"/>
+              </a:solidFill>
+              <a:effectLst/>
+              <a:latin typeface="+mn-ea"/>
+            </a:endParaRPr>
+          </a:p>
+          <a:p>
+            <a:r>
+              <a:rPr lang="en-US" altLang="ko-KR" sz="1200" kern="0" spc="0" dirty="0">
+                <a:solidFill>
+                  <a:schemeClr val="tx1"/>
+                </a:solidFill>
+                <a:effectLst/>
+                <a:latin typeface="+mn-ea"/>
+              </a:rPr>
+              <a:t>      </a:t>
+            </a:r>
+            <a:r>
+              <a:rPr lang="ko-KR" altLang="en-US" sz="1200" kern="0" spc="0" dirty="0">
+                <a:solidFill>
+                  <a:schemeClr val="tx1"/>
+                </a:solidFill>
+                <a:effectLst/>
+                <a:latin typeface="+mn-ea"/>
+              </a:rPr>
+              <a:t>⑪</a:t>
+            </a:r>
+            <a:r>
+              <a:rPr lang="ko-KR" altLang="en-US" sz="1200" kern="0" spc="0" dirty="0">
+                <a:solidFill>
+                  <a:srgbClr val="000000"/>
+                </a:solidFill>
+                <a:effectLst/>
+                <a:latin typeface="+mn-ea"/>
+              </a:rPr>
+              <a:t> 파일선택 클릭시 </a:t>
+            </a:r>
+            <a:r>
+              <a:rPr lang="en-US" altLang="ko-KR" sz="1200" kern="0" spc="0" dirty="0">
+                <a:solidFill>
+                  <a:srgbClr val="000000"/>
+                </a:solidFill>
+                <a:effectLst/>
+                <a:latin typeface="+mn-ea"/>
+              </a:rPr>
+              <a:t>search01</a:t>
+            </a:r>
+            <a:r>
+              <a:rPr lang="ko-KR" altLang="en-US" sz="1200" kern="0" spc="0" dirty="0">
+                <a:solidFill>
+                  <a:srgbClr val="000000"/>
+                </a:solidFill>
+                <a:effectLst/>
+                <a:latin typeface="+mn-ea"/>
+              </a:rPr>
+              <a:t>로 이동</a:t>
+            </a:r>
             <a:endParaRPr lang="en-US" altLang="ko-KR" sz="1200" dirty="0">
               <a:solidFill>
                 <a:schemeClr val="tx1"/>
@@ -16783,46 +19020,22 @@
             </a:endParaRPr>
           </a:p>
           <a:p>
+            <a:endParaRPr lang="ko-KR" altLang="en-US" sz="1200" dirty="0">
+              <a:solidFill>
+                <a:schemeClr val="tx1"/>
+              </a:solidFill>
+              <a:latin typeface="+mn-ea"/>
+            </a:endParaRPr>
+          </a:p>
+          <a:p>
             <a:endParaRPr lang="en-US" altLang="ko-KR" sz="1200" dirty="0">
               <a:solidFill>
                 <a:schemeClr val="tx1"/>
               </a:solidFill>
-              <a:latin typeface="+mn-ea"/>
             </a:endParaRPr>
           </a:p>
           <a:p>
             <a:endParaRPr lang="en-US" altLang="ko-KR" sz="1200" dirty="0">
-              <a:solidFill>
-                <a:schemeClr val="tx1"/>
-              </a:solidFill>
-              <a:latin typeface="+mn-ea"/>
-            </a:endParaRPr>
-          </a:p>
-          <a:p>
-            <a:endParaRPr lang="en-US" altLang="ko-KR" sz="1200" dirty="0">
-              <a:solidFill>
-                <a:schemeClr val="tx1"/>
-              </a:solidFill>
-              <a:latin typeface="+mn-ea"/>
-            </a:endParaRPr>
-          </a:p>
-          <a:p>
-            <a:endParaRPr lang="en-US" altLang="ko-KR" sz="1200" dirty="0">
-              <a:solidFill>
-                <a:schemeClr val="tx1"/>
-              </a:solidFill>
-              <a:latin typeface="+mn-ea"/>
-            </a:endParaRPr>
-          </a:p>
-          <a:p>
-            <a:endParaRPr lang="en-US" altLang="ko-KR" sz="1200" dirty="0">
-              <a:solidFill>
-                <a:schemeClr val="tx1"/>
-              </a:solidFill>
-            </a:endParaRPr>
-          </a:p>
-          <a:p>
-            <a:endParaRPr lang="ko-KR" altLang="en-US" sz="1200" dirty="0">
               <a:solidFill>
                 <a:schemeClr val="tx1"/>
               </a:solidFill>
@@ -16844,7 +19057,7 @@
         </p:nvSpPr>
         <p:spPr>
           <a:xfrm>
-            <a:off x="14375" y="14547"/>
+            <a:off x="0" y="2"/>
             <a:ext cx="2743201" cy="6857996"/>
           </a:xfrm>
           <a:prstGeom prst="rect">
@@ -17023,7 +19236,7 @@
         </p:nvGrpSpPr>
         <p:grpSpPr>
           <a:xfrm>
-            <a:off x="276835" y="1410096"/>
+            <a:off x="276835" y="1456899"/>
             <a:ext cx="2171089" cy="608077"/>
             <a:chOff x="276836" y="1474033"/>
             <a:chExt cx="2171089" cy="608077"/>
@@ -17102,7 +19315,7 @@
                     <a:srgbClr val="DCAE4B"/>
                   </a:solidFill>
                 </a:rPr>
-                <a:t>회원가입 페이지</a:t>
+                <a:t>메인 페이지</a:t>
               </a:r>
               <a:endParaRPr lang="en-US" altLang="ko-KR" sz="1200" dirty="0">
                 <a:solidFill>
@@ -17206,7 +19419,7 @@
                     <a:srgbClr val="DCAE4B"/>
                   </a:solidFill>
                 </a:rPr>
-                <a:t>register01</a:t>
+                <a:t>main01</a:t>
               </a:r>
             </a:p>
           </p:txBody>
@@ -17346,7 +19559,7 @@
         </p:nvSpPr>
         <p:spPr>
           <a:xfrm>
-            <a:off x="3020035" y="4375233"/>
+            <a:off x="3020035" y="4072535"/>
             <a:ext cx="1005403" cy="338554"/>
           </a:xfrm>
           <a:prstGeom prst="rect">
@@ -17382,9 +19595,9 @@
         <p:grpSpPr>
           <a:xfrm>
             <a:off x="276836" y="3936433"/>
-            <a:ext cx="2171089" cy="977409"/>
+            <a:ext cx="2171089" cy="608077"/>
             <a:chOff x="276836" y="269845"/>
-            <a:chExt cx="2171089" cy="977409"/>
+            <a:chExt cx="2171089" cy="608077"/>
           </a:xfrm>
         </p:grpSpPr>
         <p:sp>
@@ -17441,7 +19654,7 @@
           <p:spPr>
             <a:xfrm>
               <a:off x="276836" y="600923"/>
-              <a:ext cx="2171089" cy="646331"/>
+              <a:ext cx="2171089" cy="276999"/>
             </a:xfrm>
             <a:prstGeom prst="rect">
               <a:avLst/>
@@ -17454,25 +19667,9 @@
             </a:bodyPr>
             <a:lstStyle/>
             <a:p>
-              <a:r>
-                <a:rPr lang="en-US" altLang="ko-KR" sz="1200" dirty="0">
-                  <a:solidFill>
-                    <a:srgbClr val="DCAE4B"/>
-                  </a:solidFill>
-                </a:rPr>
-                <a:t>- </a:t>
-              </a:r>
-              <a:r>
-                <a:rPr lang="ko-KR" altLang="en-US" sz="1200" dirty="0">
-                  <a:solidFill>
-                    <a:srgbClr val="DCAE4B"/>
-                  </a:solidFill>
-                </a:rPr>
-                <a:t>비밀번호란과 비밀번호확인란이 일치 하지않으면 가입할 수 없음</a:t>
-              </a:r>
               <a:endParaRPr lang="en-US" altLang="ko-KR" sz="1200" dirty="0">
                 <a:solidFill>
-                  <a:srgbClr val="DCAE4B"/>
+                  <a:schemeClr val="bg1"/>
                 </a:solidFill>
               </a:endParaRPr>
             </a:p>
@@ -17506,8 +19703,8 @@
         </p:blipFill>
         <p:spPr>
           <a:xfrm>
-            <a:off x="3020035" y="749233"/>
-            <a:ext cx="6609127" cy="3287957"/>
+            <a:off x="3020035" y="269846"/>
+            <a:ext cx="6609127" cy="3551040"/>
           </a:xfrm>
           <a:prstGeom prst="rect">
             <a:avLst/>
@@ -17516,10 +19713,10 @@
       </p:pic>
       <p:sp>
         <p:nvSpPr>
-          <p:cNvPr id="25" name="TextBox 24">
+          <p:cNvPr id="9" name="TextBox 8">
             <a:extLst>
               <a:ext uri="{FF2B5EF4-FFF2-40B4-BE49-F238E27FC236}">
-                <a16:creationId xmlns:a16="http://schemas.microsoft.com/office/drawing/2014/main" id="{90E27950-015C-39B5-ADC9-2DA64B928A82}"/>
+                <a16:creationId xmlns:a16="http://schemas.microsoft.com/office/drawing/2014/main" id="{F2DCAF51-65E3-6B73-0BE3-DD2EC3F60935}"/>
               </a:ext>
             </a:extLst>
           </p:cNvPr>
@@ -17528,7 +19725,7 @@
         </p:nvSpPr>
         <p:spPr>
           <a:xfrm>
-            <a:off x="2871532" y="1891610"/>
+            <a:off x="5459557" y="415782"/>
             <a:ext cx="297006" cy="338554"/>
           </a:xfrm>
           <a:prstGeom prst="rect">
@@ -17551,7 +19748,7 @@
                 <a:latin typeface="맑은 고딕" panose="020B0503020000020004" pitchFamily="50" charset="-127"/>
                 <a:ea typeface="맑은 고딕" panose="020B0503020000020004" pitchFamily="50" charset="-127"/>
               </a:rPr>
-              <a:t>⑤</a:t>
+              <a:t>①</a:t>
             </a:r>
             <a:endParaRPr lang="ko-KR" altLang="en-US" sz="1600" b="1" dirty="0">
               <a:solidFill>
@@ -17563,10 +19760,10 @@
       </p:sp>
       <p:sp>
         <p:nvSpPr>
-          <p:cNvPr id="26" name="TextBox 25">
+          <p:cNvPr id="19" name="TextBox 18">
             <a:extLst>
               <a:ext uri="{FF2B5EF4-FFF2-40B4-BE49-F238E27FC236}">
-                <a16:creationId xmlns:a16="http://schemas.microsoft.com/office/drawing/2014/main" id="{7D3AC09D-7B17-37E4-9AB4-78DA1F65103E}"/>
+                <a16:creationId xmlns:a16="http://schemas.microsoft.com/office/drawing/2014/main" id="{5BFFE9CD-6CC3-5C47-FF5B-CAFD3290A992}"/>
               </a:ext>
             </a:extLst>
           </p:cNvPr>
@@ -17575,7 +19772,7 @@
         </p:nvSpPr>
         <p:spPr>
           <a:xfrm>
-            <a:off x="5459557" y="756787"/>
+            <a:off x="4149829" y="770200"/>
             <a:ext cx="297006" cy="338554"/>
           </a:xfrm>
           <a:prstGeom prst="rect">
@@ -17598,7 +19795,7 @@
                 <a:latin typeface="맑은 고딕" panose="020B0503020000020004" pitchFamily="50" charset="-127"/>
                 <a:ea typeface="맑은 고딕" panose="020B0503020000020004" pitchFamily="50" charset="-127"/>
               </a:rPr>
-              <a:t>①</a:t>
+              <a:t>②</a:t>
             </a:r>
             <a:endParaRPr lang="ko-KR" altLang="en-US" sz="1600" b="1" dirty="0">
               <a:solidFill>
@@ -17610,10 +19807,10 @@
       </p:sp>
       <p:sp>
         <p:nvSpPr>
-          <p:cNvPr id="27" name="TextBox 26">
+          <p:cNvPr id="20" name="TextBox 19">
             <a:extLst>
               <a:ext uri="{FF2B5EF4-FFF2-40B4-BE49-F238E27FC236}">
-                <a16:creationId xmlns:a16="http://schemas.microsoft.com/office/drawing/2014/main" id="{EB351997-14B5-7FE6-9A61-0BA775983B71}"/>
+                <a16:creationId xmlns:a16="http://schemas.microsoft.com/office/drawing/2014/main" id="{CAFC6C6E-AC9D-6677-2981-E9B54E96DF42}"/>
               </a:ext>
             </a:extLst>
           </p:cNvPr>
@@ -17622,7 +19819,7 @@
         </p:nvSpPr>
         <p:spPr>
           <a:xfrm>
-            <a:off x="4318634" y="1174517"/>
+            <a:off x="5601424" y="754811"/>
             <a:ext cx="297006" cy="338554"/>
           </a:xfrm>
           <a:prstGeom prst="rect">
@@ -17645,7 +19842,7 @@
                 <a:latin typeface="맑은 고딕" panose="020B0503020000020004" pitchFamily="50" charset="-127"/>
                 <a:ea typeface="맑은 고딕" panose="020B0503020000020004" pitchFamily="50" charset="-127"/>
               </a:rPr>
-              <a:t>②</a:t>
+              <a:t>③</a:t>
             </a:r>
             <a:endParaRPr lang="ko-KR" altLang="en-US" sz="1600" b="1" dirty="0">
               <a:solidFill>
@@ -17657,10 +19854,10 @@
       </p:sp>
       <p:sp>
         <p:nvSpPr>
-          <p:cNvPr id="35" name="TextBox 34">
+          <p:cNvPr id="22" name="TextBox 21">
             <a:extLst>
               <a:ext uri="{FF2B5EF4-FFF2-40B4-BE49-F238E27FC236}">
-                <a16:creationId xmlns:a16="http://schemas.microsoft.com/office/drawing/2014/main" id="{969450B5-3184-9602-6241-86EE0717070A}"/>
+                <a16:creationId xmlns:a16="http://schemas.microsoft.com/office/drawing/2014/main" id="{3956C1FE-1A87-E339-86AB-F3A3C3E65A76}"/>
               </a:ext>
             </a:extLst>
           </p:cNvPr>
@@ -17669,7 +19866,7 @@
         </p:nvSpPr>
         <p:spPr>
           <a:xfrm>
-            <a:off x="5680797" y="1165656"/>
+            <a:off x="7053019" y="770200"/>
             <a:ext cx="297006" cy="338554"/>
           </a:xfrm>
           <a:prstGeom prst="rect">
@@ -17692,7 +19889,7 @@
                 <a:latin typeface="맑은 고딕" panose="020B0503020000020004" pitchFamily="50" charset="-127"/>
                 <a:ea typeface="맑은 고딕" panose="020B0503020000020004" pitchFamily="50" charset="-127"/>
               </a:rPr>
-              <a:t>③</a:t>
+              <a:t>④</a:t>
             </a:r>
             <a:endParaRPr lang="ko-KR" altLang="en-US" sz="1600" b="1" dirty="0">
               <a:solidFill>
@@ -17704,10 +19901,10 @@
       </p:sp>
       <p:sp>
         <p:nvSpPr>
-          <p:cNvPr id="36" name="TextBox 35">
+          <p:cNvPr id="23" name="TextBox 22">
             <a:extLst>
               <a:ext uri="{FF2B5EF4-FFF2-40B4-BE49-F238E27FC236}">
-                <a16:creationId xmlns:a16="http://schemas.microsoft.com/office/drawing/2014/main" id="{40264152-95C9-C7FE-45F4-5458C6A74339}"/>
+                <a16:creationId xmlns:a16="http://schemas.microsoft.com/office/drawing/2014/main" id="{C862E089-8C5A-35B9-6754-FA26A3039779}"/>
               </a:ext>
             </a:extLst>
           </p:cNvPr>
@@ -17716,7 +19913,7 @@
         </p:nvSpPr>
         <p:spPr>
           <a:xfrm>
-            <a:off x="6930471" y="1171107"/>
+            <a:off x="3011672" y="1565839"/>
             <a:ext cx="297006" cy="338554"/>
           </a:xfrm>
           <a:prstGeom prst="rect">
@@ -17739,7 +19936,7 @@
                 <a:latin typeface="맑은 고딕" panose="020B0503020000020004" pitchFamily="50" charset="-127"/>
                 <a:ea typeface="맑은 고딕" panose="020B0503020000020004" pitchFamily="50" charset="-127"/>
               </a:rPr>
-              <a:t>④</a:t>
+              <a:t>⑤</a:t>
             </a:r>
             <a:endParaRPr lang="ko-KR" altLang="en-US" sz="1600" b="1" dirty="0">
               <a:solidFill>
@@ -17751,10 +19948,10 @@
       </p:sp>
       <p:sp>
         <p:nvSpPr>
-          <p:cNvPr id="37" name="TextBox 36">
+          <p:cNvPr id="24" name="TextBox 23">
             <a:extLst>
               <a:ext uri="{FF2B5EF4-FFF2-40B4-BE49-F238E27FC236}">
-                <a16:creationId xmlns:a16="http://schemas.microsoft.com/office/drawing/2014/main" id="{0872D90A-5DC0-5F47-7A23-90397BAD616F}"/>
+                <a16:creationId xmlns:a16="http://schemas.microsoft.com/office/drawing/2014/main" id="{D5D6C93B-67CF-5B20-447D-EACF40650967}"/>
               </a:ext>
             </a:extLst>
           </p:cNvPr>
@@ -17763,7 +19960,7 @@
         </p:nvSpPr>
         <p:spPr>
           <a:xfrm>
-            <a:off x="7914587" y="2726496"/>
+            <a:off x="3011672" y="1795453"/>
             <a:ext cx="297006" cy="338554"/>
           </a:xfrm>
           <a:prstGeom prst="rect">
@@ -17798,10 +19995,10 @@
       </p:sp>
       <p:sp>
         <p:nvSpPr>
-          <p:cNvPr id="38" name="TextBox 37">
+          <p:cNvPr id="26" name="TextBox 25">
             <a:extLst>
               <a:ext uri="{FF2B5EF4-FFF2-40B4-BE49-F238E27FC236}">
-                <a16:creationId xmlns:a16="http://schemas.microsoft.com/office/drawing/2014/main" id="{BD27B2CB-2C71-5811-C0A1-4F6C4F8E0ED1}"/>
+                <a16:creationId xmlns:a16="http://schemas.microsoft.com/office/drawing/2014/main" id="{5A9077E0-84B2-34E7-9BE4-47483E88A843}"/>
               </a:ext>
             </a:extLst>
           </p:cNvPr>
@@ -17810,7 +20007,7 @@
         </p:nvSpPr>
         <p:spPr>
           <a:xfrm>
-            <a:off x="8201202" y="2203390"/>
+            <a:off x="8224222" y="1837241"/>
             <a:ext cx="297006" cy="338554"/>
           </a:xfrm>
           <a:prstGeom prst="rect">
@@ -17845,10 +20042,10 @@
       </p:sp>
       <p:sp>
         <p:nvSpPr>
-          <p:cNvPr id="39" name="TextBox 38">
+          <p:cNvPr id="2" name="TextBox 1">
             <a:extLst>
               <a:ext uri="{FF2B5EF4-FFF2-40B4-BE49-F238E27FC236}">
-                <a16:creationId xmlns:a16="http://schemas.microsoft.com/office/drawing/2014/main" id="{26CADEB6-A8A3-E517-4054-A101B6A418A7}"/>
+                <a16:creationId xmlns:a16="http://schemas.microsoft.com/office/drawing/2014/main" id="{E1CC7433-72F3-FBA5-D0C0-323ABA65A01E}"/>
               </a:ext>
             </a:extLst>
           </p:cNvPr>
@@ -17857,7 +20054,7 @@
         </p:nvSpPr>
         <p:spPr>
           <a:xfrm>
-            <a:off x="9233479" y="2192999"/>
+            <a:off x="9167492" y="1837848"/>
             <a:ext cx="297006" cy="338554"/>
           </a:xfrm>
           <a:prstGeom prst="rect">
@@ -17892,10 +20089,10 @@
       </p:sp>
       <p:sp>
         <p:nvSpPr>
-          <p:cNvPr id="41" name="TextBox 40">
+          <p:cNvPr id="5" name="TextBox 4">
             <a:extLst>
               <a:ext uri="{FF2B5EF4-FFF2-40B4-BE49-F238E27FC236}">
-                <a16:creationId xmlns:a16="http://schemas.microsoft.com/office/drawing/2014/main" id="{72258A19-84BE-35FA-C775-8BDB045DDAB7}"/>
+                <a16:creationId xmlns:a16="http://schemas.microsoft.com/office/drawing/2014/main" id="{4161F259-519F-5CFB-06AF-4D5972FC73E4}"/>
               </a:ext>
             </a:extLst>
           </p:cNvPr>
@@ -17904,8 +20101,8 @@
         </p:nvSpPr>
         <p:spPr>
           <a:xfrm>
-            <a:off x="5477487" y="3561721"/>
-            <a:ext cx="297006" cy="338554"/>
+            <a:off x="7927216" y="2484947"/>
+            <a:ext cx="297006" cy="369332"/>
           </a:xfrm>
           <a:prstGeom prst="rect">
             <a:avLst/>
@@ -17919,7 +20116,7 @@
           <a:lstStyle/>
           <a:p>
             <a:r>
-              <a:rPr lang="ko-KR" altLang="en-US" sz="1600" b="1" kern="0" spc="0" dirty="0">
+              <a:rPr lang="ko-KR" altLang="en-US" b="1" kern="0" spc="0" dirty="0">
                 <a:solidFill>
                   <a:schemeClr val="accent1"/>
                 </a:solidFill>
@@ -17927,9 +20124,9 @@
                 <a:latin typeface="맑은 고딕" panose="020B0503020000020004" pitchFamily="50" charset="-127"/>
                 <a:ea typeface="맑은 고딕" panose="020B0503020000020004" pitchFamily="50" charset="-127"/>
               </a:rPr>
-              <a:t>⑩</a:t>
-            </a:r>
-            <a:endParaRPr lang="ko-KR" altLang="en-US" sz="1600" b="1" dirty="0">
+              <a:t>⑨</a:t>
+            </a:r>
+            <a:endParaRPr lang="ko-KR" altLang="en-US" b="1" dirty="0">
               <a:solidFill>
                 <a:schemeClr val="accent1"/>
               </a:solidFill>
@@ -17939,10 +20136,10 @@
       </p:sp>
       <p:sp>
         <p:nvSpPr>
-          <p:cNvPr id="42" name="TextBox 41">
+          <p:cNvPr id="8" name="TextBox 7">
             <a:extLst>
               <a:ext uri="{FF2B5EF4-FFF2-40B4-BE49-F238E27FC236}">
-                <a16:creationId xmlns:a16="http://schemas.microsoft.com/office/drawing/2014/main" id="{548F547A-C3C8-B2D0-D4E8-4A891755B31D}"/>
+                <a16:creationId xmlns:a16="http://schemas.microsoft.com/office/drawing/2014/main" id="{5DCF1F17-947C-5A01-BC15-F36D451039F5}"/>
               </a:ext>
             </a:extLst>
           </p:cNvPr>
@@ -17951,8 +20148,8 @@
         </p:nvSpPr>
         <p:spPr>
           <a:xfrm>
-            <a:off x="6173705" y="3555810"/>
-            <a:ext cx="297006" cy="338554"/>
+            <a:off x="6107319" y="3059668"/>
+            <a:ext cx="434562" cy="369332"/>
           </a:xfrm>
           <a:prstGeom prst="rect">
             <a:avLst/>
@@ -17965,8 +20162,25 @@
           </a:bodyPr>
           <a:lstStyle/>
           <a:p>
-            <a:r>
-              <a:rPr lang="ko-KR" altLang="en-US" sz="1600" b="1" kern="0" spc="0" dirty="0">
+            <a:pPr marL="0" marR="0" lvl="0" indent="0" algn="l" defTabSz="914400" rtl="0" eaLnBrk="1" fontAlgn="auto" latinLnBrk="1" hangingPunct="1">
+              <a:lnSpc>
+                <a:spcPct val="100000"/>
+              </a:lnSpc>
+              <a:spcBef>
+                <a:spcPts val="0"/>
+              </a:spcBef>
+              <a:spcAft>
+                <a:spcPts val="0"/>
+              </a:spcAft>
+              <a:buClrTx/>
+              <a:buSzTx/>
+              <a:buFontTx/>
+              <a:buNone/>
+              <a:tabLst/>
+              <a:defRPr/>
+            </a:pPr>
+            <a:r>
+              <a:rPr lang="ko-KR" altLang="en-US" sz="1800" b="1" kern="0" spc="0" dirty="0">
                 <a:solidFill>
                   <a:schemeClr val="accent1"/>
                 </a:solidFill>
@@ -17974,20 +20188,57 @@
                 <a:latin typeface="맑은 고딕" panose="020B0503020000020004" pitchFamily="50" charset="-127"/>
                 <a:ea typeface="맑은 고딕" panose="020B0503020000020004" pitchFamily="50" charset="-127"/>
               </a:rPr>
+              <a:t>⑩</a:t>
+            </a:r>
+            <a:endParaRPr lang="ko-KR" altLang="en-US" sz="1800" kern="0" spc="0" dirty="0">
+              <a:solidFill>
+                <a:schemeClr val="accent1"/>
+              </a:solidFill>
+              <a:effectLst/>
+              <a:latin typeface="함초롬바탕" panose="02030604000101010101" pitchFamily="18" charset="-127"/>
+            </a:endParaRPr>
+          </a:p>
+        </p:txBody>
+      </p:sp>
+      <p:sp>
+        <p:nvSpPr>
+          <p:cNvPr id="25" name="TextBox 24">
+            <a:extLst>
+              <a:ext uri="{FF2B5EF4-FFF2-40B4-BE49-F238E27FC236}">
+                <a16:creationId xmlns:a16="http://schemas.microsoft.com/office/drawing/2014/main" id="{A8A54030-A1D3-5C0E-3462-8FCDC46764AF}"/>
+              </a:ext>
+            </a:extLst>
+          </p:cNvPr>
+          <p:cNvSpPr txBox="1"/>
+          <p:nvPr/>
+        </p:nvSpPr>
+        <p:spPr>
+          <a:xfrm>
+            <a:off x="5188960" y="3074213"/>
+            <a:ext cx="419100" cy="369332"/>
+          </a:xfrm>
+          <a:prstGeom prst="rect">
+            <a:avLst/>
+          </a:prstGeom>
+          <a:noFill/>
+        </p:spPr>
+        <p:txBody>
+          <a:bodyPr wrap="square">
+            <a:spAutoFit/>
+          </a:bodyPr>
+          <a:lstStyle/>
+          <a:p>
+            <a:r>
+              <a:rPr lang="ko-KR" altLang="en-US" sz="1800" b="1" kern="0" spc="0" dirty="0">
+                <a:solidFill>
+                  <a:schemeClr val="accent1"/>
+                </a:solidFill>
+                <a:effectLst/>
+                <a:latin typeface="+mn-ea"/>
+              </a:rPr>
               <a:t>⑪</a:t>
             </a:r>
-            <a:r>
-              <a:rPr lang="ko-KR" altLang="en-US" sz="1600" b="1" kern="0" spc="0" dirty="0">
-                <a:solidFill>
-                  <a:srgbClr val="000000"/>
-                </a:solidFill>
-                <a:effectLst/>
-                <a:latin typeface="맑은 고딕" panose="020B0503020000020004" pitchFamily="50" charset="-127"/>
-                <a:ea typeface="맑은 고딕" panose="020B0503020000020004" pitchFamily="50" charset="-127"/>
-              </a:rPr>
-              <a:t> </a:t>
-            </a:r>
-            <a:endParaRPr lang="ko-KR" altLang="en-US" sz="1600" b="1" dirty="0">
+            <a:endParaRPr lang="ko-KR" altLang="en-US" b="1" dirty="0">
               <a:solidFill>
                 <a:schemeClr val="accent1"/>
               </a:solidFill>
@@ -17998,7 +20249,7 @@
     </p:spTree>
     <p:extLst>
       <p:ext uri="{BB962C8B-B14F-4D97-AF65-F5344CB8AC3E}">
-        <p14:creationId xmlns:p14="http://schemas.microsoft.com/office/powerpoint/2010/main" val="3708531789"/>
+        <p14:creationId xmlns:p14="http://schemas.microsoft.com/office/powerpoint/2010/main" val="3854217346"/>
       </p:ext>
     </p:extLst>
   </p:cSld>
@@ -18085,16 +20336,121 @@
             <a:r>
               <a:rPr lang="ko-KR" altLang="en-US" sz="1200" kern="0" spc="0" dirty="0">
                 <a:solidFill>
+                  <a:srgbClr val="000000"/>
+                </a:solidFill>
+                <a:effectLst/>
+                <a:latin typeface="+mn-ea"/>
+              </a:rPr>
+              <a:t>① </a:t>
+            </a:r>
+            <a:r>
+              <a:rPr lang="en-US" altLang="ko-KR" sz="1200" kern="0" spc="0" dirty="0">
+                <a:solidFill>
+                  <a:srgbClr val="000000"/>
+                </a:solidFill>
+                <a:effectLst/>
+                <a:latin typeface="+mn-ea"/>
+              </a:rPr>
+              <a:t>~</a:t>
+            </a:r>
+            <a:r>
+              <a:rPr lang="ko-KR" altLang="en-US" sz="1200" kern="0" spc="0" dirty="0">
+                <a:solidFill>
+                  <a:srgbClr val="000000"/>
+                </a:solidFill>
+                <a:effectLst/>
+                <a:latin typeface="+mn-ea"/>
+              </a:rPr>
+              <a:t> ⑧ 공통</a:t>
+            </a:r>
+            <a:r>
+              <a:rPr lang="en-US" altLang="ko-KR" sz="1200" dirty="0">
+                <a:solidFill>
+                  <a:schemeClr val="tx1"/>
+                </a:solidFill>
+                <a:latin typeface="+mn-ea"/>
+              </a:rPr>
+              <a:t>    </a:t>
+            </a:r>
+          </a:p>
+          <a:p>
+            <a:r>
+              <a:rPr lang="en-US" altLang="ko-KR" sz="1200" dirty="0">
+                <a:solidFill>
+                  <a:schemeClr val="tx1"/>
+                </a:solidFill>
+                <a:latin typeface="+mn-ea"/>
+              </a:rPr>
+              <a:t>     </a:t>
+            </a:r>
+            <a:r>
+              <a:rPr lang="ko-KR" altLang="en-US" sz="1200" kern="0" spc="0" dirty="0">
+                <a:solidFill>
                   <a:schemeClr val="tx1"/>
                 </a:solidFill>
                 <a:effectLst/>
                 <a:latin typeface="맑은 고딕" panose="020B0503020000020004" pitchFamily="50" charset="-127"/>
                 <a:ea typeface="맑은 고딕" panose="020B0503020000020004" pitchFamily="50" charset="-127"/>
               </a:rPr>
-              <a:t>①</a:t>
-            </a:r>
-            <a:r>
-              <a:rPr lang="en-US" altLang="ko-KR" sz="1200" kern="0" spc="0" dirty="0">
+              <a:t>⑩</a:t>
+            </a:r>
+            <a:r>
+              <a:rPr lang="ko-KR" altLang="en-US" sz="1200" kern="0" spc="0" dirty="0">
+                <a:solidFill>
+                  <a:srgbClr val="000000"/>
+                </a:solidFill>
+                <a:effectLst/>
+                <a:latin typeface="+mn-ea"/>
+              </a:rPr>
+              <a:t> </a:t>
+            </a:r>
+            <a:r>
+              <a:rPr lang="ko-KR" altLang="en-US" sz="1200" dirty="0">
+                <a:solidFill>
+                  <a:schemeClr val="tx1"/>
+                </a:solidFill>
+                <a:latin typeface="+mn-ea"/>
+              </a:rPr>
+              <a:t>홈으로 버튼을 누르면 </a:t>
+            </a:r>
+            <a:r>
+              <a:rPr lang="en-US" altLang="ko-KR" sz="1200" dirty="0">
+                <a:solidFill>
+                  <a:schemeClr val="tx1"/>
+                </a:solidFill>
+                <a:latin typeface="+mn-ea"/>
+              </a:rPr>
+              <a:t>main01</a:t>
+            </a:r>
+            <a:r>
+              <a:rPr lang="ko-KR" altLang="en-US" sz="1200" dirty="0">
+                <a:solidFill>
+                  <a:schemeClr val="tx1"/>
+                </a:solidFill>
+                <a:latin typeface="+mn-ea"/>
+              </a:rPr>
+              <a:t>로 이동</a:t>
+            </a:r>
+            <a:endParaRPr lang="en-US" altLang="ko-KR" sz="1200" dirty="0">
+              <a:solidFill>
+                <a:schemeClr val="tx1"/>
+              </a:solidFill>
+              <a:latin typeface="+mn-ea"/>
+            </a:endParaRPr>
+          </a:p>
+          <a:p>
+            <a:r>
+              <a:rPr lang="ko-KR" altLang="en-US" sz="1200" kern="0" spc="0" dirty="0">
+                <a:solidFill>
+                  <a:srgbClr val="000000"/>
+                </a:solidFill>
+                <a:effectLst/>
+                <a:latin typeface="+mn-ea"/>
+              </a:rPr>
+              <a:t>     </a:t>
+            </a:r>
+            <a:r>
+              <a:rPr lang="ko-KR" altLang="en-US" sz="1200" kern="0" spc="0" dirty="0">
                 <a:solidFill>
                   <a:schemeClr val="tx1"/>
                 </a:solidFill>
@@ -18102,140 +20458,32 @@
                 <a:latin typeface="맑은 고딕" panose="020B0503020000020004" pitchFamily="50" charset="-127"/>
                 <a:ea typeface="맑은 고딕" panose="020B0503020000020004" pitchFamily="50" charset="-127"/>
               </a:rPr>
-              <a:t>~</a:t>
-            </a:r>
-            <a:r>
-              <a:rPr lang="ko-KR" altLang="en-US" sz="1200" kern="0" spc="0" dirty="0">
+              <a:t>⑪ </a:t>
+            </a:r>
+            <a:r>
+              <a:rPr lang="ko-KR" altLang="en-US" sz="1200" dirty="0">
                 <a:solidFill>
                   <a:schemeClr val="tx1"/>
                 </a:solidFill>
-                <a:effectLst/>
-                <a:latin typeface="맑은 고딕" panose="020B0503020000020004" pitchFamily="50" charset="-127"/>
-                <a:ea typeface="맑은 고딕" panose="020B0503020000020004" pitchFamily="50" charset="-127"/>
-              </a:rPr>
-              <a:t> ⑥</a:t>
-            </a:r>
-            <a:r>
-              <a:rPr lang="en-US" altLang="ko-KR" sz="1200" kern="0" spc="0" dirty="0">
+                <a:latin typeface="+mn-ea"/>
+              </a:rPr>
+              <a:t>정해진 양식 작성 후 가입 버튼을 누르면 작성 정보를 저장한 후 </a:t>
+            </a:r>
+            <a:r>
+              <a:rPr lang="en-US" altLang="ko-KR" sz="1200" dirty="0">
                 <a:solidFill>
                   <a:schemeClr val="tx1"/>
                 </a:solidFill>
-                <a:effectLst/>
-                <a:latin typeface="맑은 고딕" panose="020B0503020000020004" pitchFamily="50" charset="-127"/>
-                <a:ea typeface="맑은 고딕" panose="020B0503020000020004" pitchFamily="50" charset="-127"/>
-              </a:rPr>
-              <a:t>,</a:t>
-            </a:r>
-            <a:r>
-              <a:rPr lang="en-US" altLang="ko-KR" sz="1200" dirty="0">
+                <a:latin typeface="+mn-ea"/>
+              </a:rPr>
+              <a:t>main01</a:t>
+            </a:r>
+            <a:r>
+              <a:rPr lang="ko-KR" altLang="en-US" sz="1200" dirty="0">
                 <a:solidFill>
                   <a:schemeClr val="tx1"/>
                 </a:solidFill>
-              </a:rPr>
-              <a:t> </a:t>
-            </a:r>
-            <a:r>
-              <a:rPr lang="ko-KR" altLang="en-US" sz="1200" kern="0" spc="0" dirty="0">
-                <a:solidFill>
-                  <a:schemeClr val="tx1"/>
-                </a:solidFill>
-                <a:effectLst/>
-                <a:latin typeface="맑은 고딕" panose="020B0503020000020004" pitchFamily="50" charset="-127"/>
-                <a:ea typeface="맑은 고딕" panose="020B0503020000020004" pitchFamily="50" charset="-127"/>
-              </a:rPr>
-              <a:t>⑨</a:t>
-            </a:r>
-            <a:r>
-              <a:rPr lang="en-US" altLang="ko-KR" sz="1200" kern="0" spc="0" dirty="0">
-                <a:solidFill>
-                  <a:schemeClr val="tx1"/>
-                </a:solidFill>
-                <a:effectLst/>
-                <a:latin typeface="맑은 고딕" panose="020B0503020000020004" pitchFamily="50" charset="-127"/>
-                <a:ea typeface="맑은 고딕" panose="020B0503020000020004" pitchFamily="50" charset="-127"/>
-              </a:rPr>
-              <a:t> </a:t>
-            </a:r>
-            <a:r>
-              <a:rPr lang="ko-KR" altLang="en-US" sz="1200" kern="0" spc="0" dirty="0">
-                <a:solidFill>
-                  <a:schemeClr val="tx1"/>
-                </a:solidFill>
-                <a:effectLst/>
-                <a:latin typeface="맑은 고딕" panose="020B0503020000020004" pitchFamily="50" charset="-127"/>
-                <a:ea typeface="맑은 고딕" panose="020B0503020000020004" pitchFamily="50" charset="-127"/>
-              </a:rPr>
-              <a:t> </a:t>
-            </a:r>
-            <a:r>
-              <a:rPr lang="ko-KR" altLang="en-US" sz="1200" kern="0" spc="0" dirty="0">
-                <a:solidFill>
-                  <a:srgbClr val="000000"/>
-                </a:solidFill>
-                <a:effectLst/>
-                <a:latin typeface="맑은 고딕" panose="020B0503020000020004" pitchFamily="50" charset="-127"/>
-                <a:ea typeface="맑은 고딕" panose="020B0503020000020004" pitchFamily="50" charset="-127"/>
-              </a:rPr>
-              <a:t>공통</a:t>
-            </a:r>
-            <a:r>
-              <a:rPr lang="en-US" altLang="ko-KR" sz="1200" dirty="0">
-                <a:solidFill>
-                  <a:schemeClr val="tx1"/>
-                </a:solidFill>
-              </a:rPr>
-              <a:t>     </a:t>
-            </a:r>
-          </a:p>
-          <a:p>
-            <a:r>
-              <a:rPr lang="en-US" altLang="ko-KR" sz="1200" dirty="0">
-                <a:solidFill>
-                  <a:schemeClr val="tx1"/>
-                </a:solidFill>
-              </a:rPr>
-              <a:t>        </a:t>
-            </a:r>
-            <a:r>
-              <a:rPr lang="ko-KR" altLang="en-US" sz="1200" kern="0" spc="0" dirty="0">
-                <a:solidFill>
-                  <a:schemeClr val="tx1"/>
-                </a:solidFill>
-                <a:effectLst/>
-                <a:latin typeface="맑은 고딕" panose="020B0503020000020004" pitchFamily="50" charset="-127"/>
-                <a:ea typeface="맑은 고딕" panose="020B0503020000020004" pitchFamily="50" charset="-127"/>
-              </a:rPr>
-              <a:t>⑩</a:t>
-            </a:r>
-            <a:r>
-              <a:rPr lang="en-US" altLang="ko-KR" sz="1200" dirty="0">
-                <a:solidFill>
-                  <a:schemeClr val="tx1"/>
-                </a:solidFill>
-              </a:rPr>
-              <a:t> </a:t>
-            </a:r>
-            <a:r>
-              <a:rPr lang="ko-KR" altLang="en-US" sz="1200" dirty="0">
-                <a:solidFill>
-                  <a:schemeClr val="tx1"/>
-                </a:solidFill>
-              </a:rPr>
-              <a:t>로그아웃 클릭시 </a:t>
-            </a:r>
-            <a:r>
-              <a:rPr lang="en-US" altLang="ko-KR" sz="1200" dirty="0">
-                <a:solidFill>
-                  <a:schemeClr val="tx1"/>
-                </a:solidFill>
-              </a:rPr>
-              <a:t>main01</a:t>
-            </a:r>
-            <a:r>
-              <a:rPr lang="ko-KR" altLang="en-US" sz="1200" dirty="0">
-                <a:solidFill>
-                  <a:schemeClr val="tx1"/>
-                </a:solidFill>
+                <a:latin typeface="+mn-ea"/>
               </a:rPr>
               <a:t>로 이동</a:t>
             </a:r>
@@ -18243,67 +20491,15 @@
               <a:solidFill>
                 <a:schemeClr val="tx1"/>
               </a:solidFill>
-            </a:endParaRPr>
-          </a:p>
-          <a:p>
-            <a:r>
-              <a:rPr lang="en-US" altLang="ko-KR" sz="1200" dirty="0">
-                <a:solidFill>
-                  <a:schemeClr val="tx1"/>
-                </a:solidFill>
-              </a:rPr>
-              <a:t>        </a:t>
-            </a:r>
-            <a:r>
-              <a:rPr lang="ko-KR" altLang="en-US" sz="1200" kern="0" spc="0" dirty="0">
-                <a:solidFill>
-                  <a:schemeClr val="tx1"/>
-                </a:solidFill>
-                <a:effectLst/>
-                <a:latin typeface="맑은 고딕" panose="020B0503020000020004" pitchFamily="50" charset="-127"/>
-                <a:ea typeface="맑은 고딕" panose="020B0503020000020004" pitchFamily="50" charset="-127"/>
-              </a:rPr>
-              <a:t>⑪</a:t>
-            </a:r>
-            <a:r>
-              <a:rPr lang="ko-KR" altLang="en-US" sz="1200" kern="0" spc="0" dirty="0">
-                <a:solidFill>
-                  <a:srgbClr val="000000"/>
-                </a:solidFill>
-                <a:effectLst/>
-                <a:latin typeface="맑은 고딕" panose="020B0503020000020004" pitchFamily="50" charset="-127"/>
-                <a:ea typeface="맑은 고딕" panose="020B0503020000020004" pitchFamily="50" charset="-127"/>
-              </a:rPr>
-              <a:t> </a:t>
-            </a:r>
-            <a:r>
-              <a:rPr lang="ko-KR" altLang="en-US" sz="1200" dirty="0">
-                <a:solidFill>
-                  <a:schemeClr val="tx1"/>
-                </a:solidFill>
-              </a:rPr>
-              <a:t>마이페이지 클릭시 </a:t>
-            </a:r>
-            <a:r>
-              <a:rPr lang="en-US" altLang="ko-KR" sz="1200" dirty="0">
-                <a:solidFill>
-                  <a:schemeClr val="tx1"/>
-                </a:solidFill>
-              </a:rPr>
-              <a:t>mypage01</a:t>
-            </a:r>
-            <a:r>
-              <a:rPr lang="ko-KR" altLang="en-US" sz="1200" dirty="0">
-                <a:solidFill>
-                  <a:schemeClr val="tx1"/>
-                </a:solidFill>
-              </a:rPr>
-              <a:t>로 이동</a:t>
-            </a:r>
+              <a:latin typeface="+mn-ea"/>
+            </a:endParaRPr>
+          </a:p>
+          <a:p>
             <a:endParaRPr lang="en-US" altLang="ko-KR" sz="1200" dirty="0">
               <a:solidFill>
                 <a:schemeClr val="tx1"/>
               </a:solidFill>
+              <a:latin typeface="+mn-ea"/>
             </a:endParaRPr>
           </a:p>
           <a:p>
@@ -18311,6 +20507,7 @@
               <a:solidFill>
                 <a:schemeClr val="tx1"/>
               </a:solidFill>
+              <a:latin typeface="+mn-ea"/>
             </a:endParaRPr>
           </a:p>
           <a:p>
@@ -18318,6 +20515,7 @@
               <a:solidFill>
                 <a:schemeClr val="tx1"/>
               </a:solidFill>
+              <a:latin typeface="+mn-ea"/>
             </a:endParaRPr>
           </a:p>
           <a:p>
@@ -18325,6 +20523,7 @@
               <a:solidFill>
                 <a:schemeClr val="tx1"/>
               </a:solidFill>
+              <a:latin typeface="+mn-ea"/>
             </a:endParaRPr>
           </a:p>
           <a:p>
@@ -18335,14 +20534,7 @@
             </a:endParaRPr>
           </a:p>
           <a:p>
-            <a:endParaRPr lang="en-US" altLang="ko-KR" sz="1200" dirty="0">
-              <a:solidFill>
-                <a:schemeClr val="tx1"/>
-              </a:solidFill>
-            </a:endParaRPr>
-          </a:p>
-          <a:p>
-            <a:endParaRPr lang="en-US" altLang="ko-KR" sz="1200" dirty="0">
+            <a:endParaRPr lang="ko-KR" altLang="en-US" sz="1200" dirty="0">
               <a:solidFill>
                 <a:schemeClr val="tx1"/>
               </a:solidFill>
@@ -18364,7 +20556,7 @@
         </p:nvSpPr>
         <p:spPr>
           <a:xfrm>
-            <a:off x="0" y="2"/>
+            <a:off x="14375" y="14547"/>
             <a:ext cx="2743201" cy="6857996"/>
           </a:xfrm>
           <a:prstGeom prst="rect">
@@ -18398,7 +20590,7 @@
           <a:lstStyle/>
           <a:p>
             <a:pPr algn="ctr"/>
-            <a:endParaRPr lang="ko-KR" altLang="en-US" sz="1600"/>
+            <a:endParaRPr lang="ko-KR" altLang="en-US" sz="1600" dirty="0"/>
           </a:p>
         </p:txBody>
       </p:sp>
@@ -18543,7 +20735,7 @@
         </p:nvGrpSpPr>
         <p:grpSpPr>
           <a:xfrm>
-            <a:off x="276836" y="1283533"/>
+            <a:off x="276835" y="1410096"/>
             <a:ext cx="2171089" cy="608077"/>
             <a:chOff x="276836" y="1474033"/>
             <a:chExt cx="2171089" cy="608077"/>
@@ -18622,7 +20814,7 @@
                     <a:srgbClr val="DCAE4B"/>
                   </a:solidFill>
                 </a:rPr>
-                <a:t>메인 페이지</a:t>
+                <a:t>회원가입 페이지</a:t>
               </a:r>
               <a:endParaRPr lang="en-US" altLang="ko-KR" sz="1200" dirty="0">
                 <a:solidFill>
@@ -18726,7 +20918,7 @@
                     <a:srgbClr val="DCAE4B"/>
                   </a:solidFill>
                 </a:rPr>
-                <a:t>main02</a:t>
+                <a:t>register01</a:t>
               </a:r>
             </a:p>
           </p:txBody>
@@ -18902,9 +21094,9 @@
         <p:grpSpPr>
           <a:xfrm>
             <a:off x="276836" y="3936433"/>
-            <a:ext cx="2171089" cy="608077"/>
+            <a:ext cx="2171089" cy="977409"/>
             <a:chOff x="276836" y="269845"/>
-            <a:chExt cx="2171089" cy="608077"/>
+            <a:chExt cx="2171089" cy="977409"/>
           </a:xfrm>
         </p:grpSpPr>
         <p:sp>
@@ -18961,7 +21153,7 @@
           <p:spPr>
             <a:xfrm>
               <a:off x="276836" y="600923"/>
-              <a:ext cx="2171089" cy="276999"/>
+              <a:ext cx="2171089" cy="646331"/>
             </a:xfrm>
             <a:prstGeom prst="rect">
               <a:avLst/>
@@ -18974,9 +21166,25 @@
             </a:bodyPr>
             <a:lstStyle/>
             <a:p>
+              <a:r>
+                <a:rPr lang="en-US" altLang="ko-KR" sz="1200" dirty="0">
+                  <a:solidFill>
+                    <a:srgbClr val="DCAE4B"/>
+                  </a:solidFill>
+                </a:rPr>
+                <a:t>- </a:t>
+              </a:r>
+              <a:r>
+                <a:rPr lang="ko-KR" altLang="en-US" sz="1200" dirty="0">
+                  <a:solidFill>
+                    <a:srgbClr val="DCAE4B"/>
+                  </a:solidFill>
+                </a:rPr>
+                <a:t>비밀번호란과 비밀번호확인란이 일치 하지않으면 가입할 수 없음</a:t>
+              </a:r>
               <a:endParaRPr lang="en-US" altLang="ko-KR" sz="1200" dirty="0">
                 <a:solidFill>
-                  <a:schemeClr val="bg1"/>
+                  <a:srgbClr val="DCAE4B"/>
                 </a:solidFill>
               </a:endParaRPr>
             </a:p>
@@ -19010,8 +21218,8 @@
         </p:blipFill>
         <p:spPr>
           <a:xfrm>
-            <a:off x="3020035" y="747890"/>
-            <a:ext cx="6609127" cy="3290643"/>
+            <a:off x="3020035" y="749233"/>
+            <a:ext cx="6609127" cy="3287957"/>
           </a:xfrm>
           <a:prstGeom prst="rect">
             <a:avLst/>
@@ -19020,10 +21228,10 @@
       </p:pic>
       <p:sp>
         <p:nvSpPr>
-          <p:cNvPr id="23" name="TextBox 22">
+          <p:cNvPr id="25" name="TextBox 24">
             <a:extLst>
               <a:ext uri="{FF2B5EF4-FFF2-40B4-BE49-F238E27FC236}">
-                <a16:creationId xmlns:a16="http://schemas.microsoft.com/office/drawing/2014/main" id="{3074C67F-7DF3-24B4-21B9-469D32C5A274}"/>
+                <a16:creationId xmlns:a16="http://schemas.microsoft.com/office/drawing/2014/main" id="{90E27950-015C-39B5-ADC9-2DA64B928A82}"/>
               </a:ext>
             </a:extLst>
           </p:cNvPr>
@@ -19032,7 +21240,7 @@
         </p:nvSpPr>
         <p:spPr>
           <a:xfrm>
-            <a:off x="2871532" y="1953956"/>
+            <a:off x="2871532" y="1891610"/>
             <a:ext cx="297006" cy="338554"/>
           </a:xfrm>
           <a:prstGeom prst="rect">
@@ -19067,10 +21275,10 @@
       </p:sp>
       <p:sp>
         <p:nvSpPr>
-          <p:cNvPr id="24" name="TextBox 23">
+          <p:cNvPr id="26" name="TextBox 25">
             <a:extLst>
               <a:ext uri="{FF2B5EF4-FFF2-40B4-BE49-F238E27FC236}">
-                <a16:creationId xmlns:a16="http://schemas.microsoft.com/office/drawing/2014/main" id="{FB131E43-BE1D-C63F-25F7-BDD0C4804815}"/>
+                <a16:creationId xmlns:a16="http://schemas.microsoft.com/office/drawing/2014/main" id="{7D3AC09D-7B17-37E4-9AB4-78DA1F65103E}"/>
               </a:ext>
             </a:extLst>
           </p:cNvPr>
@@ -19079,7 +21287,7 @@
         </p:nvSpPr>
         <p:spPr>
           <a:xfrm>
-            <a:off x="5459557" y="819133"/>
+            <a:off x="5459557" y="756787"/>
             <a:ext cx="297006" cy="338554"/>
           </a:xfrm>
           <a:prstGeom prst="rect">
@@ -19114,10 +21322,10 @@
       </p:sp>
       <p:sp>
         <p:nvSpPr>
-          <p:cNvPr id="25" name="TextBox 24">
+          <p:cNvPr id="27" name="TextBox 26">
             <a:extLst>
               <a:ext uri="{FF2B5EF4-FFF2-40B4-BE49-F238E27FC236}">
-                <a16:creationId xmlns:a16="http://schemas.microsoft.com/office/drawing/2014/main" id="{0144F2FE-4DDD-E612-ED73-2AB4FB7F3816}"/>
+                <a16:creationId xmlns:a16="http://schemas.microsoft.com/office/drawing/2014/main" id="{EB351997-14B5-7FE6-9A61-0BA775983B71}"/>
               </a:ext>
             </a:extLst>
           </p:cNvPr>
@@ -19126,7 +21334,7 @@
         </p:nvSpPr>
         <p:spPr>
           <a:xfrm>
-            <a:off x="4318634" y="1236863"/>
+            <a:off x="4318634" y="1174517"/>
             <a:ext cx="297006" cy="338554"/>
           </a:xfrm>
           <a:prstGeom prst="rect">
@@ -19161,10 +21369,10 @@
       </p:sp>
       <p:sp>
         <p:nvSpPr>
-          <p:cNvPr id="26" name="TextBox 25">
+          <p:cNvPr id="35" name="TextBox 34">
             <a:extLst>
               <a:ext uri="{FF2B5EF4-FFF2-40B4-BE49-F238E27FC236}">
-                <a16:creationId xmlns:a16="http://schemas.microsoft.com/office/drawing/2014/main" id="{649A0B16-27BF-BFD4-97AC-F306164129B9}"/>
+                <a16:creationId xmlns:a16="http://schemas.microsoft.com/office/drawing/2014/main" id="{969450B5-3184-9602-6241-86EE0717070A}"/>
               </a:ext>
             </a:extLst>
           </p:cNvPr>
@@ -19173,7 +21381,7 @@
         </p:nvSpPr>
         <p:spPr>
           <a:xfrm>
-            <a:off x="5680797" y="1228002"/>
+            <a:off x="5680797" y="1165656"/>
             <a:ext cx="297006" cy="338554"/>
           </a:xfrm>
           <a:prstGeom prst="rect">
@@ -19208,10 +21416,10 @@
       </p:sp>
       <p:sp>
         <p:nvSpPr>
-          <p:cNvPr id="27" name="TextBox 26">
+          <p:cNvPr id="36" name="TextBox 35">
             <a:extLst>
               <a:ext uri="{FF2B5EF4-FFF2-40B4-BE49-F238E27FC236}">
-                <a16:creationId xmlns:a16="http://schemas.microsoft.com/office/drawing/2014/main" id="{187DC18D-0A1F-9315-620C-EF53AF56196C}"/>
+                <a16:creationId xmlns:a16="http://schemas.microsoft.com/office/drawing/2014/main" id="{40264152-95C9-C7FE-45F4-5458C6A74339}"/>
               </a:ext>
             </a:extLst>
           </p:cNvPr>
@@ -19220,7 +21428,7 @@
         </p:nvSpPr>
         <p:spPr>
           <a:xfrm>
-            <a:off x="6930471" y="1233453"/>
+            <a:off x="6930471" y="1171107"/>
             <a:ext cx="297006" cy="338554"/>
           </a:xfrm>
           <a:prstGeom prst="rect">
@@ -19255,10 +21463,10 @@
       </p:sp>
       <p:sp>
         <p:nvSpPr>
-          <p:cNvPr id="35" name="TextBox 34">
+          <p:cNvPr id="37" name="TextBox 36">
             <a:extLst>
               <a:ext uri="{FF2B5EF4-FFF2-40B4-BE49-F238E27FC236}">
-                <a16:creationId xmlns:a16="http://schemas.microsoft.com/office/drawing/2014/main" id="{3EDF68FE-9226-EB9B-E3CE-C9F10952D677}"/>
+                <a16:creationId xmlns:a16="http://schemas.microsoft.com/office/drawing/2014/main" id="{0872D90A-5DC0-5F47-7A23-90397BAD616F}"/>
               </a:ext>
             </a:extLst>
           </p:cNvPr>
@@ -19267,7 +21475,7 @@
         </p:nvSpPr>
         <p:spPr>
           <a:xfrm>
-            <a:off x="7914587" y="2788842"/>
+            <a:off x="7914587" y="2726496"/>
             <a:ext cx="297006" cy="338554"/>
           </a:xfrm>
           <a:prstGeom prst="rect">
@@ -19305,7 +21513,7 @@
           <p:cNvPr id="38" name="TextBox 37">
             <a:extLst>
               <a:ext uri="{FF2B5EF4-FFF2-40B4-BE49-F238E27FC236}">
-                <a16:creationId xmlns:a16="http://schemas.microsoft.com/office/drawing/2014/main" id="{C9E6D8E3-C9E0-BE4A-C872-46DAAF79CE9B}"/>
+                <a16:creationId xmlns:a16="http://schemas.microsoft.com/office/drawing/2014/main" id="{BD27B2CB-2C71-5811-C0A1-4F6C4F8E0ED1}"/>
               </a:ext>
             </a:extLst>
           </p:cNvPr>
@@ -19314,7 +21522,7 @@
         </p:nvSpPr>
         <p:spPr>
           <a:xfrm>
-            <a:off x="4981142" y="1968217"/>
+            <a:off x="8201202" y="2203390"/>
             <a:ext cx="297006" cy="338554"/>
           </a:xfrm>
           <a:prstGeom prst="rect">
@@ -19337,7 +21545,7 @@
                 <a:latin typeface="맑은 고딕" panose="020B0503020000020004" pitchFamily="50" charset="-127"/>
                 <a:ea typeface="맑은 고딕" panose="020B0503020000020004" pitchFamily="50" charset="-127"/>
               </a:rPr>
-              <a:t>⑨</a:t>
+              <a:t>⑦</a:t>
             </a:r>
             <a:endParaRPr lang="ko-KR" altLang="en-US" sz="1600" b="1" dirty="0">
               <a:solidFill>
@@ -19352,7 +21560,7 @@
           <p:cNvPr id="39" name="TextBox 38">
             <a:extLst>
               <a:ext uri="{FF2B5EF4-FFF2-40B4-BE49-F238E27FC236}">
-                <a16:creationId xmlns:a16="http://schemas.microsoft.com/office/drawing/2014/main" id="{117A29D6-063A-0C02-18D9-022B4D869B65}"/>
+                <a16:creationId xmlns:a16="http://schemas.microsoft.com/office/drawing/2014/main" id="{26CADEB6-A8A3-E517-4054-A101B6A418A7}"/>
               </a:ext>
             </a:extLst>
           </p:cNvPr>
@@ -19361,7 +21569,7 @@
         </p:nvSpPr>
         <p:spPr>
           <a:xfrm>
-            <a:off x="8076511" y="2148190"/>
+            <a:off x="9233479" y="2192999"/>
             <a:ext cx="297006" cy="338554"/>
           </a:xfrm>
           <a:prstGeom prst="rect">
@@ -19384,18 +21592,7 @@
                 <a:latin typeface="맑은 고딕" panose="020B0503020000020004" pitchFamily="50" charset="-127"/>
                 <a:ea typeface="맑은 고딕" panose="020B0503020000020004" pitchFamily="50" charset="-127"/>
               </a:rPr>
-              <a:t>⑩</a:t>
-            </a:r>
-            <a:r>
-              <a:rPr lang="ko-KR" altLang="en-US" sz="1600" b="1" kern="0" spc="0" dirty="0">
-                <a:solidFill>
-                  <a:srgbClr val="000000"/>
-                </a:solidFill>
-                <a:effectLst/>
-                <a:latin typeface="맑은 고딕" panose="020B0503020000020004" pitchFamily="50" charset="-127"/>
-                <a:ea typeface="맑은 고딕" panose="020B0503020000020004" pitchFamily="50" charset="-127"/>
-              </a:rPr>
-              <a:t> </a:t>
+              <a:t>⑧</a:t>
             </a:r>
             <a:endParaRPr lang="ko-KR" altLang="en-US" sz="1600" b="1" dirty="0">
               <a:solidFill>
@@ -19407,10 +21604,10 @@
       </p:sp>
       <p:sp>
         <p:nvSpPr>
-          <p:cNvPr id="40" name="TextBox 39">
+          <p:cNvPr id="41" name="TextBox 40">
             <a:extLst>
               <a:ext uri="{FF2B5EF4-FFF2-40B4-BE49-F238E27FC236}">
-                <a16:creationId xmlns:a16="http://schemas.microsoft.com/office/drawing/2014/main" id="{011F1354-BFEB-7B34-82C6-A5EE23F45F4C}"/>
+                <a16:creationId xmlns:a16="http://schemas.microsoft.com/office/drawing/2014/main" id="{72258A19-84BE-35FA-C775-8BDB045DDAB7}"/>
               </a:ext>
             </a:extLst>
           </p:cNvPr>
@@ -19419,7 +21616,7 @@
         </p:nvSpPr>
         <p:spPr>
           <a:xfrm>
-            <a:off x="9257559" y="2130420"/>
+            <a:off x="5477487" y="3561721"/>
             <a:ext cx="297006" cy="338554"/>
           </a:xfrm>
           <a:prstGeom prst="rect">
@@ -19442,6 +21639,53 @@
                 <a:latin typeface="맑은 고딕" panose="020B0503020000020004" pitchFamily="50" charset="-127"/>
                 <a:ea typeface="맑은 고딕" panose="020B0503020000020004" pitchFamily="50" charset="-127"/>
               </a:rPr>
+              <a:t>⑩</a:t>
+            </a:r>
+            <a:endParaRPr lang="ko-KR" altLang="en-US" sz="1600" b="1" dirty="0">
+              <a:solidFill>
+                <a:schemeClr val="accent1"/>
+              </a:solidFill>
+            </a:endParaRPr>
+          </a:p>
+        </p:txBody>
+      </p:sp>
+      <p:sp>
+        <p:nvSpPr>
+          <p:cNvPr id="42" name="TextBox 41">
+            <a:extLst>
+              <a:ext uri="{FF2B5EF4-FFF2-40B4-BE49-F238E27FC236}">
+                <a16:creationId xmlns:a16="http://schemas.microsoft.com/office/drawing/2014/main" id="{548F547A-C3C8-B2D0-D4E8-4A891755B31D}"/>
+              </a:ext>
+            </a:extLst>
+          </p:cNvPr>
+          <p:cNvSpPr txBox="1"/>
+          <p:nvPr/>
+        </p:nvSpPr>
+        <p:spPr>
+          <a:xfrm>
+            <a:off x="6173705" y="3555810"/>
+            <a:ext cx="297006" cy="338554"/>
+          </a:xfrm>
+          <a:prstGeom prst="rect">
+            <a:avLst/>
+          </a:prstGeom>
+          <a:noFill/>
+        </p:spPr>
+        <p:txBody>
+          <a:bodyPr wrap="square">
+            <a:spAutoFit/>
+          </a:bodyPr>
+          <a:lstStyle/>
+          <a:p>
+            <a:r>
+              <a:rPr lang="ko-KR" altLang="en-US" sz="1600" b="1" kern="0" spc="0" dirty="0">
+                <a:solidFill>
+                  <a:schemeClr val="accent1"/>
+                </a:solidFill>
+                <a:effectLst/>
+                <a:latin typeface="맑은 고딕" panose="020B0503020000020004" pitchFamily="50" charset="-127"/>
+                <a:ea typeface="맑은 고딕" panose="020B0503020000020004" pitchFamily="50" charset="-127"/>
+              </a:rPr>
               <a:t>⑪</a:t>
             </a:r>
             <a:r>
@@ -19466,7 +21710,7 @@
     </p:spTree>
     <p:extLst>
       <p:ext uri="{BB962C8B-B14F-4D97-AF65-F5344CB8AC3E}">
-        <p14:creationId xmlns:p14="http://schemas.microsoft.com/office/powerpoint/2010/main" val="1228156332"/>
+        <p14:creationId xmlns:p14="http://schemas.microsoft.com/office/powerpoint/2010/main" val="3708531789"/>
       </p:ext>
     </p:extLst>
   </p:cSld>
@@ -19548,140 +21792,272 @@
                   <a:schemeClr val="tx1"/>
                 </a:solidFill>
               </a:rPr>
-              <a:t>         </a:t>
+              <a:t>        </a:t>
             </a:r>
             <a:r>
               <a:rPr lang="ko-KR" altLang="en-US" sz="1200" kern="0" spc="0" dirty="0">
                 <a:solidFill>
+                  <a:schemeClr val="tx1"/>
+                </a:solidFill>
+                <a:effectLst/>
+                <a:latin typeface="맑은 고딕" panose="020B0503020000020004" pitchFamily="50" charset="-127"/>
+                <a:ea typeface="맑은 고딕" panose="020B0503020000020004" pitchFamily="50" charset="-127"/>
+              </a:rPr>
+              <a:t>①</a:t>
+            </a:r>
+            <a:r>
+              <a:rPr lang="en-US" altLang="ko-KR" sz="1200" kern="0" spc="0" dirty="0">
+                <a:solidFill>
+                  <a:schemeClr val="tx1"/>
+                </a:solidFill>
+                <a:effectLst/>
+                <a:latin typeface="맑은 고딕" panose="020B0503020000020004" pitchFamily="50" charset="-127"/>
+                <a:ea typeface="맑은 고딕" panose="020B0503020000020004" pitchFamily="50" charset="-127"/>
+              </a:rPr>
+              <a:t>~</a:t>
+            </a:r>
+            <a:r>
+              <a:rPr lang="ko-KR" altLang="en-US" sz="1200" kern="0" spc="0" dirty="0">
+                <a:solidFill>
+                  <a:schemeClr val="tx1"/>
+                </a:solidFill>
+                <a:effectLst/>
+                <a:latin typeface="맑은 고딕" panose="020B0503020000020004" pitchFamily="50" charset="-127"/>
+                <a:ea typeface="맑은 고딕" panose="020B0503020000020004" pitchFamily="50" charset="-127"/>
+              </a:rPr>
+              <a:t> ⑥</a:t>
+            </a:r>
+            <a:r>
+              <a:rPr lang="en-US" altLang="ko-KR" sz="1200" kern="0" spc="0" dirty="0">
+                <a:solidFill>
+                  <a:schemeClr val="tx1"/>
+                </a:solidFill>
+                <a:effectLst/>
+                <a:latin typeface="맑은 고딕" panose="020B0503020000020004" pitchFamily="50" charset="-127"/>
+                <a:ea typeface="맑은 고딕" panose="020B0503020000020004" pitchFamily="50" charset="-127"/>
+              </a:rPr>
+              <a:t>,</a:t>
+            </a:r>
+            <a:r>
+              <a:rPr lang="en-US" altLang="ko-KR" sz="1200" dirty="0">
+                <a:solidFill>
+                  <a:schemeClr val="tx1"/>
+                </a:solidFill>
+              </a:rPr>
+              <a:t> </a:t>
+            </a:r>
+            <a:r>
+              <a:rPr lang="ko-KR" altLang="en-US" sz="1200" kern="0" spc="0" dirty="0">
+                <a:solidFill>
+                  <a:schemeClr val="tx1"/>
+                </a:solidFill>
+                <a:effectLst/>
+                <a:latin typeface="맑은 고딕" panose="020B0503020000020004" pitchFamily="50" charset="-127"/>
+                <a:ea typeface="맑은 고딕" panose="020B0503020000020004" pitchFamily="50" charset="-127"/>
+              </a:rPr>
+              <a:t>⑨</a:t>
+            </a:r>
+            <a:r>
+              <a:rPr lang="en-US" altLang="ko-KR" sz="1200" kern="0" spc="0" dirty="0">
+                <a:solidFill>
+                  <a:schemeClr val="tx1"/>
+                </a:solidFill>
+                <a:effectLst/>
+                <a:latin typeface="맑은 고딕" panose="020B0503020000020004" pitchFamily="50" charset="-127"/>
+                <a:ea typeface="맑은 고딕" panose="020B0503020000020004" pitchFamily="50" charset="-127"/>
+              </a:rPr>
+              <a:t> </a:t>
+            </a:r>
+            <a:r>
+              <a:rPr lang="ko-KR" altLang="en-US" sz="1200" kern="0" spc="0" dirty="0">
+                <a:solidFill>
+                  <a:schemeClr val="tx1"/>
+                </a:solidFill>
+                <a:effectLst/>
+                <a:latin typeface="맑은 고딕" panose="020B0503020000020004" pitchFamily="50" charset="-127"/>
+                <a:ea typeface="맑은 고딕" panose="020B0503020000020004" pitchFamily="50" charset="-127"/>
+              </a:rPr>
+              <a:t> </a:t>
+            </a:r>
+            <a:r>
+              <a:rPr lang="ko-KR" altLang="en-US" sz="1200" kern="0" spc="0" dirty="0">
+                <a:solidFill>
                   <a:srgbClr val="000000"/>
                 </a:solidFill>
                 <a:effectLst/>
-                <a:latin typeface="+mn-ea"/>
-              </a:rPr>
-              <a:t>①</a:t>
-            </a:r>
-            <a:r>
-              <a:rPr lang="en-US" altLang="ko-KR" sz="1200" kern="0" spc="0" dirty="0">
+                <a:latin typeface="맑은 고딕" panose="020B0503020000020004" pitchFamily="50" charset="-127"/>
+                <a:ea typeface="맑은 고딕" panose="020B0503020000020004" pitchFamily="50" charset="-127"/>
+              </a:rPr>
+              <a:t>공통</a:t>
+            </a:r>
+            <a:r>
+              <a:rPr lang="en-US" altLang="ko-KR" sz="1200" dirty="0">
+                <a:solidFill>
+                  <a:schemeClr val="tx1"/>
+                </a:solidFill>
+              </a:rPr>
+              <a:t>     </a:t>
+            </a:r>
+          </a:p>
+          <a:p>
+            <a:r>
+              <a:rPr lang="en-US" altLang="ko-KR" sz="1200" dirty="0">
+                <a:solidFill>
+                  <a:schemeClr val="tx1"/>
+                </a:solidFill>
+              </a:rPr>
+              <a:t>        </a:t>
+            </a:r>
+            <a:r>
+              <a:rPr lang="ko-KR" altLang="en-US" sz="1200" kern="0" spc="0" dirty="0">
+                <a:solidFill>
+                  <a:schemeClr val="tx1"/>
+                </a:solidFill>
+                <a:effectLst/>
+                <a:latin typeface="맑은 고딕" panose="020B0503020000020004" pitchFamily="50" charset="-127"/>
+                <a:ea typeface="맑은 고딕" panose="020B0503020000020004" pitchFamily="50" charset="-127"/>
+              </a:rPr>
+              <a:t>⑩</a:t>
+            </a:r>
+            <a:r>
+              <a:rPr lang="en-US" altLang="ko-KR" sz="1200" dirty="0">
+                <a:solidFill>
+                  <a:schemeClr val="tx1"/>
+                </a:solidFill>
+              </a:rPr>
+              <a:t> </a:t>
+            </a:r>
+            <a:r>
+              <a:rPr lang="ko-KR" altLang="en-US" sz="1200" dirty="0">
+                <a:solidFill>
+                  <a:schemeClr val="tx1"/>
+                </a:solidFill>
+              </a:rPr>
+              <a:t>로그아웃 클릭시 </a:t>
+            </a:r>
+            <a:r>
+              <a:rPr lang="en-US" altLang="ko-KR" sz="1200" dirty="0">
+                <a:solidFill>
+                  <a:schemeClr val="tx1"/>
+                </a:solidFill>
+              </a:rPr>
+              <a:t>main01</a:t>
+            </a:r>
+            <a:r>
+              <a:rPr lang="ko-KR" altLang="en-US" sz="1200" dirty="0">
+                <a:solidFill>
+                  <a:schemeClr val="tx1"/>
+                </a:solidFill>
+              </a:rPr>
+              <a:t>로 이동</a:t>
+            </a:r>
+            <a:endParaRPr lang="en-US" altLang="ko-KR" sz="1200" dirty="0">
+              <a:solidFill>
+                <a:schemeClr val="tx1"/>
+              </a:solidFill>
+            </a:endParaRPr>
+          </a:p>
+          <a:p>
+            <a:r>
+              <a:rPr lang="en-US" altLang="ko-KR" sz="1200" dirty="0">
+                <a:solidFill>
+                  <a:schemeClr val="tx1"/>
+                </a:solidFill>
+              </a:rPr>
+              <a:t>        </a:t>
+            </a:r>
+            <a:r>
+              <a:rPr lang="ko-KR" altLang="en-US" sz="1200" kern="0" spc="0" dirty="0">
+                <a:solidFill>
+                  <a:schemeClr val="tx1"/>
+                </a:solidFill>
+                <a:effectLst/>
+                <a:latin typeface="맑은 고딕" panose="020B0503020000020004" pitchFamily="50" charset="-127"/>
+                <a:ea typeface="맑은 고딕" panose="020B0503020000020004" pitchFamily="50" charset="-127"/>
+              </a:rPr>
+              <a:t>⑪</a:t>
+            </a:r>
+            <a:r>
+              <a:rPr lang="ko-KR" altLang="en-US" sz="1200" kern="0" spc="0" dirty="0">
                 <a:solidFill>
                   <a:srgbClr val="000000"/>
                 </a:solidFill>
                 <a:effectLst/>
-                <a:latin typeface="+mn-ea"/>
-              </a:rPr>
-              <a:t>~</a:t>
-            </a:r>
-            <a:r>
-              <a:rPr lang="ko-KR" altLang="en-US" sz="1200" kern="0" spc="0" dirty="0">
-                <a:solidFill>
-                  <a:srgbClr val="000000"/>
-                </a:solidFill>
-                <a:effectLst/>
-                <a:latin typeface="+mn-ea"/>
-              </a:rPr>
-              <a:t> ⑧ 공통</a:t>
-            </a:r>
-            <a:endParaRPr lang="en-US" altLang="ko-KR" sz="1200" kern="0" spc="0" dirty="0">
-              <a:solidFill>
-                <a:srgbClr val="000000"/>
-              </a:solidFill>
-              <a:effectLst/>
-              <a:latin typeface="+mn-ea"/>
-            </a:endParaRPr>
-          </a:p>
-          <a:p>
+                <a:latin typeface="맑은 고딕" panose="020B0503020000020004" pitchFamily="50" charset="-127"/>
+                <a:ea typeface="맑은 고딕" panose="020B0503020000020004" pitchFamily="50" charset="-127"/>
+              </a:rPr>
+              <a:t> </a:t>
+            </a:r>
+            <a:r>
+              <a:rPr lang="ko-KR" altLang="en-US" sz="1200" dirty="0">
+                <a:solidFill>
+                  <a:schemeClr val="tx1"/>
+                </a:solidFill>
+              </a:rPr>
+              <a:t>마이페이지 클릭시 </a:t>
+            </a:r>
             <a:r>
               <a:rPr lang="en-US" altLang="ko-KR" sz="1200" dirty="0">
                 <a:solidFill>
                   <a:schemeClr val="tx1"/>
                 </a:solidFill>
-                <a:latin typeface="+mn-ea"/>
-              </a:rPr>
-              <a:t>      </a:t>
-            </a:r>
-            <a:r>
-              <a:rPr lang="ko-KR" altLang="en-US" sz="1200" kern="0" spc="0" dirty="0">
-                <a:solidFill>
-                  <a:srgbClr val="000000"/>
-                </a:solidFill>
-                <a:effectLst/>
-                <a:latin typeface="+mn-ea"/>
-              </a:rPr>
-              <a:t>⑩ </a:t>
+              </a:rPr>
+              <a:t>mypage01</a:t>
             </a:r>
             <a:r>
               <a:rPr lang="ko-KR" altLang="en-US" sz="1200" dirty="0">
                 <a:solidFill>
                   <a:schemeClr val="tx1"/>
                 </a:solidFill>
-                <a:latin typeface="+mn-ea"/>
-              </a:rPr>
-              <a:t>연예인착용 사진을 클릭 시 해당 제품의 정보페이지로 이동</a:t>
+              </a:rPr>
+              <a:t>로 이동</a:t>
             </a:r>
             <a:endParaRPr lang="en-US" altLang="ko-KR" sz="1200" dirty="0">
               <a:solidFill>
                 <a:schemeClr val="tx1"/>
               </a:solidFill>
-              <a:latin typeface="+mn-ea"/>
-            </a:endParaRPr>
-          </a:p>
-          <a:p>
-            <a:endParaRPr lang="en-US" altLang="ko-KR" sz="1200" kern="0" spc="0" dirty="0">
+            </a:endParaRPr>
+          </a:p>
+          <a:p>
+            <a:endParaRPr lang="en-US" altLang="ko-KR" sz="1200" dirty="0">
               <a:solidFill>
                 <a:schemeClr val="tx1"/>
               </a:solidFill>
-              <a:effectLst/>
-              <a:latin typeface="+mn-ea"/>
-            </a:endParaRPr>
-          </a:p>
-          <a:p>
-            <a:endParaRPr lang="en-US" altLang="ko-KR" sz="1200" kern="0" dirty="0">
+            </a:endParaRPr>
+          </a:p>
+          <a:p>
+            <a:endParaRPr lang="en-US" altLang="ko-KR" sz="1200" dirty="0">
               <a:solidFill>
                 <a:schemeClr val="tx1"/>
               </a:solidFill>
-              <a:latin typeface="+mn-ea"/>
-            </a:endParaRPr>
-          </a:p>
-          <a:p>
-            <a:endParaRPr lang="en-US" altLang="ko-KR" sz="1200" kern="0" spc="0" dirty="0">
+            </a:endParaRPr>
+          </a:p>
+          <a:p>
+            <a:endParaRPr lang="en-US" altLang="ko-KR" sz="1200" dirty="0">
               <a:solidFill>
                 <a:schemeClr val="tx1"/>
               </a:solidFill>
-              <a:effectLst/>
-              <a:latin typeface="+mn-ea"/>
-            </a:endParaRPr>
-          </a:p>
-          <a:p>
-            <a:endParaRPr lang="en-US" altLang="ko-KR" sz="1200" kern="0" dirty="0">
+            </a:endParaRPr>
+          </a:p>
+          <a:p>
+            <a:endParaRPr lang="en-US" altLang="ko-KR" sz="1200" dirty="0">
               <a:solidFill>
                 <a:schemeClr val="tx1"/>
               </a:solidFill>
-              <a:latin typeface="+mn-ea"/>
-            </a:endParaRPr>
-          </a:p>
-          <a:p>
-            <a:endParaRPr lang="en-US" altLang="ko-KR" sz="1200" kern="0" spc="0" dirty="0">
+            </a:endParaRPr>
+          </a:p>
+          <a:p>
+            <a:endParaRPr lang="en-US" altLang="ko-KR" sz="1200" dirty="0">
               <a:solidFill>
                 <a:schemeClr val="tx1"/>
               </a:solidFill>
-              <a:effectLst/>
-              <a:latin typeface="+mn-ea"/>
-            </a:endParaRPr>
-          </a:p>
-          <a:p>
-            <a:endParaRPr lang="en-US" altLang="ko-KR" sz="1200" kern="0" dirty="0">
+            </a:endParaRPr>
+          </a:p>
+          <a:p>
+            <a:endParaRPr lang="en-US" altLang="ko-KR" sz="1200" dirty="0">
               <a:solidFill>
                 <a:schemeClr val="tx1"/>
               </a:solidFill>
-              <a:latin typeface="+mn-ea"/>
-            </a:endParaRPr>
-          </a:p>
-          <a:p>
-            <a:endParaRPr lang="en-US" altLang="ko-KR" sz="1200" kern="0" spc="0" dirty="0">
-              <a:solidFill>
-                <a:schemeClr val="tx1"/>
-              </a:solidFill>
-              <a:effectLst/>
-              <a:latin typeface="+mn-ea"/>
             </a:endParaRPr>
           </a:p>
         </p:txBody>
@@ -19734,7 +22110,7 @@
           <a:lstStyle/>
           <a:p>
             <a:pPr algn="ctr"/>
-            <a:endParaRPr lang="ko-KR" altLang="en-US" sz="1600" dirty="0"/>
+            <a:endParaRPr lang="ko-KR" altLang="en-US" sz="1600"/>
           </a:p>
         </p:txBody>
       </p:sp>
@@ -19953,20 +22329,12 @@
             <a:lstStyle/>
             <a:p>
               <a:r>
-                <a:rPr lang="en-US" altLang="ko-KR" sz="1200" dirty="0">
-                  <a:solidFill>
-                    <a:srgbClr val="DCAE4B"/>
-                  </a:solidFill>
-                </a:rPr>
-                <a:t>bag</a:t>
-              </a:r>
-              <a:r>
                 <a:rPr lang="ko-KR" altLang="en-US" sz="1200" dirty="0">
                   <a:solidFill>
                     <a:srgbClr val="DCAE4B"/>
                   </a:solidFill>
                 </a:rPr>
-                <a:t> 페이지</a:t>
+                <a:t>메인 페이지</a:t>
               </a:r>
               <a:endParaRPr lang="en-US" altLang="ko-KR" sz="1200" dirty="0">
                 <a:solidFill>
@@ -20070,7 +22438,7 @@
                     <a:srgbClr val="DCAE4B"/>
                   </a:solidFill>
                 </a:rPr>
-                <a:t>category01</a:t>
+                <a:t>main02</a:t>
               </a:r>
             </a:p>
           </p:txBody>
@@ -20318,17 +22686,9 @@
             </a:bodyPr>
             <a:lstStyle/>
             <a:p>
-              <a:r>
-                <a:rPr lang="ko-KR" altLang="en-US" sz="1200" dirty="0">
-                  <a:solidFill>
-                    <a:srgbClr val="DCAE4B"/>
-                  </a:solidFill>
-                </a:rPr>
-                <a:t>로그인시에도 동일 적용</a:t>
-              </a:r>
               <a:endParaRPr lang="en-US" altLang="ko-KR" sz="1200" dirty="0">
                 <a:solidFill>
-                  <a:srgbClr val="DCAE4B"/>
+                  <a:schemeClr val="bg1"/>
                 </a:solidFill>
               </a:endParaRPr>
             </a:p>
@@ -20350,7 +22710,7 @@
           <p:nvPr/>
         </p:nvPicPr>
         <p:blipFill>
-          <a:blip r:embed="rId2">
+          <a:blip r:embed="rId3">
             <a:extLst>
               <a:ext uri="{28A0092B-C50C-407E-A947-70E740481C1C}">
                 <a14:useLocalDpi xmlns:a14="http://schemas.microsoft.com/office/drawing/2010/main" val="0"/>
@@ -20362,8 +22722,8 @@
         </p:blipFill>
         <p:spPr>
           <a:xfrm>
-            <a:off x="3020063" y="743712"/>
-            <a:ext cx="6609070" cy="3299000"/>
+            <a:off x="3020035" y="747890"/>
+            <a:ext cx="6609127" cy="3290643"/>
           </a:xfrm>
           <a:prstGeom prst="rect">
             <a:avLst/>
@@ -20372,10 +22732,10 @@
       </p:pic>
       <p:sp>
         <p:nvSpPr>
-          <p:cNvPr id="21" name="TextBox 20">
+          <p:cNvPr id="23" name="TextBox 22">
             <a:extLst>
               <a:ext uri="{FF2B5EF4-FFF2-40B4-BE49-F238E27FC236}">
-                <a16:creationId xmlns:a16="http://schemas.microsoft.com/office/drawing/2014/main" id="{561E1804-4570-3285-3EA3-8B5EDA846FE8}"/>
+                <a16:creationId xmlns:a16="http://schemas.microsoft.com/office/drawing/2014/main" id="{3074C67F-7DF3-24B4-21B9-469D32C5A274}"/>
               </a:ext>
             </a:extLst>
           </p:cNvPr>
@@ -20384,7 +22744,7 @@
         </p:nvSpPr>
         <p:spPr>
           <a:xfrm>
-            <a:off x="2871532" y="1995520"/>
+            <a:off x="2871532" y="1953956"/>
             <a:ext cx="297006" cy="338554"/>
           </a:xfrm>
           <a:prstGeom prst="rect">
@@ -20419,10 +22779,10 @@
       </p:sp>
       <p:sp>
         <p:nvSpPr>
-          <p:cNvPr id="22" name="TextBox 21">
+          <p:cNvPr id="24" name="TextBox 23">
             <a:extLst>
               <a:ext uri="{FF2B5EF4-FFF2-40B4-BE49-F238E27FC236}">
-                <a16:creationId xmlns:a16="http://schemas.microsoft.com/office/drawing/2014/main" id="{73203639-6375-EAC4-FD12-7BD48D8A1043}"/>
+                <a16:creationId xmlns:a16="http://schemas.microsoft.com/office/drawing/2014/main" id="{FB131E43-BE1D-C63F-25F7-BDD0C4804815}"/>
               </a:ext>
             </a:extLst>
           </p:cNvPr>
@@ -20431,7 +22791,7 @@
         </p:nvSpPr>
         <p:spPr>
           <a:xfrm>
-            <a:off x="5459557" y="860697"/>
+            <a:off x="5459557" y="819133"/>
             <a:ext cx="297006" cy="338554"/>
           </a:xfrm>
           <a:prstGeom prst="rect">
@@ -20469,7 +22829,7 @@
           <p:cNvPr id="25" name="TextBox 24">
             <a:extLst>
               <a:ext uri="{FF2B5EF4-FFF2-40B4-BE49-F238E27FC236}">
-                <a16:creationId xmlns:a16="http://schemas.microsoft.com/office/drawing/2014/main" id="{1B9C5EE6-B24E-3AEF-37B3-FECB277CB353}"/>
+                <a16:creationId xmlns:a16="http://schemas.microsoft.com/office/drawing/2014/main" id="{0144F2FE-4DDD-E612-ED73-2AB4FB7F3816}"/>
               </a:ext>
             </a:extLst>
           </p:cNvPr>
@@ -20478,7 +22838,7 @@
         </p:nvSpPr>
         <p:spPr>
           <a:xfrm>
-            <a:off x="4318634" y="1278427"/>
+            <a:off x="4318634" y="1236863"/>
             <a:ext cx="297006" cy="338554"/>
           </a:xfrm>
           <a:prstGeom prst="rect">
@@ -20516,7 +22876,7 @@
           <p:cNvPr id="26" name="TextBox 25">
             <a:extLst>
               <a:ext uri="{FF2B5EF4-FFF2-40B4-BE49-F238E27FC236}">
-                <a16:creationId xmlns:a16="http://schemas.microsoft.com/office/drawing/2014/main" id="{42B5E0EC-0DAD-0135-FA20-C600D4EA6983}"/>
+                <a16:creationId xmlns:a16="http://schemas.microsoft.com/office/drawing/2014/main" id="{649A0B16-27BF-BFD4-97AC-F306164129B9}"/>
               </a:ext>
             </a:extLst>
           </p:cNvPr>
@@ -20525,7 +22885,7 @@
         </p:nvSpPr>
         <p:spPr>
           <a:xfrm>
-            <a:off x="5680797" y="1269566"/>
+            <a:off x="5680797" y="1228002"/>
             <a:ext cx="297006" cy="338554"/>
           </a:xfrm>
           <a:prstGeom prst="rect">
@@ -20563,7 +22923,7 @@
           <p:cNvPr id="27" name="TextBox 26">
             <a:extLst>
               <a:ext uri="{FF2B5EF4-FFF2-40B4-BE49-F238E27FC236}">
-                <a16:creationId xmlns:a16="http://schemas.microsoft.com/office/drawing/2014/main" id="{6C0BBC63-DDF8-701F-11B5-21133A838DC5}"/>
+                <a16:creationId xmlns:a16="http://schemas.microsoft.com/office/drawing/2014/main" id="{187DC18D-0A1F-9315-620C-EF53AF56196C}"/>
               </a:ext>
             </a:extLst>
           </p:cNvPr>
@@ -20572,7 +22932,7 @@
         </p:nvSpPr>
         <p:spPr>
           <a:xfrm>
-            <a:off x="6930471" y="1275017"/>
+            <a:off x="6930471" y="1233453"/>
             <a:ext cx="297006" cy="338554"/>
           </a:xfrm>
           <a:prstGeom prst="rect">
@@ -20610,7 +22970,7 @@
           <p:cNvPr id="35" name="TextBox 34">
             <a:extLst>
               <a:ext uri="{FF2B5EF4-FFF2-40B4-BE49-F238E27FC236}">
-                <a16:creationId xmlns:a16="http://schemas.microsoft.com/office/drawing/2014/main" id="{618D3D05-A2B1-EEEC-9E23-0B2BB5911DAE}"/>
+                <a16:creationId xmlns:a16="http://schemas.microsoft.com/office/drawing/2014/main" id="{3EDF68FE-9226-EB9B-E3CE-C9F10952D677}"/>
               </a:ext>
             </a:extLst>
           </p:cNvPr>
@@ -20619,7 +22979,7 @@
         </p:nvSpPr>
         <p:spPr>
           <a:xfrm>
-            <a:off x="7914587" y="2830406"/>
+            <a:off x="7914587" y="2788842"/>
             <a:ext cx="297006" cy="338554"/>
           </a:xfrm>
           <a:prstGeom prst="rect">
@@ -20654,10 +23014,10 @@
       </p:sp>
       <p:sp>
         <p:nvSpPr>
-          <p:cNvPr id="36" name="TextBox 35">
+          <p:cNvPr id="38" name="TextBox 37">
             <a:extLst>
               <a:ext uri="{FF2B5EF4-FFF2-40B4-BE49-F238E27FC236}">
-                <a16:creationId xmlns:a16="http://schemas.microsoft.com/office/drawing/2014/main" id="{D437FBC0-0C49-696D-BFBE-FA104F46F1B1}"/>
+                <a16:creationId xmlns:a16="http://schemas.microsoft.com/office/drawing/2014/main" id="{C9E6D8E3-C9E0-BE4A-C872-46DAAF79CE9B}"/>
               </a:ext>
             </a:extLst>
           </p:cNvPr>
@@ -20666,7 +23026,7 @@
         </p:nvSpPr>
         <p:spPr>
           <a:xfrm>
-            <a:off x="8201202" y="2191164"/>
+            <a:off x="4981142" y="1968217"/>
             <a:ext cx="297006" cy="338554"/>
           </a:xfrm>
           <a:prstGeom prst="rect">
@@ -20689,7 +23049,7 @@
                 <a:latin typeface="맑은 고딕" panose="020B0503020000020004" pitchFamily="50" charset="-127"/>
                 <a:ea typeface="맑은 고딕" panose="020B0503020000020004" pitchFamily="50" charset="-127"/>
               </a:rPr>
-              <a:t>⑦</a:t>
+              <a:t>⑨</a:t>
             </a:r>
             <a:endParaRPr lang="ko-KR" altLang="en-US" sz="1600" b="1" dirty="0">
               <a:solidFill>
@@ -20701,10 +23061,10 @@
       </p:sp>
       <p:sp>
         <p:nvSpPr>
-          <p:cNvPr id="37" name="TextBox 36">
+          <p:cNvPr id="39" name="TextBox 38">
             <a:extLst>
               <a:ext uri="{FF2B5EF4-FFF2-40B4-BE49-F238E27FC236}">
-                <a16:creationId xmlns:a16="http://schemas.microsoft.com/office/drawing/2014/main" id="{BFD07607-FB21-BE77-987A-D8775470AEB2}"/>
+                <a16:creationId xmlns:a16="http://schemas.microsoft.com/office/drawing/2014/main" id="{117A29D6-063A-0C02-18D9-022B4D869B65}"/>
               </a:ext>
             </a:extLst>
           </p:cNvPr>
@@ -20713,7 +23073,7 @@
         </p:nvSpPr>
         <p:spPr>
           <a:xfrm>
-            <a:off x="9233479" y="2180773"/>
+            <a:off x="8076511" y="2148190"/>
             <a:ext cx="297006" cy="338554"/>
           </a:xfrm>
           <a:prstGeom prst="rect">
@@ -20736,7 +23096,18 @@
                 <a:latin typeface="맑은 고딕" panose="020B0503020000020004" pitchFamily="50" charset="-127"/>
                 <a:ea typeface="맑은 고딕" panose="020B0503020000020004" pitchFamily="50" charset="-127"/>
               </a:rPr>
-              <a:t>⑧</a:t>
+              <a:t>⑩</a:t>
+            </a:r>
+            <a:r>
+              <a:rPr lang="ko-KR" altLang="en-US" sz="1600" b="1" kern="0" spc="0" dirty="0">
+                <a:solidFill>
+                  <a:srgbClr val="000000"/>
+                </a:solidFill>
+                <a:effectLst/>
+                <a:latin typeface="맑은 고딕" panose="020B0503020000020004" pitchFamily="50" charset="-127"/>
+                <a:ea typeface="맑은 고딕" panose="020B0503020000020004" pitchFamily="50" charset="-127"/>
+              </a:rPr>
+              <a:t> </a:t>
             </a:r>
             <a:endParaRPr lang="ko-KR" altLang="en-US" sz="1600" b="1" dirty="0">
               <a:solidFill>
@@ -20748,10 +23119,10 @@
       </p:sp>
       <p:sp>
         <p:nvSpPr>
-          <p:cNvPr id="39" name="TextBox 38">
+          <p:cNvPr id="40" name="TextBox 39">
             <a:extLst>
               <a:ext uri="{FF2B5EF4-FFF2-40B4-BE49-F238E27FC236}">
-                <a16:creationId xmlns:a16="http://schemas.microsoft.com/office/drawing/2014/main" id="{87F2DF09-D255-B620-5913-D426A6647D06}"/>
+                <a16:creationId xmlns:a16="http://schemas.microsoft.com/office/drawing/2014/main" id="{011F1354-BFEB-7B34-82C6-A5EE23F45F4C}"/>
               </a:ext>
             </a:extLst>
           </p:cNvPr>
@@ -20760,7 +23131,7 @@
         </p:nvSpPr>
         <p:spPr>
           <a:xfrm>
-            <a:off x="4467137" y="1995520"/>
+            <a:off x="9257559" y="2130420"/>
             <a:ext cx="297006" cy="338554"/>
           </a:xfrm>
           <a:prstGeom prst="rect">
@@ -20783,7 +23154,7 @@
                 <a:latin typeface="맑은 고딕" panose="020B0503020000020004" pitchFamily="50" charset="-127"/>
                 <a:ea typeface="맑은 고딕" panose="020B0503020000020004" pitchFamily="50" charset="-127"/>
               </a:rPr>
-              <a:t>⑩</a:t>
+              <a:t>⑪</a:t>
             </a:r>
             <a:r>
               <a:rPr lang="ko-KR" altLang="en-US" sz="1600" b="1" kern="0" spc="0" dirty="0">
@@ -20807,7 +23178,7 @@
     </p:spTree>
     <p:extLst>
       <p:ext uri="{BB962C8B-B14F-4D97-AF65-F5344CB8AC3E}">
-        <p14:creationId xmlns:p14="http://schemas.microsoft.com/office/powerpoint/2010/main" val="1818694643"/>
+        <p14:creationId xmlns:p14="http://schemas.microsoft.com/office/powerpoint/2010/main" val="1228156332"/>
       </p:ext>
     </p:extLst>
   </p:cSld>
@@ -20888,28 +23259,8 @@
                 <a:solidFill>
                   <a:schemeClr val="tx1"/>
                 </a:solidFill>
-                <a:latin typeface="+mn-ea"/>
-              </a:rPr>
-              <a:t>       </a:t>
-            </a:r>
-          </a:p>
-          <a:p>
-            <a:endParaRPr lang="en-US" altLang="ko-KR" sz="1200" kern="0" dirty="0">
-              <a:solidFill>
-                <a:schemeClr val="tx1"/>
-              </a:solidFill>
-              <a:latin typeface="+mn-ea"/>
-            </a:endParaRPr>
-          </a:p>
-          <a:p>
-            <a:r>
-              <a:rPr lang="en-US" altLang="ko-KR" sz="1200" kern="0" dirty="0">
-                <a:solidFill>
-                  <a:schemeClr val="tx1"/>
-                </a:solidFill>
-                <a:latin typeface="+mn-ea"/>
-              </a:rPr>
-              <a:t>       </a:t>
+              </a:rPr>
+              <a:t>         </a:t>
             </a:r>
             <a:r>
               <a:rPr lang="ko-KR" altLang="en-US" sz="1200" kern="0" spc="0" dirty="0">
@@ -20957,36 +23308,26 @@
                 </a:solidFill>
                 <a:latin typeface="+mn-ea"/>
               </a:rPr>
-              <a:t>       </a:t>
+              <a:t>      </a:t>
             </a:r>
             <a:r>
               <a:rPr lang="ko-KR" altLang="en-US" sz="1200" kern="0" spc="0" dirty="0">
                 <a:solidFill>
+                  <a:srgbClr val="000000"/>
+                </a:solidFill>
+                <a:effectLst/>
+                <a:latin typeface="+mn-ea"/>
+              </a:rPr>
+              <a:t>⑩ </a:t>
+            </a:r>
+            <a:r>
+              <a:rPr lang="ko-KR" altLang="en-US" sz="1200" dirty="0">
+                <a:solidFill>
                   <a:schemeClr val="tx1"/>
                 </a:solidFill>
-                <a:effectLst/>
                 <a:latin typeface="+mn-ea"/>
               </a:rPr>
-              <a:t>⑩</a:t>
-            </a:r>
-            <a:r>
-              <a:rPr lang="ko-KR" altLang="en-US" sz="1200" kern="0" spc="0" dirty="0">
-                <a:solidFill>
-                  <a:srgbClr val="000000"/>
-                </a:solidFill>
-                <a:effectLst/>
-                <a:latin typeface="+mn-ea"/>
-              </a:rPr>
-              <a:t> </a:t>
-            </a:r>
-            <a:r>
-              <a:rPr lang="ko-KR" altLang="en-US" sz="1200" dirty="0">
-                <a:solidFill>
-                  <a:schemeClr val="tx1"/>
-                </a:solidFill>
-                <a:latin typeface="+mn-ea"/>
-              </a:rPr>
-              <a:t>연예인 사진을 클릭 시 해당 연예인 페이지로 이동</a:t>
+              <a:t>연예인착용 사진을 클릭 시 해당 제품의 정보페이지로 이동</a:t>
             </a:r>
             <a:endParaRPr lang="en-US" altLang="ko-KR" sz="1200" dirty="0">
               <a:solidFill>
@@ -20996,62 +23337,16 @@
             </a:endParaRPr>
           </a:p>
           <a:p>
-            <a:r>
-              <a:rPr lang="en-US" altLang="ko-KR" sz="1200" dirty="0">
-                <a:solidFill>
-                  <a:schemeClr val="tx1"/>
-                </a:solidFill>
-                <a:latin typeface="+mn-ea"/>
-              </a:rPr>
-              <a:t>           (</a:t>
-            </a:r>
-            <a:r>
-              <a:rPr lang="ko-KR" altLang="en-US" sz="1200" dirty="0">
-                <a:solidFill>
-                  <a:schemeClr val="tx1"/>
-                </a:solidFill>
-                <a:latin typeface="+mn-ea"/>
-              </a:rPr>
-              <a:t>지수사진 클릭 시 </a:t>
-            </a:r>
-            <a:r>
-              <a:rPr lang="en-US" altLang="ko-KR" sz="1200" dirty="0">
-                <a:solidFill>
-                  <a:schemeClr val="tx1"/>
-                </a:solidFill>
-                <a:latin typeface="+mn-ea"/>
-              </a:rPr>
-              <a:t>jisu01</a:t>
-            </a:r>
-            <a:r>
-              <a:rPr lang="ko-KR" altLang="en-US" sz="1200" dirty="0">
-                <a:solidFill>
-                  <a:schemeClr val="tx1"/>
-                </a:solidFill>
-                <a:latin typeface="+mn-ea"/>
-              </a:rPr>
-              <a:t>로 이동</a:t>
-            </a:r>
-            <a:r>
-              <a:rPr lang="en-US" altLang="ko-KR" sz="1200" dirty="0">
-                <a:solidFill>
-                  <a:schemeClr val="tx1"/>
-                </a:solidFill>
-                <a:latin typeface="+mn-ea"/>
-              </a:rPr>
-              <a:t>)</a:t>
-            </a:r>
-          </a:p>
-          <a:p>
-            <a:endParaRPr lang="en-US" altLang="ko-KR" sz="1200" dirty="0">
+            <a:endParaRPr lang="en-US" altLang="ko-KR" sz="1200" kern="0" spc="0" dirty="0">
               <a:solidFill>
                 <a:schemeClr val="tx1"/>
               </a:solidFill>
+              <a:effectLst/>
               <a:latin typeface="+mn-ea"/>
             </a:endParaRPr>
           </a:p>
           <a:p>
-            <a:endParaRPr lang="en-US" altLang="ko-KR" sz="1200" dirty="0">
+            <a:endParaRPr lang="en-US" altLang="ko-KR" sz="1200" kern="0" dirty="0">
               <a:solidFill>
                 <a:schemeClr val="tx1"/>
               </a:solidFill>
@@ -21059,15 +23354,16 @@
             </a:endParaRPr>
           </a:p>
           <a:p>
-            <a:endParaRPr lang="en-US" altLang="ko-KR" sz="1200" dirty="0">
+            <a:endParaRPr lang="en-US" altLang="ko-KR" sz="1200" kern="0" spc="0" dirty="0">
               <a:solidFill>
                 <a:schemeClr val="tx1"/>
               </a:solidFill>
+              <a:effectLst/>
               <a:latin typeface="+mn-ea"/>
             </a:endParaRPr>
           </a:p>
           <a:p>
-            <a:endParaRPr lang="en-US" altLang="ko-KR" sz="1200" dirty="0">
+            <a:endParaRPr lang="en-US" altLang="ko-KR" sz="1200" kern="0" dirty="0">
               <a:solidFill>
                 <a:schemeClr val="tx1"/>
               </a:solidFill>
@@ -21075,15 +23371,16 @@
             </a:endParaRPr>
           </a:p>
           <a:p>
-            <a:endParaRPr lang="en-US" altLang="ko-KR" sz="1200" dirty="0">
+            <a:endParaRPr lang="en-US" altLang="ko-KR" sz="1200" kern="0" spc="0" dirty="0">
               <a:solidFill>
                 <a:schemeClr val="tx1"/>
               </a:solidFill>
+              <a:effectLst/>
               <a:latin typeface="+mn-ea"/>
             </a:endParaRPr>
           </a:p>
           <a:p>
-            <a:endParaRPr lang="en-US" altLang="ko-KR" sz="1200" dirty="0">
+            <a:endParaRPr lang="en-US" altLang="ko-KR" sz="1200" kern="0" dirty="0">
               <a:solidFill>
                 <a:schemeClr val="tx1"/>
               </a:solidFill>
@@ -21091,18 +23388,11 @@
             </a:endParaRPr>
           </a:p>
           <a:p>
-            <a:endParaRPr lang="en-US" altLang="ko-KR" sz="1200" dirty="0">
+            <a:endParaRPr lang="en-US" altLang="ko-KR" sz="1200" kern="0" spc="0" dirty="0">
               <a:solidFill>
                 <a:schemeClr val="tx1"/>
               </a:solidFill>
-              <a:latin typeface="+mn-ea"/>
-            </a:endParaRPr>
-          </a:p>
-          <a:p>
-            <a:endParaRPr lang="en-US" altLang="ko-KR" sz="1200" dirty="0">
-              <a:solidFill>
-                <a:schemeClr val="tx1"/>
-              </a:solidFill>
+              <a:effectLst/>
               <a:latin typeface="+mn-ea"/>
             </a:endParaRPr>
           </a:p>
@@ -21156,7 +23446,7 @@
           <a:lstStyle/>
           <a:p>
             <a:pPr algn="ctr"/>
-            <a:endParaRPr lang="ko-KR" altLang="en-US" sz="1600"/>
+            <a:endParaRPr lang="ko-KR" altLang="en-US" sz="1600" dirty="0"/>
           </a:p>
         </p:txBody>
       </p:sp>
@@ -21375,12 +23665,20 @@
             <a:lstStyle/>
             <a:p>
               <a:r>
+                <a:rPr lang="en-US" altLang="ko-KR" sz="1200" dirty="0">
+                  <a:solidFill>
+                    <a:srgbClr val="DCAE4B"/>
+                  </a:solidFill>
+                </a:rPr>
+                <a:t>bag</a:t>
+              </a:r>
+              <a:r>
                 <a:rPr lang="ko-KR" altLang="en-US" sz="1200" dirty="0">
                   <a:solidFill>
                     <a:srgbClr val="DCAE4B"/>
                   </a:solidFill>
                 </a:rPr>
-                <a:t>아티스트 페이지</a:t>
+                <a:t> 페이지</a:t>
               </a:r>
               <a:endParaRPr lang="en-US" altLang="ko-KR" sz="1200" dirty="0">
                 <a:solidFill>
@@ -21484,7 +23782,7 @@
                     <a:srgbClr val="DCAE4B"/>
                   </a:solidFill>
                 </a:rPr>
-                <a:t>artist01</a:t>
+                <a:t>category01</a:t>
               </a:r>
             </a:p>
           </p:txBody>
@@ -21776,8 +24074,8 @@
         </p:blipFill>
         <p:spPr>
           <a:xfrm>
-            <a:off x="3020035" y="749233"/>
-            <a:ext cx="6609127" cy="3287957"/>
+            <a:off x="3020063" y="743712"/>
+            <a:ext cx="6609070" cy="3299000"/>
           </a:xfrm>
           <a:prstGeom prst="rect">
             <a:avLst/>
@@ -21786,10 +24084,10 @@
       </p:pic>
       <p:sp>
         <p:nvSpPr>
-          <p:cNvPr id="23" name="TextBox 22">
+          <p:cNvPr id="21" name="TextBox 20">
             <a:extLst>
               <a:ext uri="{FF2B5EF4-FFF2-40B4-BE49-F238E27FC236}">
-                <a16:creationId xmlns:a16="http://schemas.microsoft.com/office/drawing/2014/main" id="{332965CA-2B06-0C3E-63EA-6009AE8803F6}"/>
+                <a16:creationId xmlns:a16="http://schemas.microsoft.com/office/drawing/2014/main" id="{561E1804-4570-3285-3EA3-8B5EDA846FE8}"/>
               </a:ext>
             </a:extLst>
           </p:cNvPr>
@@ -21833,10 +24131,10 @@
       </p:sp>
       <p:sp>
         <p:nvSpPr>
-          <p:cNvPr id="24" name="TextBox 23">
+          <p:cNvPr id="22" name="TextBox 21">
             <a:extLst>
               <a:ext uri="{FF2B5EF4-FFF2-40B4-BE49-F238E27FC236}">
-                <a16:creationId xmlns:a16="http://schemas.microsoft.com/office/drawing/2014/main" id="{6E32FCF0-1EF9-B7FE-47AB-7B9E083CD94D}"/>
+                <a16:creationId xmlns:a16="http://schemas.microsoft.com/office/drawing/2014/main" id="{73203639-6375-EAC4-FD12-7BD48D8A1043}"/>
               </a:ext>
             </a:extLst>
           </p:cNvPr>
@@ -21883,7 +24181,7 @@
           <p:cNvPr id="25" name="TextBox 24">
             <a:extLst>
               <a:ext uri="{FF2B5EF4-FFF2-40B4-BE49-F238E27FC236}">
-                <a16:creationId xmlns:a16="http://schemas.microsoft.com/office/drawing/2014/main" id="{D031EC8F-51D4-5811-822A-020ECA40D748}"/>
+                <a16:creationId xmlns:a16="http://schemas.microsoft.com/office/drawing/2014/main" id="{1B9C5EE6-B24E-3AEF-37B3-FECB277CB353}"/>
               </a:ext>
             </a:extLst>
           </p:cNvPr>
@@ -21930,7 +24228,7 @@
           <p:cNvPr id="26" name="TextBox 25">
             <a:extLst>
               <a:ext uri="{FF2B5EF4-FFF2-40B4-BE49-F238E27FC236}">
-                <a16:creationId xmlns:a16="http://schemas.microsoft.com/office/drawing/2014/main" id="{62AF6BB7-000F-3872-3C54-C8DDB1DC9314}"/>
+                <a16:creationId xmlns:a16="http://schemas.microsoft.com/office/drawing/2014/main" id="{42B5E0EC-0DAD-0135-FA20-C600D4EA6983}"/>
               </a:ext>
             </a:extLst>
           </p:cNvPr>
@@ -21977,7 +24275,7 @@
           <p:cNvPr id="27" name="TextBox 26">
             <a:extLst>
               <a:ext uri="{FF2B5EF4-FFF2-40B4-BE49-F238E27FC236}">
-                <a16:creationId xmlns:a16="http://schemas.microsoft.com/office/drawing/2014/main" id="{13C1F6BC-1B7F-6264-FC09-DC82049F9458}"/>
+                <a16:creationId xmlns:a16="http://schemas.microsoft.com/office/drawing/2014/main" id="{6C0BBC63-DDF8-701F-11B5-21133A838DC5}"/>
               </a:ext>
             </a:extLst>
           </p:cNvPr>
@@ -22024,7 +24322,7 @@
           <p:cNvPr id="35" name="TextBox 34">
             <a:extLst>
               <a:ext uri="{FF2B5EF4-FFF2-40B4-BE49-F238E27FC236}">
-                <a16:creationId xmlns:a16="http://schemas.microsoft.com/office/drawing/2014/main" id="{E396A3E0-DF59-637F-CB61-50F97C93101E}"/>
+                <a16:creationId xmlns:a16="http://schemas.microsoft.com/office/drawing/2014/main" id="{618D3D05-A2B1-EEEC-9E23-0B2BB5911DAE}"/>
               </a:ext>
             </a:extLst>
           </p:cNvPr>
@@ -22071,7 +24369,7 @@
           <p:cNvPr id="36" name="TextBox 35">
             <a:extLst>
               <a:ext uri="{FF2B5EF4-FFF2-40B4-BE49-F238E27FC236}">
-                <a16:creationId xmlns:a16="http://schemas.microsoft.com/office/drawing/2014/main" id="{E4E3D710-1211-903D-2F8F-1A70D78EA799}"/>
+                <a16:creationId xmlns:a16="http://schemas.microsoft.com/office/drawing/2014/main" id="{D437FBC0-0C49-696D-BFBE-FA104F46F1B1}"/>
               </a:ext>
             </a:extLst>
           </p:cNvPr>
@@ -22080,7 +24378,7 @@
         </p:nvSpPr>
         <p:spPr>
           <a:xfrm>
-            <a:off x="8201202" y="2244954"/>
+            <a:off x="8201202" y="2191164"/>
             <a:ext cx="297006" cy="338554"/>
           </a:xfrm>
           <a:prstGeom prst="rect">
@@ -22118,7 +24416,7 @@
           <p:cNvPr id="37" name="TextBox 36">
             <a:extLst>
               <a:ext uri="{FF2B5EF4-FFF2-40B4-BE49-F238E27FC236}">
-                <a16:creationId xmlns:a16="http://schemas.microsoft.com/office/drawing/2014/main" id="{82DB4310-2A84-90AA-579B-C35F4713EF96}"/>
+                <a16:creationId xmlns:a16="http://schemas.microsoft.com/office/drawing/2014/main" id="{BFD07607-FB21-BE77-987A-D8775470AEB2}"/>
               </a:ext>
             </a:extLst>
           </p:cNvPr>
@@ -22127,7 +24425,7 @@
         </p:nvSpPr>
         <p:spPr>
           <a:xfrm>
-            <a:off x="9233479" y="2234563"/>
+            <a:off x="9233479" y="2180773"/>
             <a:ext cx="297006" cy="338554"/>
           </a:xfrm>
           <a:prstGeom prst="rect">
@@ -22162,10 +24460,10 @@
       </p:sp>
       <p:sp>
         <p:nvSpPr>
-          <p:cNvPr id="38" name="TextBox 37">
+          <p:cNvPr id="39" name="TextBox 38">
             <a:extLst>
               <a:ext uri="{FF2B5EF4-FFF2-40B4-BE49-F238E27FC236}">
-                <a16:creationId xmlns:a16="http://schemas.microsoft.com/office/drawing/2014/main" id="{B1FF8A13-9046-CA91-61B7-DCAEBF16ECEA}"/>
+                <a16:creationId xmlns:a16="http://schemas.microsoft.com/office/drawing/2014/main" id="{87F2DF09-D255-B620-5913-D426A6647D06}"/>
               </a:ext>
             </a:extLst>
           </p:cNvPr>
@@ -22221,7 +24519,7 @@
     </p:spTree>
     <p:extLst>
       <p:ext uri="{BB962C8B-B14F-4D97-AF65-F5344CB8AC3E}">
-        <p14:creationId xmlns:p14="http://schemas.microsoft.com/office/powerpoint/2010/main" val="1420713057"/>
+        <p14:creationId xmlns:p14="http://schemas.microsoft.com/office/powerpoint/2010/main" val="1818694643"/>
       </p:ext>
     </p:extLst>
   </p:cSld>
@@ -22304,7 +24602,26 @@
                 </a:solidFill>
                 <a:latin typeface="+mn-ea"/>
               </a:rPr>
-              <a:t>      </a:t>
+              <a:t>       </a:t>
+            </a:r>
+          </a:p>
+          <a:p>
+            <a:endParaRPr lang="en-US" altLang="ko-KR" sz="1200" kern="0" dirty="0">
+              <a:solidFill>
+                <a:schemeClr val="tx1"/>
+              </a:solidFill>
+              <a:latin typeface="+mn-ea"/>
+            </a:endParaRPr>
+          </a:p>
+          <a:p>
+            <a:r>
+              <a:rPr lang="en-US" altLang="ko-KR" sz="1200" kern="0" dirty="0">
+                <a:solidFill>
+                  <a:schemeClr val="tx1"/>
+                </a:solidFill>
+                <a:latin typeface="+mn-ea"/>
+              </a:rPr>
+              <a:t>       </a:t>
             </a:r>
             <a:r>
               <a:rPr lang="ko-KR" altLang="en-US" sz="1200" kern="0" spc="0" dirty="0">
@@ -22352,17 +24669,27 @@
                 </a:solidFill>
                 <a:latin typeface="+mn-ea"/>
               </a:rPr>
-              <a:t>      </a:t>
+              <a:t>       </a:t>
             </a:r>
             <a:r>
               <a:rPr lang="ko-KR" altLang="en-US" sz="1200" kern="0" spc="0" dirty="0">
                 <a:solidFill>
+                  <a:schemeClr val="tx1"/>
+                </a:solidFill>
+                <a:effectLst/>
+                <a:latin typeface="+mn-ea"/>
+              </a:rPr>
+              <a:t>⑩</a:t>
+            </a:r>
+            <a:r>
+              <a:rPr lang="ko-KR" altLang="en-US" sz="1200" kern="0" spc="0" dirty="0">
+                <a:solidFill>
                   <a:srgbClr val="000000"/>
                 </a:solidFill>
                 <a:effectLst/>
                 <a:latin typeface="+mn-ea"/>
               </a:rPr>
-              <a:t>⑩ </a:t>
+              <a:t> </a:t>
             </a:r>
             <a:r>
               <a:rPr lang="ko-KR" altLang="en-US" sz="1200" dirty="0">
@@ -22371,8 +24698,63 @@
                 </a:solidFill>
                 <a:latin typeface="+mn-ea"/>
               </a:rPr>
-              <a:t>연예인 사진 클릭 시 해당 연예인이 착용한 제품 정보 페이지로 이동</a:t>
-            </a:r>
+              <a:t>연예인 사진을 클릭 시 해당 연예인 페이지로 이동</a:t>
+            </a:r>
+            <a:endParaRPr lang="en-US" altLang="ko-KR" sz="1200" dirty="0">
+              <a:solidFill>
+                <a:schemeClr val="tx1"/>
+              </a:solidFill>
+              <a:latin typeface="+mn-ea"/>
+            </a:endParaRPr>
+          </a:p>
+          <a:p>
+            <a:r>
+              <a:rPr lang="en-US" altLang="ko-KR" sz="1200" dirty="0">
+                <a:solidFill>
+                  <a:schemeClr val="tx1"/>
+                </a:solidFill>
+                <a:latin typeface="+mn-ea"/>
+              </a:rPr>
+              <a:t>           (</a:t>
+            </a:r>
+            <a:r>
+              <a:rPr lang="ko-KR" altLang="en-US" sz="1200" dirty="0">
+                <a:solidFill>
+                  <a:schemeClr val="tx1"/>
+                </a:solidFill>
+                <a:latin typeface="+mn-ea"/>
+              </a:rPr>
+              <a:t>지수사진 클릭 시 </a:t>
+            </a:r>
+            <a:r>
+              <a:rPr lang="en-US" altLang="ko-KR" sz="1200" dirty="0">
+                <a:solidFill>
+                  <a:schemeClr val="tx1"/>
+                </a:solidFill>
+                <a:latin typeface="+mn-ea"/>
+              </a:rPr>
+              <a:t>jisu01</a:t>
+            </a:r>
+            <a:r>
+              <a:rPr lang="ko-KR" altLang="en-US" sz="1200" dirty="0">
+                <a:solidFill>
+                  <a:schemeClr val="tx1"/>
+                </a:solidFill>
+                <a:latin typeface="+mn-ea"/>
+              </a:rPr>
+              <a:t>로 이동</a:t>
+            </a:r>
+            <a:r>
+              <a:rPr lang="en-US" altLang="ko-KR" sz="1200" dirty="0">
+                <a:solidFill>
+                  <a:schemeClr val="tx1"/>
+                </a:solidFill>
+                <a:latin typeface="+mn-ea"/>
+              </a:rPr>
+              <a:t>)</a:t>
+            </a:r>
+          </a:p>
+          <a:p>
             <a:endParaRPr lang="en-US" altLang="ko-KR" sz="1200" dirty="0">
               <a:solidFill>
                 <a:schemeClr val="tx1"/>
@@ -22710,7 +25092,7 @@
                     <a:srgbClr val="DCAE4B"/>
                   </a:solidFill>
                 </a:rPr>
-                <a:t>지수 페이지</a:t>
+                <a:t>아티스트 페이지</a:t>
               </a:r>
               <a:endParaRPr lang="en-US" altLang="ko-KR" sz="1200" dirty="0">
                 <a:solidFill>
@@ -22814,7 +25196,7 @@
                     <a:srgbClr val="DCAE4B"/>
                   </a:solidFill>
                 </a:rPr>
-                <a:t>jisu01</a:t>
+                <a:t>artist01</a:t>
               </a:r>
             </a:p>
           </p:txBody>
@@ -23094,7 +25476,7 @@
           <p:nvPr/>
         </p:nvPicPr>
         <p:blipFill>
-          <a:blip r:embed="rId3">
+          <a:blip r:embed="rId2">
             <a:extLst>
               <a:ext uri="{28A0092B-C50C-407E-A947-70E740481C1C}">
                 <a14:useLocalDpi xmlns:a14="http://schemas.microsoft.com/office/drawing/2010/main" val="0"/>
@@ -23106,8 +25488,8 @@
         </p:blipFill>
         <p:spPr>
           <a:xfrm>
-            <a:off x="3020054" y="743707"/>
-            <a:ext cx="6609088" cy="3299009"/>
+            <a:off x="3020035" y="749233"/>
+            <a:ext cx="6609127" cy="3287957"/>
           </a:xfrm>
           <a:prstGeom prst="rect">
             <a:avLst/>
@@ -23119,7 +25501,7 @@
           <p:cNvPr id="23" name="TextBox 22">
             <a:extLst>
               <a:ext uri="{FF2B5EF4-FFF2-40B4-BE49-F238E27FC236}">
-                <a16:creationId xmlns:a16="http://schemas.microsoft.com/office/drawing/2014/main" id="{92EF7BD4-28C8-47DB-2363-2E0A2CD8B327}"/>
+                <a16:creationId xmlns:a16="http://schemas.microsoft.com/office/drawing/2014/main" id="{332965CA-2B06-0C3E-63EA-6009AE8803F6}"/>
               </a:ext>
             </a:extLst>
           </p:cNvPr>
@@ -23128,7 +25510,7 @@
         </p:nvSpPr>
         <p:spPr>
           <a:xfrm>
-            <a:off x="2871532" y="2005911"/>
+            <a:off x="2871532" y="1995520"/>
             <a:ext cx="297006" cy="338554"/>
           </a:xfrm>
           <a:prstGeom prst="rect">
@@ -23166,7 +25548,7 @@
           <p:cNvPr id="24" name="TextBox 23">
             <a:extLst>
               <a:ext uri="{FF2B5EF4-FFF2-40B4-BE49-F238E27FC236}">
-                <a16:creationId xmlns:a16="http://schemas.microsoft.com/office/drawing/2014/main" id="{1C69D141-1D34-035B-F9CE-AF09F00AF430}"/>
+                <a16:creationId xmlns:a16="http://schemas.microsoft.com/office/drawing/2014/main" id="{6E32FCF0-1EF9-B7FE-47AB-7B9E083CD94D}"/>
               </a:ext>
             </a:extLst>
           </p:cNvPr>
@@ -23175,7 +25557,7 @@
         </p:nvSpPr>
         <p:spPr>
           <a:xfrm>
-            <a:off x="5459557" y="871088"/>
+            <a:off x="5459557" y="860697"/>
             <a:ext cx="297006" cy="338554"/>
           </a:xfrm>
           <a:prstGeom prst="rect">
@@ -23213,7 +25595,7 @@
           <p:cNvPr id="25" name="TextBox 24">
             <a:extLst>
               <a:ext uri="{FF2B5EF4-FFF2-40B4-BE49-F238E27FC236}">
-                <a16:creationId xmlns:a16="http://schemas.microsoft.com/office/drawing/2014/main" id="{FE5FFCC1-8322-A025-545F-5C89740CCC77}"/>
+                <a16:creationId xmlns:a16="http://schemas.microsoft.com/office/drawing/2014/main" id="{D031EC8F-51D4-5811-822A-020ECA40D748}"/>
               </a:ext>
             </a:extLst>
           </p:cNvPr>
@@ -23222,7 +25604,7 @@
         </p:nvSpPr>
         <p:spPr>
           <a:xfrm>
-            <a:off x="4318634" y="1288818"/>
+            <a:off x="4318634" y="1278427"/>
             <a:ext cx="297006" cy="338554"/>
           </a:xfrm>
           <a:prstGeom prst="rect">
@@ -23260,7 +25642,7 @@
           <p:cNvPr id="26" name="TextBox 25">
             <a:extLst>
               <a:ext uri="{FF2B5EF4-FFF2-40B4-BE49-F238E27FC236}">
-                <a16:creationId xmlns:a16="http://schemas.microsoft.com/office/drawing/2014/main" id="{B5410681-2234-9189-83EE-B1C171F05061}"/>
+                <a16:creationId xmlns:a16="http://schemas.microsoft.com/office/drawing/2014/main" id="{62AF6BB7-000F-3872-3C54-C8DDB1DC9314}"/>
               </a:ext>
             </a:extLst>
           </p:cNvPr>
@@ -23269,7 +25651,7 @@
         </p:nvSpPr>
         <p:spPr>
           <a:xfrm>
-            <a:off x="5680797" y="1279957"/>
+            <a:off x="5680797" y="1269566"/>
             <a:ext cx="297006" cy="338554"/>
           </a:xfrm>
           <a:prstGeom prst="rect">
@@ -23307,7 +25689,7 @@
           <p:cNvPr id="27" name="TextBox 26">
             <a:extLst>
               <a:ext uri="{FF2B5EF4-FFF2-40B4-BE49-F238E27FC236}">
-                <a16:creationId xmlns:a16="http://schemas.microsoft.com/office/drawing/2014/main" id="{0601C7E5-FC8E-3909-6BC7-12AB9305AF41}"/>
+                <a16:creationId xmlns:a16="http://schemas.microsoft.com/office/drawing/2014/main" id="{13C1F6BC-1B7F-6264-FC09-DC82049F9458}"/>
               </a:ext>
             </a:extLst>
           </p:cNvPr>
@@ -23316,7 +25698,7 @@
         </p:nvSpPr>
         <p:spPr>
           <a:xfrm>
-            <a:off x="6930471" y="1285408"/>
+            <a:off x="6930471" y="1275017"/>
             <a:ext cx="297006" cy="338554"/>
           </a:xfrm>
           <a:prstGeom prst="rect">
@@ -23354,7 +25736,7 @@
           <p:cNvPr id="35" name="TextBox 34">
             <a:extLst>
               <a:ext uri="{FF2B5EF4-FFF2-40B4-BE49-F238E27FC236}">
-                <a16:creationId xmlns:a16="http://schemas.microsoft.com/office/drawing/2014/main" id="{D92DECE5-BFC5-BACF-525F-67500D795479}"/>
+                <a16:creationId xmlns:a16="http://schemas.microsoft.com/office/drawing/2014/main" id="{E396A3E0-DF59-637F-CB61-50F97C93101E}"/>
               </a:ext>
             </a:extLst>
           </p:cNvPr>
@@ -23363,7 +25745,7 @@
         </p:nvSpPr>
         <p:spPr>
           <a:xfrm>
-            <a:off x="7914587" y="2840797"/>
+            <a:off x="7914587" y="2830406"/>
             <a:ext cx="297006" cy="338554"/>
           </a:xfrm>
           <a:prstGeom prst="rect">
@@ -23401,7 +25783,7 @@
           <p:cNvPr id="36" name="TextBox 35">
             <a:extLst>
               <a:ext uri="{FF2B5EF4-FFF2-40B4-BE49-F238E27FC236}">
-                <a16:creationId xmlns:a16="http://schemas.microsoft.com/office/drawing/2014/main" id="{0460CF85-8720-1077-B026-E16CD3BBEB3A}"/>
+                <a16:creationId xmlns:a16="http://schemas.microsoft.com/office/drawing/2014/main" id="{E4E3D710-1211-903D-2F8F-1A70D78EA799}"/>
               </a:ext>
             </a:extLst>
           </p:cNvPr>
@@ -23410,7 +25792,7 @@
         </p:nvSpPr>
         <p:spPr>
           <a:xfrm>
-            <a:off x="8201202" y="2255345"/>
+            <a:off x="8201202" y="2244954"/>
             <a:ext cx="297006" cy="338554"/>
           </a:xfrm>
           <a:prstGeom prst="rect">
@@ -23448,7 +25830,7 @@
           <p:cNvPr id="37" name="TextBox 36">
             <a:extLst>
               <a:ext uri="{FF2B5EF4-FFF2-40B4-BE49-F238E27FC236}">
-                <a16:creationId xmlns:a16="http://schemas.microsoft.com/office/drawing/2014/main" id="{297E1711-4C18-AC47-4C98-CA625275EFD3}"/>
+                <a16:creationId xmlns:a16="http://schemas.microsoft.com/office/drawing/2014/main" id="{82DB4310-2A84-90AA-579B-C35F4713EF96}"/>
               </a:ext>
             </a:extLst>
           </p:cNvPr>
@@ -23457,7 +25839,7 @@
         </p:nvSpPr>
         <p:spPr>
           <a:xfrm>
-            <a:off x="9233479" y="2244954"/>
+            <a:off x="9233479" y="2234563"/>
             <a:ext cx="297006" cy="338554"/>
           </a:xfrm>
           <a:prstGeom prst="rect">
@@ -23495,7 +25877,7 @@
           <p:cNvPr id="38" name="TextBox 37">
             <a:extLst>
               <a:ext uri="{FF2B5EF4-FFF2-40B4-BE49-F238E27FC236}">
-                <a16:creationId xmlns:a16="http://schemas.microsoft.com/office/drawing/2014/main" id="{41F6A151-6536-D96C-9382-C3502EFA02D1}"/>
+                <a16:creationId xmlns:a16="http://schemas.microsoft.com/office/drawing/2014/main" id="{B1FF8A13-9046-CA91-61B7-DCAEBF16ECEA}"/>
               </a:ext>
             </a:extLst>
           </p:cNvPr>
@@ -23504,7 +25886,7 @@
         </p:nvSpPr>
         <p:spPr>
           <a:xfrm>
-            <a:off x="4266679" y="1922783"/>
+            <a:off x="4467137" y="1995520"/>
             <a:ext cx="297006" cy="338554"/>
           </a:xfrm>
           <a:prstGeom prst="rect">
@@ -23551,7 +25933,7 @@
     </p:spTree>
     <p:extLst>
       <p:ext uri="{BB962C8B-B14F-4D97-AF65-F5344CB8AC3E}">
-        <p14:creationId xmlns:p14="http://schemas.microsoft.com/office/powerpoint/2010/main" val="3016756285"/>
+        <p14:creationId xmlns:p14="http://schemas.microsoft.com/office/powerpoint/2010/main" val="1420713057"/>
       </p:ext>
     </p:extLst>
   </p:cSld>
